--- a/第6章-GIS数据可视化-8课时/第6章-GIS数据可视化分析.pptx
+++ b/第6章-GIS数据可视化-8课时/第6章-GIS数据可视化分析.pptx
@@ -447,1074 +447,6 @@
 <file path=ppt/changesInfos/changesInfo1.xml><?xml version="1.0" encoding="utf-8"?>
 <pc:chgInfo xmlns:a="http://schemas.openxmlformats.org/drawingml/2006/main" xmlns:r="http://schemas.openxmlformats.org/officeDocument/2006/relationships" xmlns:ac="http://schemas.microsoft.com/office/drawing/2013/main/command" xmlns:pc="http://schemas.microsoft.com/office/powerpoint/2013/main/command">
   <pc:docChgLst>
-    <pc:chgData name="Xin Luo" userId="82312ee5779919a4" providerId="LiveId" clId="{4DB6C473-8E57-A543-81F7-48BE109E8C13}"/>
-    <pc:docChg chg="undo custSel addSld delSld modSld sldOrd delMainMaster">
-      <pc:chgData name="Xin Luo" userId="82312ee5779919a4" providerId="LiveId" clId="{4DB6C473-8E57-A543-81F7-48BE109E8C13}" dt="2023-02-21T15:10:04.498" v="5724" actId="108"/>
-      <pc:docMkLst>
-        <pc:docMk/>
-      </pc:docMkLst>
-      <pc:sldChg chg="addSp delSp modSp mod">
-        <pc:chgData name="Xin Luo" userId="82312ee5779919a4" providerId="LiveId" clId="{4DB6C473-8E57-A543-81F7-48BE109E8C13}" dt="2023-02-21T08:54:32.554" v="3595" actId="1076"/>
-        <pc:sldMkLst>
-          <pc:docMk/>
-          <pc:sldMk cId="1576120367" sldId="2387"/>
-        </pc:sldMkLst>
-        <pc:spChg chg="add del mod">
-          <ac:chgData name="Xin Luo" userId="82312ee5779919a4" providerId="LiveId" clId="{4DB6C473-8E57-A543-81F7-48BE109E8C13}" dt="2023-02-21T05:44:22.831" v="2010"/>
-          <ac:spMkLst>
-            <pc:docMk/>
-            <pc:sldMk cId="1576120367" sldId="2387"/>
-            <ac:spMk id="4" creationId="{14071939-13A8-68AD-CF24-E66618C9CB95}"/>
-          </ac:spMkLst>
-        </pc:spChg>
-        <pc:spChg chg="add del">
-          <ac:chgData name="Xin Luo" userId="82312ee5779919a4" providerId="LiveId" clId="{4DB6C473-8E57-A543-81F7-48BE109E8C13}" dt="2023-02-21T05:42:59.400" v="1996" actId="478"/>
-          <ac:spMkLst>
-            <pc:docMk/>
-            <pc:sldMk cId="1576120367" sldId="2387"/>
-            <ac:spMk id="6" creationId="{00000000-0000-0000-0000-000000000000}"/>
-          </ac:spMkLst>
-        </pc:spChg>
-        <pc:spChg chg="del">
-          <ac:chgData name="Xin Luo" userId="82312ee5779919a4" providerId="LiveId" clId="{4DB6C473-8E57-A543-81F7-48BE109E8C13}" dt="2023-02-21T05:42:53.918" v="1994" actId="478"/>
-          <ac:spMkLst>
-            <pc:docMk/>
-            <pc:sldMk cId="1576120367" sldId="2387"/>
-            <ac:spMk id="7" creationId="{00000000-0000-0000-0000-000000000000}"/>
-          </ac:spMkLst>
-        </pc:spChg>
-        <pc:spChg chg="add del mod">
-          <ac:chgData name="Xin Luo" userId="82312ee5779919a4" providerId="LiveId" clId="{4DB6C473-8E57-A543-81F7-48BE109E8C13}" dt="2023-02-21T05:46:39.935" v="2038" actId="478"/>
-          <ac:spMkLst>
-            <pc:docMk/>
-            <pc:sldMk cId="1576120367" sldId="2387"/>
-            <ac:spMk id="8" creationId="{5795B555-5780-95D6-6939-E2A2F840CEDB}"/>
-          </ac:spMkLst>
-        </pc:spChg>
-        <pc:spChg chg="add del mod topLvl">
-          <ac:chgData name="Xin Luo" userId="82312ee5779919a4" providerId="LiveId" clId="{4DB6C473-8E57-A543-81F7-48BE109E8C13}" dt="2023-02-21T05:47:15.440" v="2044" actId="164"/>
-          <ac:spMkLst>
-            <pc:docMk/>
-            <pc:sldMk cId="1576120367" sldId="2387"/>
-            <ac:spMk id="10" creationId="{00000000-0000-0000-0000-000000000000}"/>
-          </ac:spMkLst>
-        </pc:spChg>
-        <pc:spChg chg="mod topLvl">
-          <ac:chgData name="Xin Luo" userId="82312ee5779919a4" providerId="LiveId" clId="{4DB6C473-8E57-A543-81F7-48BE109E8C13}" dt="2023-02-21T05:47:15.440" v="2044" actId="164"/>
-          <ac:spMkLst>
-            <pc:docMk/>
-            <pc:sldMk cId="1576120367" sldId="2387"/>
-            <ac:spMk id="12" creationId="{00000000-0000-0000-0000-000000000000}"/>
-          </ac:spMkLst>
-        </pc:spChg>
-        <pc:spChg chg="mod">
-          <ac:chgData name="Xin Luo" userId="82312ee5779919a4" providerId="LiveId" clId="{4DB6C473-8E57-A543-81F7-48BE109E8C13}" dt="2023-02-21T05:45:26.754" v="2016" actId="207"/>
-          <ac:spMkLst>
-            <pc:docMk/>
-            <pc:sldMk cId="1576120367" sldId="2387"/>
-            <ac:spMk id="13" creationId="{00000000-0000-0000-0000-000000000000}"/>
-          </ac:spMkLst>
-        </pc:spChg>
-        <pc:spChg chg="mod">
-          <ac:chgData name="Xin Luo" userId="82312ee5779919a4" providerId="LiveId" clId="{4DB6C473-8E57-A543-81F7-48BE109E8C13}" dt="2023-02-21T05:45:26.754" v="2016" actId="207"/>
-          <ac:spMkLst>
-            <pc:docMk/>
-            <pc:sldMk cId="1576120367" sldId="2387"/>
-            <ac:spMk id="14" creationId="{00000000-0000-0000-0000-000000000000}"/>
-          </ac:spMkLst>
-        </pc:spChg>
-        <pc:spChg chg="mod">
-          <ac:chgData name="Xin Luo" userId="82312ee5779919a4" providerId="LiveId" clId="{4DB6C473-8E57-A543-81F7-48BE109E8C13}" dt="2023-02-21T05:45:26.754" v="2016" actId="207"/>
-          <ac:spMkLst>
-            <pc:docMk/>
-            <pc:sldMk cId="1576120367" sldId="2387"/>
-            <ac:spMk id="15" creationId="{00000000-0000-0000-0000-000000000000}"/>
-          </ac:spMkLst>
-        </pc:spChg>
-        <pc:spChg chg="mod">
-          <ac:chgData name="Xin Luo" userId="82312ee5779919a4" providerId="LiveId" clId="{4DB6C473-8E57-A543-81F7-48BE109E8C13}" dt="2023-02-21T05:45:26.754" v="2016" actId="207"/>
-          <ac:spMkLst>
-            <pc:docMk/>
-            <pc:sldMk cId="1576120367" sldId="2387"/>
-            <ac:spMk id="16" creationId="{00000000-0000-0000-0000-000000000000}"/>
-          </ac:spMkLst>
-        </pc:spChg>
-        <pc:grpChg chg="add del mod">
-          <ac:chgData name="Xin Luo" userId="82312ee5779919a4" providerId="LiveId" clId="{4DB6C473-8E57-A543-81F7-48BE109E8C13}" dt="2023-02-21T08:54:26.670" v="3594" actId="478"/>
-          <ac:grpSpMkLst>
-            <pc:docMk/>
-            <pc:sldMk cId="1576120367" sldId="2387"/>
-            <ac:grpSpMk id="2" creationId="{390AEDC4-AC8C-713C-F926-259F989CB162}"/>
-          </ac:grpSpMkLst>
-        </pc:grpChg>
-        <pc:grpChg chg="add mod">
-          <ac:chgData name="Xin Luo" userId="82312ee5779919a4" providerId="LiveId" clId="{4DB6C473-8E57-A543-81F7-48BE109E8C13}" dt="2023-02-21T08:54:32.554" v="3595" actId="1076"/>
-          <ac:grpSpMkLst>
-            <pc:docMk/>
-            <pc:sldMk cId="1576120367" sldId="2387"/>
-            <ac:grpSpMk id="3" creationId="{12ED16A1-79B8-7DB1-1CC1-250B051BAD58}"/>
-          </ac:grpSpMkLst>
-        </pc:grpChg>
-        <pc:grpChg chg="add del mod">
-          <ac:chgData name="Xin Luo" userId="82312ee5779919a4" providerId="LiveId" clId="{4DB6C473-8E57-A543-81F7-48BE109E8C13}" dt="2023-02-21T05:45:51.755" v="2019" actId="165"/>
-          <ac:grpSpMkLst>
-            <pc:docMk/>
-            <pc:sldMk cId="1576120367" sldId="2387"/>
-            <ac:grpSpMk id="5" creationId="{8F30E2E3-F8BB-EDF1-8726-1256D1547BF7}"/>
-          </ac:grpSpMkLst>
-        </pc:grpChg>
-        <pc:grpChg chg="add mod">
-          <ac:chgData name="Xin Luo" userId="82312ee5779919a4" providerId="LiveId" clId="{4DB6C473-8E57-A543-81F7-48BE109E8C13}" dt="2023-02-21T08:54:32.554" v="3595" actId="1076"/>
-          <ac:grpSpMkLst>
-            <pc:docMk/>
-            <pc:sldMk cId="1576120367" sldId="2387"/>
-            <ac:grpSpMk id="9" creationId="{84B9B8D5-4BCC-CDFF-1E13-B005060A8BDF}"/>
-          </ac:grpSpMkLst>
-        </pc:grpChg>
-      </pc:sldChg>
-      <pc:sldChg chg="del">
-        <pc:chgData name="Xin Luo" userId="82312ee5779919a4" providerId="LiveId" clId="{4DB6C473-8E57-A543-81F7-48BE109E8C13}" dt="2023-02-21T08:54:15.767" v="3575" actId="2696"/>
-        <pc:sldMkLst>
-          <pc:docMk/>
-          <pc:sldMk cId="0" sldId="2446"/>
-        </pc:sldMkLst>
-      </pc:sldChg>
-      <pc:sldChg chg="modSp mod ord">
-        <pc:chgData name="Xin Luo" userId="82312ee5779919a4" providerId="LiveId" clId="{4DB6C473-8E57-A543-81F7-48BE109E8C13}" dt="2023-02-21T06:59:18.091" v="3225" actId="20578"/>
-        <pc:sldMkLst>
-          <pc:docMk/>
-          <pc:sldMk cId="2415901206" sldId="2447"/>
-        </pc:sldMkLst>
-        <pc:spChg chg="mod">
-          <ac:chgData name="Xin Luo" userId="82312ee5779919a4" providerId="LiveId" clId="{4DB6C473-8E57-A543-81F7-48BE109E8C13}" dt="2023-02-21T03:26:36.249" v="1977" actId="20577"/>
-          <ac:spMkLst>
-            <pc:docMk/>
-            <pc:sldMk cId="2415901206" sldId="2447"/>
-            <ac:spMk id="7" creationId="{00000000-0000-0000-0000-000000000000}"/>
-          </ac:spMkLst>
-        </pc:spChg>
-      </pc:sldChg>
-      <pc:sldChg chg="addSp delSp modSp mod ord">
-        <pc:chgData name="Xin Luo" userId="82312ee5779919a4" providerId="LiveId" clId="{4DB6C473-8E57-A543-81F7-48BE109E8C13}" dt="2023-02-21T07:23:56.843" v="3356" actId="20577"/>
-        <pc:sldMkLst>
-          <pc:docMk/>
-          <pc:sldMk cId="4067577602" sldId="2605"/>
-        </pc:sldMkLst>
-        <pc:spChg chg="mod">
-          <ac:chgData name="Xin Luo" userId="82312ee5779919a4" providerId="LiveId" clId="{4DB6C473-8E57-A543-81F7-48BE109E8C13}" dt="2023-02-21T07:23:56.843" v="3356" actId="20577"/>
-          <ac:spMkLst>
-            <pc:docMk/>
-            <pc:sldMk cId="4067577602" sldId="2605"/>
-            <ac:spMk id="2" creationId="{631AADB6-C88A-D817-4683-FC087E4E240F}"/>
-          </ac:spMkLst>
-        </pc:spChg>
-        <pc:spChg chg="mod">
-          <ac:chgData name="Xin Luo" userId="82312ee5779919a4" providerId="LiveId" clId="{4DB6C473-8E57-A543-81F7-48BE109E8C13}" dt="2023-02-21T03:26:50.232" v="1984" actId="20577"/>
-          <ac:spMkLst>
-            <pc:docMk/>
-            <pc:sldMk cId="4067577602" sldId="2605"/>
-            <ac:spMk id="3" creationId="{00000000-0000-0000-0000-000000000000}"/>
-          </ac:spMkLst>
-        </pc:spChg>
-        <pc:spChg chg="add del mod">
-          <ac:chgData name="Xin Luo" userId="82312ee5779919a4" providerId="LiveId" clId="{4DB6C473-8E57-A543-81F7-48BE109E8C13}" dt="2023-02-21T07:21:29.220" v="3297"/>
-          <ac:spMkLst>
-            <pc:docMk/>
-            <pc:sldMk cId="4067577602" sldId="2605"/>
-            <ac:spMk id="4" creationId="{6043EA4A-1AB3-028D-434C-C16CE58B3A2A}"/>
-          </ac:spMkLst>
-        </pc:spChg>
-        <pc:spChg chg="add mod">
-          <ac:chgData name="Xin Luo" userId="82312ee5779919a4" providerId="LiveId" clId="{4DB6C473-8E57-A543-81F7-48BE109E8C13}" dt="2023-02-21T07:23:29.335" v="3346" actId="1076"/>
-          <ac:spMkLst>
-            <pc:docMk/>
-            <pc:sldMk cId="4067577602" sldId="2605"/>
-            <ac:spMk id="5" creationId="{8CB3051E-1455-F2D6-027A-C359D1264B18}"/>
-          </ac:spMkLst>
-        </pc:spChg>
-        <pc:spChg chg="del">
-          <ac:chgData name="Xin Luo" userId="82312ee5779919a4" providerId="LiveId" clId="{4DB6C473-8E57-A543-81F7-48BE109E8C13}" dt="2023-02-21T05:48:10.681" v="2114" actId="478"/>
-          <ac:spMkLst>
-            <pc:docMk/>
-            <pc:sldMk cId="4067577602" sldId="2605"/>
-            <ac:spMk id="15" creationId="{32C45697-89D7-5F4B-C2BC-3A7FBC2C544B}"/>
-          </ac:spMkLst>
-        </pc:spChg>
-        <pc:spChg chg="mod">
-          <ac:chgData name="Xin Luo" userId="82312ee5779919a4" providerId="LiveId" clId="{4DB6C473-8E57-A543-81F7-48BE109E8C13}" dt="2023-02-21T07:11:29.463" v="3277" actId="2710"/>
-          <ac:spMkLst>
-            <pc:docMk/>
-            <pc:sldMk cId="4067577602" sldId="2605"/>
-            <ac:spMk id="17" creationId="{9E05FFCA-3371-AF5C-381D-71D984055F5A}"/>
-          </ac:spMkLst>
-        </pc:spChg>
-        <pc:picChg chg="del">
-          <ac:chgData name="Xin Luo" userId="82312ee5779919a4" providerId="LiveId" clId="{4DB6C473-8E57-A543-81F7-48BE109E8C13}" dt="2023-02-21T05:48:06.479" v="2112" actId="478"/>
-          <ac:picMkLst>
-            <pc:docMk/>
-            <pc:sldMk cId="4067577602" sldId="2605"/>
-            <ac:picMk id="10" creationId="{492CAE81-3897-13BB-6E5A-74F2AC5F581A}"/>
-          </ac:picMkLst>
-        </pc:picChg>
-        <pc:picChg chg="del">
-          <ac:chgData name="Xin Luo" userId="82312ee5779919a4" providerId="LiveId" clId="{4DB6C473-8E57-A543-81F7-48BE109E8C13}" dt="2023-02-21T05:48:08.245" v="2113" actId="478"/>
-          <ac:picMkLst>
-            <pc:docMk/>
-            <pc:sldMk cId="4067577602" sldId="2605"/>
-            <ac:picMk id="14" creationId="{0637D38F-D0BE-5E7D-7891-2D7FAA4B4ED9}"/>
-          </ac:picMkLst>
-        </pc:picChg>
-        <pc:picChg chg="add mod">
-          <ac:chgData name="Xin Luo" userId="82312ee5779919a4" providerId="LiveId" clId="{4DB6C473-8E57-A543-81F7-48BE109E8C13}" dt="2023-02-21T07:23:29.335" v="3346" actId="1076"/>
-          <ac:picMkLst>
-            <pc:docMk/>
-            <pc:sldMk cId="4067577602" sldId="2605"/>
-            <ac:picMk id="1026" creationId="{9270A6EE-B03E-77C5-630F-E811251395A0}"/>
-          </ac:picMkLst>
-        </pc:picChg>
-      </pc:sldChg>
-      <pc:sldChg chg="del">
-        <pc:chgData name="Xin Luo" userId="82312ee5779919a4" providerId="LiveId" clId="{4DB6C473-8E57-A543-81F7-48BE109E8C13}" dt="2023-02-21T14:49:50.253" v="5372" actId="2696"/>
-        <pc:sldMkLst>
-          <pc:docMk/>
-          <pc:sldMk cId="963926578" sldId="2613"/>
-        </pc:sldMkLst>
-      </pc:sldChg>
-      <pc:sldChg chg="del">
-        <pc:chgData name="Xin Luo" userId="82312ee5779919a4" providerId="LiveId" clId="{4DB6C473-8E57-A543-81F7-48BE109E8C13}" dt="2023-02-21T14:49:50.286" v="5373" actId="2696"/>
-        <pc:sldMkLst>
-          <pc:docMk/>
-          <pc:sldMk cId="1377829391" sldId="2689"/>
-        </pc:sldMkLst>
-      </pc:sldChg>
-      <pc:sldChg chg="del">
-        <pc:chgData name="Xin Luo" userId="82312ee5779919a4" providerId="LiveId" clId="{4DB6C473-8E57-A543-81F7-48BE109E8C13}" dt="2023-02-21T14:49:50.299" v="5374" actId="2696"/>
-        <pc:sldMkLst>
-          <pc:docMk/>
-          <pc:sldMk cId="2843640805" sldId="2704"/>
-        </pc:sldMkLst>
-      </pc:sldChg>
-      <pc:sldChg chg="delSp modSp add mod ord">
-        <pc:chgData name="Xin Luo" userId="82312ee5779919a4" providerId="LiveId" clId="{4DB6C473-8E57-A543-81F7-48BE109E8C13}" dt="2023-02-21T05:54:53.172" v="2328" actId="113"/>
-        <pc:sldMkLst>
-          <pc:docMk/>
-          <pc:sldMk cId="2688334957" sldId="2705"/>
-        </pc:sldMkLst>
-        <pc:spChg chg="mod">
-          <ac:chgData name="Xin Luo" userId="82312ee5779919a4" providerId="LiveId" clId="{4DB6C473-8E57-A543-81F7-48BE109E8C13}" dt="2023-02-21T03:04:15.029" v="17" actId="20577"/>
-          <ac:spMkLst>
-            <pc:docMk/>
-            <pc:sldMk cId="2688334957" sldId="2705"/>
-            <ac:spMk id="2" creationId="{631AADB6-C88A-D817-4683-FC087E4E240F}"/>
-          </ac:spMkLst>
-        </pc:spChg>
-        <pc:spChg chg="del">
-          <ac:chgData name="Xin Luo" userId="82312ee5779919a4" providerId="LiveId" clId="{4DB6C473-8E57-A543-81F7-48BE109E8C13}" dt="2023-02-21T03:04:17.351" v="18" actId="478"/>
-          <ac:spMkLst>
-            <pc:docMk/>
-            <pc:sldMk cId="2688334957" sldId="2705"/>
-            <ac:spMk id="15" creationId="{32C45697-89D7-5F4B-C2BC-3A7FBC2C544B}"/>
-          </ac:spMkLst>
-        </pc:spChg>
-        <pc:spChg chg="mod">
-          <ac:chgData name="Xin Luo" userId="82312ee5779919a4" providerId="LiveId" clId="{4DB6C473-8E57-A543-81F7-48BE109E8C13}" dt="2023-02-21T05:54:53.172" v="2328" actId="113"/>
-          <ac:spMkLst>
-            <pc:docMk/>
-            <pc:sldMk cId="2688334957" sldId="2705"/>
-            <ac:spMk id="17" creationId="{9E05FFCA-3371-AF5C-381D-71D984055F5A}"/>
-          </ac:spMkLst>
-        </pc:spChg>
-        <pc:picChg chg="del">
-          <ac:chgData name="Xin Luo" userId="82312ee5779919a4" providerId="LiveId" clId="{4DB6C473-8E57-A543-81F7-48BE109E8C13}" dt="2023-02-21T03:04:18.544" v="20" actId="478"/>
-          <ac:picMkLst>
-            <pc:docMk/>
-            <pc:sldMk cId="2688334957" sldId="2705"/>
-            <ac:picMk id="10" creationId="{492CAE81-3897-13BB-6E5A-74F2AC5F581A}"/>
-          </ac:picMkLst>
-        </pc:picChg>
-        <pc:picChg chg="del">
-          <ac:chgData name="Xin Luo" userId="82312ee5779919a4" providerId="LiveId" clId="{4DB6C473-8E57-A543-81F7-48BE109E8C13}" dt="2023-02-21T03:04:17.947" v="19" actId="478"/>
-          <ac:picMkLst>
-            <pc:docMk/>
-            <pc:sldMk cId="2688334957" sldId="2705"/>
-            <ac:picMk id="14" creationId="{0637D38F-D0BE-5E7D-7891-2D7FAA4B4ED9}"/>
-          </ac:picMkLst>
-        </pc:picChg>
-      </pc:sldChg>
-      <pc:sldChg chg="modSp add mod">
-        <pc:chgData name="Xin Luo" userId="82312ee5779919a4" providerId="LiveId" clId="{4DB6C473-8E57-A543-81F7-48BE109E8C13}" dt="2023-02-21T05:59:45.306" v="2357" actId="2711"/>
-        <pc:sldMkLst>
-          <pc:docMk/>
-          <pc:sldMk cId="2464444856" sldId="2706"/>
-        </pc:sldMkLst>
-        <pc:spChg chg="mod">
-          <ac:chgData name="Xin Luo" userId="82312ee5779919a4" providerId="LiveId" clId="{4DB6C473-8E57-A543-81F7-48BE109E8C13}" dt="2023-02-21T05:59:45.306" v="2357" actId="2711"/>
-          <ac:spMkLst>
-            <pc:docMk/>
-            <pc:sldMk cId="2464444856" sldId="2706"/>
-            <ac:spMk id="2" creationId="{631AADB6-C88A-D817-4683-FC087E4E240F}"/>
-          </ac:spMkLst>
-        </pc:spChg>
-        <pc:spChg chg="mod">
-          <ac:chgData name="Xin Luo" userId="82312ee5779919a4" providerId="LiveId" clId="{4DB6C473-8E57-A543-81F7-48BE109E8C13}" dt="2023-02-21T05:59:45.306" v="2357" actId="2711"/>
-          <ac:spMkLst>
-            <pc:docMk/>
-            <pc:sldMk cId="2464444856" sldId="2706"/>
-            <ac:spMk id="3" creationId="{00000000-0000-0000-0000-000000000000}"/>
-          </ac:spMkLst>
-        </pc:spChg>
-        <pc:spChg chg="mod">
-          <ac:chgData name="Xin Luo" userId="82312ee5779919a4" providerId="LiveId" clId="{4DB6C473-8E57-A543-81F7-48BE109E8C13}" dt="2023-02-21T05:59:45.306" v="2357" actId="2711"/>
-          <ac:spMkLst>
-            <pc:docMk/>
-            <pc:sldMk cId="2464444856" sldId="2706"/>
-            <ac:spMk id="17" creationId="{9E05FFCA-3371-AF5C-381D-71D984055F5A}"/>
-          </ac:spMkLst>
-        </pc:spChg>
-      </pc:sldChg>
-      <pc:sldChg chg="modSp add mod">
-        <pc:chgData name="Xin Luo" userId="82312ee5779919a4" providerId="LiveId" clId="{4DB6C473-8E57-A543-81F7-48BE109E8C13}" dt="2023-02-21T06:00:27.005" v="2362" actId="113"/>
-        <pc:sldMkLst>
-          <pc:docMk/>
-          <pc:sldMk cId="1602808061" sldId="2707"/>
-        </pc:sldMkLst>
-        <pc:spChg chg="mod">
-          <ac:chgData name="Xin Luo" userId="82312ee5779919a4" providerId="LiveId" clId="{4DB6C473-8E57-A543-81F7-48BE109E8C13}" dt="2023-02-21T03:16:48.798" v="1289" actId="20577"/>
-          <ac:spMkLst>
-            <pc:docMk/>
-            <pc:sldMk cId="1602808061" sldId="2707"/>
-            <ac:spMk id="2" creationId="{631AADB6-C88A-D817-4683-FC087E4E240F}"/>
-          </ac:spMkLst>
-        </pc:spChg>
-        <pc:spChg chg="mod">
-          <ac:chgData name="Xin Luo" userId="82312ee5779919a4" providerId="LiveId" clId="{4DB6C473-8E57-A543-81F7-48BE109E8C13}" dt="2023-02-21T06:00:27.005" v="2362" actId="113"/>
-          <ac:spMkLst>
-            <pc:docMk/>
-            <pc:sldMk cId="1602808061" sldId="2707"/>
-            <ac:spMk id="17" creationId="{9E05FFCA-3371-AF5C-381D-71D984055F5A}"/>
-          </ac:spMkLst>
-        </pc:spChg>
-      </pc:sldChg>
-      <pc:sldChg chg="addSp modSp add mod">
-        <pc:chgData name="Xin Luo" userId="82312ee5779919a4" providerId="LiveId" clId="{4DB6C473-8E57-A543-81F7-48BE109E8C13}" dt="2023-02-21T03:24:12.660" v="1798" actId="207"/>
-        <pc:sldMkLst>
-          <pc:docMk/>
-          <pc:sldMk cId="1658607177" sldId="2708"/>
-        </pc:sldMkLst>
-        <pc:spChg chg="add mod">
-          <ac:chgData name="Xin Luo" userId="82312ee5779919a4" providerId="LiveId" clId="{4DB6C473-8E57-A543-81F7-48BE109E8C13}" dt="2023-02-21T03:24:12.660" v="1798" actId="207"/>
-          <ac:spMkLst>
-            <pc:docMk/>
-            <pc:sldMk cId="1658607177" sldId="2708"/>
-            <ac:spMk id="3" creationId="{E375549C-74EF-2C8F-6432-2C52B803FB1B}"/>
-          </ac:spMkLst>
-        </pc:spChg>
-        <pc:spChg chg="mod">
-          <ac:chgData name="Xin Luo" userId="82312ee5779919a4" providerId="LiveId" clId="{4DB6C473-8E57-A543-81F7-48BE109E8C13}" dt="2023-02-21T03:22:03.139" v="1731" actId="20577"/>
-          <ac:spMkLst>
-            <pc:docMk/>
-            <pc:sldMk cId="1658607177" sldId="2708"/>
-            <ac:spMk id="24" creationId="{00000000-0000-0000-0000-000000000000}"/>
-          </ac:spMkLst>
-        </pc:spChg>
-        <pc:picChg chg="mod">
-          <ac:chgData name="Xin Luo" userId="82312ee5779919a4" providerId="LiveId" clId="{4DB6C473-8E57-A543-81F7-48BE109E8C13}" dt="2023-02-21T03:23:29.344" v="1786" actId="1076"/>
-          <ac:picMkLst>
-            <pc:docMk/>
-            <pc:sldMk cId="1658607177" sldId="2708"/>
-            <ac:picMk id="4" creationId="{C5A20417-E7CA-C285-EB98-9BD26873E83E}"/>
-          </ac:picMkLst>
-        </pc:picChg>
-      </pc:sldChg>
-      <pc:sldChg chg="add del setBg">
-        <pc:chgData name="Xin Luo" userId="82312ee5779919a4" providerId="LiveId" clId="{4DB6C473-8E57-A543-81F7-48BE109E8C13}" dt="2023-02-21T03:21:36.224" v="1707"/>
-        <pc:sldMkLst>
-          <pc:docMk/>
-          <pc:sldMk cId="3430641667" sldId="2708"/>
-        </pc:sldMkLst>
-      </pc:sldChg>
-      <pc:sldChg chg="modSp add mod ord">
-        <pc:chgData name="Xin Luo" userId="82312ee5779919a4" providerId="LiveId" clId="{4DB6C473-8E57-A543-81F7-48BE109E8C13}" dt="2023-02-21T07:27:15.123" v="3399" actId="20578"/>
-        <pc:sldMkLst>
-          <pc:docMk/>
-          <pc:sldMk cId="1257969106" sldId="2709"/>
-        </pc:sldMkLst>
-        <pc:spChg chg="mod">
-          <ac:chgData name="Xin Luo" userId="82312ee5779919a4" providerId="LiveId" clId="{4DB6C473-8E57-A543-81F7-48BE109E8C13}" dt="2023-02-21T05:47:38.868" v="2080" actId="20577"/>
-          <ac:spMkLst>
-            <pc:docMk/>
-            <pc:sldMk cId="1257969106" sldId="2709"/>
-            <ac:spMk id="7" creationId="{00000000-0000-0000-0000-000000000000}"/>
-          </ac:spMkLst>
-        </pc:spChg>
-      </pc:sldChg>
-      <pc:sldChg chg="add del setBg">
-        <pc:chgData name="Xin Luo" userId="82312ee5779919a4" providerId="LiveId" clId="{4DB6C473-8E57-A543-81F7-48BE109E8C13}" dt="2023-02-21T03:22:38.148" v="1735"/>
-        <pc:sldMkLst>
-          <pc:docMk/>
-          <pc:sldMk cId="2068292362" sldId="2709"/>
-        </pc:sldMkLst>
-      </pc:sldChg>
-      <pc:sldChg chg="add del setBg">
-        <pc:chgData name="Xin Luo" userId="82312ee5779919a4" providerId="LiveId" clId="{4DB6C473-8E57-A543-81F7-48BE109E8C13}" dt="2023-02-21T03:22:29.206" v="1733"/>
-        <pc:sldMkLst>
-          <pc:docMk/>
-          <pc:sldMk cId="4244071672" sldId="2709"/>
-        </pc:sldMkLst>
-      </pc:sldChg>
-      <pc:sldChg chg="modSp add del mod">
-        <pc:chgData name="Xin Luo" userId="82312ee5779919a4" providerId="LiveId" clId="{4DB6C473-8E57-A543-81F7-48BE109E8C13}" dt="2023-02-21T12:49:10.754" v="4207" actId="2696"/>
-        <pc:sldMkLst>
-          <pc:docMk/>
-          <pc:sldMk cId="4096743637" sldId="2710"/>
-        </pc:sldMkLst>
-        <pc:spChg chg="mod">
-          <ac:chgData name="Xin Luo" userId="82312ee5779919a4" providerId="LiveId" clId="{4DB6C473-8E57-A543-81F7-48BE109E8C13}" dt="2023-02-21T05:47:46.587" v="2093" actId="20577"/>
-          <ac:spMkLst>
-            <pc:docMk/>
-            <pc:sldMk cId="4096743637" sldId="2710"/>
-            <ac:spMk id="7" creationId="{00000000-0000-0000-0000-000000000000}"/>
-          </ac:spMkLst>
-        </pc:spChg>
-      </pc:sldChg>
-      <pc:sldChg chg="addSp delSp modSp add mod">
-        <pc:chgData name="Xin Luo" userId="82312ee5779919a4" providerId="LiveId" clId="{4DB6C473-8E57-A543-81F7-48BE109E8C13}" dt="2023-02-21T15:08:47.651" v="5619" actId="113"/>
-        <pc:sldMkLst>
-          <pc:docMk/>
-          <pc:sldMk cId="2744383376" sldId="2711"/>
-        </pc:sldMkLst>
-        <pc:spChg chg="mod">
-          <ac:chgData name="Xin Luo" userId="82312ee5779919a4" providerId="LiveId" clId="{4DB6C473-8E57-A543-81F7-48BE109E8C13}" dt="2023-02-21T07:01:42.969" v="3272" actId="20577"/>
-          <ac:spMkLst>
-            <pc:docMk/>
-            <pc:sldMk cId="2744383376" sldId="2711"/>
-            <ac:spMk id="2" creationId="{631AADB6-C88A-D817-4683-FC087E4E240F}"/>
-          </ac:spMkLst>
-        </pc:spChg>
-        <pc:spChg chg="add del">
-          <ac:chgData name="Xin Luo" userId="82312ee5779919a4" providerId="LiveId" clId="{4DB6C473-8E57-A543-81F7-48BE109E8C13}" dt="2023-02-21T06:08:19.635" v="2522" actId="22"/>
-          <ac:spMkLst>
-            <pc:docMk/>
-            <pc:sldMk cId="2744383376" sldId="2711"/>
-            <ac:spMk id="5" creationId="{9005BDE5-6349-121C-B95F-5D695486765F}"/>
-          </ac:spMkLst>
-        </pc:spChg>
-        <pc:spChg chg="add del mod">
-          <ac:chgData name="Xin Luo" userId="82312ee5779919a4" providerId="LiveId" clId="{4DB6C473-8E57-A543-81F7-48BE109E8C13}" dt="2023-02-21T06:36:09.199" v="3158" actId="478"/>
-          <ac:spMkLst>
-            <pc:docMk/>
-            <pc:sldMk cId="2744383376" sldId="2711"/>
-            <ac:spMk id="7" creationId="{508CFB8D-1428-2D03-7C0B-F181DD0AC3B0}"/>
-          </ac:spMkLst>
-        </pc:spChg>
-        <pc:spChg chg="add del mod">
-          <ac:chgData name="Xin Luo" userId="82312ee5779919a4" providerId="LiveId" clId="{4DB6C473-8E57-A543-81F7-48BE109E8C13}" dt="2023-02-21T06:35:09.270" v="3110" actId="478"/>
-          <ac:spMkLst>
-            <pc:docMk/>
-            <pc:sldMk cId="2744383376" sldId="2711"/>
-            <ac:spMk id="8" creationId="{FE049113-DA9A-B499-A9F7-CE696334739C}"/>
-          </ac:spMkLst>
-        </pc:spChg>
-        <pc:spChg chg="add del">
-          <ac:chgData name="Xin Luo" userId="82312ee5779919a4" providerId="LiveId" clId="{4DB6C473-8E57-A543-81F7-48BE109E8C13}" dt="2023-02-21T06:24:41.792" v="2925" actId="22"/>
-          <ac:spMkLst>
-            <pc:docMk/>
-            <pc:sldMk cId="2744383376" sldId="2711"/>
-            <ac:spMk id="10" creationId="{2A70B923-8B0E-BFB6-100F-07B5471C1335}"/>
-          </ac:spMkLst>
-        </pc:spChg>
-        <pc:spChg chg="add del mod">
-          <ac:chgData name="Xin Luo" userId="82312ee5779919a4" providerId="LiveId" clId="{4DB6C473-8E57-A543-81F7-48BE109E8C13}" dt="2023-02-21T06:36:24.547" v="3163" actId="478"/>
-          <ac:spMkLst>
-            <pc:docMk/>
-            <pc:sldMk cId="2744383376" sldId="2711"/>
-            <ac:spMk id="12" creationId="{7AC7943F-2EEF-E2BC-7188-7457E9CCE47B}"/>
-          </ac:spMkLst>
-        </pc:spChg>
-        <pc:spChg chg="add del mod">
-          <ac:chgData name="Xin Luo" userId="82312ee5779919a4" providerId="LiveId" clId="{4DB6C473-8E57-A543-81F7-48BE109E8C13}" dt="2023-02-21T06:36:21.741" v="3162" actId="478"/>
-          <ac:spMkLst>
-            <pc:docMk/>
-            <pc:sldMk cId="2744383376" sldId="2711"/>
-            <ac:spMk id="13" creationId="{4D3246D5-B603-994F-3AE4-6B8ADC01AFBD}"/>
-          </ac:spMkLst>
-        </pc:spChg>
-        <pc:spChg chg="add del mod">
-          <ac:chgData name="Xin Luo" userId="82312ee5779919a4" providerId="LiveId" clId="{4DB6C473-8E57-A543-81F7-48BE109E8C13}" dt="2023-02-21T06:34:25.015" v="3081" actId="478"/>
-          <ac:spMkLst>
-            <pc:docMk/>
-            <pc:sldMk cId="2744383376" sldId="2711"/>
-            <ac:spMk id="15" creationId="{E4EF7755-FC04-518B-64D9-6CC2D64CFD40}"/>
-          </ac:spMkLst>
-        </pc:spChg>
-        <pc:spChg chg="mod">
-          <ac:chgData name="Xin Luo" userId="82312ee5779919a4" providerId="LiveId" clId="{4DB6C473-8E57-A543-81F7-48BE109E8C13}" dt="2023-02-21T15:07:43.844" v="5615" actId="1038"/>
-          <ac:spMkLst>
-            <pc:docMk/>
-            <pc:sldMk cId="2744383376" sldId="2711"/>
-            <ac:spMk id="17" creationId="{9E05FFCA-3371-AF5C-381D-71D984055F5A}"/>
-          </ac:spMkLst>
-        </pc:spChg>
-        <pc:spChg chg="add mod">
-          <ac:chgData name="Xin Luo" userId="82312ee5779919a4" providerId="LiveId" clId="{4DB6C473-8E57-A543-81F7-48BE109E8C13}" dt="2023-02-21T15:08:47.651" v="5619" actId="113"/>
-          <ac:spMkLst>
-            <pc:docMk/>
-            <pc:sldMk cId="2744383376" sldId="2711"/>
-            <ac:spMk id="18" creationId="{9D310AF3-A081-4032-01C0-C288D4F7AC53}"/>
-          </ac:spMkLst>
-        </pc:spChg>
-      </pc:sldChg>
-      <pc:sldChg chg="delSp modSp add del mod">
-        <pc:chgData name="Xin Luo" userId="82312ee5779919a4" providerId="LiveId" clId="{4DB6C473-8E57-A543-81F7-48BE109E8C13}" dt="2023-02-21T07:27:24.620" v="3402" actId="2696"/>
-        <pc:sldMkLst>
-          <pc:docMk/>
-          <pc:sldMk cId="1581220802" sldId="2712"/>
-        </pc:sldMkLst>
-        <pc:spChg chg="mod">
-          <ac:chgData name="Xin Luo" userId="82312ee5779919a4" providerId="LiveId" clId="{4DB6C473-8E57-A543-81F7-48BE109E8C13}" dt="2023-02-21T07:01:48.402" v="3274" actId="20577"/>
-          <ac:spMkLst>
-            <pc:docMk/>
-            <pc:sldMk cId="1581220802" sldId="2712"/>
-            <ac:spMk id="2" creationId="{631AADB6-C88A-D817-4683-FC087E4E240F}"/>
-          </ac:spMkLst>
-        </pc:spChg>
-        <pc:spChg chg="mod">
-          <ac:chgData name="Xin Luo" userId="82312ee5779919a4" providerId="LiveId" clId="{4DB6C473-8E57-A543-81F7-48BE109E8C13}" dt="2023-02-21T06:58:28.109" v="3222" actId="20577"/>
-          <ac:spMkLst>
-            <pc:docMk/>
-            <pc:sldMk cId="1581220802" sldId="2712"/>
-            <ac:spMk id="3" creationId="{00000000-0000-0000-0000-000000000000}"/>
-          </ac:spMkLst>
-        </pc:spChg>
-        <pc:spChg chg="del mod">
-          <ac:chgData name="Xin Luo" userId="82312ee5779919a4" providerId="LiveId" clId="{4DB6C473-8E57-A543-81F7-48BE109E8C13}" dt="2023-02-21T07:24:25.709" v="3365"/>
-          <ac:spMkLst>
-            <pc:docMk/>
-            <pc:sldMk cId="1581220802" sldId="2712"/>
-            <ac:spMk id="17" creationId="{9E05FFCA-3371-AF5C-381D-71D984055F5A}"/>
-          </ac:spMkLst>
-        </pc:spChg>
-      </pc:sldChg>
-      <pc:sldChg chg="modSp add del mod">
-        <pc:chgData name="Xin Luo" userId="82312ee5779919a4" providerId="LiveId" clId="{4DB6C473-8E57-A543-81F7-48BE109E8C13}" dt="2023-02-21T07:24:13.066" v="3357" actId="2696"/>
-        <pc:sldMkLst>
-          <pc:docMk/>
-          <pc:sldMk cId="2395170792" sldId="2713"/>
-        </pc:sldMkLst>
-        <pc:spChg chg="mod">
-          <ac:chgData name="Xin Luo" userId="82312ee5779919a4" providerId="LiveId" clId="{4DB6C473-8E57-A543-81F7-48BE109E8C13}" dt="2023-02-21T06:15:05.106" v="2898" actId="20577"/>
-          <ac:spMkLst>
-            <pc:docMk/>
-            <pc:sldMk cId="2395170792" sldId="2713"/>
-            <ac:spMk id="17" creationId="{9E05FFCA-3371-AF5C-381D-71D984055F5A}"/>
-          </ac:spMkLst>
-        </pc:spChg>
-      </pc:sldChg>
-      <pc:sldChg chg="addSp modSp add mod">
-        <pc:chgData name="Xin Luo" userId="82312ee5779919a4" providerId="LiveId" clId="{4DB6C473-8E57-A543-81F7-48BE109E8C13}" dt="2023-02-21T07:23:52.393" v="3353" actId="20577"/>
-        <pc:sldMkLst>
-          <pc:docMk/>
-          <pc:sldMk cId="280619949" sldId="2714"/>
-        </pc:sldMkLst>
-        <pc:spChg chg="mod">
-          <ac:chgData name="Xin Luo" userId="82312ee5779919a4" providerId="LiveId" clId="{4DB6C473-8E57-A543-81F7-48BE109E8C13}" dt="2023-02-21T07:23:52.393" v="3353" actId="20577"/>
-          <ac:spMkLst>
-            <pc:docMk/>
-            <pc:sldMk cId="280619949" sldId="2714"/>
-            <ac:spMk id="2" creationId="{631AADB6-C88A-D817-4683-FC087E4E240F}"/>
-          </ac:spMkLst>
-        </pc:spChg>
-        <pc:spChg chg="mod">
-          <ac:chgData name="Xin Luo" userId="82312ee5779919a4" providerId="LiveId" clId="{4DB6C473-8E57-A543-81F7-48BE109E8C13}" dt="2023-02-21T07:13:49.998" v="3283" actId="404"/>
-          <ac:spMkLst>
-            <pc:docMk/>
-            <pc:sldMk cId="280619949" sldId="2714"/>
-            <ac:spMk id="17" creationId="{9E05FFCA-3371-AF5C-381D-71D984055F5A}"/>
-          </ac:spMkLst>
-        </pc:spChg>
-        <pc:picChg chg="add mod">
-          <ac:chgData name="Xin Luo" userId="82312ee5779919a4" providerId="LiveId" clId="{4DB6C473-8E57-A543-81F7-48BE109E8C13}" dt="2023-02-21T07:23:39.455" v="3348" actId="14100"/>
-          <ac:picMkLst>
-            <pc:docMk/>
-            <pc:sldMk cId="280619949" sldId="2714"/>
-            <ac:picMk id="5" creationId="{0604E948-208D-161C-F579-7EA72A1F42DC}"/>
-          </ac:picMkLst>
-        </pc:picChg>
-      </pc:sldChg>
-      <pc:sldChg chg="addSp modSp add mod">
-        <pc:chgData name="Xin Luo" userId="82312ee5779919a4" providerId="LiveId" clId="{4DB6C473-8E57-A543-81F7-48BE109E8C13}" dt="2023-02-21T13:47:35.461" v="4912" actId="1076"/>
-        <pc:sldMkLst>
-          <pc:docMk/>
-          <pc:sldMk cId="3852391939" sldId="2715"/>
-        </pc:sldMkLst>
-        <pc:spChg chg="mod">
-          <ac:chgData name="Xin Luo" userId="82312ee5779919a4" providerId="LiveId" clId="{4DB6C473-8E57-A543-81F7-48BE109E8C13}" dt="2023-02-21T13:06:48.362" v="4245" actId="20577"/>
-          <ac:spMkLst>
-            <pc:docMk/>
-            <pc:sldMk cId="3852391939" sldId="2715"/>
-            <ac:spMk id="2" creationId="{631AADB6-C88A-D817-4683-FC087E4E240F}"/>
-          </ac:spMkLst>
-        </pc:spChg>
-        <pc:spChg chg="mod">
-          <ac:chgData name="Xin Luo" userId="82312ee5779919a4" providerId="LiveId" clId="{4DB6C473-8E57-A543-81F7-48BE109E8C13}" dt="2023-02-21T07:43:23.802" v="3522" actId="20577"/>
-          <ac:spMkLst>
-            <pc:docMk/>
-            <pc:sldMk cId="3852391939" sldId="2715"/>
-            <ac:spMk id="3" creationId="{00000000-0000-0000-0000-000000000000}"/>
-          </ac:spMkLst>
-        </pc:spChg>
-        <pc:spChg chg="add mod">
-          <ac:chgData name="Xin Luo" userId="82312ee5779919a4" providerId="LiveId" clId="{4DB6C473-8E57-A543-81F7-48BE109E8C13}" dt="2023-02-21T13:41:38.670" v="4903" actId="20577"/>
-          <ac:spMkLst>
-            <pc:docMk/>
-            <pc:sldMk cId="3852391939" sldId="2715"/>
-            <ac:spMk id="5" creationId="{FCD10A89-5E0E-5D73-1D4F-9E11D943B29C}"/>
-          </ac:spMkLst>
-        </pc:spChg>
-        <pc:picChg chg="add mod">
-          <ac:chgData name="Xin Luo" userId="82312ee5779919a4" providerId="LiveId" clId="{4DB6C473-8E57-A543-81F7-48BE109E8C13}" dt="2023-02-21T13:47:35.461" v="4912" actId="1076"/>
-          <ac:picMkLst>
-            <pc:docMk/>
-            <pc:sldMk cId="3852391939" sldId="2715"/>
-            <ac:picMk id="2050" creationId="{8F8FBDFD-CF37-F4FE-58FA-9350A0CDABC7}"/>
-          </ac:picMkLst>
-        </pc:picChg>
-      </pc:sldChg>
-      <pc:sldChg chg="addSp modSp add mod ord">
-        <pc:chgData name="Xin Luo" userId="82312ee5779919a4" providerId="LiveId" clId="{4DB6C473-8E57-A543-81F7-48BE109E8C13}" dt="2023-02-21T13:15:30.678" v="4562" actId="1035"/>
-        <pc:sldMkLst>
-          <pc:docMk/>
-          <pc:sldMk cId="3026715585" sldId="2716"/>
-        </pc:sldMkLst>
-        <pc:spChg chg="mod">
-          <ac:chgData name="Xin Luo" userId="82312ee5779919a4" providerId="LiveId" clId="{4DB6C473-8E57-A543-81F7-48BE109E8C13}" dt="2023-02-21T07:27:17.840" v="3401" actId="20577"/>
-          <ac:spMkLst>
-            <pc:docMk/>
-            <pc:sldMk cId="3026715585" sldId="2716"/>
-            <ac:spMk id="2" creationId="{631AADB6-C88A-D817-4683-FC087E4E240F}"/>
-          </ac:spMkLst>
-        </pc:spChg>
-        <pc:spChg chg="add mod">
-          <ac:chgData name="Xin Luo" userId="82312ee5779919a4" providerId="LiveId" clId="{4DB6C473-8E57-A543-81F7-48BE109E8C13}" dt="2023-02-21T13:15:30.678" v="4562" actId="1035"/>
-          <ac:spMkLst>
-            <pc:docMk/>
-            <pc:sldMk cId="3026715585" sldId="2716"/>
-            <ac:spMk id="4" creationId="{B31A8325-31D8-6F06-6D89-E39763C56875}"/>
-          </ac:spMkLst>
-        </pc:spChg>
-        <pc:spChg chg="mod">
-          <ac:chgData name="Xin Luo" userId="82312ee5779919a4" providerId="LiveId" clId="{4DB6C473-8E57-A543-81F7-48BE109E8C13}" dt="2023-02-21T12:48:49.893" v="4206" actId="1076"/>
-          <ac:spMkLst>
-            <pc:docMk/>
-            <pc:sldMk cId="3026715585" sldId="2716"/>
-            <ac:spMk id="17" creationId="{9E05FFCA-3371-AF5C-381D-71D984055F5A}"/>
-          </ac:spMkLst>
-        </pc:spChg>
-      </pc:sldChg>
-      <pc:sldChg chg="addSp modSp add mod">
-        <pc:chgData name="Xin Luo" userId="82312ee5779919a4" providerId="LiveId" clId="{4DB6C473-8E57-A543-81F7-48BE109E8C13}" dt="2023-02-21T13:48:38.001" v="4936" actId="1076"/>
-        <pc:sldMkLst>
-          <pc:docMk/>
-          <pc:sldMk cId="4136986794" sldId="2717"/>
-        </pc:sldMkLst>
-        <pc:spChg chg="mod">
-          <ac:chgData name="Xin Luo" userId="82312ee5779919a4" providerId="LiveId" clId="{4DB6C473-8E57-A543-81F7-48BE109E8C13}" dt="2023-02-21T13:48:32.535" v="4933" actId="1035"/>
-          <ac:spMkLst>
-            <pc:docMk/>
-            <pc:sldMk cId="4136986794" sldId="2717"/>
-            <ac:spMk id="5" creationId="{FCD10A89-5E0E-5D73-1D4F-9E11D943B29C}"/>
-          </ac:spMkLst>
-        </pc:spChg>
-        <pc:picChg chg="add mod">
-          <ac:chgData name="Xin Luo" userId="82312ee5779919a4" providerId="LiveId" clId="{4DB6C473-8E57-A543-81F7-48BE109E8C13}" dt="2023-02-21T13:48:38.001" v="4936" actId="1076"/>
-          <ac:picMkLst>
-            <pc:docMk/>
-            <pc:sldMk cId="4136986794" sldId="2717"/>
-            <ac:picMk id="6" creationId="{2260B411-AFF0-1E09-142B-45C9F88562F7}"/>
-          </ac:picMkLst>
-        </pc:picChg>
-      </pc:sldChg>
-      <pc:sldChg chg="addSp delSp modSp add mod">
-        <pc:chgData name="Xin Luo" userId="82312ee5779919a4" providerId="LiveId" clId="{4DB6C473-8E57-A543-81F7-48BE109E8C13}" dt="2023-02-21T14:08:09.514" v="5152" actId="1035"/>
-        <pc:sldMkLst>
-          <pc:docMk/>
-          <pc:sldMk cId="1778017482" sldId="2718"/>
-        </pc:sldMkLst>
-        <pc:spChg chg="mod">
-          <ac:chgData name="Xin Luo" userId="82312ee5779919a4" providerId="LiveId" clId="{4DB6C473-8E57-A543-81F7-48BE109E8C13}" dt="2023-02-21T14:08:07.366" v="5145" actId="1035"/>
-          <ac:spMkLst>
-            <pc:docMk/>
-            <pc:sldMk cId="1778017482" sldId="2718"/>
-            <ac:spMk id="5" creationId="{FCD10A89-5E0E-5D73-1D4F-9E11D943B29C}"/>
-          </ac:spMkLst>
-        </pc:spChg>
-        <pc:picChg chg="del">
-          <ac:chgData name="Xin Luo" userId="82312ee5779919a4" providerId="LiveId" clId="{4DB6C473-8E57-A543-81F7-48BE109E8C13}" dt="2023-02-21T13:48:49.937" v="4938" actId="478"/>
-          <ac:picMkLst>
-            <pc:docMk/>
-            <pc:sldMk cId="1778017482" sldId="2718"/>
-            <ac:picMk id="6" creationId="{2260B411-AFF0-1E09-142B-45C9F88562F7}"/>
-          </ac:picMkLst>
-        </pc:picChg>
-        <pc:picChg chg="add mod">
-          <ac:chgData name="Xin Luo" userId="82312ee5779919a4" providerId="LiveId" clId="{4DB6C473-8E57-A543-81F7-48BE109E8C13}" dt="2023-02-21T14:08:09.514" v="5152" actId="1035"/>
-          <ac:picMkLst>
-            <pc:docMk/>
-            <pc:sldMk cId="1778017482" sldId="2718"/>
-            <ac:picMk id="3074" creationId="{3E8CF22C-6E5D-0AAE-1F79-795E8B77EEF7}"/>
-          </ac:picMkLst>
-        </pc:picChg>
-      </pc:sldChg>
-      <pc:sldChg chg="delSp modSp add mod">
-        <pc:chgData name="Xin Luo" userId="82312ee5779919a4" providerId="LiveId" clId="{4DB6C473-8E57-A543-81F7-48BE109E8C13}" dt="2023-02-21T15:10:04.498" v="5724" actId="108"/>
-        <pc:sldMkLst>
-          <pc:docMk/>
-          <pc:sldMk cId="1858913004" sldId="2719"/>
-        </pc:sldMkLst>
-        <pc:spChg chg="mod">
-          <ac:chgData name="Xin Luo" userId="82312ee5779919a4" providerId="LiveId" clId="{4DB6C473-8E57-A543-81F7-48BE109E8C13}" dt="2023-02-21T14:49:05.255" v="5311" actId="1076"/>
-          <ac:spMkLst>
-            <pc:docMk/>
-            <pc:sldMk cId="1858913004" sldId="2719"/>
-            <ac:spMk id="2" creationId="{631AADB6-C88A-D817-4683-FC087E4E240F}"/>
-          </ac:spMkLst>
-        </pc:spChg>
-        <pc:spChg chg="mod">
-          <ac:chgData name="Xin Luo" userId="82312ee5779919a4" providerId="LiveId" clId="{4DB6C473-8E57-A543-81F7-48BE109E8C13}" dt="2023-02-21T15:10:04.498" v="5724" actId="108"/>
-          <ac:spMkLst>
-            <pc:docMk/>
-            <pc:sldMk cId="1858913004" sldId="2719"/>
-            <ac:spMk id="5" creationId="{FCD10A89-5E0E-5D73-1D4F-9E11D943B29C}"/>
-          </ac:spMkLst>
-        </pc:spChg>
-        <pc:spChg chg="del">
-          <ac:chgData name="Xin Luo" userId="82312ee5779919a4" providerId="LiveId" clId="{4DB6C473-8E57-A543-81F7-48BE109E8C13}" dt="2023-02-21T14:48:56.090" v="5307" actId="478"/>
-          <ac:spMkLst>
-            <pc:docMk/>
-            <pc:sldMk cId="1858913004" sldId="2719"/>
-            <ac:spMk id="17" creationId="{9E05FFCA-3371-AF5C-381D-71D984055F5A}"/>
-          </ac:spMkLst>
-        </pc:spChg>
-        <pc:picChg chg="del">
-          <ac:chgData name="Xin Luo" userId="82312ee5779919a4" providerId="LiveId" clId="{4DB6C473-8E57-A543-81F7-48BE109E8C13}" dt="2023-02-21T14:47:16.549" v="5154" actId="478"/>
-          <ac:picMkLst>
-            <pc:docMk/>
-            <pc:sldMk cId="1858913004" sldId="2719"/>
-            <ac:picMk id="3074" creationId="{3E8CF22C-6E5D-0AAE-1F79-795E8B77EEF7}"/>
-          </ac:picMkLst>
-        </pc:picChg>
-      </pc:sldChg>
-      <pc:sldChg chg="addSp delSp modSp add mod ord">
-        <pc:chgData name="Xin Luo" userId="82312ee5779919a4" providerId="LiveId" clId="{4DB6C473-8E57-A543-81F7-48BE109E8C13}" dt="2023-02-21T15:06:45.211" v="5600" actId="20578"/>
-        <pc:sldMkLst>
-          <pc:docMk/>
-          <pc:sldMk cId="3480831675" sldId="2720"/>
-        </pc:sldMkLst>
-        <pc:spChg chg="mod">
-          <ac:chgData name="Xin Luo" userId="82312ee5779919a4" providerId="LiveId" clId="{4DB6C473-8E57-A543-81F7-48BE109E8C13}" dt="2023-02-21T14:58:21.259" v="5529" actId="1035"/>
-          <ac:spMkLst>
-            <pc:docMk/>
-            <pc:sldMk cId="3480831675" sldId="2720"/>
-            <ac:spMk id="2" creationId="{631AADB6-C88A-D817-4683-FC087E4E240F}"/>
-          </ac:spMkLst>
-        </pc:spChg>
-        <pc:spChg chg="add mod">
-          <ac:chgData name="Xin Luo" userId="82312ee5779919a4" providerId="LiveId" clId="{4DB6C473-8E57-A543-81F7-48BE109E8C13}" dt="2023-02-21T14:58:48.813" v="5569" actId="404"/>
-          <ac:spMkLst>
-            <pc:docMk/>
-            <pc:sldMk cId="3480831675" sldId="2720"/>
-            <ac:spMk id="4" creationId="{58EE51E5-8ACA-984C-6E8D-F8AA658223AD}"/>
-          </ac:spMkLst>
-        </pc:spChg>
-        <pc:spChg chg="add mod">
-          <ac:chgData name="Xin Luo" userId="82312ee5779919a4" providerId="LiveId" clId="{4DB6C473-8E57-A543-81F7-48BE109E8C13}" dt="2023-02-21T14:58:48.813" v="5569" actId="404"/>
-          <ac:spMkLst>
-            <pc:docMk/>
-            <pc:sldMk cId="3480831675" sldId="2720"/>
-            <ac:spMk id="5" creationId="{7F4897FB-F086-F339-A15F-A899143C7919}"/>
-          </ac:spMkLst>
-        </pc:spChg>
-        <pc:spChg chg="add mod">
-          <ac:chgData name="Xin Luo" userId="82312ee5779919a4" providerId="LiveId" clId="{4DB6C473-8E57-A543-81F7-48BE109E8C13}" dt="2023-02-21T15:06:20.559" v="5576" actId="962"/>
-          <ac:spMkLst>
-            <pc:docMk/>
-            <pc:sldMk cId="3480831675" sldId="2720"/>
-            <ac:spMk id="6" creationId="{7ED1482E-3610-E252-0E80-41B202D30E30}"/>
-          </ac:spMkLst>
-        </pc:spChg>
-        <pc:spChg chg="del">
-          <ac:chgData name="Xin Luo" userId="82312ee5779919a4" providerId="LiveId" clId="{4DB6C473-8E57-A543-81F7-48BE109E8C13}" dt="2023-02-21T14:51:13.253" v="5388" actId="478"/>
-          <ac:spMkLst>
-            <pc:docMk/>
-            <pc:sldMk cId="3480831675" sldId="2720"/>
-            <ac:spMk id="17" creationId="{9E05FFCA-3371-AF5C-381D-71D984055F5A}"/>
-          </ac:spMkLst>
-        </pc:spChg>
-        <pc:spChg chg="del">
-          <ac:chgData name="Xin Luo" userId="82312ee5779919a4" providerId="LiveId" clId="{4DB6C473-8E57-A543-81F7-48BE109E8C13}" dt="2023-02-21T14:51:18.075" v="5389" actId="478"/>
-          <ac:spMkLst>
-            <pc:docMk/>
-            <pc:sldMk cId="3480831675" sldId="2720"/>
-            <ac:spMk id="18" creationId="{9D310AF3-A081-4032-01C0-C288D4F7AC53}"/>
-          </ac:spMkLst>
-        </pc:spChg>
-        <pc:picChg chg="add del mod">
-          <ac:chgData name="Xin Luo" userId="82312ee5779919a4" providerId="LiveId" clId="{4DB6C473-8E57-A543-81F7-48BE109E8C13}" dt="2023-02-21T14:53:26.825" v="5442" actId="478"/>
-          <ac:picMkLst>
-            <pc:docMk/>
-            <pc:sldMk cId="3480831675" sldId="2720"/>
-            <ac:picMk id="5122" creationId="{379580DC-45F0-D6EF-6EA0-1FB906F02465}"/>
-          </ac:picMkLst>
-        </pc:picChg>
-        <pc:picChg chg="add mod">
-          <ac:chgData name="Xin Luo" userId="82312ee5779919a4" providerId="LiveId" clId="{4DB6C473-8E57-A543-81F7-48BE109E8C13}" dt="2023-02-21T14:58:17.635" v="5525" actId="1035"/>
-          <ac:picMkLst>
-            <pc:docMk/>
-            <pc:sldMk cId="3480831675" sldId="2720"/>
-            <ac:picMk id="5124" creationId="{D17BE6F3-1008-2FC6-54D2-736C673B73E8}"/>
-          </ac:picMkLst>
-        </pc:picChg>
-        <pc:picChg chg="add mod">
-          <ac:chgData name="Xin Luo" userId="82312ee5779919a4" providerId="LiveId" clId="{4DB6C473-8E57-A543-81F7-48BE109E8C13}" dt="2023-02-21T14:58:17.635" v="5525" actId="1035"/>
-          <ac:picMkLst>
-            <pc:docMk/>
-            <pc:sldMk cId="3480831675" sldId="2720"/>
-            <ac:picMk id="5126" creationId="{EBB0C876-4E86-C2ED-5EE6-3B2BD26768B9}"/>
-          </ac:picMkLst>
-        </pc:picChg>
-        <pc:picChg chg="add mod">
-          <ac:chgData name="Xin Luo" userId="82312ee5779919a4" providerId="LiveId" clId="{4DB6C473-8E57-A543-81F7-48BE109E8C13}" dt="2023-02-21T14:58:48.813" v="5569" actId="404"/>
-          <ac:picMkLst>
-            <pc:docMk/>
-            <pc:sldMk cId="3480831675" sldId="2720"/>
-            <ac:picMk id="5128" creationId="{59C29F54-F731-6EBD-ECA9-847BE3563121}"/>
-          </ac:picMkLst>
-        </pc:picChg>
-      </pc:sldChg>
-      <pc:sldChg chg="add del">
-        <pc:chgData name="Xin Luo" userId="82312ee5779919a4" providerId="LiveId" clId="{4DB6C473-8E57-A543-81F7-48BE109E8C13}" dt="2023-02-21T14:55:30.326" v="5468" actId="2696"/>
-        <pc:sldMkLst>
-          <pc:docMk/>
-          <pc:sldMk cId="120373349" sldId="2721"/>
-        </pc:sldMkLst>
-      </pc:sldChg>
-      <pc:sldChg chg="addSp delSp modSp add mod ord">
-        <pc:chgData name="Xin Luo" userId="82312ee5779919a4" providerId="LiveId" clId="{4DB6C473-8E57-A543-81F7-48BE109E8C13}" dt="2023-02-21T15:06:40.684" v="5599" actId="20578"/>
-        <pc:sldMkLst>
-          <pc:docMk/>
-          <pc:sldMk cId="1410676903" sldId="2721"/>
-        </pc:sldMkLst>
-        <pc:spChg chg="del">
-          <ac:chgData name="Xin Luo" userId="82312ee5779919a4" providerId="LiveId" clId="{4DB6C473-8E57-A543-81F7-48BE109E8C13}" dt="2023-02-21T14:59:05.282" v="5571" actId="478"/>
-          <ac:spMkLst>
-            <pc:docMk/>
-            <pc:sldMk cId="1410676903" sldId="2721"/>
-            <ac:spMk id="4" creationId="{58EE51E5-8ACA-984C-6E8D-F8AA658223AD}"/>
-          </ac:spMkLst>
-        </pc:spChg>
-        <pc:spChg chg="del">
-          <ac:chgData name="Xin Luo" userId="82312ee5779919a4" providerId="LiveId" clId="{4DB6C473-8E57-A543-81F7-48BE109E8C13}" dt="2023-02-21T14:59:05.282" v="5571" actId="478"/>
-          <ac:spMkLst>
-            <pc:docMk/>
-            <pc:sldMk cId="1410676903" sldId="2721"/>
-            <ac:spMk id="5" creationId="{7F4897FB-F086-F339-A15F-A899143C7919}"/>
-          </ac:spMkLst>
-        </pc:spChg>
-        <pc:spChg chg="del">
-          <ac:chgData name="Xin Luo" userId="82312ee5779919a4" providerId="LiveId" clId="{4DB6C473-8E57-A543-81F7-48BE109E8C13}" dt="2023-02-21T14:59:05.282" v="5571" actId="478"/>
-          <ac:spMkLst>
-            <pc:docMk/>
-            <pc:sldMk cId="1410676903" sldId="2721"/>
-            <ac:spMk id="6" creationId="{7ED1482E-3610-E252-0E80-41B202D30E30}"/>
-          </ac:spMkLst>
-        </pc:spChg>
-        <pc:spChg chg="add mod">
-          <ac:chgData name="Xin Luo" userId="82312ee5779919a4" providerId="LiveId" clId="{4DB6C473-8E57-A543-81F7-48BE109E8C13}" dt="2023-02-21T15:06:36.607" v="5598" actId="1076"/>
-          <ac:spMkLst>
-            <pc:docMk/>
-            <pc:sldMk cId="1410676903" sldId="2721"/>
-            <ac:spMk id="9" creationId="{D5E43916-6543-2664-EE40-07ABFFB01F26}"/>
-          </ac:spMkLst>
-        </pc:spChg>
-        <pc:picChg chg="add mod">
-          <ac:chgData name="Xin Luo" userId="82312ee5779919a4" providerId="LiveId" clId="{4DB6C473-8E57-A543-81F7-48BE109E8C13}" dt="2023-02-21T15:06:20.558" v="5575" actId="27614"/>
-          <ac:picMkLst>
-            <pc:docMk/>
-            <pc:sldMk cId="1410676903" sldId="2721"/>
-            <ac:picMk id="8" creationId="{BA45F6EA-D51F-F9F8-F33E-5E3217612D76}"/>
-          </ac:picMkLst>
-        </pc:picChg>
-        <pc:picChg chg="del">
-          <ac:chgData name="Xin Luo" userId="82312ee5779919a4" providerId="LiveId" clId="{4DB6C473-8E57-A543-81F7-48BE109E8C13}" dt="2023-02-21T14:59:05.282" v="5571" actId="478"/>
-          <ac:picMkLst>
-            <pc:docMk/>
-            <pc:sldMk cId="1410676903" sldId="2721"/>
-            <ac:picMk id="5124" creationId="{D17BE6F3-1008-2FC6-54D2-736C673B73E8}"/>
-          </ac:picMkLst>
-        </pc:picChg>
-        <pc:picChg chg="del">
-          <ac:chgData name="Xin Luo" userId="82312ee5779919a4" providerId="LiveId" clId="{4DB6C473-8E57-A543-81F7-48BE109E8C13}" dt="2023-02-21T14:59:05.282" v="5571" actId="478"/>
-          <ac:picMkLst>
-            <pc:docMk/>
-            <pc:sldMk cId="1410676903" sldId="2721"/>
-            <ac:picMk id="5126" creationId="{EBB0C876-4E86-C2ED-5EE6-3B2BD26768B9}"/>
-          </ac:picMkLst>
-        </pc:picChg>
-        <pc:picChg chg="del">
-          <ac:chgData name="Xin Luo" userId="82312ee5779919a4" providerId="LiveId" clId="{4DB6C473-8E57-A543-81F7-48BE109E8C13}" dt="2023-02-21T14:59:05.282" v="5571" actId="478"/>
-          <ac:picMkLst>
-            <pc:docMk/>
-            <pc:sldMk cId="1410676903" sldId="2721"/>
-            <ac:picMk id="5128" creationId="{59C29F54-F731-6EBD-ECA9-847BE3563121}"/>
-          </ac:picMkLst>
-        </pc:picChg>
-      </pc:sldChg>
-      <pc:sldMasterChg chg="del delSldLayout">
-        <pc:chgData name="Xin Luo" userId="82312ee5779919a4" providerId="LiveId" clId="{4DB6C473-8E57-A543-81F7-48BE109E8C13}" dt="2023-02-21T08:54:15.791" v="3593" actId="2696"/>
-        <pc:sldMasterMkLst>
-          <pc:docMk/>
-          <pc:sldMasterMk cId="1248561168" sldId="2147484998"/>
-        </pc:sldMasterMkLst>
-        <pc:sldLayoutChg chg="del">
-          <pc:chgData name="Xin Luo" userId="82312ee5779919a4" providerId="LiveId" clId="{4DB6C473-8E57-A543-81F7-48BE109E8C13}" dt="2023-02-21T08:54:15.772" v="3576" actId="2696"/>
-          <pc:sldLayoutMkLst>
-            <pc:docMk/>
-            <pc:sldMasterMk cId="1248561168" sldId="2147484998"/>
-            <pc:sldLayoutMk cId="2755518727" sldId="2147484999"/>
-          </pc:sldLayoutMkLst>
-        </pc:sldLayoutChg>
-        <pc:sldLayoutChg chg="del">
-          <pc:chgData name="Xin Luo" userId="82312ee5779919a4" providerId="LiveId" clId="{4DB6C473-8E57-A543-81F7-48BE109E8C13}" dt="2023-02-21T08:54:15.773" v="3577" actId="2696"/>
-          <pc:sldLayoutMkLst>
-            <pc:docMk/>
-            <pc:sldMasterMk cId="1248561168" sldId="2147484998"/>
-            <pc:sldLayoutMk cId="784447712" sldId="2147485000"/>
-          </pc:sldLayoutMkLst>
-        </pc:sldLayoutChg>
-        <pc:sldLayoutChg chg="del">
-          <pc:chgData name="Xin Luo" userId="82312ee5779919a4" providerId="LiveId" clId="{4DB6C473-8E57-A543-81F7-48BE109E8C13}" dt="2023-02-21T08:54:15.774" v="3578" actId="2696"/>
-          <pc:sldLayoutMkLst>
-            <pc:docMk/>
-            <pc:sldMasterMk cId="1248561168" sldId="2147484998"/>
-            <pc:sldLayoutMk cId="36404751" sldId="2147485001"/>
-          </pc:sldLayoutMkLst>
-        </pc:sldLayoutChg>
-        <pc:sldLayoutChg chg="del">
-          <pc:chgData name="Xin Luo" userId="82312ee5779919a4" providerId="LiveId" clId="{4DB6C473-8E57-A543-81F7-48BE109E8C13}" dt="2023-02-21T08:54:15.775" v="3579" actId="2696"/>
-          <pc:sldLayoutMkLst>
-            <pc:docMk/>
-            <pc:sldMasterMk cId="1248561168" sldId="2147484998"/>
-            <pc:sldLayoutMk cId="2142531553" sldId="2147485002"/>
-          </pc:sldLayoutMkLst>
-        </pc:sldLayoutChg>
-        <pc:sldLayoutChg chg="del">
-          <pc:chgData name="Xin Luo" userId="82312ee5779919a4" providerId="LiveId" clId="{4DB6C473-8E57-A543-81F7-48BE109E8C13}" dt="2023-02-21T08:54:15.776" v="3580" actId="2696"/>
-          <pc:sldLayoutMkLst>
-            <pc:docMk/>
-            <pc:sldMasterMk cId="1248561168" sldId="2147484998"/>
-            <pc:sldLayoutMk cId="646270699" sldId="2147485003"/>
-          </pc:sldLayoutMkLst>
-        </pc:sldLayoutChg>
-        <pc:sldLayoutChg chg="del">
-          <pc:chgData name="Xin Luo" userId="82312ee5779919a4" providerId="LiveId" clId="{4DB6C473-8E57-A543-81F7-48BE109E8C13}" dt="2023-02-21T08:54:15.777" v="3581" actId="2696"/>
-          <pc:sldLayoutMkLst>
-            <pc:docMk/>
-            <pc:sldMasterMk cId="1248561168" sldId="2147484998"/>
-            <pc:sldLayoutMk cId="1316154404" sldId="2147485004"/>
-          </pc:sldLayoutMkLst>
-        </pc:sldLayoutChg>
-        <pc:sldLayoutChg chg="del">
-          <pc:chgData name="Xin Luo" userId="82312ee5779919a4" providerId="LiveId" clId="{4DB6C473-8E57-A543-81F7-48BE109E8C13}" dt="2023-02-21T08:54:15.778" v="3582" actId="2696"/>
-          <pc:sldLayoutMkLst>
-            <pc:docMk/>
-            <pc:sldMasterMk cId="1248561168" sldId="2147484998"/>
-            <pc:sldLayoutMk cId="275448905" sldId="2147485005"/>
-          </pc:sldLayoutMkLst>
-        </pc:sldLayoutChg>
-        <pc:sldLayoutChg chg="del">
-          <pc:chgData name="Xin Luo" userId="82312ee5779919a4" providerId="LiveId" clId="{4DB6C473-8E57-A543-81F7-48BE109E8C13}" dt="2023-02-21T08:54:15.779" v="3583" actId="2696"/>
-          <pc:sldLayoutMkLst>
-            <pc:docMk/>
-            <pc:sldMasterMk cId="1248561168" sldId="2147484998"/>
-            <pc:sldLayoutMk cId="3173493555" sldId="2147485006"/>
-          </pc:sldLayoutMkLst>
-        </pc:sldLayoutChg>
-        <pc:sldLayoutChg chg="del">
-          <pc:chgData name="Xin Luo" userId="82312ee5779919a4" providerId="LiveId" clId="{4DB6C473-8E57-A543-81F7-48BE109E8C13}" dt="2023-02-21T08:54:15.780" v="3584" actId="2696"/>
-          <pc:sldLayoutMkLst>
-            <pc:docMk/>
-            <pc:sldMasterMk cId="1248561168" sldId="2147484998"/>
-            <pc:sldLayoutMk cId="2494408642" sldId="2147485007"/>
-          </pc:sldLayoutMkLst>
-        </pc:sldLayoutChg>
-        <pc:sldLayoutChg chg="del">
-          <pc:chgData name="Xin Luo" userId="82312ee5779919a4" providerId="LiveId" clId="{4DB6C473-8E57-A543-81F7-48BE109E8C13}" dt="2023-02-21T08:54:15.781" v="3585" actId="2696"/>
-          <pc:sldLayoutMkLst>
-            <pc:docMk/>
-            <pc:sldMasterMk cId="1248561168" sldId="2147484998"/>
-            <pc:sldLayoutMk cId="2144339703" sldId="2147485008"/>
-          </pc:sldLayoutMkLst>
-        </pc:sldLayoutChg>
-        <pc:sldLayoutChg chg="del">
-          <pc:chgData name="Xin Luo" userId="82312ee5779919a4" providerId="LiveId" clId="{4DB6C473-8E57-A543-81F7-48BE109E8C13}" dt="2023-02-21T08:54:15.781" v="3586" actId="2696"/>
-          <pc:sldLayoutMkLst>
-            <pc:docMk/>
-            <pc:sldMasterMk cId="1248561168" sldId="2147484998"/>
-            <pc:sldLayoutMk cId="3933479768" sldId="2147485009"/>
-          </pc:sldLayoutMkLst>
-        </pc:sldLayoutChg>
-        <pc:sldLayoutChg chg="del">
-          <pc:chgData name="Xin Luo" userId="82312ee5779919a4" providerId="LiveId" clId="{4DB6C473-8E57-A543-81F7-48BE109E8C13}" dt="2023-02-21T08:54:15.782" v="3587" actId="2696"/>
-          <pc:sldLayoutMkLst>
-            <pc:docMk/>
-            <pc:sldMasterMk cId="1248561168" sldId="2147484998"/>
-            <pc:sldLayoutMk cId="2569911404" sldId="2147485010"/>
-          </pc:sldLayoutMkLst>
-        </pc:sldLayoutChg>
-        <pc:sldLayoutChg chg="del">
-          <pc:chgData name="Xin Luo" userId="82312ee5779919a4" providerId="LiveId" clId="{4DB6C473-8E57-A543-81F7-48BE109E8C13}" dt="2023-02-21T08:54:15.783" v="3588" actId="2696"/>
-          <pc:sldLayoutMkLst>
-            <pc:docMk/>
-            <pc:sldMasterMk cId="1248561168" sldId="2147484998"/>
-            <pc:sldLayoutMk cId="487309151" sldId="2147485011"/>
-          </pc:sldLayoutMkLst>
-        </pc:sldLayoutChg>
-        <pc:sldLayoutChg chg="del">
-          <pc:chgData name="Xin Luo" userId="82312ee5779919a4" providerId="LiveId" clId="{4DB6C473-8E57-A543-81F7-48BE109E8C13}" dt="2023-02-21T08:54:15.784" v="3589" actId="2696"/>
-          <pc:sldLayoutMkLst>
-            <pc:docMk/>
-            <pc:sldMasterMk cId="1248561168" sldId="2147484998"/>
-            <pc:sldLayoutMk cId="940838525" sldId="2147485012"/>
-          </pc:sldLayoutMkLst>
-        </pc:sldLayoutChg>
-        <pc:sldLayoutChg chg="del">
-          <pc:chgData name="Xin Luo" userId="82312ee5779919a4" providerId="LiveId" clId="{4DB6C473-8E57-A543-81F7-48BE109E8C13}" dt="2023-02-21T08:54:15.785" v="3590" actId="2696"/>
-          <pc:sldLayoutMkLst>
-            <pc:docMk/>
-            <pc:sldMasterMk cId="1248561168" sldId="2147484998"/>
-            <pc:sldLayoutMk cId="858249230" sldId="2147485013"/>
-          </pc:sldLayoutMkLst>
-        </pc:sldLayoutChg>
-        <pc:sldLayoutChg chg="del">
-          <pc:chgData name="Xin Luo" userId="82312ee5779919a4" providerId="LiveId" clId="{4DB6C473-8E57-A543-81F7-48BE109E8C13}" dt="2023-02-21T08:54:15.786" v="3591" actId="2696"/>
-          <pc:sldLayoutMkLst>
-            <pc:docMk/>
-            <pc:sldMasterMk cId="1248561168" sldId="2147484998"/>
-            <pc:sldLayoutMk cId="1094809115" sldId="2147485014"/>
-          </pc:sldLayoutMkLst>
-        </pc:sldLayoutChg>
-        <pc:sldLayoutChg chg="del">
-          <pc:chgData name="Xin Luo" userId="82312ee5779919a4" providerId="LiveId" clId="{4DB6C473-8E57-A543-81F7-48BE109E8C13}" dt="2023-02-21T08:54:15.787" v="3592" actId="2696"/>
-          <pc:sldLayoutMkLst>
-            <pc:docMk/>
-            <pc:sldMasterMk cId="1248561168" sldId="2147484998"/>
-            <pc:sldLayoutMk cId="2452001345" sldId="2147485015"/>
-          </pc:sldLayoutMkLst>
-        </pc:sldLayoutChg>
-      </pc:sldMasterChg>
-    </pc:docChg>
-  </pc:docChgLst>
-  <pc:docChgLst>
     <pc:chgData name="Xin Luo" userId="82312ee5779919a4" providerId="LiveId" clId="{3C4A7AF4-6488-5041-B432-D36EF53163D3}"/>
     <pc:docChg chg="undo custSel addSld delSld modSld sldOrd">
       <pc:chgData name="Xin Luo" userId="82312ee5779919a4" providerId="LiveId" clId="{3C4A7AF4-6488-5041-B432-D36EF53163D3}" dt="2023-02-23T14:33:41.327" v="6919" actId="478"/>
@@ -3539,6 +2471,722 @@
             <pc:docMk/>
             <pc:sldMk cId="383906436" sldId="2736"/>
             <ac:spMk id="17" creationId="{9E05FFCA-3371-AF5C-381D-71D984055F5A}"/>
+          </ac:spMkLst>
+        </pc:spChg>
+      </pc:sldChg>
+    </pc:docChg>
+  </pc:docChgLst>
+  <pc:docChgLst>
+    <pc:chgData name="Xin Luo" userId="82312ee5779919a4" providerId="LiveId" clId="{7C35D78A-E8DF-394E-816A-D2222F18F092}"/>
+    <pc:docChg chg="delSld modSld">
+      <pc:chgData name="Xin Luo" userId="82312ee5779919a4" providerId="LiveId" clId="{7C35D78A-E8DF-394E-816A-D2222F18F092}" dt="2022-11-28T03:56:42.353" v="21" actId="2696"/>
+      <pc:docMkLst>
+        <pc:docMk/>
+      </pc:docMkLst>
+      <pc:sldChg chg="del">
+        <pc:chgData name="Xin Luo" userId="82312ee5779919a4" providerId="LiveId" clId="{7C35D78A-E8DF-394E-816A-D2222F18F092}" dt="2022-11-28T03:56:38.106" v="20" actId="2696"/>
+        <pc:sldMkLst>
+          <pc:docMk/>
+          <pc:sldMk cId="0" sldId="279"/>
+        </pc:sldMkLst>
+      </pc:sldChg>
+      <pc:sldChg chg="modSp mod">
+        <pc:chgData name="Xin Luo" userId="82312ee5779919a4" providerId="LiveId" clId="{7C35D78A-E8DF-394E-816A-D2222F18F092}" dt="2022-11-28T03:56:03.446" v="17" actId="20577"/>
+        <pc:sldMkLst>
+          <pc:docMk/>
+          <pc:sldMk cId="1153920038" sldId="2206"/>
+        </pc:sldMkLst>
+        <pc:spChg chg="mod">
+          <ac:chgData name="Xin Luo" userId="82312ee5779919a4" providerId="LiveId" clId="{7C35D78A-E8DF-394E-816A-D2222F18F092}" dt="2022-11-28T03:56:03.446" v="17" actId="20577"/>
+          <ac:spMkLst>
+            <pc:docMk/>
+            <pc:sldMk cId="1153920038" sldId="2206"/>
+            <ac:spMk id="24" creationId="{00000000-0000-0000-0000-000000000000}"/>
+          </ac:spMkLst>
+        </pc:spChg>
+      </pc:sldChg>
+      <pc:sldChg chg="del">
+        <pc:chgData name="Xin Luo" userId="82312ee5779919a4" providerId="LiveId" clId="{7C35D78A-E8DF-394E-816A-D2222F18F092}" dt="2022-11-28T03:56:42.353" v="21" actId="2696"/>
+        <pc:sldMkLst>
+          <pc:docMk/>
+          <pc:sldMk cId="0" sldId="2501"/>
+        </pc:sldMkLst>
+      </pc:sldChg>
+      <pc:sldChg chg="del">
+        <pc:chgData name="Xin Luo" userId="82312ee5779919a4" providerId="LiveId" clId="{7C35D78A-E8DF-394E-816A-D2222F18F092}" dt="2022-11-28T03:56:17.803" v="18" actId="2696"/>
+        <pc:sldMkLst>
+          <pc:docMk/>
+          <pc:sldMk cId="2689840772" sldId="2604"/>
+        </pc:sldMkLst>
+      </pc:sldChg>
+      <pc:sldChg chg="del">
+        <pc:chgData name="Xin Luo" userId="82312ee5779919a4" providerId="LiveId" clId="{7C35D78A-E8DF-394E-816A-D2222F18F092}" dt="2022-11-28T03:56:33.667" v="19" actId="2696"/>
+        <pc:sldMkLst>
+          <pc:docMk/>
+          <pc:sldMk cId="1392274363" sldId="2606"/>
+        </pc:sldMkLst>
+      </pc:sldChg>
+      <pc:sldChg chg="del">
+        <pc:chgData name="Xin Luo" userId="82312ee5779919a4" providerId="LiveId" clId="{7C35D78A-E8DF-394E-816A-D2222F18F092}" dt="2022-11-28T03:56:33.667" v="19" actId="2696"/>
+        <pc:sldMkLst>
+          <pc:docMk/>
+          <pc:sldMk cId="292605530" sldId="2607"/>
+        </pc:sldMkLst>
+      </pc:sldChg>
+      <pc:sldChg chg="del">
+        <pc:chgData name="Xin Luo" userId="82312ee5779919a4" providerId="LiveId" clId="{7C35D78A-E8DF-394E-816A-D2222F18F092}" dt="2022-11-28T03:56:33.667" v="19" actId="2696"/>
+        <pc:sldMkLst>
+          <pc:docMk/>
+          <pc:sldMk cId="1432126823" sldId="2608"/>
+        </pc:sldMkLst>
+      </pc:sldChg>
+      <pc:sldChg chg="del">
+        <pc:chgData name="Xin Luo" userId="82312ee5779919a4" providerId="LiveId" clId="{7C35D78A-E8DF-394E-816A-D2222F18F092}" dt="2022-11-28T03:56:33.667" v="19" actId="2696"/>
+        <pc:sldMkLst>
+          <pc:docMk/>
+          <pc:sldMk cId="2780969545" sldId="2609"/>
+        </pc:sldMkLst>
+      </pc:sldChg>
+      <pc:sldChg chg="del">
+        <pc:chgData name="Xin Luo" userId="82312ee5779919a4" providerId="LiveId" clId="{7C35D78A-E8DF-394E-816A-D2222F18F092}" dt="2022-11-28T03:56:33.667" v="19" actId="2696"/>
+        <pc:sldMkLst>
+          <pc:docMk/>
+          <pc:sldMk cId="1351738911" sldId="2610"/>
+        </pc:sldMkLst>
+      </pc:sldChg>
+      <pc:sldChg chg="del">
+        <pc:chgData name="Xin Luo" userId="82312ee5779919a4" providerId="LiveId" clId="{7C35D78A-E8DF-394E-816A-D2222F18F092}" dt="2022-11-28T03:56:33.667" v="19" actId="2696"/>
+        <pc:sldMkLst>
+          <pc:docMk/>
+          <pc:sldMk cId="1504723508" sldId="2611"/>
+        </pc:sldMkLst>
+      </pc:sldChg>
+      <pc:sldChg chg="del">
+        <pc:chgData name="Xin Luo" userId="82312ee5779919a4" providerId="LiveId" clId="{7C35D78A-E8DF-394E-816A-D2222F18F092}" dt="2022-11-28T03:56:38.106" v="20" actId="2696"/>
+        <pc:sldMkLst>
+          <pc:docMk/>
+          <pc:sldMk cId="63705705" sldId="2612"/>
+        </pc:sldMkLst>
+      </pc:sldChg>
+      <pc:sldChg chg="del">
+        <pc:chgData name="Xin Luo" userId="82312ee5779919a4" providerId="LiveId" clId="{7C35D78A-E8DF-394E-816A-D2222F18F092}" dt="2022-11-28T03:56:42.353" v="21" actId="2696"/>
+        <pc:sldMkLst>
+          <pc:docMk/>
+          <pc:sldMk cId="3070817833" sldId="2652"/>
+        </pc:sldMkLst>
+      </pc:sldChg>
+      <pc:sldChg chg="del">
+        <pc:chgData name="Xin Luo" userId="82312ee5779919a4" providerId="LiveId" clId="{7C35D78A-E8DF-394E-816A-D2222F18F092}" dt="2022-11-28T03:56:42.353" v="21" actId="2696"/>
+        <pc:sldMkLst>
+          <pc:docMk/>
+          <pc:sldMk cId="2261973024" sldId="2686"/>
+        </pc:sldMkLst>
+      </pc:sldChg>
+      <pc:sldChg chg="del">
+        <pc:chgData name="Xin Luo" userId="82312ee5779919a4" providerId="LiveId" clId="{7C35D78A-E8DF-394E-816A-D2222F18F092}" dt="2022-11-28T03:56:38.106" v="20" actId="2696"/>
+        <pc:sldMkLst>
+          <pc:docMk/>
+          <pc:sldMk cId="1836653143" sldId="2688"/>
+        </pc:sldMkLst>
+      </pc:sldChg>
+      <pc:sldChg chg="del">
+        <pc:chgData name="Xin Luo" userId="82312ee5779919a4" providerId="LiveId" clId="{7C35D78A-E8DF-394E-816A-D2222F18F092}" dt="2022-11-28T03:56:38.106" v="20" actId="2696"/>
+        <pc:sldMkLst>
+          <pc:docMk/>
+          <pc:sldMk cId="715274259" sldId="2690"/>
+        </pc:sldMkLst>
+      </pc:sldChg>
+      <pc:sldChg chg="del">
+        <pc:chgData name="Xin Luo" userId="82312ee5779919a4" providerId="LiveId" clId="{7C35D78A-E8DF-394E-816A-D2222F18F092}" dt="2022-11-28T03:56:42.353" v="21" actId="2696"/>
+        <pc:sldMkLst>
+          <pc:docMk/>
+          <pc:sldMk cId="3906920652" sldId="2694"/>
+        </pc:sldMkLst>
+      </pc:sldChg>
+      <pc:sldChg chg="del">
+        <pc:chgData name="Xin Luo" userId="82312ee5779919a4" providerId="LiveId" clId="{7C35D78A-E8DF-394E-816A-D2222F18F092}" dt="2022-11-28T03:56:42.353" v="21" actId="2696"/>
+        <pc:sldMkLst>
+          <pc:docMk/>
+          <pc:sldMk cId="558234131" sldId="2697"/>
+        </pc:sldMkLst>
+      </pc:sldChg>
+      <pc:sldChg chg="del">
+        <pc:chgData name="Xin Luo" userId="82312ee5779919a4" providerId="LiveId" clId="{7C35D78A-E8DF-394E-816A-D2222F18F092}" dt="2022-11-28T03:56:38.106" v="20" actId="2696"/>
+        <pc:sldMkLst>
+          <pc:docMk/>
+          <pc:sldMk cId="507602036" sldId="2700"/>
+        </pc:sldMkLst>
+      </pc:sldChg>
+      <pc:sldChg chg="del">
+        <pc:chgData name="Xin Luo" userId="82312ee5779919a4" providerId="LiveId" clId="{7C35D78A-E8DF-394E-816A-D2222F18F092}" dt="2022-11-28T03:56:38.106" v="20" actId="2696"/>
+        <pc:sldMkLst>
+          <pc:docMk/>
+          <pc:sldMk cId="569668922" sldId="2703"/>
+        </pc:sldMkLst>
+      </pc:sldChg>
+      <pc:sldChg chg="del">
+        <pc:chgData name="Xin Luo" userId="82312ee5779919a4" providerId="LiveId" clId="{7C35D78A-E8DF-394E-816A-D2222F18F092}" dt="2022-11-28T03:56:38.106" v="20" actId="2696"/>
+        <pc:sldMkLst>
+          <pc:docMk/>
+          <pc:sldMk cId="693600848" sldId="2705"/>
+        </pc:sldMkLst>
+      </pc:sldChg>
+      <pc:sldChg chg="del">
+        <pc:chgData name="Xin Luo" userId="82312ee5779919a4" providerId="LiveId" clId="{7C35D78A-E8DF-394E-816A-D2222F18F092}" dt="2022-11-28T03:56:38.106" v="20" actId="2696"/>
+        <pc:sldMkLst>
+          <pc:docMk/>
+          <pc:sldMk cId="2447019445" sldId="2706"/>
+        </pc:sldMkLst>
+      </pc:sldChg>
+      <pc:sldChg chg="del">
+        <pc:chgData name="Xin Luo" userId="82312ee5779919a4" providerId="LiveId" clId="{7C35D78A-E8DF-394E-816A-D2222F18F092}" dt="2022-11-28T03:56:42.353" v="21" actId="2696"/>
+        <pc:sldMkLst>
+          <pc:docMk/>
+          <pc:sldMk cId="3037020054" sldId="2707"/>
+        </pc:sldMkLst>
+      </pc:sldChg>
+      <pc:sldChg chg="del">
+        <pc:chgData name="Xin Luo" userId="82312ee5779919a4" providerId="LiveId" clId="{7C35D78A-E8DF-394E-816A-D2222F18F092}" dt="2022-11-28T03:56:42.353" v="21" actId="2696"/>
+        <pc:sldMkLst>
+          <pc:docMk/>
+          <pc:sldMk cId="446628750" sldId="2708"/>
+        </pc:sldMkLst>
+      </pc:sldChg>
+      <pc:sldChg chg="del">
+        <pc:chgData name="Xin Luo" userId="82312ee5779919a4" providerId="LiveId" clId="{7C35D78A-E8DF-394E-816A-D2222F18F092}" dt="2022-11-28T03:56:42.353" v="21" actId="2696"/>
+        <pc:sldMkLst>
+          <pc:docMk/>
+          <pc:sldMk cId="770366385" sldId="2709"/>
+        </pc:sldMkLst>
+      </pc:sldChg>
+      <pc:sldChg chg="del">
+        <pc:chgData name="Xin Luo" userId="82312ee5779919a4" providerId="LiveId" clId="{7C35D78A-E8DF-394E-816A-D2222F18F092}" dt="2022-11-28T03:56:42.353" v="21" actId="2696"/>
+        <pc:sldMkLst>
+          <pc:docMk/>
+          <pc:sldMk cId="1259562490" sldId="2710"/>
+        </pc:sldMkLst>
+      </pc:sldChg>
+      <pc:sldChg chg="del">
+        <pc:chgData name="Xin Luo" userId="82312ee5779919a4" providerId="LiveId" clId="{7C35D78A-E8DF-394E-816A-D2222F18F092}" dt="2022-11-28T03:56:42.353" v="21" actId="2696"/>
+        <pc:sldMkLst>
+          <pc:docMk/>
+          <pc:sldMk cId="573676958" sldId="2711"/>
+        </pc:sldMkLst>
+      </pc:sldChg>
+      <pc:sldChg chg="del">
+        <pc:chgData name="Xin Luo" userId="82312ee5779919a4" providerId="LiveId" clId="{7C35D78A-E8DF-394E-816A-D2222F18F092}" dt="2022-11-28T03:56:33.667" v="19" actId="2696"/>
+        <pc:sldMkLst>
+          <pc:docMk/>
+          <pc:sldMk cId="2970267871" sldId="2712"/>
+        </pc:sldMkLst>
+      </pc:sldChg>
+      <pc:sldChg chg="del">
+        <pc:chgData name="Xin Luo" userId="82312ee5779919a4" providerId="LiveId" clId="{7C35D78A-E8DF-394E-816A-D2222F18F092}" dt="2022-11-28T03:56:42.353" v="21" actId="2696"/>
+        <pc:sldMkLst>
+          <pc:docMk/>
+          <pc:sldMk cId="4061658258" sldId="2713"/>
+        </pc:sldMkLst>
+      </pc:sldChg>
+      <pc:sldChg chg="del">
+        <pc:chgData name="Xin Luo" userId="82312ee5779919a4" providerId="LiveId" clId="{7C35D78A-E8DF-394E-816A-D2222F18F092}" dt="2022-11-28T03:56:17.803" v="18" actId="2696"/>
+        <pc:sldMkLst>
+          <pc:docMk/>
+          <pc:sldMk cId="2358282757" sldId="2714"/>
+        </pc:sldMkLst>
+      </pc:sldChg>
+    </pc:docChg>
+  </pc:docChgLst>
+  <pc:docChgLst>
+    <pc:chgData name="Xin Luo" userId="82312ee5779919a4" providerId="LiveId" clId="{23920C8D-EBCE-A347-9C82-C14316D20539}"/>
+    <pc:docChg chg="undo custSel addSld modSld">
+      <pc:chgData name="Xin Luo" userId="82312ee5779919a4" providerId="LiveId" clId="{23920C8D-EBCE-A347-9C82-C14316D20539}" dt="2022-10-26T12:19:06.428" v="501" actId="767"/>
+      <pc:docMkLst>
+        <pc:docMk/>
+      </pc:docMkLst>
+      <pc:sldChg chg="modSp mod">
+        <pc:chgData name="Xin Luo" userId="82312ee5779919a4" providerId="LiveId" clId="{23920C8D-EBCE-A347-9C82-C14316D20539}" dt="2022-10-10T01:06:29.261" v="368" actId="404"/>
+        <pc:sldMkLst>
+          <pc:docMk/>
+          <pc:sldMk cId="1576120367" sldId="2387"/>
+        </pc:sldMkLst>
+        <pc:spChg chg="mod">
+          <ac:chgData name="Xin Luo" userId="82312ee5779919a4" providerId="LiveId" clId="{23920C8D-EBCE-A347-9C82-C14316D20539}" dt="2022-10-10T01:06:29.261" v="368" actId="404"/>
+          <ac:spMkLst>
+            <pc:docMk/>
+            <pc:sldMk cId="1576120367" sldId="2387"/>
+            <ac:spMk id="10" creationId="{00000000-0000-0000-0000-000000000000}"/>
+          </ac:spMkLst>
+        </pc:spChg>
+        <pc:spChg chg="mod">
+          <ac:chgData name="Xin Luo" userId="82312ee5779919a4" providerId="LiveId" clId="{23920C8D-EBCE-A347-9C82-C14316D20539}" dt="2022-10-10T01:06:13.262" v="366" actId="403"/>
+          <ac:spMkLst>
+            <pc:docMk/>
+            <pc:sldMk cId="1576120367" sldId="2387"/>
+            <ac:spMk id="12" creationId="{00000000-0000-0000-0000-000000000000}"/>
+          </ac:spMkLst>
+        </pc:spChg>
+        <pc:spChg chg="mod">
+          <ac:chgData name="Xin Luo" userId="82312ee5779919a4" providerId="LiveId" clId="{23920C8D-EBCE-A347-9C82-C14316D20539}" dt="2022-10-10T01:06:29.261" v="368" actId="404"/>
+          <ac:spMkLst>
+            <pc:docMk/>
+            <pc:sldMk cId="1576120367" sldId="2387"/>
+            <ac:spMk id="13" creationId="{00000000-0000-0000-0000-000000000000}"/>
+          </ac:spMkLst>
+        </pc:spChg>
+        <pc:spChg chg="mod">
+          <ac:chgData name="Xin Luo" userId="82312ee5779919a4" providerId="LiveId" clId="{23920C8D-EBCE-A347-9C82-C14316D20539}" dt="2022-10-10T01:06:13.262" v="366" actId="403"/>
+          <ac:spMkLst>
+            <pc:docMk/>
+            <pc:sldMk cId="1576120367" sldId="2387"/>
+            <ac:spMk id="14" creationId="{00000000-0000-0000-0000-000000000000}"/>
+          </ac:spMkLst>
+        </pc:spChg>
+        <pc:spChg chg="mod">
+          <ac:chgData name="Xin Luo" userId="82312ee5779919a4" providerId="LiveId" clId="{23920C8D-EBCE-A347-9C82-C14316D20539}" dt="2022-10-10T01:06:29.261" v="368" actId="404"/>
+          <ac:spMkLst>
+            <pc:docMk/>
+            <pc:sldMk cId="1576120367" sldId="2387"/>
+            <ac:spMk id="15" creationId="{00000000-0000-0000-0000-000000000000}"/>
+          </ac:spMkLst>
+        </pc:spChg>
+        <pc:spChg chg="mod">
+          <ac:chgData name="Xin Luo" userId="82312ee5779919a4" providerId="LiveId" clId="{23920C8D-EBCE-A347-9C82-C14316D20539}" dt="2022-10-10T01:06:19.369" v="367" actId="14100"/>
+          <ac:spMkLst>
+            <pc:docMk/>
+            <pc:sldMk cId="1576120367" sldId="2387"/>
+            <ac:spMk id="16" creationId="{00000000-0000-0000-0000-000000000000}"/>
+          </ac:spMkLst>
+        </pc:spChg>
+      </pc:sldChg>
+      <pc:sldChg chg="modSp mod">
+        <pc:chgData name="Xin Luo" userId="82312ee5779919a4" providerId="LiveId" clId="{23920C8D-EBCE-A347-9C82-C14316D20539}" dt="2022-10-10T01:06:39.449" v="369" actId="403"/>
+        <pc:sldMkLst>
+          <pc:docMk/>
+          <pc:sldMk cId="2415901206" sldId="2447"/>
+        </pc:sldMkLst>
+        <pc:spChg chg="mod">
+          <ac:chgData name="Xin Luo" userId="82312ee5779919a4" providerId="LiveId" clId="{23920C8D-EBCE-A347-9C82-C14316D20539}" dt="2022-10-10T01:06:39.449" v="369" actId="403"/>
+          <ac:spMkLst>
+            <pc:docMk/>
+            <pc:sldMk cId="2415901206" sldId="2447"/>
+            <ac:spMk id="7" creationId="{00000000-0000-0000-0000-000000000000}"/>
+          </ac:spMkLst>
+        </pc:spChg>
+      </pc:sldChg>
+      <pc:sldChg chg="addSp delSp modSp mod">
+        <pc:chgData name="Xin Luo" userId="82312ee5779919a4" providerId="LiveId" clId="{23920C8D-EBCE-A347-9C82-C14316D20539}" dt="2022-10-26T11:18:20.490" v="500"/>
+        <pc:sldMkLst>
+          <pc:docMk/>
+          <pc:sldMk cId="2689840772" sldId="2604"/>
+        </pc:sldMkLst>
+        <pc:spChg chg="mod">
+          <ac:chgData name="Xin Luo" userId="82312ee5779919a4" providerId="LiveId" clId="{23920C8D-EBCE-A347-9C82-C14316D20539}" dt="2022-10-26T11:18:14.630" v="497" actId="1038"/>
+          <ac:spMkLst>
+            <pc:docMk/>
+            <pc:sldMk cId="2689840772" sldId="2604"/>
+            <ac:spMk id="2" creationId="{DB381E7B-A050-4BE4-6756-9B64308C74D7}"/>
+          </ac:spMkLst>
+        </pc:spChg>
+        <pc:spChg chg="del mod">
+          <ac:chgData name="Xin Luo" userId="82312ee5779919a4" providerId="LiveId" clId="{23920C8D-EBCE-A347-9C82-C14316D20539}" dt="2022-10-10T00:58:26.498" v="9" actId="478"/>
+          <ac:spMkLst>
+            <pc:docMk/>
+            <pc:sldMk cId="2689840772" sldId="2604"/>
+            <ac:spMk id="3" creationId="{00000000-0000-0000-0000-000000000000}"/>
+          </ac:spMkLst>
+        </pc:spChg>
+        <pc:spChg chg="add del mod">
+          <ac:chgData name="Xin Luo" userId="82312ee5779919a4" providerId="LiveId" clId="{23920C8D-EBCE-A347-9C82-C14316D20539}" dt="2022-10-26T11:18:20.490" v="500"/>
+          <ac:spMkLst>
+            <pc:docMk/>
+            <pc:sldMk cId="2689840772" sldId="2604"/>
+            <ac:spMk id="3" creationId="{0AC6D251-AEF6-35BE-71D5-DE25EAD72977}"/>
+          </ac:spMkLst>
+        </pc:spChg>
+        <pc:spChg chg="add mod">
+          <ac:chgData name="Xin Luo" userId="82312ee5779919a4" providerId="LiveId" clId="{23920C8D-EBCE-A347-9C82-C14316D20539}" dt="2022-10-10T01:03:50.909" v="356" actId="20577"/>
+          <ac:spMkLst>
+            <pc:docMk/>
+            <pc:sldMk cId="2689840772" sldId="2604"/>
+            <ac:spMk id="4" creationId="{5B949F23-92C2-3ACE-AE9A-58F8C8D7AB52}"/>
+          </ac:spMkLst>
+        </pc:spChg>
+      </pc:sldChg>
+      <pc:sldChg chg="modSp mod">
+        <pc:chgData name="Xin Luo" userId="82312ee5779919a4" providerId="LiveId" clId="{23920C8D-EBCE-A347-9C82-C14316D20539}" dt="2022-10-25T11:53:23.523" v="402" actId="207"/>
+        <pc:sldMkLst>
+          <pc:docMk/>
+          <pc:sldMk cId="1392274363" sldId="2606"/>
+        </pc:sldMkLst>
+        <pc:spChg chg="mod">
+          <ac:chgData name="Xin Luo" userId="82312ee5779919a4" providerId="LiveId" clId="{23920C8D-EBCE-A347-9C82-C14316D20539}" dt="2022-10-10T01:08:08.448" v="392" actId="20577"/>
+          <ac:spMkLst>
+            <pc:docMk/>
+            <pc:sldMk cId="1392274363" sldId="2606"/>
+            <ac:spMk id="35" creationId="{2CBBD54C-A0C4-CFAB-2A67-F8BF299D28F5}"/>
+          </ac:spMkLst>
+        </pc:spChg>
+        <pc:spChg chg="mod">
+          <ac:chgData name="Xin Luo" userId="82312ee5779919a4" providerId="LiveId" clId="{23920C8D-EBCE-A347-9C82-C14316D20539}" dt="2022-10-25T11:53:23.523" v="402" actId="207"/>
+          <ac:spMkLst>
+            <pc:docMk/>
+            <pc:sldMk cId="1392274363" sldId="2606"/>
+            <ac:spMk id="42" creationId="{E4B07DDE-AB89-2B16-6B7A-2142621DE6F5}"/>
+          </ac:spMkLst>
+        </pc:spChg>
+      </pc:sldChg>
+      <pc:sldChg chg="modSp mod">
+        <pc:chgData name="Xin Luo" userId="82312ee5779919a4" providerId="LiveId" clId="{23920C8D-EBCE-A347-9C82-C14316D20539}" dt="2022-10-25T12:03:26.240" v="414" actId="14100"/>
+        <pc:sldMkLst>
+          <pc:docMk/>
+          <pc:sldMk cId="292605530" sldId="2607"/>
+        </pc:sldMkLst>
+        <pc:spChg chg="mod">
+          <ac:chgData name="Xin Luo" userId="82312ee5779919a4" providerId="LiveId" clId="{23920C8D-EBCE-A347-9C82-C14316D20539}" dt="2022-10-25T12:03:26.240" v="414" actId="14100"/>
+          <ac:spMkLst>
+            <pc:docMk/>
+            <pc:sldMk cId="292605530" sldId="2607"/>
+            <ac:spMk id="18" creationId="{8399C9E7-13B6-1DAF-F5BF-4471E8528C5F}"/>
+          </ac:spMkLst>
+        </pc:spChg>
+      </pc:sldChg>
+      <pc:sldChg chg="modSp mod">
+        <pc:chgData name="Xin Luo" userId="82312ee5779919a4" providerId="LiveId" clId="{23920C8D-EBCE-A347-9C82-C14316D20539}" dt="2022-10-25T12:09:03.730" v="478" actId="1036"/>
+        <pc:sldMkLst>
+          <pc:docMk/>
+          <pc:sldMk cId="2780969545" sldId="2609"/>
+        </pc:sldMkLst>
+        <pc:spChg chg="mod">
+          <ac:chgData name="Xin Luo" userId="82312ee5779919a4" providerId="LiveId" clId="{23920C8D-EBCE-A347-9C82-C14316D20539}" dt="2022-10-25T12:08:56.496" v="469" actId="115"/>
+          <ac:spMkLst>
+            <pc:docMk/>
+            <pc:sldMk cId="2780969545" sldId="2609"/>
+            <ac:spMk id="6" creationId="{2D1A6305-FF43-CF53-224A-B6D4901EAB0F}"/>
+          </ac:spMkLst>
+        </pc:spChg>
+        <pc:spChg chg="mod">
+          <ac:chgData name="Xin Luo" userId="82312ee5779919a4" providerId="LiveId" clId="{23920C8D-EBCE-A347-9C82-C14316D20539}" dt="2022-10-25T12:09:03.730" v="478" actId="1036"/>
+          <ac:spMkLst>
+            <pc:docMk/>
+            <pc:sldMk cId="2780969545" sldId="2609"/>
+            <ac:spMk id="11" creationId="{63EAC848-88D2-7A10-E878-444ADA855E23}"/>
+          </ac:spMkLst>
+        </pc:spChg>
+        <pc:spChg chg="mod">
+          <ac:chgData name="Xin Luo" userId="82312ee5779919a4" providerId="LiveId" clId="{23920C8D-EBCE-A347-9C82-C14316D20539}" dt="2022-10-25T12:09:03.730" v="478" actId="1036"/>
+          <ac:spMkLst>
+            <pc:docMk/>
+            <pc:sldMk cId="2780969545" sldId="2609"/>
+            <ac:spMk id="12" creationId="{BED7A820-9D6E-7E7E-A906-8A9424528316}"/>
+          </ac:spMkLst>
+        </pc:spChg>
+        <pc:spChg chg="mod">
+          <ac:chgData name="Xin Luo" userId="82312ee5779919a4" providerId="LiveId" clId="{23920C8D-EBCE-A347-9C82-C14316D20539}" dt="2022-10-25T12:09:03.730" v="478" actId="1036"/>
+          <ac:spMkLst>
+            <pc:docMk/>
+            <pc:sldMk cId="2780969545" sldId="2609"/>
+            <ac:spMk id="20" creationId="{87EC125B-CB98-6914-1633-6697471A2CB4}"/>
+          </ac:spMkLst>
+        </pc:spChg>
+        <pc:spChg chg="mod">
+          <ac:chgData name="Xin Luo" userId="82312ee5779919a4" providerId="LiveId" clId="{23920C8D-EBCE-A347-9C82-C14316D20539}" dt="2022-10-25T12:09:03.730" v="478" actId="1036"/>
+          <ac:spMkLst>
+            <pc:docMk/>
+            <pc:sldMk cId="2780969545" sldId="2609"/>
+            <ac:spMk id="21" creationId="{0AF67847-7DEF-CDAB-6208-0271BFB4FB06}"/>
+          </ac:spMkLst>
+        </pc:spChg>
+        <pc:spChg chg="mod">
+          <ac:chgData name="Xin Luo" userId="82312ee5779919a4" providerId="LiveId" clId="{23920C8D-EBCE-A347-9C82-C14316D20539}" dt="2022-10-25T12:09:03.730" v="478" actId="1036"/>
+          <ac:spMkLst>
+            <pc:docMk/>
+            <pc:sldMk cId="2780969545" sldId="2609"/>
+            <ac:spMk id="23" creationId="{0011846D-F543-398E-85CB-0AB0A842928A}"/>
+          </ac:spMkLst>
+        </pc:spChg>
+        <pc:spChg chg="mod">
+          <ac:chgData name="Xin Luo" userId="82312ee5779919a4" providerId="LiveId" clId="{23920C8D-EBCE-A347-9C82-C14316D20539}" dt="2022-10-25T12:09:03.730" v="478" actId="1036"/>
+          <ac:spMkLst>
+            <pc:docMk/>
+            <pc:sldMk cId="2780969545" sldId="2609"/>
+            <ac:spMk id="24" creationId="{37B5D87E-7419-7CC0-91CC-8A0807F0F999}"/>
+          </ac:spMkLst>
+        </pc:spChg>
+        <pc:spChg chg="mod">
+          <ac:chgData name="Xin Luo" userId="82312ee5779919a4" providerId="LiveId" clId="{23920C8D-EBCE-A347-9C82-C14316D20539}" dt="2022-10-25T12:09:03.730" v="478" actId="1036"/>
+          <ac:spMkLst>
+            <pc:docMk/>
+            <pc:sldMk cId="2780969545" sldId="2609"/>
+            <ac:spMk id="25" creationId="{4745244D-B431-F067-4A97-7CC4387296FB}"/>
+          </ac:spMkLst>
+        </pc:spChg>
+        <pc:spChg chg="mod">
+          <ac:chgData name="Xin Luo" userId="82312ee5779919a4" providerId="LiveId" clId="{23920C8D-EBCE-A347-9C82-C14316D20539}" dt="2022-10-25T12:09:03.730" v="478" actId="1036"/>
+          <ac:spMkLst>
+            <pc:docMk/>
+            <pc:sldMk cId="2780969545" sldId="2609"/>
+            <ac:spMk id="26" creationId="{FB9C53DE-8D1F-6DF4-8CE3-3A262A9F8737}"/>
+          </ac:spMkLst>
+        </pc:spChg>
+        <pc:picChg chg="mod">
+          <ac:chgData name="Xin Luo" userId="82312ee5779919a4" providerId="LiveId" clId="{23920C8D-EBCE-A347-9C82-C14316D20539}" dt="2022-10-25T12:09:03.730" v="478" actId="1036"/>
+          <ac:picMkLst>
+            <pc:docMk/>
+            <pc:sldMk cId="2780969545" sldId="2609"/>
+            <ac:picMk id="4" creationId="{49B7ACC6-6794-9162-52B2-E80F7E4B0442}"/>
+          </ac:picMkLst>
+        </pc:picChg>
+        <pc:picChg chg="mod">
+          <ac:chgData name="Xin Luo" userId="82312ee5779919a4" providerId="LiveId" clId="{23920C8D-EBCE-A347-9C82-C14316D20539}" dt="2022-10-25T12:09:03.730" v="478" actId="1036"/>
+          <ac:picMkLst>
+            <pc:docMk/>
+            <pc:sldMk cId="2780969545" sldId="2609"/>
+            <ac:picMk id="7" creationId="{42FD45A0-A9EA-D518-41B5-21FA7A24BA60}"/>
+          </ac:picMkLst>
+        </pc:picChg>
+        <pc:picChg chg="mod">
+          <ac:chgData name="Xin Luo" userId="82312ee5779919a4" providerId="LiveId" clId="{23920C8D-EBCE-A347-9C82-C14316D20539}" dt="2022-10-25T12:09:03.730" v="478" actId="1036"/>
+          <ac:picMkLst>
+            <pc:docMk/>
+            <pc:sldMk cId="2780969545" sldId="2609"/>
+            <ac:picMk id="10" creationId="{C2B12388-3179-41F8-2462-0C9BA14093FF}"/>
+          </ac:picMkLst>
+        </pc:picChg>
+        <pc:picChg chg="mod">
+          <ac:chgData name="Xin Luo" userId="82312ee5779919a4" providerId="LiveId" clId="{23920C8D-EBCE-A347-9C82-C14316D20539}" dt="2022-10-25T12:09:03.730" v="478" actId="1036"/>
+          <ac:picMkLst>
+            <pc:docMk/>
+            <pc:sldMk cId="2780969545" sldId="2609"/>
+            <ac:picMk id="7170" creationId="{A3C33C8C-6841-03A7-574F-E161D6BA2409}"/>
+          </ac:picMkLst>
+        </pc:picChg>
+        <pc:cxnChg chg="mod">
+          <ac:chgData name="Xin Luo" userId="82312ee5779919a4" providerId="LiveId" clId="{23920C8D-EBCE-A347-9C82-C14316D20539}" dt="2022-10-25T12:09:03.730" v="478" actId="1036"/>
+          <ac:cxnSpMkLst>
+            <pc:docMk/>
+            <pc:sldMk cId="2780969545" sldId="2609"/>
+            <ac:cxnSpMk id="9" creationId="{FD972B84-6C44-171E-8256-D2A04F01B0C9}"/>
+          </ac:cxnSpMkLst>
+        </pc:cxnChg>
+        <pc:cxnChg chg="mod">
+          <ac:chgData name="Xin Luo" userId="82312ee5779919a4" providerId="LiveId" clId="{23920C8D-EBCE-A347-9C82-C14316D20539}" dt="2022-10-25T12:09:03.730" v="478" actId="1036"/>
+          <ac:cxnSpMkLst>
+            <pc:docMk/>
+            <pc:sldMk cId="2780969545" sldId="2609"/>
+            <ac:cxnSpMk id="16" creationId="{612BCBDC-DECE-5090-7C5B-6492FF4CE722}"/>
+          </ac:cxnSpMkLst>
+        </pc:cxnChg>
+        <pc:cxnChg chg="mod">
+          <ac:chgData name="Xin Luo" userId="82312ee5779919a4" providerId="LiveId" clId="{23920C8D-EBCE-A347-9C82-C14316D20539}" dt="2022-10-25T12:09:03.730" v="478" actId="1036"/>
+          <ac:cxnSpMkLst>
+            <pc:docMk/>
+            <pc:sldMk cId="2780969545" sldId="2609"/>
+            <ac:cxnSpMk id="17" creationId="{AF045F09-2718-C456-D477-E816A43885FF}"/>
+          </ac:cxnSpMkLst>
+        </pc:cxnChg>
+        <pc:cxnChg chg="mod">
+          <ac:chgData name="Xin Luo" userId="82312ee5779919a4" providerId="LiveId" clId="{23920C8D-EBCE-A347-9C82-C14316D20539}" dt="2022-10-25T12:09:03.730" v="478" actId="1036"/>
+          <ac:cxnSpMkLst>
+            <pc:docMk/>
+            <pc:sldMk cId="2780969545" sldId="2609"/>
+            <ac:cxnSpMk id="28" creationId="{6C11ADF7-6234-2989-2798-F5AAD5EDE3BF}"/>
+          </ac:cxnSpMkLst>
+        </pc:cxnChg>
+      </pc:sldChg>
+      <pc:sldChg chg="modSp mod">
+        <pc:chgData name="Xin Luo" userId="82312ee5779919a4" providerId="LiveId" clId="{23920C8D-EBCE-A347-9C82-C14316D20539}" dt="2022-10-26T02:56:58.658" v="480" actId="207"/>
+        <pc:sldMkLst>
+          <pc:docMk/>
+          <pc:sldMk cId="63705705" sldId="2612"/>
+        </pc:sldMkLst>
+        <pc:spChg chg="mod">
+          <ac:chgData name="Xin Luo" userId="82312ee5779919a4" providerId="LiveId" clId="{23920C8D-EBCE-A347-9C82-C14316D20539}" dt="2022-10-26T02:56:58.658" v="480" actId="207"/>
+          <ac:spMkLst>
+            <pc:docMk/>
+            <pc:sldMk cId="63705705" sldId="2612"/>
+            <ac:spMk id="63" creationId="{6400CC45-5050-7ACD-CE08-CC6D7000A1DA}"/>
+          </ac:spMkLst>
+        </pc:spChg>
+      </pc:sldChg>
+      <pc:sldChg chg="addSp modSp">
+        <pc:chgData name="Xin Luo" userId="82312ee5779919a4" providerId="LiveId" clId="{23920C8D-EBCE-A347-9C82-C14316D20539}" dt="2022-10-26T12:19:06.428" v="501" actId="767"/>
+        <pc:sldMkLst>
+          <pc:docMk/>
+          <pc:sldMk cId="963926578" sldId="2613"/>
+        </pc:sldMkLst>
+        <pc:spChg chg="add mod">
+          <ac:chgData name="Xin Luo" userId="82312ee5779919a4" providerId="LiveId" clId="{23920C8D-EBCE-A347-9C82-C14316D20539}" dt="2022-10-26T12:19:06.428" v="501" actId="767"/>
+          <ac:spMkLst>
+            <pc:docMk/>
+            <pc:sldMk cId="963926578" sldId="2613"/>
+            <ac:spMk id="2" creationId="{5F7683B3-77E0-69A9-94AE-FF04E7249325}"/>
+          </ac:spMkLst>
+        </pc:spChg>
+      </pc:sldChg>
+      <pc:sldChg chg="modSp add mod">
+        <pc:chgData name="Xin Luo" userId="82312ee5779919a4" providerId="LiveId" clId="{23920C8D-EBCE-A347-9C82-C14316D20539}" dt="2022-10-10T01:06:02.902" v="365" actId="403"/>
+        <pc:sldMkLst>
+          <pc:docMk/>
+          <pc:sldMk cId="2358282757" sldId="2714"/>
+        </pc:sldMkLst>
+        <pc:spChg chg="mod">
+          <ac:chgData name="Xin Luo" userId="82312ee5779919a4" providerId="LiveId" clId="{23920C8D-EBCE-A347-9C82-C14316D20539}" dt="2022-10-10T01:06:02.902" v="365" actId="403"/>
+          <ac:spMkLst>
+            <pc:docMk/>
+            <pc:sldMk cId="2358282757" sldId="2714"/>
+            <ac:spMk id="2" creationId="{DB381E7B-A050-4BE4-6756-9B64308C74D7}"/>
+          </ac:spMkLst>
+        </pc:spChg>
+      </pc:sldChg>
+    </pc:docChg>
+  </pc:docChgLst>
+  <pc:docChgLst>
+    <pc:chgData name="Xin Luo" userId="82312ee5779919a4" providerId="LiveId" clId="{0E64B162-6530-E24D-B838-3C694F61470E}"/>
+    <pc:docChg chg="undo redo custSel delSld modSld">
+      <pc:chgData name="Xin Luo" userId="82312ee5779919a4" providerId="LiveId" clId="{0E64B162-6530-E24D-B838-3C694F61470E}" dt="2023-04-17T08:59:23.581" v="1242" actId="20577"/>
+      <pc:docMkLst>
+        <pc:docMk/>
+      </pc:docMkLst>
+      <pc:sldChg chg="modSp del mod">
+        <pc:chgData name="Xin Luo" userId="82312ee5779919a4" providerId="LiveId" clId="{0E64B162-6530-E24D-B838-3C694F61470E}" dt="2023-04-17T02:14:23.768" v="508" actId="2696"/>
+        <pc:sldMkLst>
+          <pc:docMk/>
+          <pc:sldMk cId="1209572041" sldId="2722"/>
+        </pc:sldMkLst>
+        <pc:spChg chg="mod">
+          <ac:chgData name="Xin Luo" userId="82312ee5779919a4" providerId="LiveId" clId="{0E64B162-6530-E24D-B838-3C694F61470E}" dt="2023-04-17T02:12:09.570" v="507" actId="20577"/>
+          <ac:spMkLst>
+            <pc:docMk/>
+            <pc:sldMk cId="1209572041" sldId="2722"/>
+            <ac:spMk id="13" creationId="{303BC878-BC57-D350-27A3-F03AE48213AC}"/>
+          </ac:spMkLst>
+        </pc:spChg>
+      </pc:sldChg>
+      <pc:sldChg chg="modSp mod">
+        <pc:chgData name="Xin Luo" userId="82312ee5779919a4" providerId="LiveId" clId="{0E64B162-6530-E24D-B838-3C694F61470E}" dt="2023-04-17T02:14:46.844" v="527" actId="20577"/>
+        <pc:sldMkLst>
+          <pc:docMk/>
+          <pc:sldMk cId="3175231995" sldId="2743"/>
+        </pc:sldMkLst>
+        <pc:spChg chg="mod">
+          <ac:chgData name="Xin Luo" userId="82312ee5779919a4" providerId="LiveId" clId="{0E64B162-6530-E24D-B838-3C694F61470E}" dt="2023-04-17T02:14:46.844" v="527" actId="20577"/>
+          <ac:spMkLst>
+            <pc:docMk/>
+            <pc:sldMk cId="3175231995" sldId="2743"/>
+            <ac:spMk id="7" creationId="{00000000-0000-0000-0000-000000000000}"/>
+          </ac:spMkLst>
+        </pc:spChg>
+      </pc:sldChg>
+      <pc:sldChg chg="del">
+        <pc:chgData name="Xin Luo" userId="82312ee5779919a4" providerId="LiveId" clId="{0E64B162-6530-E24D-B838-3C694F61470E}" dt="2023-04-16T04:25:44.787" v="505" actId="2696"/>
+        <pc:sldMkLst>
+          <pc:docMk/>
+          <pc:sldMk cId="2861954436" sldId="2762"/>
+        </pc:sldMkLst>
+      </pc:sldChg>
+      <pc:sldChg chg="modSp mod">
+        <pc:chgData name="Xin Luo" userId="82312ee5779919a4" providerId="LiveId" clId="{0E64B162-6530-E24D-B838-3C694F61470E}" dt="2023-04-13T08:47:54.606" v="236" actId="113"/>
+        <pc:sldMkLst>
+          <pc:docMk/>
+          <pc:sldMk cId="1803588456" sldId="2767"/>
+        </pc:sldMkLst>
+        <pc:spChg chg="mod">
+          <ac:chgData name="Xin Luo" userId="82312ee5779919a4" providerId="LiveId" clId="{0E64B162-6530-E24D-B838-3C694F61470E}" dt="2023-04-13T08:47:54.606" v="236" actId="113"/>
+          <ac:spMkLst>
+            <pc:docMk/>
+            <pc:sldMk cId="1803588456" sldId="2767"/>
+            <ac:spMk id="2" creationId="{631AADB6-C88A-D817-4683-FC087E4E240F}"/>
+          </ac:spMkLst>
+        </pc:spChg>
+      </pc:sldChg>
+      <pc:sldChg chg="modSp mod">
+        <pc:chgData name="Xin Luo" userId="82312ee5779919a4" providerId="LiveId" clId="{0E64B162-6530-E24D-B838-3C694F61470E}" dt="2023-04-16T02:20:42.890" v="467" actId="20577"/>
+        <pc:sldMkLst>
+          <pc:docMk/>
+          <pc:sldMk cId="1345125462" sldId="2768"/>
+        </pc:sldMkLst>
+        <pc:spChg chg="mod">
+          <ac:chgData name="Xin Luo" userId="82312ee5779919a4" providerId="LiveId" clId="{0E64B162-6530-E24D-B838-3C694F61470E}" dt="2023-04-16T02:20:42.890" v="467" actId="20577"/>
+          <ac:spMkLst>
+            <pc:docMk/>
+            <pc:sldMk cId="1345125462" sldId="2768"/>
+            <ac:spMk id="2" creationId="{631AADB6-C88A-D817-4683-FC087E4E240F}"/>
+          </ac:spMkLst>
+        </pc:spChg>
+      </pc:sldChg>
+      <pc:sldChg chg="modSp mod">
+        <pc:chgData name="Xin Luo" userId="82312ee5779919a4" providerId="LiveId" clId="{0E64B162-6530-E24D-B838-3C694F61470E}" dt="2023-04-16T04:25:27.649" v="504" actId="2710"/>
+        <pc:sldMkLst>
+          <pc:docMk/>
+          <pc:sldMk cId="904694265" sldId="2769"/>
+        </pc:sldMkLst>
+        <pc:spChg chg="mod">
+          <ac:chgData name="Xin Luo" userId="82312ee5779919a4" providerId="LiveId" clId="{0E64B162-6530-E24D-B838-3C694F61470E}" dt="2023-04-16T04:25:27.649" v="504" actId="2710"/>
+          <ac:spMkLst>
+            <pc:docMk/>
+            <pc:sldMk cId="904694265" sldId="2769"/>
+            <ac:spMk id="2" creationId="{631AADB6-C88A-D817-4683-FC087E4E240F}"/>
+          </ac:spMkLst>
+        </pc:spChg>
+      </pc:sldChg>
+      <pc:sldChg chg="modSp del mod">
+        <pc:chgData name="Xin Luo" userId="82312ee5779919a4" providerId="LiveId" clId="{0E64B162-6530-E24D-B838-3C694F61470E}" dt="2023-04-13T14:45:01.104" v="237" actId="2696"/>
+        <pc:sldMkLst>
+          <pc:docMk/>
+          <pc:sldMk cId="660500533" sldId="2770"/>
+        </pc:sldMkLst>
+        <pc:spChg chg="mod">
+          <ac:chgData name="Xin Luo" userId="82312ee5779919a4" providerId="LiveId" clId="{0E64B162-6530-E24D-B838-3C694F61470E}" dt="2023-04-13T00:52:20.453" v="223" actId="20577"/>
+          <ac:spMkLst>
+            <pc:docMk/>
+            <pc:sldMk cId="660500533" sldId="2770"/>
+            <ac:spMk id="13" creationId="{303BC878-BC57-D350-27A3-F03AE48213AC}"/>
+          </ac:spMkLst>
+        </pc:spChg>
+      </pc:sldChg>
+      <pc:sldChg chg="del">
+        <pc:chgData name="Xin Luo" userId="82312ee5779919a4" providerId="LiveId" clId="{0E64B162-6530-E24D-B838-3C694F61470E}" dt="2023-04-16T03:01:05.703" v="468" actId="2696"/>
+        <pc:sldMkLst>
+          <pc:docMk/>
+          <pc:sldMk cId="3307103198" sldId="2771"/>
+        </pc:sldMkLst>
+      </pc:sldChg>
+      <pc:sldChg chg="addSp delSp modSp mod">
+        <pc:chgData name="Xin Luo" userId="82312ee5779919a4" providerId="LiveId" clId="{0E64B162-6530-E24D-B838-3C694F61470E}" dt="2023-04-17T08:59:23.581" v="1242" actId="20577"/>
+        <pc:sldMkLst>
+          <pc:docMk/>
+          <pc:sldMk cId="1508480209" sldId="2772"/>
+        </pc:sldMkLst>
+        <pc:spChg chg="mod">
+          <ac:chgData name="Xin Luo" userId="82312ee5779919a4" providerId="LiveId" clId="{0E64B162-6530-E24D-B838-3C694F61470E}" dt="2023-04-17T02:18:35.018" v="588" actId="20577"/>
+          <ac:spMkLst>
+            <pc:docMk/>
+            <pc:sldMk cId="1508480209" sldId="2772"/>
+            <ac:spMk id="3" creationId="{00000000-0000-0000-0000-000000000000}"/>
+          </ac:spMkLst>
+        </pc:spChg>
+        <pc:spChg chg="add del mod">
+          <ac:chgData name="Xin Luo" userId="82312ee5779919a4" providerId="LiveId" clId="{0E64B162-6530-E24D-B838-3C694F61470E}" dt="2023-04-17T08:56:51.989" v="1229"/>
+          <ac:spMkLst>
+            <pc:docMk/>
+            <pc:sldMk cId="1508480209" sldId="2772"/>
+            <ac:spMk id="4" creationId="{8AA3E622-851A-A756-F44A-375B6E1BB2CD}"/>
+          </ac:spMkLst>
+        </pc:spChg>
+        <pc:spChg chg="mod">
+          <ac:chgData name="Xin Luo" userId="82312ee5779919a4" providerId="LiveId" clId="{0E64B162-6530-E24D-B838-3C694F61470E}" dt="2023-04-17T02:15:07.548" v="545" actId="20577"/>
+          <ac:spMkLst>
+            <pc:docMk/>
+            <pc:sldMk cId="1508480209" sldId="2772"/>
+            <ac:spMk id="11" creationId="{53A7E693-8098-76C4-CD5D-47166ABEB164}"/>
+          </ac:spMkLst>
+        </pc:spChg>
+        <pc:spChg chg="mod">
+          <ac:chgData name="Xin Luo" userId="82312ee5779919a4" providerId="LiveId" clId="{0E64B162-6530-E24D-B838-3C694F61470E}" dt="2023-04-17T08:59:23.581" v="1242" actId="20577"/>
+          <ac:spMkLst>
+            <pc:docMk/>
+            <pc:sldMk cId="1508480209" sldId="2772"/>
+            <ac:spMk id="13" creationId="{303BC878-BC57-D350-27A3-F03AE48213AC}"/>
           </ac:spMkLst>
         </pc:spChg>
       </pc:sldChg>
@@ -3980,6 +3628,2134 @@
     </pc:docChg>
   </pc:docChgLst>
   <pc:docChgLst>
+    <pc:chgData name="Xin Luo" userId="82312ee5779919a4" providerId="LiveId" clId="{94E43BDB-720C-FE4E-82EC-62DC7FE1B799}"/>
+    <pc:docChg chg="undo redo custSel addSld delSld modSld sldOrd">
+      <pc:chgData name="Xin Luo" userId="82312ee5779919a4" providerId="LiveId" clId="{94E43BDB-720C-FE4E-82EC-62DC7FE1B799}" dt="2023-02-26T14:47:30.207" v="5084" actId="20577"/>
+      <pc:docMkLst>
+        <pc:docMk/>
+      </pc:docMkLst>
+      <pc:sldChg chg="modSp mod">
+        <pc:chgData name="Xin Luo" userId="82312ee5779919a4" providerId="LiveId" clId="{94E43BDB-720C-FE4E-82EC-62DC7FE1B799}" dt="2023-02-25T02:07:16.068" v="248" actId="1076"/>
+        <pc:sldMkLst>
+          <pc:docMk/>
+          <pc:sldMk cId="1576120367" sldId="2387"/>
+        </pc:sldMkLst>
+        <pc:spChg chg="mod">
+          <ac:chgData name="Xin Luo" userId="82312ee5779919a4" providerId="LiveId" clId="{94E43BDB-720C-FE4E-82EC-62DC7FE1B799}" dt="2023-02-25T02:02:30.368" v="220" actId="20577"/>
+          <ac:spMkLst>
+            <pc:docMk/>
+            <pc:sldMk cId="1576120367" sldId="2387"/>
+            <ac:spMk id="5" creationId="{494DAA55-5621-28DB-D255-E0EBB6C6477B}"/>
+          </ac:spMkLst>
+        </pc:spChg>
+        <pc:spChg chg="mod">
+          <ac:chgData name="Xin Luo" userId="82312ee5779919a4" providerId="LiveId" clId="{94E43BDB-720C-FE4E-82EC-62DC7FE1B799}" dt="2023-02-25T01:52:17.256" v="153" actId="108"/>
+          <ac:spMkLst>
+            <pc:docMk/>
+            <pc:sldMk cId="1576120367" sldId="2387"/>
+            <ac:spMk id="12" creationId="{00000000-0000-0000-0000-000000000000}"/>
+          </ac:spMkLst>
+        </pc:spChg>
+        <pc:spChg chg="mod">
+          <ac:chgData name="Xin Luo" userId="82312ee5779919a4" providerId="LiveId" clId="{94E43BDB-720C-FE4E-82EC-62DC7FE1B799}" dt="2023-02-25T02:07:16.068" v="248" actId="1076"/>
+          <ac:spMkLst>
+            <pc:docMk/>
+            <pc:sldMk cId="1576120367" sldId="2387"/>
+            <ac:spMk id="14" creationId="{00000000-0000-0000-0000-000000000000}"/>
+          </ac:spMkLst>
+        </pc:spChg>
+      </pc:sldChg>
+      <pc:sldChg chg="modSp mod">
+        <pc:chgData name="Xin Luo" userId="82312ee5779919a4" providerId="LiveId" clId="{94E43BDB-720C-FE4E-82EC-62DC7FE1B799}" dt="2023-02-25T02:02:25.653" v="218" actId="20577"/>
+        <pc:sldMkLst>
+          <pc:docMk/>
+          <pc:sldMk cId="2415901206" sldId="2447"/>
+        </pc:sldMkLst>
+        <pc:spChg chg="mod">
+          <ac:chgData name="Xin Luo" userId="82312ee5779919a4" providerId="LiveId" clId="{94E43BDB-720C-FE4E-82EC-62DC7FE1B799}" dt="2023-02-25T01:52:50.946" v="183" actId="1038"/>
+          <ac:spMkLst>
+            <pc:docMk/>
+            <pc:sldMk cId="2415901206" sldId="2447"/>
+            <ac:spMk id="3" creationId="{00000000-0000-0000-0000-000000000000}"/>
+          </ac:spMkLst>
+        </pc:spChg>
+        <pc:spChg chg="mod">
+          <ac:chgData name="Xin Luo" userId="82312ee5779919a4" providerId="LiveId" clId="{94E43BDB-720C-FE4E-82EC-62DC7FE1B799}" dt="2023-02-25T02:02:25.653" v="218" actId="20577"/>
+          <ac:spMkLst>
+            <pc:docMk/>
+            <pc:sldMk cId="2415901206" sldId="2447"/>
+            <ac:spMk id="7" creationId="{00000000-0000-0000-0000-000000000000}"/>
+          </ac:spMkLst>
+        </pc:spChg>
+      </pc:sldChg>
+      <pc:sldChg chg="modSp del mod ord">
+        <pc:chgData name="Xin Luo" userId="82312ee5779919a4" providerId="LiveId" clId="{94E43BDB-720C-FE4E-82EC-62DC7FE1B799}" dt="2023-02-25T05:09:10.956" v="792" actId="2696"/>
+        <pc:sldMkLst>
+          <pc:docMk/>
+          <pc:sldMk cId="4067577602" sldId="2605"/>
+        </pc:sldMkLst>
+        <pc:spChg chg="mod">
+          <ac:chgData name="Xin Luo" userId="82312ee5779919a4" providerId="LiveId" clId="{94E43BDB-720C-FE4E-82EC-62DC7FE1B799}" dt="2023-02-25T02:12:02.097" v="304" actId="20577"/>
+          <ac:spMkLst>
+            <pc:docMk/>
+            <pc:sldMk cId="4067577602" sldId="2605"/>
+            <ac:spMk id="3" creationId="{00000000-0000-0000-0000-000000000000}"/>
+          </ac:spMkLst>
+        </pc:spChg>
+        <pc:spChg chg="mod">
+          <ac:chgData name="Xin Luo" userId="82312ee5779919a4" providerId="LiveId" clId="{94E43BDB-720C-FE4E-82EC-62DC7FE1B799}" dt="2023-02-25T02:11:03.982" v="256" actId="20577"/>
+          <ac:spMkLst>
+            <pc:docMk/>
+            <pc:sldMk cId="4067577602" sldId="2605"/>
+            <ac:spMk id="5" creationId="{78502774-B04C-634F-1396-E5815996BC36}"/>
+          </ac:spMkLst>
+        </pc:spChg>
+      </pc:sldChg>
+      <pc:sldChg chg="modSp mod">
+        <pc:chgData name="Xin Luo" userId="82312ee5779919a4" providerId="LiveId" clId="{94E43BDB-720C-FE4E-82EC-62DC7FE1B799}" dt="2023-02-25T16:05:06.530" v="4821" actId="20577"/>
+        <pc:sldMkLst>
+          <pc:docMk/>
+          <pc:sldMk cId="1658607177" sldId="2708"/>
+        </pc:sldMkLst>
+        <pc:spChg chg="mod">
+          <ac:chgData name="Xin Luo" userId="82312ee5779919a4" providerId="LiveId" clId="{94E43BDB-720C-FE4E-82EC-62DC7FE1B799}" dt="2023-02-25T16:05:06.530" v="4821" actId="20577"/>
+          <ac:spMkLst>
+            <pc:docMk/>
+            <pc:sldMk cId="1658607177" sldId="2708"/>
+            <ac:spMk id="3" creationId="{E375549C-74EF-2C8F-6432-2C52B803FB1B}"/>
+          </ac:spMkLst>
+        </pc:spChg>
+        <pc:spChg chg="mod">
+          <ac:chgData name="Xin Luo" userId="82312ee5779919a4" providerId="LiveId" clId="{94E43BDB-720C-FE4E-82EC-62DC7FE1B799}" dt="2023-02-25T01:44:52.592" v="4"/>
+          <ac:spMkLst>
+            <pc:docMk/>
+            <pc:sldMk cId="1658607177" sldId="2708"/>
+            <ac:spMk id="24" creationId="{00000000-0000-0000-0000-000000000000}"/>
+          </ac:spMkLst>
+        </pc:spChg>
+      </pc:sldChg>
+      <pc:sldChg chg="add del">
+        <pc:chgData name="Xin Luo" userId="82312ee5779919a4" providerId="LiveId" clId="{94E43BDB-720C-FE4E-82EC-62DC7FE1B799}" dt="2023-02-25T02:20:45.929" v="348" actId="2696"/>
+        <pc:sldMkLst>
+          <pc:docMk/>
+          <pc:sldMk cId="481122590" sldId="2709"/>
+        </pc:sldMkLst>
+      </pc:sldChg>
+      <pc:sldChg chg="del">
+        <pc:chgData name="Xin Luo" userId="82312ee5779919a4" providerId="LiveId" clId="{94E43BDB-720C-FE4E-82EC-62DC7FE1B799}" dt="2023-02-25T02:03:23.762" v="246" actId="2696"/>
+        <pc:sldMkLst>
+          <pc:docMk/>
+          <pc:sldMk cId="3833073590" sldId="2716"/>
+        </pc:sldMkLst>
+      </pc:sldChg>
+      <pc:sldChg chg="add del">
+        <pc:chgData name="Xin Luo" userId="82312ee5779919a4" providerId="LiveId" clId="{94E43BDB-720C-FE4E-82EC-62DC7FE1B799}" dt="2023-02-25T02:20:45.931" v="349" actId="2696"/>
+        <pc:sldMkLst>
+          <pc:docMk/>
+          <pc:sldMk cId="972163772" sldId="2720"/>
+        </pc:sldMkLst>
+      </pc:sldChg>
+      <pc:sldChg chg="add del">
+        <pc:chgData name="Xin Luo" userId="82312ee5779919a4" providerId="LiveId" clId="{94E43BDB-720C-FE4E-82EC-62DC7FE1B799}" dt="2023-02-25T02:20:45.925" v="346" actId="2696"/>
+        <pc:sldMkLst>
+          <pc:docMk/>
+          <pc:sldMk cId="2689695864" sldId="2721"/>
+        </pc:sldMkLst>
+      </pc:sldChg>
+      <pc:sldChg chg="addSp delSp modSp add del mod ord">
+        <pc:chgData name="Xin Luo" userId="82312ee5779919a4" providerId="LiveId" clId="{94E43BDB-720C-FE4E-82EC-62DC7FE1B799}" dt="2023-02-26T13:31:11.099" v="4891" actId="20577"/>
+        <pc:sldMkLst>
+          <pc:docMk/>
+          <pc:sldMk cId="1209572041" sldId="2722"/>
+        </pc:sldMkLst>
+        <pc:spChg chg="mod">
+          <ac:chgData name="Xin Luo" userId="82312ee5779919a4" providerId="LiveId" clId="{94E43BDB-720C-FE4E-82EC-62DC7FE1B799}" dt="2023-02-25T13:30:51.201" v="3348" actId="20577"/>
+          <ac:spMkLst>
+            <pc:docMk/>
+            <pc:sldMk cId="1209572041" sldId="2722"/>
+            <ac:spMk id="11" creationId="{53A7E693-8098-76C4-CD5D-47166ABEB164}"/>
+          </ac:spMkLst>
+        </pc:spChg>
+        <pc:spChg chg="add del mod">
+          <ac:chgData name="Xin Luo" userId="82312ee5779919a4" providerId="LiveId" clId="{94E43BDB-720C-FE4E-82EC-62DC7FE1B799}" dt="2023-02-26T13:31:11.099" v="4891" actId="20577"/>
+          <ac:spMkLst>
+            <pc:docMk/>
+            <pc:sldMk cId="1209572041" sldId="2722"/>
+            <ac:spMk id="13" creationId="{303BC878-BC57-D350-27A3-F03AE48213AC}"/>
+          </ac:spMkLst>
+        </pc:spChg>
+      </pc:sldChg>
+      <pc:sldChg chg="del">
+        <pc:chgData name="Xin Luo" userId="82312ee5779919a4" providerId="LiveId" clId="{94E43BDB-720C-FE4E-82EC-62DC7FE1B799}" dt="2023-02-25T02:11:00.233" v="255" actId="2696"/>
+        <pc:sldMkLst>
+          <pc:docMk/>
+          <pc:sldMk cId="655142816" sldId="2737"/>
+        </pc:sldMkLst>
+      </pc:sldChg>
+      <pc:sldChg chg="del">
+        <pc:chgData name="Xin Luo" userId="82312ee5779919a4" providerId="LiveId" clId="{94E43BDB-720C-FE4E-82EC-62DC7FE1B799}" dt="2023-02-25T02:03:23.759" v="245" actId="2696"/>
+        <pc:sldMkLst>
+          <pc:docMk/>
+          <pc:sldMk cId="4156684215" sldId="2738"/>
+        </pc:sldMkLst>
+      </pc:sldChg>
+      <pc:sldChg chg="add del">
+        <pc:chgData name="Xin Luo" userId="82312ee5779919a4" providerId="LiveId" clId="{94E43BDB-720C-FE4E-82EC-62DC7FE1B799}" dt="2023-02-25T02:20:45.927" v="347" actId="2696"/>
+        <pc:sldMkLst>
+          <pc:docMk/>
+          <pc:sldMk cId="2776132283" sldId="2739"/>
+        </pc:sldMkLst>
+      </pc:sldChg>
+      <pc:sldChg chg="del">
+        <pc:chgData name="Xin Luo" userId="82312ee5779919a4" providerId="LiveId" clId="{94E43BDB-720C-FE4E-82EC-62DC7FE1B799}" dt="2023-02-25T02:11:11.413" v="257" actId="2696"/>
+        <pc:sldMkLst>
+          <pc:docMk/>
+          <pc:sldMk cId="2510358707" sldId="2740"/>
+        </pc:sldMkLst>
+      </pc:sldChg>
+      <pc:sldChg chg="add del">
+        <pc:chgData name="Xin Luo" userId="82312ee5779919a4" providerId="LiveId" clId="{94E43BDB-720C-FE4E-82EC-62DC7FE1B799}" dt="2023-02-25T02:20:45.923" v="345" actId="2696"/>
+        <pc:sldMkLst>
+          <pc:docMk/>
+          <pc:sldMk cId="2476237792" sldId="2741"/>
+        </pc:sldMkLst>
+      </pc:sldChg>
+      <pc:sldChg chg="modSp add mod">
+        <pc:chgData name="Xin Luo" userId="82312ee5779919a4" providerId="LiveId" clId="{94E43BDB-720C-FE4E-82EC-62DC7FE1B799}" dt="2023-02-25T02:11:43.848" v="299" actId="20577"/>
+        <pc:sldMkLst>
+          <pc:docMk/>
+          <pc:sldMk cId="393940605" sldId="2742"/>
+        </pc:sldMkLst>
+        <pc:spChg chg="mod">
+          <ac:chgData name="Xin Luo" userId="82312ee5779919a4" providerId="LiveId" clId="{94E43BDB-720C-FE4E-82EC-62DC7FE1B799}" dt="2023-02-25T02:11:43.848" v="299" actId="20577"/>
+          <ac:spMkLst>
+            <pc:docMk/>
+            <pc:sldMk cId="393940605" sldId="2742"/>
+            <ac:spMk id="7" creationId="{00000000-0000-0000-0000-000000000000}"/>
+          </ac:spMkLst>
+        </pc:spChg>
+      </pc:sldChg>
+      <pc:sldChg chg="modSp add mod">
+        <pc:chgData name="Xin Luo" userId="82312ee5779919a4" providerId="LiveId" clId="{94E43BDB-720C-FE4E-82EC-62DC7FE1B799}" dt="2023-02-25T02:02:59.782" v="242" actId="20577"/>
+        <pc:sldMkLst>
+          <pc:docMk/>
+          <pc:sldMk cId="3175231995" sldId="2743"/>
+        </pc:sldMkLst>
+        <pc:spChg chg="mod">
+          <ac:chgData name="Xin Luo" userId="82312ee5779919a4" providerId="LiveId" clId="{94E43BDB-720C-FE4E-82EC-62DC7FE1B799}" dt="2023-02-25T02:02:59.782" v="242" actId="20577"/>
+          <ac:spMkLst>
+            <pc:docMk/>
+            <pc:sldMk cId="3175231995" sldId="2743"/>
+            <ac:spMk id="7" creationId="{00000000-0000-0000-0000-000000000000}"/>
+          </ac:spMkLst>
+        </pc:spChg>
+      </pc:sldChg>
+      <pc:sldChg chg="modSp add mod">
+        <pc:chgData name="Xin Luo" userId="82312ee5779919a4" providerId="LiveId" clId="{94E43BDB-720C-FE4E-82EC-62DC7FE1B799}" dt="2023-02-25T05:46:31.283" v="970" actId="20577"/>
+        <pc:sldMkLst>
+          <pc:docMk/>
+          <pc:sldMk cId="2038650065" sldId="2744"/>
+        </pc:sldMkLst>
+        <pc:spChg chg="mod">
+          <ac:chgData name="Xin Luo" userId="82312ee5779919a4" providerId="LiveId" clId="{94E43BDB-720C-FE4E-82EC-62DC7FE1B799}" dt="2023-02-25T02:11:22.527" v="272" actId="20577"/>
+          <ac:spMkLst>
+            <pc:docMk/>
+            <pc:sldMk cId="2038650065" sldId="2744"/>
+            <ac:spMk id="3" creationId="{00000000-0000-0000-0000-000000000000}"/>
+          </ac:spMkLst>
+        </pc:spChg>
+        <pc:spChg chg="mod">
+          <ac:chgData name="Xin Luo" userId="82312ee5779919a4" providerId="LiveId" clId="{94E43BDB-720C-FE4E-82EC-62DC7FE1B799}" dt="2023-02-25T05:46:31.283" v="970" actId="20577"/>
+          <ac:spMkLst>
+            <pc:docMk/>
+            <pc:sldMk cId="2038650065" sldId="2744"/>
+            <ac:spMk id="5" creationId="{78502774-B04C-634F-1396-E5815996BC36}"/>
+          </ac:spMkLst>
+        </pc:spChg>
+      </pc:sldChg>
+      <pc:sldChg chg="add del">
+        <pc:chgData name="Xin Luo" userId="82312ee5779919a4" providerId="LiveId" clId="{94E43BDB-720C-FE4E-82EC-62DC7FE1B799}" dt="2023-02-25T02:02:48.782" v="224"/>
+        <pc:sldMkLst>
+          <pc:docMk/>
+          <pc:sldMk cId="3138454287" sldId="2744"/>
+        </pc:sldMkLst>
+      </pc:sldChg>
+      <pc:sldChg chg="addSp delSp modSp add mod ord">
+        <pc:chgData name="Xin Luo" userId="82312ee5779919a4" providerId="LiveId" clId="{94E43BDB-720C-FE4E-82EC-62DC7FE1B799}" dt="2023-02-25T15:14:11.080" v="3430" actId="20577"/>
+        <pc:sldMkLst>
+          <pc:docMk/>
+          <pc:sldMk cId="2345376688" sldId="2745"/>
+        </pc:sldMkLst>
+        <pc:spChg chg="mod">
+          <ac:chgData name="Xin Luo" userId="82312ee5779919a4" providerId="LiveId" clId="{94E43BDB-720C-FE4E-82EC-62DC7FE1B799}" dt="2023-02-25T15:14:11.080" v="3430" actId="20577"/>
+          <ac:spMkLst>
+            <pc:docMk/>
+            <pc:sldMk cId="2345376688" sldId="2745"/>
+            <ac:spMk id="2" creationId="{631AADB6-C88A-D817-4683-FC087E4E240F}"/>
+          </ac:spMkLst>
+        </pc:spChg>
+        <pc:spChg chg="mod">
+          <ac:chgData name="Xin Luo" userId="82312ee5779919a4" providerId="LiveId" clId="{94E43BDB-720C-FE4E-82EC-62DC7FE1B799}" dt="2023-02-25T02:12:30.474" v="330" actId="20577"/>
+          <ac:spMkLst>
+            <pc:docMk/>
+            <pc:sldMk cId="2345376688" sldId="2745"/>
+            <ac:spMk id="3" creationId="{00000000-0000-0000-0000-000000000000}"/>
+          </ac:spMkLst>
+        </pc:spChg>
+        <pc:spChg chg="del">
+          <ac:chgData name="Xin Luo" userId="82312ee5779919a4" providerId="LiveId" clId="{94E43BDB-720C-FE4E-82EC-62DC7FE1B799}" dt="2023-02-25T02:10:49.685" v="252" actId="478"/>
+          <ac:spMkLst>
+            <pc:docMk/>
+            <pc:sldMk cId="2345376688" sldId="2745"/>
+            <ac:spMk id="5" creationId="{78502774-B04C-634F-1396-E5815996BC36}"/>
+          </ac:spMkLst>
+        </pc:spChg>
+        <pc:spChg chg="add del mod">
+          <ac:chgData name="Xin Luo" userId="82312ee5779919a4" providerId="LiveId" clId="{94E43BDB-720C-FE4E-82EC-62DC7FE1B799}" dt="2023-02-25T15:11:57.753" v="3379" actId="478"/>
+          <ac:spMkLst>
+            <pc:docMk/>
+            <pc:sldMk cId="2345376688" sldId="2745"/>
+            <ac:spMk id="6" creationId="{3843671A-98DC-4668-E8DF-F825619755A9}"/>
+          </ac:spMkLst>
+        </pc:spChg>
+        <pc:spChg chg="add mod">
+          <ac:chgData name="Xin Luo" userId="82312ee5779919a4" providerId="LiveId" clId="{94E43BDB-720C-FE4E-82EC-62DC7FE1B799}" dt="2023-02-25T15:13:18.472" v="3425"/>
+          <ac:spMkLst>
+            <pc:docMk/>
+            <pc:sldMk cId="2345376688" sldId="2745"/>
+            <ac:spMk id="7" creationId="{90728D9D-D249-EA33-6E80-8B5C8EA26F4F}"/>
+          </ac:spMkLst>
+        </pc:spChg>
+        <pc:picChg chg="del">
+          <ac:chgData name="Xin Luo" userId="82312ee5779919a4" providerId="LiveId" clId="{94E43BDB-720C-FE4E-82EC-62DC7FE1B799}" dt="2023-02-25T02:10:55.317" v="254" actId="478"/>
+          <ac:picMkLst>
+            <pc:docMk/>
+            <pc:sldMk cId="2345376688" sldId="2745"/>
+            <ac:picMk id="1026" creationId="{75908E15-58DA-73BD-95F9-CACD1B8B9D82}"/>
+          </ac:picMkLst>
+        </pc:picChg>
+        <pc:picChg chg="del">
+          <ac:chgData name="Xin Luo" userId="82312ee5779919a4" providerId="LiveId" clId="{94E43BDB-720C-FE4E-82EC-62DC7FE1B799}" dt="2023-02-25T02:10:53.306" v="253" actId="478"/>
+          <ac:picMkLst>
+            <pc:docMk/>
+            <pc:sldMk cId="2345376688" sldId="2745"/>
+            <ac:picMk id="1028" creationId="{1E2BFB6C-B7E5-CAF9-B8CC-09A5029EC264}"/>
+          </ac:picMkLst>
+        </pc:picChg>
+        <pc:picChg chg="del">
+          <ac:chgData name="Xin Luo" userId="82312ee5779919a4" providerId="LiveId" clId="{94E43BDB-720C-FE4E-82EC-62DC7FE1B799}" dt="2023-02-25T02:10:53.306" v="253" actId="478"/>
+          <ac:picMkLst>
+            <pc:docMk/>
+            <pc:sldMk cId="2345376688" sldId="2745"/>
+            <ac:picMk id="1030" creationId="{CB7EE236-3D18-EC53-3225-10EBB3B4EC77}"/>
+          </ac:picMkLst>
+        </pc:picChg>
+        <pc:picChg chg="del">
+          <ac:chgData name="Xin Luo" userId="82312ee5779919a4" providerId="LiveId" clId="{94E43BDB-720C-FE4E-82EC-62DC7FE1B799}" dt="2023-02-25T02:10:53.306" v="253" actId="478"/>
+          <ac:picMkLst>
+            <pc:docMk/>
+            <pc:sldMk cId="2345376688" sldId="2745"/>
+            <ac:picMk id="1032" creationId="{BFA8C7BD-9CEC-ADA1-21BA-0EE8338C6EA3}"/>
+          </ac:picMkLst>
+        </pc:picChg>
+      </pc:sldChg>
+      <pc:sldChg chg="delSp modSp add del mod">
+        <pc:chgData name="Xin Luo" userId="82312ee5779919a4" providerId="LiveId" clId="{94E43BDB-720C-FE4E-82EC-62DC7FE1B799}" dt="2023-02-25T06:06:58.623" v="1450" actId="2696"/>
+        <pc:sldMkLst>
+          <pc:docMk/>
+          <pc:sldMk cId="3070956263" sldId="2746"/>
+        </pc:sldMkLst>
+        <pc:spChg chg="del">
+          <ac:chgData name="Xin Luo" userId="82312ee5779919a4" providerId="LiveId" clId="{94E43BDB-720C-FE4E-82EC-62DC7FE1B799}" dt="2023-02-25T03:47:32.855" v="789" actId="478"/>
+          <ac:spMkLst>
+            <pc:docMk/>
+            <pc:sldMk cId="3070956263" sldId="2746"/>
+            <ac:spMk id="2" creationId="{631AADB6-C88A-D817-4683-FC087E4E240F}"/>
+          </ac:spMkLst>
+        </pc:spChg>
+        <pc:spChg chg="mod">
+          <ac:chgData name="Xin Luo" userId="82312ee5779919a4" providerId="LiveId" clId="{94E43BDB-720C-FE4E-82EC-62DC7FE1B799}" dt="2023-02-25T02:11:33.057" v="295" actId="20577"/>
+          <ac:spMkLst>
+            <pc:docMk/>
+            <pc:sldMk cId="3070956263" sldId="2746"/>
+            <ac:spMk id="3" creationId="{00000000-0000-0000-0000-000000000000}"/>
+          </ac:spMkLst>
+        </pc:spChg>
+        <pc:spChg chg="mod">
+          <ac:chgData name="Xin Luo" userId="82312ee5779919a4" providerId="LiveId" clId="{94E43BDB-720C-FE4E-82EC-62DC7FE1B799}" dt="2023-02-25T03:47:39.828" v="791" actId="20577"/>
+          <ac:spMkLst>
+            <pc:docMk/>
+            <pc:sldMk cId="3070956263" sldId="2746"/>
+            <ac:spMk id="6" creationId="{6741FEA2-C046-FD82-2800-2CB513792080}"/>
+          </ac:spMkLst>
+        </pc:spChg>
+      </pc:sldChg>
+      <pc:sldChg chg="addSp delSp modSp add mod ord">
+        <pc:chgData name="Xin Luo" userId="82312ee5779919a4" providerId="LiveId" clId="{94E43BDB-720C-FE4E-82EC-62DC7FE1B799}" dt="2023-02-25T13:23:26.625" v="2935" actId="1035"/>
+        <pc:sldMkLst>
+          <pc:docMk/>
+          <pc:sldMk cId="580867947" sldId="2747"/>
+        </pc:sldMkLst>
+        <pc:spChg chg="mod">
+          <ac:chgData name="Xin Luo" userId="82312ee5779919a4" providerId="LiveId" clId="{94E43BDB-720C-FE4E-82EC-62DC7FE1B799}" dt="2023-02-25T11:10:26.422" v="2162" actId="20577"/>
+          <ac:spMkLst>
+            <pc:docMk/>
+            <pc:sldMk cId="580867947" sldId="2747"/>
+            <ac:spMk id="5" creationId="{78502774-B04C-634F-1396-E5815996BC36}"/>
+          </ac:spMkLst>
+        </pc:spChg>
+        <pc:spChg chg="add del mod">
+          <ac:chgData name="Xin Luo" userId="82312ee5779919a4" providerId="LiveId" clId="{94E43BDB-720C-FE4E-82EC-62DC7FE1B799}" dt="2023-02-25T09:14:40.222" v="1788" actId="478"/>
+          <ac:spMkLst>
+            <pc:docMk/>
+            <pc:sldMk cId="580867947" sldId="2747"/>
+            <ac:spMk id="11" creationId="{3ECA3BFA-CF62-0840-2043-47AC256F4E34}"/>
+          </ac:spMkLst>
+        </pc:spChg>
+        <pc:spChg chg="add del mod">
+          <ac:chgData name="Xin Luo" userId="82312ee5779919a4" providerId="LiveId" clId="{94E43BDB-720C-FE4E-82EC-62DC7FE1B799}" dt="2023-02-25T09:14:41.345" v="1789" actId="478"/>
+          <ac:spMkLst>
+            <pc:docMk/>
+            <pc:sldMk cId="580867947" sldId="2747"/>
+            <ac:spMk id="12" creationId="{AD1ABF6E-3EE4-7D4B-6D99-578DCE85F495}"/>
+          </ac:spMkLst>
+        </pc:spChg>
+        <pc:spChg chg="add mod">
+          <ac:chgData name="Xin Luo" userId="82312ee5779919a4" providerId="LiveId" clId="{94E43BDB-720C-FE4E-82EC-62DC7FE1B799}" dt="2023-02-25T09:16:23.626" v="1890" actId="1037"/>
+          <ac:spMkLst>
+            <pc:docMk/>
+            <pc:sldMk cId="580867947" sldId="2747"/>
+            <ac:spMk id="15" creationId="{A007F455-D474-DB62-804B-9BC7A451CBE8}"/>
+          </ac:spMkLst>
+        </pc:spChg>
+        <pc:spChg chg="add mod">
+          <ac:chgData name="Xin Luo" userId="82312ee5779919a4" providerId="LiveId" clId="{94E43BDB-720C-FE4E-82EC-62DC7FE1B799}" dt="2023-02-25T09:16:19.691" v="1883" actId="1038"/>
+          <ac:spMkLst>
+            <pc:docMk/>
+            <pc:sldMk cId="580867947" sldId="2747"/>
+            <ac:spMk id="16" creationId="{D2607FE3-605B-506F-F26E-20D3EFC570B2}"/>
+          </ac:spMkLst>
+        </pc:spChg>
+        <pc:grpChg chg="add mod">
+          <ac:chgData name="Xin Luo" userId="82312ee5779919a4" providerId="LiveId" clId="{94E43BDB-720C-FE4E-82EC-62DC7FE1B799}" dt="2023-02-25T13:23:26.625" v="2935" actId="1035"/>
+          <ac:grpSpMkLst>
+            <pc:docMk/>
+            <pc:sldMk cId="580867947" sldId="2747"/>
+            <ac:grpSpMk id="17" creationId="{DEBBA376-338B-77A1-B823-6E3F8EA644A9}"/>
+          </ac:grpSpMkLst>
+        </pc:grpChg>
+        <pc:picChg chg="add mod">
+          <ac:chgData name="Xin Luo" userId="82312ee5779919a4" providerId="LiveId" clId="{94E43BDB-720C-FE4E-82EC-62DC7FE1B799}" dt="2023-02-25T13:23:26.625" v="2935" actId="1035"/>
+          <ac:picMkLst>
+            <pc:docMk/>
+            <pc:sldMk cId="580867947" sldId="2747"/>
+            <ac:picMk id="6" creationId="{B7028E15-ACC2-1C34-CBCC-DF1802A2573F}"/>
+          </ac:picMkLst>
+        </pc:picChg>
+        <pc:picChg chg="add del mod">
+          <ac:chgData name="Xin Luo" userId="82312ee5779919a4" providerId="LiveId" clId="{94E43BDB-720C-FE4E-82EC-62DC7FE1B799}" dt="2023-02-25T09:12:56.104" v="1771" actId="478"/>
+          <ac:picMkLst>
+            <pc:docMk/>
+            <pc:sldMk cId="580867947" sldId="2747"/>
+            <ac:picMk id="8" creationId="{78D05813-9EA4-EA8C-4C95-109585AE9768}"/>
+          </ac:picMkLst>
+        </pc:picChg>
+        <pc:picChg chg="add del mod">
+          <ac:chgData name="Xin Luo" userId="82312ee5779919a4" providerId="LiveId" clId="{94E43BDB-720C-FE4E-82EC-62DC7FE1B799}" dt="2023-02-25T09:14:39.160" v="1787" actId="478"/>
+          <ac:picMkLst>
+            <pc:docMk/>
+            <pc:sldMk cId="580867947" sldId="2747"/>
+            <ac:picMk id="10" creationId="{E7069A29-D46B-3705-BF2F-F461D2175816}"/>
+          </ac:picMkLst>
+        </pc:picChg>
+        <pc:picChg chg="add mod">
+          <ac:chgData name="Xin Luo" userId="82312ee5779919a4" providerId="LiveId" clId="{94E43BDB-720C-FE4E-82EC-62DC7FE1B799}" dt="2023-02-25T09:16:00.871" v="1871" actId="164"/>
+          <ac:picMkLst>
+            <pc:docMk/>
+            <pc:sldMk cId="580867947" sldId="2747"/>
+            <ac:picMk id="14" creationId="{0683883D-6346-EF5A-B5AE-9D0C983B748A}"/>
+          </ac:picMkLst>
+        </pc:picChg>
+      </pc:sldChg>
+      <pc:sldChg chg="add del">
+        <pc:chgData name="Xin Luo" userId="82312ee5779919a4" providerId="LiveId" clId="{94E43BDB-720C-FE4E-82EC-62DC7FE1B799}" dt="2023-02-25T02:11:52.150" v="301"/>
+        <pc:sldMkLst>
+          <pc:docMk/>
+          <pc:sldMk cId="2239497426" sldId="2747"/>
+        </pc:sldMkLst>
+      </pc:sldChg>
+      <pc:sldChg chg="add del">
+        <pc:chgData name="Xin Luo" userId="82312ee5779919a4" providerId="LiveId" clId="{94E43BDB-720C-FE4E-82EC-62DC7FE1B799}" dt="2023-02-25T02:12:20.540" v="308"/>
+        <pc:sldMkLst>
+          <pc:docMk/>
+          <pc:sldMk cId="3888858746" sldId="2747"/>
+        </pc:sldMkLst>
+      </pc:sldChg>
+      <pc:sldChg chg="modSp add del mod">
+        <pc:chgData name="Xin Luo" userId="82312ee5779919a4" providerId="LiveId" clId="{94E43BDB-720C-FE4E-82EC-62DC7FE1B799}" dt="2023-02-25T09:42:59.158" v="1955" actId="2696"/>
+        <pc:sldMkLst>
+          <pc:docMk/>
+          <pc:sldMk cId="3113299723" sldId="2748"/>
+        </pc:sldMkLst>
+        <pc:spChg chg="mod">
+          <ac:chgData name="Xin Luo" userId="82312ee5779919a4" providerId="LiveId" clId="{94E43BDB-720C-FE4E-82EC-62DC7FE1B799}" dt="2023-02-25T06:13:55.682" v="1551" actId="20577"/>
+          <ac:spMkLst>
+            <pc:docMk/>
+            <pc:sldMk cId="3113299723" sldId="2748"/>
+            <ac:spMk id="2" creationId="{631AADB6-C88A-D817-4683-FC087E4E240F}"/>
+          </ac:spMkLst>
+        </pc:spChg>
+        <pc:spChg chg="mod">
+          <ac:chgData name="Xin Luo" userId="82312ee5779919a4" providerId="LiveId" clId="{94E43BDB-720C-FE4E-82EC-62DC7FE1B799}" dt="2023-02-25T06:14:01.330" v="1560" actId="20577"/>
+          <ac:spMkLst>
+            <pc:docMk/>
+            <pc:sldMk cId="3113299723" sldId="2748"/>
+            <ac:spMk id="5" creationId="{78502774-B04C-634F-1396-E5815996BC36}"/>
+          </ac:spMkLst>
+        </pc:spChg>
+      </pc:sldChg>
+      <pc:sldChg chg="modSp add del mod">
+        <pc:chgData name="Xin Luo" userId="82312ee5779919a4" providerId="LiveId" clId="{94E43BDB-720C-FE4E-82EC-62DC7FE1B799}" dt="2023-02-25T06:13:25.290" v="1501" actId="2696"/>
+        <pc:sldMkLst>
+          <pc:docMk/>
+          <pc:sldMk cId="2923402977" sldId="2749"/>
+        </pc:sldMkLst>
+        <pc:spChg chg="mod">
+          <ac:chgData name="Xin Luo" userId="82312ee5779919a4" providerId="LiveId" clId="{94E43BDB-720C-FE4E-82EC-62DC7FE1B799}" dt="2023-02-25T02:23:42.660" v="467" actId="20577"/>
+          <ac:spMkLst>
+            <pc:docMk/>
+            <pc:sldMk cId="2923402977" sldId="2749"/>
+            <ac:spMk id="2" creationId="{631AADB6-C88A-D817-4683-FC087E4E240F}"/>
+          </ac:spMkLst>
+        </pc:spChg>
+        <pc:spChg chg="mod">
+          <ac:chgData name="Xin Luo" userId="82312ee5779919a4" providerId="LiveId" clId="{94E43BDB-720C-FE4E-82EC-62DC7FE1B799}" dt="2023-02-25T06:07:13.050" v="1455" actId="20577"/>
+          <ac:spMkLst>
+            <pc:docMk/>
+            <pc:sldMk cId="2923402977" sldId="2749"/>
+            <ac:spMk id="5" creationId="{78502774-B04C-634F-1396-E5815996BC36}"/>
+          </ac:spMkLst>
+        </pc:spChg>
+      </pc:sldChg>
+      <pc:sldChg chg="modSp add del mod">
+        <pc:chgData name="Xin Luo" userId="82312ee5779919a4" providerId="LiveId" clId="{94E43BDB-720C-FE4E-82EC-62DC7FE1B799}" dt="2023-02-25T06:06:37.296" v="1449" actId="2696"/>
+        <pc:sldMkLst>
+          <pc:docMk/>
+          <pc:sldMk cId="513901059" sldId="2750"/>
+        </pc:sldMkLst>
+        <pc:spChg chg="mod">
+          <ac:chgData name="Xin Luo" userId="82312ee5779919a4" providerId="LiveId" clId="{94E43BDB-720C-FE4E-82EC-62DC7FE1B799}" dt="2023-02-25T05:42:44.555" v="815" actId="20577"/>
+          <ac:spMkLst>
+            <pc:docMk/>
+            <pc:sldMk cId="513901059" sldId="2750"/>
+            <ac:spMk id="5" creationId="{78502774-B04C-634F-1396-E5815996BC36}"/>
+          </ac:spMkLst>
+        </pc:spChg>
+      </pc:sldChg>
+      <pc:sldChg chg="addSp delSp modSp add mod">
+        <pc:chgData name="Xin Luo" userId="82312ee5779919a4" providerId="LiveId" clId="{94E43BDB-720C-FE4E-82EC-62DC7FE1B799}" dt="2023-02-25T06:06:25.021" v="1448" actId="5793"/>
+        <pc:sldMkLst>
+          <pc:docMk/>
+          <pc:sldMk cId="2245643700" sldId="2751"/>
+        </pc:sldMkLst>
+        <pc:spChg chg="mod">
+          <ac:chgData name="Xin Luo" userId="82312ee5779919a4" providerId="LiveId" clId="{94E43BDB-720C-FE4E-82EC-62DC7FE1B799}" dt="2023-02-25T05:48:38.798" v="1029" actId="20577"/>
+          <ac:spMkLst>
+            <pc:docMk/>
+            <pc:sldMk cId="2245643700" sldId="2751"/>
+            <ac:spMk id="2" creationId="{631AADB6-C88A-D817-4683-FC087E4E240F}"/>
+          </ac:spMkLst>
+        </pc:spChg>
+        <pc:spChg chg="add mod">
+          <ac:chgData name="Xin Luo" userId="82312ee5779919a4" providerId="LiveId" clId="{94E43BDB-720C-FE4E-82EC-62DC7FE1B799}" dt="2023-02-25T06:05:19.091" v="1392" actId="1076"/>
+          <ac:spMkLst>
+            <pc:docMk/>
+            <pc:sldMk cId="2245643700" sldId="2751"/>
+            <ac:spMk id="4" creationId="{5890849C-B6D7-E82C-6F19-E8BC73B44DEE}"/>
+          </ac:spMkLst>
+        </pc:spChg>
+        <pc:spChg chg="del">
+          <ac:chgData name="Xin Luo" userId="82312ee5779919a4" providerId="LiveId" clId="{94E43BDB-720C-FE4E-82EC-62DC7FE1B799}" dt="2023-02-25T05:46:39.352" v="972" actId="478"/>
+          <ac:spMkLst>
+            <pc:docMk/>
+            <pc:sldMk cId="2245643700" sldId="2751"/>
+            <ac:spMk id="5" creationId="{78502774-B04C-634F-1396-E5815996BC36}"/>
+          </ac:spMkLst>
+        </pc:spChg>
+        <pc:spChg chg="add mod">
+          <ac:chgData name="Xin Luo" userId="82312ee5779919a4" providerId="LiveId" clId="{94E43BDB-720C-FE4E-82EC-62DC7FE1B799}" dt="2023-02-25T06:06:25.021" v="1448" actId="5793"/>
+          <ac:spMkLst>
+            <pc:docMk/>
+            <pc:sldMk cId="2245643700" sldId="2751"/>
+            <ac:spMk id="7" creationId="{6A0464DA-16D3-0757-416F-B5FC79C9913C}"/>
+          </ac:spMkLst>
+        </pc:spChg>
+      </pc:sldChg>
+      <pc:sldChg chg="modSp add mod ord">
+        <pc:chgData name="Xin Luo" userId="82312ee5779919a4" providerId="LiveId" clId="{94E43BDB-720C-FE4E-82EC-62DC7FE1B799}" dt="2023-02-25T12:27:43.216" v="2531" actId="20577"/>
+        <pc:sldMkLst>
+          <pc:docMk/>
+          <pc:sldMk cId="3400956243" sldId="2752"/>
+        </pc:sldMkLst>
+        <pc:spChg chg="mod">
+          <ac:chgData name="Xin Luo" userId="82312ee5779919a4" providerId="LiveId" clId="{94E43BDB-720C-FE4E-82EC-62DC7FE1B799}" dt="2023-02-25T09:43:50.290" v="1992" actId="20577"/>
+          <ac:spMkLst>
+            <pc:docMk/>
+            <pc:sldMk cId="3400956243" sldId="2752"/>
+            <ac:spMk id="2" creationId="{631AADB6-C88A-D817-4683-FC087E4E240F}"/>
+          </ac:spMkLst>
+        </pc:spChg>
+        <pc:spChg chg="mod">
+          <ac:chgData name="Xin Luo" userId="82312ee5779919a4" providerId="LiveId" clId="{94E43BDB-720C-FE4E-82EC-62DC7FE1B799}" dt="2023-02-25T12:27:43.216" v="2531" actId="20577"/>
+          <ac:spMkLst>
+            <pc:docMk/>
+            <pc:sldMk cId="3400956243" sldId="2752"/>
+            <ac:spMk id="5" creationId="{78502774-B04C-634F-1396-E5815996BC36}"/>
+          </ac:spMkLst>
+        </pc:spChg>
+      </pc:sldChg>
+      <pc:sldChg chg="addSp delSp modSp add mod">
+        <pc:chgData name="Xin Luo" userId="82312ee5779919a4" providerId="LiveId" clId="{94E43BDB-720C-FE4E-82EC-62DC7FE1B799}" dt="2023-02-26T14:34:47.550" v="4909" actId="20577"/>
+        <pc:sldMkLst>
+          <pc:docMk/>
+          <pc:sldMk cId="3929071932" sldId="2753"/>
+        </pc:sldMkLst>
+        <pc:spChg chg="mod">
+          <ac:chgData name="Xin Luo" userId="82312ee5779919a4" providerId="LiveId" clId="{94E43BDB-720C-FE4E-82EC-62DC7FE1B799}" dt="2023-02-25T13:24:58.871" v="2996" actId="20577"/>
+          <ac:spMkLst>
+            <pc:docMk/>
+            <pc:sldMk cId="3929071932" sldId="2753"/>
+            <ac:spMk id="2" creationId="{631AADB6-C88A-D817-4683-FC087E4E240F}"/>
+          </ac:spMkLst>
+        </pc:spChg>
+        <pc:spChg chg="mod">
+          <ac:chgData name="Xin Luo" userId="82312ee5779919a4" providerId="LiveId" clId="{94E43BDB-720C-FE4E-82EC-62DC7FE1B799}" dt="2023-02-26T14:34:47.550" v="4909" actId="20577"/>
+          <ac:spMkLst>
+            <pc:docMk/>
+            <pc:sldMk cId="3929071932" sldId="2753"/>
+            <ac:spMk id="5" creationId="{78502774-B04C-634F-1396-E5815996BC36}"/>
+          </ac:spMkLst>
+        </pc:spChg>
+        <pc:spChg chg="add del mod">
+          <ac:chgData name="Xin Luo" userId="82312ee5779919a4" providerId="LiveId" clId="{94E43BDB-720C-FE4E-82EC-62DC7FE1B799}" dt="2023-02-25T13:25:08.456" v="3011" actId="478"/>
+          <ac:spMkLst>
+            <pc:docMk/>
+            <pc:sldMk cId="3929071932" sldId="2753"/>
+            <ac:spMk id="6" creationId="{C9D2E8F2-74DF-74E3-6D8B-0AA575E537F5}"/>
+          </ac:spMkLst>
+        </pc:spChg>
+      </pc:sldChg>
+      <pc:sldChg chg="modSp add del mod">
+        <pc:chgData name="Xin Luo" userId="82312ee5779919a4" providerId="LiveId" clId="{94E43BDB-720C-FE4E-82EC-62DC7FE1B799}" dt="2023-02-25T09:44:09.739" v="1996" actId="2696"/>
+        <pc:sldMkLst>
+          <pc:docMk/>
+          <pc:sldMk cId="4094603289" sldId="2754"/>
+        </pc:sldMkLst>
+        <pc:spChg chg="mod">
+          <ac:chgData name="Xin Luo" userId="82312ee5779919a4" providerId="LiveId" clId="{94E43BDB-720C-FE4E-82EC-62DC7FE1B799}" dt="2023-02-25T09:42:50.885" v="1954" actId="20577"/>
+          <ac:spMkLst>
+            <pc:docMk/>
+            <pc:sldMk cId="4094603289" sldId="2754"/>
+            <ac:spMk id="2" creationId="{631AADB6-C88A-D817-4683-FC087E4E240F}"/>
+          </ac:spMkLst>
+        </pc:spChg>
+      </pc:sldChg>
+      <pc:sldChg chg="modSp add del mod">
+        <pc:chgData name="Xin Luo" userId="82312ee5779919a4" providerId="LiveId" clId="{94E43BDB-720C-FE4E-82EC-62DC7FE1B799}" dt="2023-02-25T13:17:55.904" v="2924" actId="2696"/>
+        <pc:sldMkLst>
+          <pc:docMk/>
+          <pc:sldMk cId="2537171141" sldId="2755"/>
+        </pc:sldMkLst>
+        <pc:spChg chg="mod">
+          <ac:chgData name="Xin Luo" userId="82312ee5779919a4" providerId="LiveId" clId="{94E43BDB-720C-FE4E-82EC-62DC7FE1B799}" dt="2023-02-25T09:44:24.388" v="2022" actId="20577"/>
+          <ac:spMkLst>
+            <pc:docMk/>
+            <pc:sldMk cId="2537171141" sldId="2755"/>
+            <ac:spMk id="2" creationId="{631AADB6-C88A-D817-4683-FC087E4E240F}"/>
+          </ac:spMkLst>
+        </pc:spChg>
+      </pc:sldChg>
+      <pc:sldChg chg="modSp add del mod">
+        <pc:chgData name="Xin Luo" userId="82312ee5779919a4" providerId="LiveId" clId="{94E43BDB-720C-FE4E-82EC-62DC7FE1B799}" dt="2023-02-25T13:17:55.913" v="2925" actId="2696"/>
+        <pc:sldMkLst>
+          <pc:docMk/>
+          <pc:sldMk cId="1494698131" sldId="2756"/>
+        </pc:sldMkLst>
+        <pc:spChg chg="mod">
+          <ac:chgData name="Xin Luo" userId="82312ee5779919a4" providerId="LiveId" clId="{94E43BDB-720C-FE4E-82EC-62DC7FE1B799}" dt="2023-02-25T09:44:37.236" v="2046" actId="20577"/>
+          <ac:spMkLst>
+            <pc:docMk/>
+            <pc:sldMk cId="1494698131" sldId="2756"/>
+            <ac:spMk id="2" creationId="{631AADB6-C88A-D817-4683-FC087E4E240F}"/>
+          </ac:spMkLst>
+        </pc:spChg>
+      </pc:sldChg>
+      <pc:sldChg chg="addSp delSp modSp add mod ord">
+        <pc:chgData name="Xin Luo" userId="82312ee5779919a4" providerId="LiveId" clId="{94E43BDB-720C-FE4E-82EC-62DC7FE1B799}" dt="2023-02-26T14:43:44.225" v="4913" actId="20578"/>
+        <pc:sldMkLst>
+          <pc:docMk/>
+          <pc:sldMk cId="1157508697" sldId="2757"/>
+        </pc:sldMkLst>
+        <pc:spChg chg="add del mod">
+          <ac:chgData name="Xin Luo" userId="82312ee5779919a4" providerId="LiveId" clId="{94E43BDB-720C-FE4E-82EC-62DC7FE1B799}" dt="2023-02-25T11:40:58.762" v="2259" actId="478"/>
+          <ac:spMkLst>
+            <pc:docMk/>
+            <pc:sldMk cId="1157508697" sldId="2757"/>
+            <ac:spMk id="4" creationId="{E6E19FF7-964C-AC20-F231-C470D13016F8}"/>
+          </ac:spMkLst>
+        </pc:spChg>
+        <pc:spChg chg="mod">
+          <ac:chgData name="Xin Luo" userId="82312ee5779919a4" providerId="LiveId" clId="{94E43BDB-720C-FE4E-82EC-62DC7FE1B799}" dt="2023-02-25T12:46:45.761" v="2652" actId="20577"/>
+          <ac:spMkLst>
+            <pc:docMk/>
+            <pc:sldMk cId="1157508697" sldId="2757"/>
+            <ac:spMk id="5" creationId="{78502774-B04C-634F-1396-E5815996BC36}"/>
+          </ac:spMkLst>
+        </pc:spChg>
+        <pc:spChg chg="add del mod">
+          <ac:chgData name="Xin Luo" userId="82312ee5779919a4" providerId="LiveId" clId="{94E43BDB-720C-FE4E-82EC-62DC7FE1B799}" dt="2023-02-25T11:40:58.762" v="2259" actId="478"/>
+          <ac:spMkLst>
+            <pc:docMk/>
+            <pc:sldMk cId="1157508697" sldId="2757"/>
+            <ac:spMk id="7" creationId="{FF6A9C21-82F7-8514-247B-B4F11828C95F}"/>
+          </ac:spMkLst>
+        </pc:spChg>
+        <pc:spChg chg="add del mod">
+          <ac:chgData name="Xin Luo" userId="82312ee5779919a4" providerId="LiveId" clId="{94E43BDB-720C-FE4E-82EC-62DC7FE1B799}" dt="2023-02-25T11:40:58.762" v="2259" actId="478"/>
+          <ac:spMkLst>
+            <pc:docMk/>
+            <pc:sldMk cId="1157508697" sldId="2757"/>
+            <ac:spMk id="8" creationId="{A17ECF76-7E26-1ACE-4B43-22E86158F2A1}"/>
+          </ac:spMkLst>
+        </pc:spChg>
+        <pc:spChg chg="add del mod">
+          <ac:chgData name="Xin Luo" userId="82312ee5779919a4" providerId="LiveId" clId="{94E43BDB-720C-FE4E-82EC-62DC7FE1B799}" dt="2023-02-25T11:40:58.762" v="2259" actId="478"/>
+          <ac:spMkLst>
+            <pc:docMk/>
+            <pc:sldMk cId="1157508697" sldId="2757"/>
+            <ac:spMk id="9" creationId="{5804DA9F-1EDE-D487-929D-7380DA911896}"/>
+          </ac:spMkLst>
+        </pc:spChg>
+        <pc:spChg chg="add del mod">
+          <ac:chgData name="Xin Luo" userId="82312ee5779919a4" providerId="LiveId" clId="{94E43BDB-720C-FE4E-82EC-62DC7FE1B799}" dt="2023-02-25T11:40:58.762" v="2259" actId="478"/>
+          <ac:spMkLst>
+            <pc:docMk/>
+            <pc:sldMk cId="1157508697" sldId="2757"/>
+            <ac:spMk id="10" creationId="{E0BA14F3-333B-5953-203B-420304A80077}"/>
+          </ac:spMkLst>
+        </pc:spChg>
+        <pc:spChg chg="add del mod">
+          <ac:chgData name="Xin Luo" userId="82312ee5779919a4" providerId="LiveId" clId="{94E43BDB-720C-FE4E-82EC-62DC7FE1B799}" dt="2023-02-25T11:40:58.762" v="2259" actId="478"/>
+          <ac:spMkLst>
+            <pc:docMk/>
+            <pc:sldMk cId="1157508697" sldId="2757"/>
+            <ac:spMk id="11" creationId="{549752CE-6C25-8C15-891C-7F41D618D12E}"/>
+          </ac:spMkLst>
+        </pc:spChg>
+        <pc:grpChg chg="del">
+          <ac:chgData name="Xin Luo" userId="82312ee5779919a4" providerId="LiveId" clId="{94E43BDB-720C-FE4E-82EC-62DC7FE1B799}" dt="2023-02-25T09:49:28.342" v="2069" actId="478"/>
+          <ac:grpSpMkLst>
+            <pc:docMk/>
+            <pc:sldMk cId="1157508697" sldId="2757"/>
+            <ac:grpSpMk id="17" creationId="{DEBBA376-338B-77A1-B823-6E3F8EA644A9}"/>
+          </ac:grpSpMkLst>
+        </pc:grpChg>
+        <pc:grpChg chg="add mod">
+          <ac:chgData name="Xin Luo" userId="82312ee5779919a4" providerId="LiveId" clId="{94E43BDB-720C-FE4E-82EC-62DC7FE1B799}" dt="2023-02-25T13:23:34.294" v="2941" actId="1035"/>
+          <ac:grpSpMkLst>
+            <pc:docMk/>
+            <pc:sldMk cId="1157508697" sldId="2757"/>
+            <ac:grpSpMk id="22" creationId="{BA4C2415-490B-F3C5-D5E8-A263DD477CBB}"/>
+          </ac:grpSpMkLst>
+        </pc:grpChg>
+        <pc:picChg chg="del">
+          <ac:chgData name="Xin Luo" userId="82312ee5779919a4" providerId="LiveId" clId="{94E43BDB-720C-FE4E-82EC-62DC7FE1B799}" dt="2023-02-25T09:49:27.369" v="2068" actId="478"/>
+          <ac:picMkLst>
+            <pc:docMk/>
+            <pc:sldMk cId="1157508697" sldId="2757"/>
+            <ac:picMk id="6" creationId="{B7028E15-ACC2-1C34-CBCC-DF1802A2573F}"/>
+          </ac:picMkLst>
+        </pc:picChg>
+        <pc:picChg chg="add mod">
+          <ac:chgData name="Xin Luo" userId="82312ee5779919a4" providerId="LiveId" clId="{94E43BDB-720C-FE4E-82EC-62DC7FE1B799}" dt="2023-02-25T13:23:36.969" v="2950" actId="1038"/>
+          <ac:picMkLst>
+            <pc:docMk/>
+            <pc:sldMk cId="1157508697" sldId="2757"/>
+            <ac:picMk id="13" creationId="{F0BBAA1F-56C6-D7A7-0627-A15F8B192488}"/>
+          </ac:picMkLst>
+        </pc:picChg>
+        <pc:picChg chg="add mod">
+          <ac:chgData name="Xin Luo" userId="82312ee5779919a4" providerId="LiveId" clId="{94E43BDB-720C-FE4E-82EC-62DC7FE1B799}" dt="2023-02-25T11:41:13.700" v="2271" actId="164"/>
+          <ac:picMkLst>
+            <pc:docMk/>
+            <pc:sldMk cId="1157508697" sldId="2757"/>
+            <ac:picMk id="19" creationId="{7C2B1373-2928-39A6-4B44-DA379040F193}"/>
+          </ac:picMkLst>
+        </pc:picChg>
+        <pc:picChg chg="add mod">
+          <ac:chgData name="Xin Luo" userId="82312ee5779919a4" providerId="LiveId" clId="{94E43BDB-720C-FE4E-82EC-62DC7FE1B799}" dt="2023-02-25T13:23:42.156" v="2962" actId="1038"/>
+          <ac:picMkLst>
+            <pc:docMk/>
+            <pc:sldMk cId="1157508697" sldId="2757"/>
+            <ac:picMk id="21" creationId="{23B871CC-01AE-14C3-A9C0-7C4929687223}"/>
+          </ac:picMkLst>
+        </pc:picChg>
+        <pc:picChg chg="add del mod">
+          <ac:chgData name="Xin Luo" userId="82312ee5779919a4" providerId="LiveId" clId="{94E43BDB-720C-FE4E-82EC-62DC7FE1B799}" dt="2023-02-25T11:40:56.750" v="2258" actId="478"/>
+          <ac:picMkLst>
+            <pc:docMk/>
+            <pc:sldMk cId="1157508697" sldId="2757"/>
+            <ac:picMk id="1026" creationId="{00D412F6-E9C5-6D7E-F486-B0F084726009}"/>
+          </ac:picMkLst>
+        </pc:picChg>
+      </pc:sldChg>
+      <pc:sldChg chg="delSp modSp add del mod">
+        <pc:chgData name="Xin Luo" userId="82312ee5779919a4" providerId="LiveId" clId="{94E43BDB-720C-FE4E-82EC-62DC7FE1B799}" dt="2023-02-25T11:40:46.090" v="2257" actId="2696"/>
+        <pc:sldMkLst>
+          <pc:docMk/>
+          <pc:sldMk cId="3280031918" sldId="2758"/>
+        </pc:sldMkLst>
+        <pc:spChg chg="mod">
+          <ac:chgData name="Xin Luo" userId="82312ee5779919a4" providerId="LiveId" clId="{94E43BDB-720C-FE4E-82EC-62DC7FE1B799}" dt="2023-02-25T11:38:52.484" v="2243" actId="1038"/>
+          <ac:spMkLst>
+            <pc:docMk/>
+            <pc:sldMk cId="3280031918" sldId="2758"/>
+            <ac:spMk id="4" creationId="{E6E19FF7-964C-AC20-F231-C470D13016F8}"/>
+          </ac:spMkLst>
+        </pc:spChg>
+        <pc:spChg chg="del">
+          <ac:chgData name="Xin Luo" userId="82312ee5779919a4" providerId="LiveId" clId="{94E43BDB-720C-FE4E-82EC-62DC7FE1B799}" dt="2023-02-25T11:38:42.165" v="2235" actId="478"/>
+          <ac:spMkLst>
+            <pc:docMk/>
+            <pc:sldMk cId="3280031918" sldId="2758"/>
+            <ac:spMk id="5" creationId="{78502774-B04C-634F-1396-E5815996BC36}"/>
+          </ac:spMkLst>
+        </pc:spChg>
+        <pc:spChg chg="mod">
+          <ac:chgData name="Xin Luo" userId="82312ee5779919a4" providerId="LiveId" clId="{94E43BDB-720C-FE4E-82EC-62DC7FE1B799}" dt="2023-02-25T11:38:52.484" v="2243" actId="1038"/>
+          <ac:spMkLst>
+            <pc:docMk/>
+            <pc:sldMk cId="3280031918" sldId="2758"/>
+            <ac:spMk id="7" creationId="{FF6A9C21-82F7-8514-247B-B4F11828C95F}"/>
+          </ac:spMkLst>
+        </pc:spChg>
+        <pc:spChg chg="mod">
+          <ac:chgData name="Xin Luo" userId="82312ee5779919a4" providerId="LiveId" clId="{94E43BDB-720C-FE4E-82EC-62DC7FE1B799}" dt="2023-02-25T11:39:39.978" v="2255" actId="14100"/>
+          <ac:spMkLst>
+            <pc:docMk/>
+            <pc:sldMk cId="3280031918" sldId="2758"/>
+            <ac:spMk id="8" creationId="{A17ECF76-7E26-1ACE-4B43-22E86158F2A1}"/>
+          </ac:spMkLst>
+        </pc:spChg>
+        <pc:spChg chg="mod">
+          <ac:chgData name="Xin Luo" userId="82312ee5779919a4" providerId="LiveId" clId="{94E43BDB-720C-FE4E-82EC-62DC7FE1B799}" dt="2023-02-25T11:39:47.596" v="2256" actId="14100"/>
+          <ac:spMkLst>
+            <pc:docMk/>
+            <pc:sldMk cId="3280031918" sldId="2758"/>
+            <ac:spMk id="9" creationId="{5804DA9F-1EDE-D487-929D-7380DA911896}"/>
+          </ac:spMkLst>
+        </pc:spChg>
+        <pc:spChg chg="mod">
+          <ac:chgData name="Xin Luo" userId="82312ee5779919a4" providerId="LiveId" clId="{94E43BDB-720C-FE4E-82EC-62DC7FE1B799}" dt="2023-02-25T11:39:22.131" v="2253" actId="14100"/>
+          <ac:spMkLst>
+            <pc:docMk/>
+            <pc:sldMk cId="3280031918" sldId="2758"/>
+            <ac:spMk id="10" creationId="{E0BA14F3-333B-5953-203B-420304A80077}"/>
+          </ac:spMkLst>
+        </pc:spChg>
+        <pc:spChg chg="mod">
+          <ac:chgData name="Xin Luo" userId="82312ee5779919a4" providerId="LiveId" clId="{94E43BDB-720C-FE4E-82EC-62DC7FE1B799}" dt="2023-02-25T11:39:39.978" v="2255" actId="14100"/>
+          <ac:spMkLst>
+            <pc:docMk/>
+            <pc:sldMk cId="3280031918" sldId="2758"/>
+            <ac:spMk id="11" creationId="{549752CE-6C25-8C15-891C-7F41D618D12E}"/>
+          </ac:spMkLst>
+        </pc:spChg>
+        <pc:picChg chg="mod">
+          <ac:chgData name="Xin Luo" userId="82312ee5779919a4" providerId="LiveId" clId="{94E43BDB-720C-FE4E-82EC-62DC7FE1B799}" dt="2023-02-25T11:39:33.992" v="2254" actId="14100"/>
+          <ac:picMkLst>
+            <pc:docMk/>
+            <pc:sldMk cId="3280031918" sldId="2758"/>
+            <ac:picMk id="1026" creationId="{00D412F6-E9C5-6D7E-F486-B0F084726009}"/>
+          </ac:picMkLst>
+        </pc:picChg>
+      </pc:sldChg>
+      <pc:sldChg chg="addSp delSp modSp add mod ord">
+        <pc:chgData name="Xin Luo" userId="82312ee5779919a4" providerId="LiveId" clId="{94E43BDB-720C-FE4E-82EC-62DC7FE1B799}" dt="2023-02-26T14:43:25.940" v="4910" actId="20578"/>
+        <pc:sldMkLst>
+          <pc:docMk/>
+          <pc:sldMk cId="4211155851" sldId="2758"/>
+        </pc:sldMkLst>
+        <pc:spChg chg="mod">
+          <ac:chgData name="Xin Luo" userId="82312ee5779919a4" providerId="LiveId" clId="{94E43BDB-720C-FE4E-82EC-62DC7FE1B799}" dt="2023-02-25T12:04:55.119" v="2332" actId="115"/>
+          <ac:spMkLst>
+            <pc:docMk/>
+            <pc:sldMk cId="4211155851" sldId="2758"/>
+            <ac:spMk id="2" creationId="{631AADB6-C88A-D817-4683-FC087E4E240F}"/>
+          </ac:spMkLst>
+        </pc:spChg>
+        <pc:spChg chg="del">
+          <ac:chgData name="Xin Luo" userId="82312ee5779919a4" providerId="LiveId" clId="{94E43BDB-720C-FE4E-82EC-62DC7FE1B799}" dt="2023-02-25T11:52:53.524" v="2285" actId="478"/>
+          <ac:spMkLst>
+            <pc:docMk/>
+            <pc:sldMk cId="4211155851" sldId="2758"/>
+            <ac:spMk id="5" creationId="{78502774-B04C-634F-1396-E5815996BC36}"/>
+          </ac:spMkLst>
+        </pc:spChg>
+        <pc:spChg chg="add mod">
+          <ac:chgData name="Xin Luo" userId="82312ee5779919a4" providerId="LiveId" clId="{94E43BDB-720C-FE4E-82EC-62DC7FE1B799}" dt="2023-02-25T13:23:56.031" v="2969" actId="1035"/>
+          <ac:spMkLst>
+            <pc:docMk/>
+            <pc:sldMk cId="4211155851" sldId="2758"/>
+            <ac:spMk id="6" creationId="{DA984439-1B23-1931-1979-ECF8DE9D6DCA}"/>
+          </ac:spMkLst>
+        </pc:spChg>
+        <pc:spChg chg="add mod">
+          <ac:chgData name="Xin Luo" userId="82312ee5779919a4" providerId="LiveId" clId="{94E43BDB-720C-FE4E-82EC-62DC7FE1B799}" dt="2023-02-25T13:23:51.280" v="2964"/>
+          <ac:spMkLst>
+            <pc:docMk/>
+            <pc:sldMk cId="4211155851" sldId="2758"/>
+            <ac:spMk id="7" creationId="{E179D382-9C94-C796-FB1B-3281561CA174}"/>
+          </ac:spMkLst>
+        </pc:spChg>
+      </pc:sldChg>
+      <pc:sldChg chg="add del">
+        <pc:chgData name="Xin Luo" userId="82312ee5779919a4" providerId="LiveId" clId="{94E43BDB-720C-FE4E-82EC-62DC7FE1B799}" dt="2023-02-25T13:17:31.086" v="2923" actId="2696"/>
+        <pc:sldMkLst>
+          <pc:docMk/>
+          <pc:sldMk cId="2142922385" sldId="2759"/>
+        </pc:sldMkLst>
+      </pc:sldChg>
+      <pc:sldChg chg="addSp delSp modSp add mod">
+        <pc:chgData name="Xin Luo" userId="82312ee5779919a4" providerId="LiveId" clId="{94E43BDB-720C-FE4E-82EC-62DC7FE1B799}" dt="2023-02-25T15:45:56.152" v="4310" actId="22"/>
+        <pc:sldMkLst>
+          <pc:docMk/>
+          <pc:sldMk cId="3818021166" sldId="2760"/>
+        </pc:sldMkLst>
+        <pc:spChg chg="mod">
+          <ac:chgData name="Xin Luo" userId="82312ee5779919a4" providerId="LiveId" clId="{94E43BDB-720C-FE4E-82EC-62DC7FE1B799}" dt="2023-02-25T12:28:01.681" v="2534" actId="115"/>
+          <ac:spMkLst>
+            <pc:docMk/>
+            <pc:sldMk cId="3818021166" sldId="2760"/>
+            <ac:spMk id="2" creationId="{631AADB6-C88A-D817-4683-FC087E4E240F}"/>
+          </ac:spMkLst>
+        </pc:spChg>
+        <pc:spChg chg="add mod">
+          <ac:chgData name="Xin Luo" userId="82312ee5779919a4" providerId="LiveId" clId="{94E43BDB-720C-FE4E-82EC-62DC7FE1B799}" dt="2023-02-25T13:23:48.161" v="2963"/>
+          <ac:spMkLst>
+            <pc:docMk/>
+            <pc:sldMk cId="3818021166" sldId="2760"/>
+            <ac:spMk id="4" creationId="{EC86E6A6-A798-D8AF-89B3-B9EF17A7734A}"/>
+          </ac:spMkLst>
+        </pc:spChg>
+        <pc:spChg chg="mod">
+          <ac:chgData name="Xin Luo" userId="82312ee5779919a4" providerId="LiveId" clId="{94E43BDB-720C-FE4E-82EC-62DC7FE1B799}" dt="2023-02-25T15:20:51.555" v="3439" actId="20578"/>
+          <ac:spMkLst>
+            <pc:docMk/>
+            <pc:sldMk cId="3818021166" sldId="2760"/>
+            <ac:spMk id="6" creationId="{DA984439-1B23-1931-1979-ECF8DE9D6DCA}"/>
+          </ac:spMkLst>
+        </pc:spChg>
+        <pc:spChg chg="add del">
+          <ac:chgData name="Xin Luo" userId="82312ee5779919a4" providerId="LiveId" clId="{94E43BDB-720C-FE4E-82EC-62DC7FE1B799}" dt="2023-02-25T15:45:56.152" v="4310" actId="22"/>
+          <ac:spMkLst>
+            <pc:docMk/>
+            <pc:sldMk cId="3818021166" sldId="2760"/>
+            <ac:spMk id="7" creationId="{F078E749-A451-3712-89A0-BE837B250880}"/>
+          </ac:spMkLst>
+        </pc:spChg>
+      </pc:sldChg>
+      <pc:sldChg chg="addSp modSp add mod">
+        <pc:chgData name="Xin Luo" userId="82312ee5779919a4" providerId="LiveId" clId="{94E43BDB-720C-FE4E-82EC-62DC7FE1B799}" dt="2023-02-25T15:36:58.183" v="3766"/>
+        <pc:sldMkLst>
+          <pc:docMk/>
+          <pc:sldMk cId="97719364" sldId="2761"/>
+        </pc:sldMkLst>
+        <pc:spChg chg="mod">
+          <ac:chgData name="Xin Luo" userId="82312ee5779919a4" providerId="LiveId" clId="{94E43BDB-720C-FE4E-82EC-62DC7FE1B799}" dt="2023-02-25T15:36:49.462" v="3765" actId="20577"/>
+          <ac:spMkLst>
+            <pc:docMk/>
+            <pc:sldMk cId="97719364" sldId="2761"/>
+            <ac:spMk id="2" creationId="{631AADB6-C88A-D817-4683-FC087E4E240F}"/>
+          </ac:spMkLst>
+        </pc:spChg>
+        <pc:spChg chg="add mod">
+          <ac:chgData name="Xin Luo" userId="82312ee5779919a4" providerId="LiveId" clId="{94E43BDB-720C-FE4E-82EC-62DC7FE1B799}" dt="2023-02-25T15:36:58.183" v="3766"/>
+          <ac:spMkLst>
+            <pc:docMk/>
+            <pc:sldMk cId="97719364" sldId="2761"/>
+            <ac:spMk id="4" creationId="{380B30E4-DF4C-71C4-4CC6-6F194AD696E4}"/>
+          </ac:spMkLst>
+        </pc:spChg>
+      </pc:sldChg>
+      <pc:sldChg chg="addSp modSp add mod">
+        <pc:chgData name="Xin Luo" userId="82312ee5779919a4" providerId="LiveId" clId="{94E43BDB-720C-FE4E-82EC-62DC7FE1B799}" dt="2023-02-26T13:30:20.863" v="4843"/>
+        <pc:sldMkLst>
+          <pc:docMk/>
+          <pc:sldMk cId="2861954436" sldId="2762"/>
+        </pc:sldMkLst>
+        <pc:spChg chg="mod">
+          <ac:chgData name="Xin Luo" userId="82312ee5779919a4" providerId="LiveId" clId="{94E43BDB-720C-FE4E-82EC-62DC7FE1B799}" dt="2023-02-26T13:10:59.443" v="4842" actId="115"/>
+          <ac:spMkLst>
+            <pc:docMk/>
+            <pc:sldMk cId="2861954436" sldId="2762"/>
+            <ac:spMk id="2" creationId="{631AADB6-C88A-D817-4683-FC087E4E240F}"/>
+          </ac:spMkLst>
+        </pc:spChg>
+        <pc:spChg chg="add mod">
+          <ac:chgData name="Xin Luo" userId="82312ee5779919a4" providerId="LiveId" clId="{94E43BDB-720C-FE4E-82EC-62DC7FE1B799}" dt="2023-02-26T13:30:20.863" v="4843"/>
+          <ac:spMkLst>
+            <pc:docMk/>
+            <pc:sldMk cId="2861954436" sldId="2762"/>
+            <ac:spMk id="4" creationId="{F50B4F03-6223-A391-28BB-26A56BD99911}"/>
+          </ac:spMkLst>
+        </pc:spChg>
+      </pc:sldChg>
+      <pc:sldChg chg="add del">
+        <pc:chgData name="Xin Luo" userId="82312ee5779919a4" providerId="LiveId" clId="{94E43BDB-720C-FE4E-82EC-62DC7FE1B799}" dt="2023-02-25T15:38:29.173" v="3768" actId="2696"/>
+        <pc:sldMkLst>
+          <pc:docMk/>
+          <pc:sldMk cId="3051413259" sldId="2763"/>
+        </pc:sldMkLst>
+      </pc:sldChg>
+      <pc:sldChg chg="add del">
+        <pc:chgData name="Xin Luo" userId="82312ee5779919a4" providerId="LiveId" clId="{94E43BDB-720C-FE4E-82EC-62DC7FE1B799}" dt="2023-02-25T15:38:37.442" v="3770"/>
+        <pc:sldMkLst>
+          <pc:docMk/>
+          <pc:sldMk cId="3367204121" sldId="2763"/>
+        </pc:sldMkLst>
+      </pc:sldChg>
+      <pc:sldChg chg="modSp add mod">
+        <pc:chgData name="Xin Luo" userId="82312ee5779919a4" providerId="LiveId" clId="{94E43BDB-720C-FE4E-82EC-62DC7FE1B799}" dt="2023-02-26T14:47:30.207" v="5084" actId="20577"/>
+        <pc:sldMkLst>
+          <pc:docMk/>
+          <pc:sldMk cId="3373327641" sldId="2763"/>
+        </pc:sldMkLst>
+        <pc:spChg chg="mod">
+          <ac:chgData name="Xin Luo" userId="82312ee5779919a4" providerId="LiveId" clId="{94E43BDB-720C-FE4E-82EC-62DC7FE1B799}" dt="2023-02-25T15:38:54.702" v="3813" actId="20577"/>
+          <ac:spMkLst>
+            <pc:docMk/>
+            <pc:sldMk cId="3373327641" sldId="2763"/>
+            <ac:spMk id="11" creationId="{53A7E693-8098-76C4-CD5D-47166ABEB164}"/>
+          </ac:spMkLst>
+        </pc:spChg>
+        <pc:spChg chg="mod">
+          <ac:chgData name="Xin Luo" userId="82312ee5779919a4" providerId="LiveId" clId="{94E43BDB-720C-FE4E-82EC-62DC7FE1B799}" dt="2023-02-26T14:47:30.207" v="5084" actId="20577"/>
+          <ac:spMkLst>
+            <pc:docMk/>
+            <pc:sldMk cId="3373327641" sldId="2763"/>
+            <ac:spMk id="13" creationId="{303BC878-BC57-D350-27A3-F03AE48213AC}"/>
+          </ac:spMkLst>
+        </pc:spChg>
+      </pc:sldChg>
+      <pc:sldChg chg="modSp add mod ord">
+        <pc:chgData name="Xin Luo" userId="82312ee5779919a4" providerId="LiveId" clId="{94E43BDB-720C-FE4E-82EC-62DC7FE1B799}" dt="2023-02-26T14:43:36.756" v="4912" actId="20578"/>
+        <pc:sldMkLst>
+          <pc:docMk/>
+          <pc:sldMk cId="2047512068" sldId="2764"/>
+        </pc:sldMkLst>
+        <pc:spChg chg="mod">
+          <ac:chgData name="Xin Luo" userId="82312ee5779919a4" providerId="LiveId" clId="{94E43BDB-720C-FE4E-82EC-62DC7FE1B799}" dt="2023-02-25T15:46:11.254" v="4314" actId="20577"/>
+          <ac:spMkLst>
+            <pc:docMk/>
+            <pc:sldMk cId="2047512068" sldId="2764"/>
+            <ac:spMk id="5" creationId="{78502774-B04C-634F-1396-E5815996BC36}"/>
+          </ac:spMkLst>
+        </pc:spChg>
+      </pc:sldChg>
+      <pc:sldChg chg="modSp add mod">
+        <pc:chgData name="Xin Luo" userId="82312ee5779919a4" providerId="LiveId" clId="{94E43BDB-720C-FE4E-82EC-62DC7FE1B799}" dt="2023-02-25T16:04:52.290" v="4819" actId="108"/>
+        <pc:sldMkLst>
+          <pc:docMk/>
+          <pc:sldMk cId="70654754" sldId="2765"/>
+        </pc:sldMkLst>
+        <pc:spChg chg="mod">
+          <ac:chgData name="Xin Luo" userId="82312ee5779919a4" providerId="LiveId" clId="{94E43BDB-720C-FE4E-82EC-62DC7FE1B799}" dt="2023-02-25T16:04:52.290" v="4819" actId="108"/>
+          <ac:spMkLst>
+            <pc:docMk/>
+            <pc:sldMk cId="70654754" sldId="2765"/>
+            <ac:spMk id="5" creationId="{78502774-B04C-634F-1396-E5815996BC36}"/>
+          </ac:spMkLst>
+        </pc:spChg>
+      </pc:sldChg>
+      <pc:sldChg chg="add">
+        <pc:chgData name="Xin Luo" userId="82312ee5779919a4" providerId="LiveId" clId="{94E43BDB-720C-FE4E-82EC-62DC7FE1B799}" dt="2023-02-26T14:43:54.644" v="4914"/>
+        <pc:sldMkLst>
+          <pc:docMk/>
+          <pc:sldMk cId="1482309087" sldId="2766"/>
+        </pc:sldMkLst>
+      </pc:sldChg>
+    </pc:docChg>
+  </pc:docChgLst>
+  <pc:docChgLst>
+    <pc:chgData name="Xin Luo" userId="82312ee5779919a4" providerId="LiveId" clId="{4DB6C473-8E57-A543-81F7-48BE109E8C13}"/>
+    <pc:docChg chg="undo custSel addSld delSld modSld sldOrd delMainMaster">
+      <pc:chgData name="Xin Luo" userId="82312ee5779919a4" providerId="LiveId" clId="{4DB6C473-8E57-A543-81F7-48BE109E8C13}" dt="2023-02-21T15:10:04.498" v="5724" actId="108"/>
+      <pc:docMkLst>
+        <pc:docMk/>
+      </pc:docMkLst>
+      <pc:sldChg chg="addSp delSp modSp mod">
+        <pc:chgData name="Xin Luo" userId="82312ee5779919a4" providerId="LiveId" clId="{4DB6C473-8E57-A543-81F7-48BE109E8C13}" dt="2023-02-21T08:54:32.554" v="3595" actId="1076"/>
+        <pc:sldMkLst>
+          <pc:docMk/>
+          <pc:sldMk cId="1576120367" sldId="2387"/>
+        </pc:sldMkLst>
+        <pc:spChg chg="add del mod">
+          <ac:chgData name="Xin Luo" userId="82312ee5779919a4" providerId="LiveId" clId="{4DB6C473-8E57-A543-81F7-48BE109E8C13}" dt="2023-02-21T05:44:22.831" v="2010"/>
+          <ac:spMkLst>
+            <pc:docMk/>
+            <pc:sldMk cId="1576120367" sldId="2387"/>
+            <ac:spMk id="4" creationId="{14071939-13A8-68AD-CF24-E66618C9CB95}"/>
+          </ac:spMkLst>
+        </pc:spChg>
+        <pc:spChg chg="add del">
+          <ac:chgData name="Xin Luo" userId="82312ee5779919a4" providerId="LiveId" clId="{4DB6C473-8E57-A543-81F7-48BE109E8C13}" dt="2023-02-21T05:42:59.400" v="1996" actId="478"/>
+          <ac:spMkLst>
+            <pc:docMk/>
+            <pc:sldMk cId="1576120367" sldId="2387"/>
+            <ac:spMk id="6" creationId="{00000000-0000-0000-0000-000000000000}"/>
+          </ac:spMkLst>
+        </pc:spChg>
+        <pc:spChg chg="del">
+          <ac:chgData name="Xin Luo" userId="82312ee5779919a4" providerId="LiveId" clId="{4DB6C473-8E57-A543-81F7-48BE109E8C13}" dt="2023-02-21T05:42:53.918" v="1994" actId="478"/>
+          <ac:spMkLst>
+            <pc:docMk/>
+            <pc:sldMk cId="1576120367" sldId="2387"/>
+            <ac:spMk id="7" creationId="{00000000-0000-0000-0000-000000000000}"/>
+          </ac:spMkLst>
+        </pc:spChg>
+        <pc:spChg chg="add del mod">
+          <ac:chgData name="Xin Luo" userId="82312ee5779919a4" providerId="LiveId" clId="{4DB6C473-8E57-A543-81F7-48BE109E8C13}" dt="2023-02-21T05:46:39.935" v="2038" actId="478"/>
+          <ac:spMkLst>
+            <pc:docMk/>
+            <pc:sldMk cId="1576120367" sldId="2387"/>
+            <ac:spMk id="8" creationId="{5795B555-5780-95D6-6939-E2A2F840CEDB}"/>
+          </ac:spMkLst>
+        </pc:spChg>
+        <pc:spChg chg="add del mod topLvl">
+          <ac:chgData name="Xin Luo" userId="82312ee5779919a4" providerId="LiveId" clId="{4DB6C473-8E57-A543-81F7-48BE109E8C13}" dt="2023-02-21T05:47:15.440" v="2044" actId="164"/>
+          <ac:spMkLst>
+            <pc:docMk/>
+            <pc:sldMk cId="1576120367" sldId="2387"/>
+            <ac:spMk id="10" creationId="{00000000-0000-0000-0000-000000000000}"/>
+          </ac:spMkLst>
+        </pc:spChg>
+        <pc:spChg chg="mod topLvl">
+          <ac:chgData name="Xin Luo" userId="82312ee5779919a4" providerId="LiveId" clId="{4DB6C473-8E57-A543-81F7-48BE109E8C13}" dt="2023-02-21T05:47:15.440" v="2044" actId="164"/>
+          <ac:spMkLst>
+            <pc:docMk/>
+            <pc:sldMk cId="1576120367" sldId="2387"/>
+            <ac:spMk id="12" creationId="{00000000-0000-0000-0000-000000000000}"/>
+          </ac:spMkLst>
+        </pc:spChg>
+        <pc:spChg chg="mod">
+          <ac:chgData name="Xin Luo" userId="82312ee5779919a4" providerId="LiveId" clId="{4DB6C473-8E57-A543-81F7-48BE109E8C13}" dt="2023-02-21T05:45:26.754" v="2016" actId="207"/>
+          <ac:spMkLst>
+            <pc:docMk/>
+            <pc:sldMk cId="1576120367" sldId="2387"/>
+            <ac:spMk id="13" creationId="{00000000-0000-0000-0000-000000000000}"/>
+          </ac:spMkLst>
+        </pc:spChg>
+        <pc:spChg chg="mod">
+          <ac:chgData name="Xin Luo" userId="82312ee5779919a4" providerId="LiveId" clId="{4DB6C473-8E57-A543-81F7-48BE109E8C13}" dt="2023-02-21T05:45:26.754" v="2016" actId="207"/>
+          <ac:spMkLst>
+            <pc:docMk/>
+            <pc:sldMk cId="1576120367" sldId="2387"/>
+            <ac:spMk id="14" creationId="{00000000-0000-0000-0000-000000000000}"/>
+          </ac:spMkLst>
+        </pc:spChg>
+        <pc:spChg chg="mod">
+          <ac:chgData name="Xin Luo" userId="82312ee5779919a4" providerId="LiveId" clId="{4DB6C473-8E57-A543-81F7-48BE109E8C13}" dt="2023-02-21T05:45:26.754" v="2016" actId="207"/>
+          <ac:spMkLst>
+            <pc:docMk/>
+            <pc:sldMk cId="1576120367" sldId="2387"/>
+            <ac:spMk id="15" creationId="{00000000-0000-0000-0000-000000000000}"/>
+          </ac:spMkLst>
+        </pc:spChg>
+        <pc:spChg chg="mod">
+          <ac:chgData name="Xin Luo" userId="82312ee5779919a4" providerId="LiveId" clId="{4DB6C473-8E57-A543-81F7-48BE109E8C13}" dt="2023-02-21T05:45:26.754" v="2016" actId="207"/>
+          <ac:spMkLst>
+            <pc:docMk/>
+            <pc:sldMk cId="1576120367" sldId="2387"/>
+            <ac:spMk id="16" creationId="{00000000-0000-0000-0000-000000000000}"/>
+          </ac:spMkLst>
+        </pc:spChg>
+        <pc:grpChg chg="add del mod">
+          <ac:chgData name="Xin Luo" userId="82312ee5779919a4" providerId="LiveId" clId="{4DB6C473-8E57-A543-81F7-48BE109E8C13}" dt="2023-02-21T08:54:26.670" v="3594" actId="478"/>
+          <ac:grpSpMkLst>
+            <pc:docMk/>
+            <pc:sldMk cId="1576120367" sldId="2387"/>
+            <ac:grpSpMk id="2" creationId="{390AEDC4-AC8C-713C-F926-259F989CB162}"/>
+          </ac:grpSpMkLst>
+        </pc:grpChg>
+        <pc:grpChg chg="add mod">
+          <ac:chgData name="Xin Luo" userId="82312ee5779919a4" providerId="LiveId" clId="{4DB6C473-8E57-A543-81F7-48BE109E8C13}" dt="2023-02-21T08:54:32.554" v="3595" actId="1076"/>
+          <ac:grpSpMkLst>
+            <pc:docMk/>
+            <pc:sldMk cId="1576120367" sldId="2387"/>
+            <ac:grpSpMk id="3" creationId="{12ED16A1-79B8-7DB1-1CC1-250B051BAD58}"/>
+          </ac:grpSpMkLst>
+        </pc:grpChg>
+        <pc:grpChg chg="add del mod">
+          <ac:chgData name="Xin Luo" userId="82312ee5779919a4" providerId="LiveId" clId="{4DB6C473-8E57-A543-81F7-48BE109E8C13}" dt="2023-02-21T05:45:51.755" v="2019" actId="165"/>
+          <ac:grpSpMkLst>
+            <pc:docMk/>
+            <pc:sldMk cId="1576120367" sldId="2387"/>
+            <ac:grpSpMk id="5" creationId="{8F30E2E3-F8BB-EDF1-8726-1256D1547BF7}"/>
+          </ac:grpSpMkLst>
+        </pc:grpChg>
+        <pc:grpChg chg="add mod">
+          <ac:chgData name="Xin Luo" userId="82312ee5779919a4" providerId="LiveId" clId="{4DB6C473-8E57-A543-81F7-48BE109E8C13}" dt="2023-02-21T08:54:32.554" v="3595" actId="1076"/>
+          <ac:grpSpMkLst>
+            <pc:docMk/>
+            <pc:sldMk cId="1576120367" sldId="2387"/>
+            <ac:grpSpMk id="9" creationId="{84B9B8D5-4BCC-CDFF-1E13-B005060A8BDF}"/>
+          </ac:grpSpMkLst>
+        </pc:grpChg>
+      </pc:sldChg>
+      <pc:sldChg chg="del">
+        <pc:chgData name="Xin Luo" userId="82312ee5779919a4" providerId="LiveId" clId="{4DB6C473-8E57-A543-81F7-48BE109E8C13}" dt="2023-02-21T08:54:15.767" v="3575" actId="2696"/>
+        <pc:sldMkLst>
+          <pc:docMk/>
+          <pc:sldMk cId="0" sldId="2446"/>
+        </pc:sldMkLst>
+      </pc:sldChg>
+      <pc:sldChg chg="modSp mod ord">
+        <pc:chgData name="Xin Luo" userId="82312ee5779919a4" providerId="LiveId" clId="{4DB6C473-8E57-A543-81F7-48BE109E8C13}" dt="2023-02-21T06:59:18.091" v="3225" actId="20578"/>
+        <pc:sldMkLst>
+          <pc:docMk/>
+          <pc:sldMk cId="2415901206" sldId="2447"/>
+        </pc:sldMkLst>
+        <pc:spChg chg="mod">
+          <ac:chgData name="Xin Luo" userId="82312ee5779919a4" providerId="LiveId" clId="{4DB6C473-8E57-A543-81F7-48BE109E8C13}" dt="2023-02-21T03:26:36.249" v="1977" actId="20577"/>
+          <ac:spMkLst>
+            <pc:docMk/>
+            <pc:sldMk cId="2415901206" sldId="2447"/>
+            <ac:spMk id="7" creationId="{00000000-0000-0000-0000-000000000000}"/>
+          </ac:spMkLst>
+        </pc:spChg>
+      </pc:sldChg>
+      <pc:sldChg chg="addSp delSp modSp mod ord">
+        <pc:chgData name="Xin Luo" userId="82312ee5779919a4" providerId="LiveId" clId="{4DB6C473-8E57-A543-81F7-48BE109E8C13}" dt="2023-02-21T07:23:56.843" v="3356" actId="20577"/>
+        <pc:sldMkLst>
+          <pc:docMk/>
+          <pc:sldMk cId="4067577602" sldId="2605"/>
+        </pc:sldMkLst>
+        <pc:spChg chg="mod">
+          <ac:chgData name="Xin Luo" userId="82312ee5779919a4" providerId="LiveId" clId="{4DB6C473-8E57-A543-81F7-48BE109E8C13}" dt="2023-02-21T07:23:56.843" v="3356" actId="20577"/>
+          <ac:spMkLst>
+            <pc:docMk/>
+            <pc:sldMk cId="4067577602" sldId="2605"/>
+            <ac:spMk id="2" creationId="{631AADB6-C88A-D817-4683-FC087E4E240F}"/>
+          </ac:spMkLst>
+        </pc:spChg>
+        <pc:spChg chg="mod">
+          <ac:chgData name="Xin Luo" userId="82312ee5779919a4" providerId="LiveId" clId="{4DB6C473-8E57-A543-81F7-48BE109E8C13}" dt="2023-02-21T03:26:50.232" v="1984" actId="20577"/>
+          <ac:spMkLst>
+            <pc:docMk/>
+            <pc:sldMk cId="4067577602" sldId="2605"/>
+            <ac:spMk id="3" creationId="{00000000-0000-0000-0000-000000000000}"/>
+          </ac:spMkLst>
+        </pc:spChg>
+        <pc:spChg chg="add del mod">
+          <ac:chgData name="Xin Luo" userId="82312ee5779919a4" providerId="LiveId" clId="{4DB6C473-8E57-A543-81F7-48BE109E8C13}" dt="2023-02-21T07:21:29.220" v="3297"/>
+          <ac:spMkLst>
+            <pc:docMk/>
+            <pc:sldMk cId="4067577602" sldId="2605"/>
+            <ac:spMk id="4" creationId="{6043EA4A-1AB3-028D-434C-C16CE58B3A2A}"/>
+          </ac:spMkLst>
+        </pc:spChg>
+        <pc:spChg chg="add mod">
+          <ac:chgData name="Xin Luo" userId="82312ee5779919a4" providerId="LiveId" clId="{4DB6C473-8E57-A543-81F7-48BE109E8C13}" dt="2023-02-21T07:23:29.335" v="3346" actId="1076"/>
+          <ac:spMkLst>
+            <pc:docMk/>
+            <pc:sldMk cId="4067577602" sldId="2605"/>
+            <ac:spMk id="5" creationId="{8CB3051E-1455-F2D6-027A-C359D1264B18}"/>
+          </ac:spMkLst>
+        </pc:spChg>
+        <pc:spChg chg="del">
+          <ac:chgData name="Xin Luo" userId="82312ee5779919a4" providerId="LiveId" clId="{4DB6C473-8E57-A543-81F7-48BE109E8C13}" dt="2023-02-21T05:48:10.681" v="2114" actId="478"/>
+          <ac:spMkLst>
+            <pc:docMk/>
+            <pc:sldMk cId="4067577602" sldId="2605"/>
+            <ac:spMk id="15" creationId="{32C45697-89D7-5F4B-C2BC-3A7FBC2C544B}"/>
+          </ac:spMkLst>
+        </pc:spChg>
+        <pc:spChg chg="mod">
+          <ac:chgData name="Xin Luo" userId="82312ee5779919a4" providerId="LiveId" clId="{4DB6C473-8E57-A543-81F7-48BE109E8C13}" dt="2023-02-21T07:11:29.463" v="3277" actId="2710"/>
+          <ac:spMkLst>
+            <pc:docMk/>
+            <pc:sldMk cId="4067577602" sldId="2605"/>
+            <ac:spMk id="17" creationId="{9E05FFCA-3371-AF5C-381D-71D984055F5A}"/>
+          </ac:spMkLst>
+        </pc:spChg>
+        <pc:picChg chg="del">
+          <ac:chgData name="Xin Luo" userId="82312ee5779919a4" providerId="LiveId" clId="{4DB6C473-8E57-A543-81F7-48BE109E8C13}" dt="2023-02-21T05:48:06.479" v="2112" actId="478"/>
+          <ac:picMkLst>
+            <pc:docMk/>
+            <pc:sldMk cId="4067577602" sldId="2605"/>
+            <ac:picMk id="10" creationId="{492CAE81-3897-13BB-6E5A-74F2AC5F581A}"/>
+          </ac:picMkLst>
+        </pc:picChg>
+        <pc:picChg chg="del">
+          <ac:chgData name="Xin Luo" userId="82312ee5779919a4" providerId="LiveId" clId="{4DB6C473-8E57-A543-81F7-48BE109E8C13}" dt="2023-02-21T05:48:08.245" v="2113" actId="478"/>
+          <ac:picMkLst>
+            <pc:docMk/>
+            <pc:sldMk cId="4067577602" sldId="2605"/>
+            <ac:picMk id="14" creationId="{0637D38F-D0BE-5E7D-7891-2D7FAA4B4ED9}"/>
+          </ac:picMkLst>
+        </pc:picChg>
+        <pc:picChg chg="add mod">
+          <ac:chgData name="Xin Luo" userId="82312ee5779919a4" providerId="LiveId" clId="{4DB6C473-8E57-A543-81F7-48BE109E8C13}" dt="2023-02-21T07:23:29.335" v="3346" actId="1076"/>
+          <ac:picMkLst>
+            <pc:docMk/>
+            <pc:sldMk cId="4067577602" sldId="2605"/>
+            <ac:picMk id="1026" creationId="{9270A6EE-B03E-77C5-630F-E811251395A0}"/>
+          </ac:picMkLst>
+        </pc:picChg>
+      </pc:sldChg>
+      <pc:sldChg chg="del">
+        <pc:chgData name="Xin Luo" userId="82312ee5779919a4" providerId="LiveId" clId="{4DB6C473-8E57-A543-81F7-48BE109E8C13}" dt="2023-02-21T14:49:50.253" v="5372" actId="2696"/>
+        <pc:sldMkLst>
+          <pc:docMk/>
+          <pc:sldMk cId="963926578" sldId="2613"/>
+        </pc:sldMkLst>
+      </pc:sldChg>
+      <pc:sldChg chg="del">
+        <pc:chgData name="Xin Luo" userId="82312ee5779919a4" providerId="LiveId" clId="{4DB6C473-8E57-A543-81F7-48BE109E8C13}" dt="2023-02-21T14:49:50.286" v="5373" actId="2696"/>
+        <pc:sldMkLst>
+          <pc:docMk/>
+          <pc:sldMk cId="1377829391" sldId="2689"/>
+        </pc:sldMkLst>
+      </pc:sldChg>
+      <pc:sldChg chg="del">
+        <pc:chgData name="Xin Luo" userId="82312ee5779919a4" providerId="LiveId" clId="{4DB6C473-8E57-A543-81F7-48BE109E8C13}" dt="2023-02-21T14:49:50.299" v="5374" actId="2696"/>
+        <pc:sldMkLst>
+          <pc:docMk/>
+          <pc:sldMk cId="2843640805" sldId="2704"/>
+        </pc:sldMkLst>
+      </pc:sldChg>
+      <pc:sldChg chg="delSp modSp add mod ord">
+        <pc:chgData name="Xin Luo" userId="82312ee5779919a4" providerId="LiveId" clId="{4DB6C473-8E57-A543-81F7-48BE109E8C13}" dt="2023-02-21T05:54:53.172" v="2328" actId="113"/>
+        <pc:sldMkLst>
+          <pc:docMk/>
+          <pc:sldMk cId="2688334957" sldId="2705"/>
+        </pc:sldMkLst>
+        <pc:spChg chg="mod">
+          <ac:chgData name="Xin Luo" userId="82312ee5779919a4" providerId="LiveId" clId="{4DB6C473-8E57-A543-81F7-48BE109E8C13}" dt="2023-02-21T03:04:15.029" v="17" actId="20577"/>
+          <ac:spMkLst>
+            <pc:docMk/>
+            <pc:sldMk cId="2688334957" sldId="2705"/>
+            <ac:spMk id="2" creationId="{631AADB6-C88A-D817-4683-FC087E4E240F}"/>
+          </ac:spMkLst>
+        </pc:spChg>
+        <pc:spChg chg="del">
+          <ac:chgData name="Xin Luo" userId="82312ee5779919a4" providerId="LiveId" clId="{4DB6C473-8E57-A543-81F7-48BE109E8C13}" dt="2023-02-21T03:04:17.351" v="18" actId="478"/>
+          <ac:spMkLst>
+            <pc:docMk/>
+            <pc:sldMk cId="2688334957" sldId="2705"/>
+            <ac:spMk id="15" creationId="{32C45697-89D7-5F4B-C2BC-3A7FBC2C544B}"/>
+          </ac:spMkLst>
+        </pc:spChg>
+        <pc:spChg chg="mod">
+          <ac:chgData name="Xin Luo" userId="82312ee5779919a4" providerId="LiveId" clId="{4DB6C473-8E57-A543-81F7-48BE109E8C13}" dt="2023-02-21T05:54:53.172" v="2328" actId="113"/>
+          <ac:spMkLst>
+            <pc:docMk/>
+            <pc:sldMk cId="2688334957" sldId="2705"/>
+            <ac:spMk id="17" creationId="{9E05FFCA-3371-AF5C-381D-71D984055F5A}"/>
+          </ac:spMkLst>
+        </pc:spChg>
+        <pc:picChg chg="del">
+          <ac:chgData name="Xin Luo" userId="82312ee5779919a4" providerId="LiveId" clId="{4DB6C473-8E57-A543-81F7-48BE109E8C13}" dt="2023-02-21T03:04:18.544" v="20" actId="478"/>
+          <ac:picMkLst>
+            <pc:docMk/>
+            <pc:sldMk cId="2688334957" sldId="2705"/>
+            <ac:picMk id="10" creationId="{492CAE81-3897-13BB-6E5A-74F2AC5F581A}"/>
+          </ac:picMkLst>
+        </pc:picChg>
+        <pc:picChg chg="del">
+          <ac:chgData name="Xin Luo" userId="82312ee5779919a4" providerId="LiveId" clId="{4DB6C473-8E57-A543-81F7-48BE109E8C13}" dt="2023-02-21T03:04:17.947" v="19" actId="478"/>
+          <ac:picMkLst>
+            <pc:docMk/>
+            <pc:sldMk cId="2688334957" sldId="2705"/>
+            <ac:picMk id="14" creationId="{0637D38F-D0BE-5E7D-7891-2D7FAA4B4ED9}"/>
+          </ac:picMkLst>
+        </pc:picChg>
+      </pc:sldChg>
+      <pc:sldChg chg="modSp add mod">
+        <pc:chgData name="Xin Luo" userId="82312ee5779919a4" providerId="LiveId" clId="{4DB6C473-8E57-A543-81F7-48BE109E8C13}" dt="2023-02-21T05:59:45.306" v="2357" actId="2711"/>
+        <pc:sldMkLst>
+          <pc:docMk/>
+          <pc:sldMk cId="2464444856" sldId="2706"/>
+        </pc:sldMkLst>
+        <pc:spChg chg="mod">
+          <ac:chgData name="Xin Luo" userId="82312ee5779919a4" providerId="LiveId" clId="{4DB6C473-8E57-A543-81F7-48BE109E8C13}" dt="2023-02-21T05:59:45.306" v="2357" actId="2711"/>
+          <ac:spMkLst>
+            <pc:docMk/>
+            <pc:sldMk cId="2464444856" sldId="2706"/>
+            <ac:spMk id="2" creationId="{631AADB6-C88A-D817-4683-FC087E4E240F}"/>
+          </ac:spMkLst>
+        </pc:spChg>
+        <pc:spChg chg="mod">
+          <ac:chgData name="Xin Luo" userId="82312ee5779919a4" providerId="LiveId" clId="{4DB6C473-8E57-A543-81F7-48BE109E8C13}" dt="2023-02-21T05:59:45.306" v="2357" actId="2711"/>
+          <ac:spMkLst>
+            <pc:docMk/>
+            <pc:sldMk cId="2464444856" sldId="2706"/>
+            <ac:spMk id="3" creationId="{00000000-0000-0000-0000-000000000000}"/>
+          </ac:spMkLst>
+        </pc:spChg>
+        <pc:spChg chg="mod">
+          <ac:chgData name="Xin Luo" userId="82312ee5779919a4" providerId="LiveId" clId="{4DB6C473-8E57-A543-81F7-48BE109E8C13}" dt="2023-02-21T05:59:45.306" v="2357" actId="2711"/>
+          <ac:spMkLst>
+            <pc:docMk/>
+            <pc:sldMk cId="2464444856" sldId="2706"/>
+            <ac:spMk id="17" creationId="{9E05FFCA-3371-AF5C-381D-71D984055F5A}"/>
+          </ac:spMkLst>
+        </pc:spChg>
+      </pc:sldChg>
+      <pc:sldChg chg="modSp add mod">
+        <pc:chgData name="Xin Luo" userId="82312ee5779919a4" providerId="LiveId" clId="{4DB6C473-8E57-A543-81F7-48BE109E8C13}" dt="2023-02-21T06:00:27.005" v="2362" actId="113"/>
+        <pc:sldMkLst>
+          <pc:docMk/>
+          <pc:sldMk cId="1602808061" sldId="2707"/>
+        </pc:sldMkLst>
+        <pc:spChg chg="mod">
+          <ac:chgData name="Xin Luo" userId="82312ee5779919a4" providerId="LiveId" clId="{4DB6C473-8E57-A543-81F7-48BE109E8C13}" dt="2023-02-21T03:16:48.798" v="1289" actId="20577"/>
+          <ac:spMkLst>
+            <pc:docMk/>
+            <pc:sldMk cId="1602808061" sldId="2707"/>
+            <ac:spMk id="2" creationId="{631AADB6-C88A-D817-4683-FC087E4E240F}"/>
+          </ac:spMkLst>
+        </pc:spChg>
+        <pc:spChg chg="mod">
+          <ac:chgData name="Xin Luo" userId="82312ee5779919a4" providerId="LiveId" clId="{4DB6C473-8E57-A543-81F7-48BE109E8C13}" dt="2023-02-21T06:00:27.005" v="2362" actId="113"/>
+          <ac:spMkLst>
+            <pc:docMk/>
+            <pc:sldMk cId="1602808061" sldId="2707"/>
+            <ac:spMk id="17" creationId="{9E05FFCA-3371-AF5C-381D-71D984055F5A}"/>
+          </ac:spMkLst>
+        </pc:spChg>
+      </pc:sldChg>
+      <pc:sldChg chg="addSp modSp add mod">
+        <pc:chgData name="Xin Luo" userId="82312ee5779919a4" providerId="LiveId" clId="{4DB6C473-8E57-A543-81F7-48BE109E8C13}" dt="2023-02-21T03:24:12.660" v="1798" actId="207"/>
+        <pc:sldMkLst>
+          <pc:docMk/>
+          <pc:sldMk cId="1658607177" sldId="2708"/>
+        </pc:sldMkLst>
+        <pc:spChg chg="add mod">
+          <ac:chgData name="Xin Luo" userId="82312ee5779919a4" providerId="LiveId" clId="{4DB6C473-8E57-A543-81F7-48BE109E8C13}" dt="2023-02-21T03:24:12.660" v="1798" actId="207"/>
+          <ac:spMkLst>
+            <pc:docMk/>
+            <pc:sldMk cId="1658607177" sldId="2708"/>
+            <ac:spMk id="3" creationId="{E375549C-74EF-2C8F-6432-2C52B803FB1B}"/>
+          </ac:spMkLst>
+        </pc:spChg>
+        <pc:spChg chg="mod">
+          <ac:chgData name="Xin Luo" userId="82312ee5779919a4" providerId="LiveId" clId="{4DB6C473-8E57-A543-81F7-48BE109E8C13}" dt="2023-02-21T03:22:03.139" v="1731" actId="20577"/>
+          <ac:spMkLst>
+            <pc:docMk/>
+            <pc:sldMk cId="1658607177" sldId="2708"/>
+            <ac:spMk id="24" creationId="{00000000-0000-0000-0000-000000000000}"/>
+          </ac:spMkLst>
+        </pc:spChg>
+        <pc:picChg chg="mod">
+          <ac:chgData name="Xin Luo" userId="82312ee5779919a4" providerId="LiveId" clId="{4DB6C473-8E57-A543-81F7-48BE109E8C13}" dt="2023-02-21T03:23:29.344" v="1786" actId="1076"/>
+          <ac:picMkLst>
+            <pc:docMk/>
+            <pc:sldMk cId="1658607177" sldId="2708"/>
+            <ac:picMk id="4" creationId="{C5A20417-E7CA-C285-EB98-9BD26873E83E}"/>
+          </ac:picMkLst>
+        </pc:picChg>
+      </pc:sldChg>
+      <pc:sldChg chg="add del setBg">
+        <pc:chgData name="Xin Luo" userId="82312ee5779919a4" providerId="LiveId" clId="{4DB6C473-8E57-A543-81F7-48BE109E8C13}" dt="2023-02-21T03:21:36.224" v="1707"/>
+        <pc:sldMkLst>
+          <pc:docMk/>
+          <pc:sldMk cId="3430641667" sldId="2708"/>
+        </pc:sldMkLst>
+      </pc:sldChg>
+      <pc:sldChg chg="modSp add mod ord">
+        <pc:chgData name="Xin Luo" userId="82312ee5779919a4" providerId="LiveId" clId="{4DB6C473-8E57-A543-81F7-48BE109E8C13}" dt="2023-02-21T07:27:15.123" v="3399" actId="20578"/>
+        <pc:sldMkLst>
+          <pc:docMk/>
+          <pc:sldMk cId="1257969106" sldId="2709"/>
+        </pc:sldMkLst>
+        <pc:spChg chg="mod">
+          <ac:chgData name="Xin Luo" userId="82312ee5779919a4" providerId="LiveId" clId="{4DB6C473-8E57-A543-81F7-48BE109E8C13}" dt="2023-02-21T05:47:38.868" v="2080" actId="20577"/>
+          <ac:spMkLst>
+            <pc:docMk/>
+            <pc:sldMk cId="1257969106" sldId="2709"/>
+            <ac:spMk id="7" creationId="{00000000-0000-0000-0000-000000000000}"/>
+          </ac:spMkLst>
+        </pc:spChg>
+      </pc:sldChg>
+      <pc:sldChg chg="add del setBg">
+        <pc:chgData name="Xin Luo" userId="82312ee5779919a4" providerId="LiveId" clId="{4DB6C473-8E57-A543-81F7-48BE109E8C13}" dt="2023-02-21T03:22:38.148" v="1735"/>
+        <pc:sldMkLst>
+          <pc:docMk/>
+          <pc:sldMk cId="2068292362" sldId="2709"/>
+        </pc:sldMkLst>
+      </pc:sldChg>
+      <pc:sldChg chg="add del setBg">
+        <pc:chgData name="Xin Luo" userId="82312ee5779919a4" providerId="LiveId" clId="{4DB6C473-8E57-A543-81F7-48BE109E8C13}" dt="2023-02-21T03:22:29.206" v="1733"/>
+        <pc:sldMkLst>
+          <pc:docMk/>
+          <pc:sldMk cId="4244071672" sldId="2709"/>
+        </pc:sldMkLst>
+      </pc:sldChg>
+      <pc:sldChg chg="modSp add del mod">
+        <pc:chgData name="Xin Luo" userId="82312ee5779919a4" providerId="LiveId" clId="{4DB6C473-8E57-A543-81F7-48BE109E8C13}" dt="2023-02-21T12:49:10.754" v="4207" actId="2696"/>
+        <pc:sldMkLst>
+          <pc:docMk/>
+          <pc:sldMk cId="4096743637" sldId="2710"/>
+        </pc:sldMkLst>
+        <pc:spChg chg="mod">
+          <ac:chgData name="Xin Luo" userId="82312ee5779919a4" providerId="LiveId" clId="{4DB6C473-8E57-A543-81F7-48BE109E8C13}" dt="2023-02-21T05:47:46.587" v="2093" actId="20577"/>
+          <ac:spMkLst>
+            <pc:docMk/>
+            <pc:sldMk cId="4096743637" sldId="2710"/>
+            <ac:spMk id="7" creationId="{00000000-0000-0000-0000-000000000000}"/>
+          </ac:spMkLst>
+        </pc:spChg>
+      </pc:sldChg>
+      <pc:sldChg chg="addSp delSp modSp add mod">
+        <pc:chgData name="Xin Luo" userId="82312ee5779919a4" providerId="LiveId" clId="{4DB6C473-8E57-A543-81F7-48BE109E8C13}" dt="2023-02-21T15:08:47.651" v="5619" actId="113"/>
+        <pc:sldMkLst>
+          <pc:docMk/>
+          <pc:sldMk cId="2744383376" sldId="2711"/>
+        </pc:sldMkLst>
+        <pc:spChg chg="mod">
+          <ac:chgData name="Xin Luo" userId="82312ee5779919a4" providerId="LiveId" clId="{4DB6C473-8E57-A543-81F7-48BE109E8C13}" dt="2023-02-21T07:01:42.969" v="3272" actId="20577"/>
+          <ac:spMkLst>
+            <pc:docMk/>
+            <pc:sldMk cId="2744383376" sldId="2711"/>
+            <ac:spMk id="2" creationId="{631AADB6-C88A-D817-4683-FC087E4E240F}"/>
+          </ac:spMkLst>
+        </pc:spChg>
+        <pc:spChg chg="add del">
+          <ac:chgData name="Xin Luo" userId="82312ee5779919a4" providerId="LiveId" clId="{4DB6C473-8E57-A543-81F7-48BE109E8C13}" dt="2023-02-21T06:08:19.635" v="2522" actId="22"/>
+          <ac:spMkLst>
+            <pc:docMk/>
+            <pc:sldMk cId="2744383376" sldId="2711"/>
+            <ac:spMk id="5" creationId="{9005BDE5-6349-121C-B95F-5D695486765F}"/>
+          </ac:spMkLst>
+        </pc:spChg>
+        <pc:spChg chg="add del mod">
+          <ac:chgData name="Xin Luo" userId="82312ee5779919a4" providerId="LiveId" clId="{4DB6C473-8E57-A543-81F7-48BE109E8C13}" dt="2023-02-21T06:36:09.199" v="3158" actId="478"/>
+          <ac:spMkLst>
+            <pc:docMk/>
+            <pc:sldMk cId="2744383376" sldId="2711"/>
+            <ac:spMk id="7" creationId="{508CFB8D-1428-2D03-7C0B-F181DD0AC3B0}"/>
+          </ac:spMkLst>
+        </pc:spChg>
+        <pc:spChg chg="add del mod">
+          <ac:chgData name="Xin Luo" userId="82312ee5779919a4" providerId="LiveId" clId="{4DB6C473-8E57-A543-81F7-48BE109E8C13}" dt="2023-02-21T06:35:09.270" v="3110" actId="478"/>
+          <ac:spMkLst>
+            <pc:docMk/>
+            <pc:sldMk cId="2744383376" sldId="2711"/>
+            <ac:spMk id="8" creationId="{FE049113-DA9A-B499-A9F7-CE696334739C}"/>
+          </ac:spMkLst>
+        </pc:spChg>
+        <pc:spChg chg="add del">
+          <ac:chgData name="Xin Luo" userId="82312ee5779919a4" providerId="LiveId" clId="{4DB6C473-8E57-A543-81F7-48BE109E8C13}" dt="2023-02-21T06:24:41.792" v="2925" actId="22"/>
+          <ac:spMkLst>
+            <pc:docMk/>
+            <pc:sldMk cId="2744383376" sldId="2711"/>
+            <ac:spMk id="10" creationId="{2A70B923-8B0E-BFB6-100F-07B5471C1335}"/>
+          </ac:spMkLst>
+        </pc:spChg>
+        <pc:spChg chg="add del mod">
+          <ac:chgData name="Xin Luo" userId="82312ee5779919a4" providerId="LiveId" clId="{4DB6C473-8E57-A543-81F7-48BE109E8C13}" dt="2023-02-21T06:36:24.547" v="3163" actId="478"/>
+          <ac:spMkLst>
+            <pc:docMk/>
+            <pc:sldMk cId="2744383376" sldId="2711"/>
+            <ac:spMk id="12" creationId="{7AC7943F-2EEF-E2BC-7188-7457E9CCE47B}"/>
+          </ac:spMkLst>
+        </pc:spChg>
+        <pc:spChg chg="add del mod">
+          <ac:chgData name="Xin Luo" userId="82312ee5779919a4" providerId="LiveId" clId="{4DB6C473-8E57-A543-81F7-48BE109E8C13}" dt="2023-02-21T06:36:21.741" v="3162" actId="478"/>
+          <ac:spMkLst>
+            <pc:docMk/>
+            <pc:sldMk cId="2744383376" sldId="2711"/>
+            <ac:spMk id="13" creationId="{4D3246D5-B603-994F-3AE4-6B8ADC01AFBD}"/>
+          </ac:spMkLst>
+        </pc:spChg>
+        <pc:spChg chg="add del mod">
+          <ac:chgData name="Xin Luo" userId="82312ee5779919a4" providerId="LiveId" clId="{4DB6C473-8E57-A543-81F7-48BE109E8C13}" dt="2023-02-21T06:34:25.015" v="3081" actId="478"/>
+          <ac:spMkLst>
+            <pc:docMk/>
+            <pc:sldMk cId="2744383376" sldId="2711"/>
+            <ac:spMk id="15" creationId="{E4EF7755-FC04-518B-64D9-6CC2D64CFD40}"/>
+          </ac:spMkLst>
+        </pc:spChg>
+        <pc:spChg chg="mod">
+          <ac:chgData name="Xin Luo" userId="82312ee5779919a4" providerId="LiveId" clId="{4DB6C473-8E57-A543-81F7-48BE109E8C13}" dt="2023-02-21T15:07:43.844" v="5615" actId="1038"/>
+          <ac:spMkLst>
+            <pc:docMk/>
+            <pc:sldMk cId="2744383376" sldId="2711"/>
+            <ac:spMk id="17" creationId="{9E05FFCA-3371-AF5C-381D-71D984055F5A}"/>
+          </ac:spMkLst>
+        </pc:spChg>
+        <pc:spChg chg="add mod">
+          <ac:chgData name="Xin Luo" userId="82312ee5779919a4" providerId="LiveId" clId="{4DB6C473-8E57-A543-81F7-48BE109E8C13}" dt="2023-02-21T15:08:47.651" v="5619" actId="113"/>
+          <ac:spMkLst>
+            <pc:docMk/>
+            <pc:sldMk cId="2744383376" sldId="2711"/>
+            <ac:spMk id="18" creationId="{9D310AF3-A081-4032-01C0-C288D4F7AC53}"/>
+          </ac:spMkLst>
+        </pc:spChg>
+      </pc:sldChg>
+      <pc:sldChg chg="delSp modSp add del mod">
+        <pc:chgData name="Xin Luo" userId="82312ee5779919a4" providerId="LiveId" clId="{4DB6C473-8E57-A543-81F7-48BE109E8C13}" dt="2023-02-21T07:27:24.620" v="3402" actId="2696"/>
+        <pc:sldMkLst>
+          <pc:docMk/>
+          <pc:sldMk cId="1581220802" sldId="2712"/>
+        </pc:sldMkLst>
+        <pc:spChg chg="mod">
+          <ac:chgData name="Xin Luo" userId="82312ee5779919a4" providerId="LiveId" clId="{4DB6C473-8E57-A543-81F7-48BE109E8C13}" dt="2023-02-21T07:01:48.402" v="3274" actId="20577"/>
+          <ac:spMkLst>
+            <pc:docMk/>
+            <pc:sldMk cId="1581220802" sldId="2712"/>
+            <ac:spMk id="2" creationId="{631AADB6-C88A-D817-4683-FC087E4E240F}"/>
+          </ac:spMkLst>
+        </pc:spChg>
+        <pc:spChg chg="mod">
+          <ac:chgData name="Xin Luo" userId="82312ee5779919a4" providerId="LiveId" clId="{4DB6C473-8E57-A543-81F7-48BE109E8C13}" dt="2023-02-21T06:58:28.109" v="3222" actId="20577"/>
+          <ac:spMkLst>
+            <pc:docMk/>
+            <pc:sldMk cId="1581220802" sldId="2712"/>
+            <ac:spMk id="3" creationId="{00000000-0000-0000-0000-000000000000}"/>
+          </ac:spMkLst>
+        </pc:spChg>
+        <pc:spChg chg="del mod">
+          <ac:chgData name="Xin Luo" userId="82312ee5779919a4" providerId="LiveId" clId="{4DB6C473-8E57-A543-81F7-48BE109E8C13}" dt="2023-02-21T07:24:25.709" v="3365"/>
+          <ac:spMkLst>
+            <pc:docMk/>
+            <pc:sldMk cId="1581220802" sldId="2712"/>
+            <ac:spMk id="17" creationId="{9E05FFCA-3371-AF5C-381D-71D984055F5A}"/>
+          </ac:spMkLst>
+        </pc:spChg>
+      </pc:sldChg>
+      <pc:sldChg chg="modSp add del mod">
+        <pc:chgData name="Xin Luo" userId="82312ee5779919a4" providerId="LiveId" clId="{4DB6C473-8E57-A543-81F7-48BE109E8C13}" dt="2023-02-21T07:24:13.066" v="3357" actId="2696"/>
+        <pc:sldMkLst>
+          <pc:docMk/>
+          <pc:sldMk cId="2395170792" sldId="2713"/>
+        </pc:sldMkLst>
+        <pc:spChg chg="mod">
+          <ac:chgData name="Xin Luo" userId="82312ee5779919a4" providerId="LiveId" clId="{4DB6C473-8E57-A543-81F7-48BE109E8C13}" dt="2023-02-21T06:15:05.106" v="2898" actId="20577"/>
+          <ac:spMkLst>
+            <pc:docMk/>
+            <pc:sldMk cId="2395170792" sldId="2713"/>
+            <ac:spMk id="17" creationId="{9E05FFCA-3371-AF5C-381D-71D984055F5A}"/>
+          </ac:spMkLst>
+        </pc:spChg>
+      </pc:sldChg>
+      <pc:sldChg chg="addSp modSp add mod">
+        <pc:chgData name="Xin Luo" userId="82312ee5779919a4" providerId="LiveId" clId="{4DB6C473-8E57-A543-81F7-48BE109E8C13}" dt="2023-02-21T07:23:52.393" v="3353" actId="20577"/>
+        <pc:sldMkLst>
+          <pc:docMk/>
+          <pc:sldMk cId="280619949" sldId="2714"/>
+        </pc:sldMkLst>
+        <pc:spChg chg="mod">
+          <ac:chgData name="Xin Luo" userId="82312ee5779919a4" providerId="LiveId" clId="{4DB6C473-8E57-A543-81F7-48BE109E8C13}" dt="2023-02-21T07:23:52.393" v="3353" actId="20577"/>
+          <ac:spMkLst>
+            <pc:docMk/>
+            <pc:sldMk cId="280619949" sldId="2714"/>
+            <ac:spMk id="2" creationId="{631AADB6-C88A-D817-4683-FC087E4E240F}"/>
+          </ac:spMkLst>
+        </pc:spChg>
+        <pc:spChg chg="mod">
+          <ac:chgData name="Xin Luo" userId="82312ee5779919a4" providerId="LiveId" clId="{4DB6C473-8E57-A543-81F7-48BE109E8C13}" dt="2023-02-21T07:13:49.998" v="3283" actId="404"/>
+          <ac:spMkLst>
+            <pc:docMk/>
+            <pc:sldMk cId="280619949" sldId="2714"/>
+            <ac:spMk id="17" creationId="{9E05FFCA-3371-AF5C-381D-71D984055F5A}"/>
+          </ac:spMkLst>
+        </pc:spChg>
+        <pc:picChg chg="add mod">
+          <ac:chgData name="Xin Luo" userId="82312ee5779919a4" providerId="LiveId" clId="{4DB6C473-8E57-A543-81F7-48BE109E8C13}" dt="2023-02-21T07:23:39.455" v="3348" actId="14100"/>
+          <ac:picMkLst>
+            <pc:docMk/>
+            <pc:sldMk cId="280619949" sldId="2714"/>
+            <ac:picMk id="5" creationId="{0604E948-208D-161C-F579-7EA72A1F42DC}"/>
+          </ac:picMkLst>
+        </pc:picChg>
+      </pc:sldChg>
+      <pc:sldChg chg="addSp modSp add mod">
+        <pc:chgData name="Xin Luo" userId="82312ee5779919a4" providerId="LiveId" clId="{4DB6C473-8E57-A543-81F7-48BE109E8C13}" dt="2023-02-21T13:47:35.461" v="4912" actId="1076"/>
+        <pc:sldMkLst>
+          <pc:docMk/>
+          <pc:sldMk cId="3852391939" sldId="2715"/>
+        </pc:sldMkLst>
+        <pc:spChg chg="mod">
+          <ac:chgData name="Xin Luo" userId="82312ee5779919a4" providerId="LiveId" clId="{4DB6C473-8E57-A543-81F7-48BE109E8C13}" dt="2023-02-21T13:06:48.362" v="4245" actId="20577"/>
+          <ac:spMkLst>
+            <pc:docMk/>
+            <pc:sldMk cId="3852391939" sldId="2715"/>
+            <ac:spMk id="2" creationId="{631AADB6-C88A-D817-4683-FC087E4E240F}"/>
+          </ac:spMkLst>
+        </pc:spChg>
+        <pc:spChg chg="mod">
+          <ac:chgData name="Xin Luo" userId="82312ee5779919a4" providerId="LiveId" clId="{4DB6C473-8E57-A543-81F7-48BE109E8C13}" dt="2023-02-21T07:43:23.802" v="3522" actId="20577"/>
+          <ac:spMkLst>
+            <pc:docMk/>
+            <pc:sldMk cId="3852391939" sldId="2715"/>
+            <ac:spMk id="3" creationId="{00000000-0000-0000-0000-000000000000}"/>
+          </ac:spMkLst>
+        </pc:spChg>
+        <pc:spChg chg="add mod">
+          <ac:chgData name="Xin Luo" userId="82312ee5779919a4" providerId="LiveId" clId="{4DB6C473-8E57-A543-81F7-48BE109E8C13}" dt="2023-02-21T13:41:38.670" v="4903" actId="20577"/>
+          <ac:spMkLst>
+            <pc:docMk/>
+            <pc:sldMk cId="3852391939" sldId="2715"/>
+            <ac:spMk id="5" creationId="{FCD10A89-5E0E-5D73-1D4F-9E11D943B29C}"/>
+          </ac:spMkLst>
+        </pc:spChg>
+        <pc:picChg chg="add mod">
+          <ac:chgData name="Xin Luo" userId="82312ee5779919a4" providerId="LiveId" clId="{4DB6C473-8E57-A543-81F7-48BE109E8C13}" dt="2023-02-21T13:47:35.461" v="4912" actId="1076"/>
+          <ac:picMkLst>
+            <pc:docMk/>
+            <pc:sldMk cId="3852391939" sldId="2715"/>
+            <ac:picMk id="2050" creationId="{8F8FBDFD-CF37-F4FE-58FA-9350A0CDABC7}"/>
+          </ac:picMkLst>
+        </pc:picChg>
+      </pc:sldChg>
+      <pc:sldChg chg="addSp modSp add mod ord">
+        <pc:chgData name="Xin Luo" userId="82312ee5779919a4" providerId="LiveId" clId="{4DB6C473-8E57-A543-81F7-48BE109E8C13}" dt="2023-02-21T13:15:30.678" v="4562" actId="1035"/>
+        <pc:sldMkLst>
+          <pc:docMk/>
+          <pc:sldMk cId="3026715585" sldId="2716"/>
+        </pc:sldMkLst>
+        <pc:spChg chg="mod">
+          <ac:chgData name="Xin Luo" userId="82312ee5779919a4" providerId="LiveId" clId="{4DB6C473-8E57-A543-81F7-48BE109E8C13}" dt="2023-02-21T07:27:17.840" v="3401" actId="20577"/>
+          <ac:spMkLst>
+            <pc:docMk/>
+            <pc:sldMk cId="3026715585" sldId="2716"/>
+            <ac:spMk id="2" creationId="{631AADB6-C88A-D817-4683-FC087E4E240F}"/>
+          </ac:spMkLst>
+        </pc:spChg>
+        <pc:spChg chg="add mod">
+          <ac:chgData name="Xin Luo" userId="82312ee5779919a4" providerId="LiveId" clId="{4DB6C473-8E57-A543-81F7-48BE109E8C13}" dt="2023-02-21T13:15:30.678" v="4562" actId="1035"/>
+          <ac:spMkLst>
+            <pc:docMk/>
+            <pc:sldMk cId="3026715585" sldId="2716"/>
+            <ac:spMk id="4" creationId="{B31A8325-31D8-6F06-6D89-E39763C56875}"/>
+          </ac:spMkLst>
+        </pc:spChg>
+        <pc:spChg chg="mod">
+          <ac:chgData name="Xin Luo" userId="82312ee5779919a4" providerId="LiveId" clId="{4DB6C473-8E57-A543-81F7-48BE109E8C13}" dt="2023-02-21T12:48:49.893" v="4206" actId="1076"/>
+          <ac:spMkLst>
+            <pc:docMk/>
+            <pc:sldMk cId="3026715585" sldId="2716"/>
+            <ac:spMk id="17" creationId="{9E05FFCA-3371-AF5C-381D-71D984055F5A}"/>
+          </ac:spMkLst>
+        </pc:spChg>
+      </pc:sldChg>
+      <pc:sldChg chg="addSp modSp add mod">
+        <pc:chgData name="Xin Luo" userId="82312ee5779919a4" providerId="LiveId" clId="{4DB6C473-8E57-A543-81F7-48BE109E8C13}" dt="2023-02-21T13:48:38.001" v="4936" actId="1076"/>
+        <pc:sldMkLst>
+          <pc:docMk/>
+          <pc:sldMk cId="4136986794" sldId="2717"/>
+        </pc:sldMkLst>
+        <pc:spChg chg="mod">
+          <ac:chgData name="Xin Luo" userId="82312ee5779919a4" providerId="LiveId" clId="{4DB6C473-8E57-A543-81F7-48BE109E8C13}" dt="2023-02-21T13:48:32.535" v="4933" actId="1035"/>
+          <ac:spMkLst>
+            <pc:docMk/>
+            <pc:sldMk cId="4136986794" sldId="2717"/>
+            <ac:spMk id="5" creationId="{FCD10A89-5E0E-5D73-1D4F-9E11D943B29C}"/>
+          </ac:spMkLst>
+        </pc:spChg>
+        <pc:picChg chg="add mod">
+          <ac:chgData name="Xin Luo" userId="82312ee5779919a4" providerId="LiveId" clId="{4DB6C473-8E57-A543-81F7-48BE109E8C13}" dt="2023-02-21T13:48:38.001" v="4936" actId="1076"/>
+          <ac:picMkLst>
+            <pc:docMk/>
+            <pc:sldMk cId="4136986794" sldId="2717"/>
+            <ac:picMk id="6" creationId="{2260B411-AFF0-1E09-142B-45C9F88562F7}"/>
+          </ac:picMkLst>
+        </pc:picChg>
+      </pc:sldChg>
+      <pc:sldChg chg="addSp delSp modSp add mod">
+        <pc:chgData name="Xin Luo" userId="82312ee5779919a4" providerId="LiveId" clId="{4DB6C473-8E57-A543-81F7-48BE109E8C13}" dt="2023-02-21T14:08:09.514" v="5152" actId="1035"/>
+        <pc:sldMkLst>
+          <pc:docMk/>
+          <pc:sldMk cId="1778017482" sldId="2718"/>
+        </pc:sldMkLst>
+        <pc:spChg chg="mod">
+          <ac:chgData name="Xin Luo" userId="82312ee5779919a4" providerId="LiveId" clId="{4DB6C473-8E57-A543-81F7-48BE109E8C13}" dt="2023-02-21T14:08:07.366" v="5145" actId="1035"/>
+          <ac:spMkLst>
+            <pc:docMk/>
+            <pc:sldMk cId="1778017482" sldId="2718"/>
+            <ac:spMk id="5" creationId="{FCD10A89-5E0E-5D73-1D4F-9E11D943B29C}"/>
+          </ac:spMkLst>
+        </pc:spChg>
+        <pc:picChg chg="del">
+          <ac:chgData name="Xin Luo" userId="82312ee5779919a4" providerId="LiveId" clId="{4DB6C473-8E57-A543-81F7-48BE109E8C13}" dt="2023-02-21T13:48:49.937" v="4938" actId="478"/>
+          <ac:picMkLst>
+            <pc:docMk/>
+            <pc:sldMk cId="1778017482" sldId="2718"/>
+            <ac:picMk id="6" creationId="{2260B411-AFF0-1E09-142B-45C9F88562F7}"/>
+          </ac:picMkLst>
+        </pc:picChg>
+        <pc:picChg chg="add mod">
+          <ac:chgData name="Xin Luo" userId="82312ee5779919a4" providerId="LiveId" clId="{4DB6C473-8E57-A543-81F7-48BE109E8C13}" dt="2023-02-21T14:08:09.514" v="5152" actId="1035"/>
+          <ac:picMkLst>
+            <pc:docMk/>
+            <pc:sldMk cId="1778017482" sldId="2718"/>
+            <ac:picMk id="3074" creationId="{3E8CF22C-6E5D-0AAE-1F79-795E8B77EEF7}"/>
+          </ac:picMkLst>
+        </pc:picChg>
+      </pc:sldChg>
+      <pc:sldChg chg="delSp modSp add mod">
+        <pc:chgData name="Xin Luo" userId="82312ee5779919a4" providerId="LiveId" clId="{4DB6C473-8E57-A543-81F7-48BE109E8C13}" dt="2023-02-21T15:10:04.498" v="5724" actId="108"/>
+        <pc:sldMkLst>
+          <pc:docMk/>
+          <pc:sldMk cId="1858913004" sldId="2719"/>
+        </pc:sldMkLst>
+        <pc:spChg chg="mod">
+          <ac:chgData name="Xin Luo" userId="82312ee5779919a4" providerId="LiveId" clId="{4DB6C473-8E57-A543-81F7-48BE109E8C13}" dt="2023-02-21T14:49:05.255" v="5311" actId="1076"/>
+          <ac:spMkLst>
+            <pc:docMk/>
+            <pc:sldMk cId="1858913004" sldId="2719"/>
+            <ac:spMk id="2" creationId="{631AADB6-C88A-D817-4683-FC087E4E240F}"/>
+          </ac:spMkLst>
+        </pc:spChg>
+        <pc:spChg chg="mod">
+          <ac:chgData name="Xin Luo" userId="82312ee5779919a4" providerId="LiveId" clId="{4DB6C473-8E57-A543-81F7-48BE109E8C13}" dt="2023-02-21T15:10:04.498" v="5724" actId="108"/>
+          <ac:spMkLst>
+            <pc:docMk/>
+            <pc:sldMk cId="1858913004" sldId="2719"/>
+            <ac:spMk id="5" creationId="{FCD10A89-5E0E-5D73-1D4F-9E11D943B29C}"/>
+          </ac:spMkLst>
+        </pc:spChg>
+        <pc:spChg chg="del">
+          <ac:chgData name="Xin Luo" userId="82312ee5779919a4" providerId="LiveId" clId="{4DB6C473-8E57-A543-81F7-48BE109E8C13}" dt="2023-02-21T14:48:56.090" v="5307" actId="478"/>
+          <ac:spMkLst>
+            <pc:docMk/>
+            <pc:sldMk cId="1858913004" sldId="2719"/>
+            <ac:spMk id="17" creationId="{9E05FFCA-3371-AF5C-381D-71D984055F5A}"/>
+          </ac:spMkLst>
+        </pc:spChg>
+        <pc:picChg chg="del">
+          <ac:chgData name="Xin Luo" userId="82312ee5779919a4" providerId="LiveId" clId="{4DB6C473-8E57-A543-81F7-48BE109E8C13}" dt="2023-02-21T14:47:16.549" v="5154" actId="478"/>
+          <ac:picMkLst>
+            <pc:docMk/>
+            <pc:sldMk cId="1858913004" sldId="2719"/>
+            <ac:picMk id="3074" creationId="{3E8CF22C-6E5D-0AAE-1F79-795E8B77EEF7}"/>
+          </ac:picMkLst>
+        </pc:picChg>
+      </pc:sldChg>
+      <pc:sldChg chg="addSp delSp modSp add mod ord">
+        <pc:chgData name="Xin Luo" userId="82312ee5779919a4" providerId="LiveId" clId="{4DB6C473-8E57-A543-81F7-48BE109E8C13}" dt="2023-02-21T15:06:45.211" v="5600" actId="20578"/>
+        <pc:sldMkLst>
+          <pc:docMk/>
+          <pc:sldMk cId="3480831675" sldId="2720"/>
+        </pc:sldMkLst>
+        <pc:spChg chg="mod">
+          <ac:chgData name="Xin Luo" userId="82312ee5779919a4" providerId="LiveId" clId="{4DB6C473-8E57-A543-81F7-48BE109E8C13}" dt="2023-02-21T14:58:21.259" v="5529" actId="1035"/>
+          <ac:spMkLst>
+            <pc:docMk/>
+            <pc:sldMk cId="3480831675" sldId="2720"/>
+            <ac:spMk id="2" creationId="{631AADB6-C88A-D817-4683-FC087E4E240F}"/>
+          </ac:spMkLst>
+        </pc:spChg>
+        <pc:spChg chg="add mod">
+          <ac:chgData name="Xin Luo" userId="82312ee5779919a4" providerId="LiveId" clId="{4DB6C473-8E57-A543-81F7-48BE109E8C13}" dt="2023-02-21T14:58:48.813" v="5569" actId="404"/>
+          <ac:spMkLst>
+            <pc:docMk/>
+            <pc:sldMk cId="3480831675" sldId="2720"/>
+            <ac:spMk id="4" creationId="{58EE51E5-8ACA-984C-6E8D-F8AA658223AD}"/>
+          </ac:spMkLst>
+        </pc:spChg>
+        <pc:spChg chg="add mod">
+          <ac:chgData name="Xin Luo" userId="82312ee5779919a4" providerId="LiveId" clId="{4DB6C473-8E57-A543-81F7-48BE109E8C13}" dt="2023-02-21T14:58:48.813" v="5569" actId="404"/>
+          <ac:spMkLst>
+            <pc:docMk/>
+            <pc:sldMk cId="3480831675" sldId="2720"/>
+            <ac:spMk id="5" creationId="{7F4897FB-F086-F339-A15F-A899143C7919}"/>
+          </ac:spMkLst>
+        </pc:spChg>
+        <pc:spChg chg="add mod">
+          <ac:chgData name="Xin Luo" userId="82312ee5779919a4" providerId="LiveId" clId="{4DB6C473-8E57-A543-81F7-48BE109E8C13}" dt="2023-02-21T15:06:20.559" v="5576" actId="962"/>
+          <ac:spMkLst>
+            <pc:docMk/>
+            <pc:sldMk cId="3480831675" sldId="2720"/>
+            <ac:spMk id="6" creationId="{7ED1482E-3610-E252-0E80-41B202D30E30}"/>
+          </ac:spMkLst>
+        </pc:spChg>
+        <pc:spChg chg="del">
+          <ac:chgData name="Xin Luo" userId="82312ee5779919a4" providerId="LiveId" clId="{4DB6C473-8E57-A543-81F7-48BE109E8C13}" dt="2023-02-21T14:51:13.253" v="5388" actId="478"/>
+          <ac:spMkLst>
+            <pc:docMk/>
+            <pc:sldMk cId="3480831675" sldId="2720"/>
+            <ac:spMk id="17" creationId="{9E05FFCA-3371-AF5C-381D-71D984055F5A}"/>
+          </ac:spMkLst>
+        </pc:spChg>
+        <pc:spChg chg="del">
+          <ac:chgData name="Xin Luo" userId="82312ee5779919a4" providerId="LiveId" clId="{4DB6C473-8E57-A543-81F7-48BE109E8C13}" dt="2023-02-21T14:51:18.075" v="5389" actId="478"/>
+          <ac:spMkLst>
+            <pc:docMk/>
+            <pc:sldMk cId="3480831675" sldId="2720"/>
+            <ac:spMk id="18" creationId="{9D310AF3-A081-4032-01C0-C288D4F7AC53}"/>
+          </ac:spMkLst>
+        </pc:spChg>
+        <pc:picChg chg="add del mod">
+          <ac:chgData name="Xin Luo" userId="82312ee5779919a4" providerId="LiveId" clId="{4DB6C473-8E57-A543-81F7-48BE109E8C13}" dt="2023-02-21T14:53:26.825" v="5442" actId="478"/>
+          <ac:picMkLst>
+            <pc:docMk/>
+            <pc:sldMk cId="3480831675" sldId="2720"/>
+            <ac:picMk id="5122" creationId="{379580DC-45F0-D6EF-6EA0-1FB906F02465}"/>
+          </ac:picMkLst>
+        </pc:picChg>
+        <pc:picChg chg="add mod">
+          <ac:chgData name="Xin Luo" userId="82312ee5779919a4" providerId="LiveId" clId="{4DB6C473-8E57-A543-81F7-48BE109E8C13}" dt="2023-02-21T14:58:17.635" v="5525" actId="1035"/>
+          <ac:picMkLst>
+            <pc:docMk/>
+            <pc:sldMk cId="3480831675" sldId="2720"/>
+            <ac:picMk id="5124" creationId="{D17BE6F3-1008-2FC6-54D2-736C673B73E8}"/>
+          </ac:picMkLst>
+        </pc:picChg>
+        <pc:picChg chg="add mod">
+          <ac:chgData name="Xin Luo" userId="82312ee5779919a4" providerId="LiveId" clId="{4DB6C473-8E57-A543-81F7-48BE109E8C13}" dt="2023-02-21T14:58:17.635" v="5525" actId="1035"/>
+          <ac:picMkLst>
+            <pc:docMk/>
+            <pc:sldMk cId="3480831675" sldId="2720"/>
+            <ac:picMk id="5126" creationId="{EBB0C876-4E86-C2ED-5EE6-3B2BD26768B9}"/>
+          </ac:picMkLst>
+        </pc:picChg>
+        <pc:picChg chg="add mod">
+          <ac:chgData name="Xin Luo" userId="82312ee5779919a4" providerId="LiveId" clId="{4DB6C473-8E57-A543-81F7-48BE109E8C13}" dt="2023-02-21T14:58:48.813" v="5569" actId="404"/>
+          <ac:picMkLst>
+            <pc:docMk/>
+            <pc:sldMk cId="3480831675" sldId="2720"/>
+            <ac:picMk id="5128" creationId="{59C29F54-F731-6EBD-ECA9-847BE3563121}"/>
+          </ac:picMkLst>
+        </pc:picChg>
+      </pc:sldChg>
+      <pc:sldChg chg="add del">
+        <pc:chgData name="Xin Luo" userId="82312ee5779919a4" providerId="LiveId" clId="{4DB6C473-8E57-A543-81F7-48BE109E8C13}" dt="2023-02-21T14:55:30.326" v="5468" actId="2696"/>
+        <pc:sldMkLst>
+          <pc:docMk/>
+          <pc:sldMk cId="120373349" sldId="2721"/>
+        </pc:sldMkLst>
+      </pc:sldChg>
+      <pc:sldChg chg="addSp delSp modSp add mod ord">
+        <pc:chgData name="Xin Luo" userId="82312ee5779919a4" providerId="LiveId" clId="{4DB6C473-8E57-A543-81F7-48BE109E8C13}" dt="2023-02-21T15:06:40.684" v="5599" actId="20578"/>
+        <pc:sldMkLst>
+          <pc:docMk/>
+          <pc:sldMk cId="1410676903" sldId="2721"/>
+        </pc:sldMkLst>
+        <pc:spChg chg="del">
+          <ac:chgData name="Xin Luo" userId="82312ee5779919a4" providerId="LiveId" clId="{4DB6C473-8E57-A543-81F7-48BE109E8C13}" dt="2023-02-21T14:59:05.282" v="5571" actId="478"/>
+          <ac:spMkLst>
+            <pc:docMk/>
+            <pc:sldMk cId="1410676903" sldId="2721"/>
+            <ac:spMk id="4" creationId="{58EE51E5-8ACA-984C-6E8D-F8AA658223AD}"/>
+          </ac:spMkLst>
+        </pc:spChg>
+        <pc:spChg chg="del">
+          <ac:chgData name="Xin Luo" userId="82312ee5779919a4" providerId="LiveId" clId="{4DB6C473-8E57-A543-81F7-48BE109E8C13}" dt="2023-02-21T14:59:05.282" v="5571" actId="478"/>
+          <ac:spMkLst>
+            <pc:docMk/>
+            <pc:sldMk cId="1410676903" sldId="2721"/>
+            <ac:spMk id="5" creationId="{7F4897FB-F086-F339-A15F-A899143C7919}"/>
+          </ac:spMkLst>
+        </pc:spChg>
+        <pc:spChg chg="del">
+          <ac:chgData name="Xin Luo" userId="82312ee5779919a4" providerId="LiveId" clId="{4DB6C473-8E57-A543-81F7-48BE109E8C13}" dt="2023-02-21T14:59:05.282" v="5571" actId="478"/>
+          <ac:spMkLst>
+            <pc:docMk/>
+            <pc:sldMk cId="1410676903" sldId="2721"/>
+            <ac:spMk id="6" creationId="{7ED1482E-3610-E252-0E80-41B202D30E30}"/>
+          </ac:spMkLst>
+        </pc:spChg>
+        <pc:spChg chg="add mod">
+          <ac:chgData name="Xin Luo" userId="82312ee5779919a4" providerId="LiveId" clId="{4DB6C473-8E57-A543-81F7-48BE109E8C13}" dt="2023-02-21T15:06:36.607" v="5598" actId="1076"/>
+          <ac:spMkLst>
+            <pc:docMk/>
+            <pc:sldMk cId="1410676903" sldId="2721"/>
+            <ac:spMk id="9" creationId="{D5E43916-6543-2664-EE40-07ABFFB01F26}"/>
+          </ac:spMkLst>
+        </pc:spChg>
+        <pc:picChg chg="add mod">
+          <ac:chgData name="Xin Luo" userId="82312ee5779919a4" providerId="LiveId" clId="{4DB6C473-8E57-A543-81F7-48BE109E8C13}" dt="2023-02-21T15:06:20.558" v="5575" actId="27614"/>
+          <ac:picMkLst>
+            <pc:docMk/>
+            <pc:sldMk cId="1410676903" sldId="2721"/>
+            <ac:picMk id="8" creationId="{BA45F6EA-D51F-F9F8-F33E-5E3217612D76}"/>
+          </ac:picMkLst>
+        </pc:picChg>
+        <pc:picChg chg="del">
+          <ac:chgData name="Xin Luo" userId="82312ee5779919a4" providerId="LiveId" clId="{4DB6C473-8E57-A543-81F7-48BE109E8C13}" dt="2023-02-21T14:59:05.282" v="5571" actId="478"/>
+          <ac:picMkLst>
+            <pc:docMk/>
+            <pc:sldMk cId="1410676903" sldId="2721"/>
+            <ac:picMk id="5124" creationId="{D17BE6F3-1008-2FC6-54D2-736C673B73E8}"/>
+          </ac:picMkLst>
+        </pc:picChg>
+        <pc:picChg chg="del">
+          <ac:chgData name="Xin Luo" userId="82312ee5779919a4" providerId="LiveId" clId="{4DB6C473-8E57-A543-81F7-48BE109E8C13}" dt="2023-02-21T14:59:05.282" v="5571" actId="478"/>
+          <ac:picMkLst>
+            <pc:docMk/>
+            <pc:sldMk cId="1410676903" sldId="2721"/>
+            <ac:picMk id="5126" creationId="{EBB0C876-4E86-C2ED-5EE6-3B2BD26768B9}"/>
+          </ac:picMkLst>
+        </pc:picChg>
+        <pc:picChg chg="del">
+          <ac:chgData name="Xin Luo" userId="82312ee5779919a4" providerId="LiveId" clId="{4DB6C473-8E57-A543-81F7-48BE109E8C13}" dt="2023-02-21T14:59:05.282" v="5571" actId="478"/>
+          <ac:picMkLst>
+            <pc:docMk/>
+            <pc:sldMk cId="1410676903" sldId="2721"/>
+            <ac:picMk id="5128" creationId="{59C29F54-F731-6EBD-ECA9-847BE3563121}"/>
+          </ac:picMkLst>
+        </pc:picChg>
+      </pc:sldChg>
+      <pc:sldMasterChg chg="del delSldLayout">
+        <pc:chgData name="Xin Luo" userId="82312ee5779919a4" providerId="LiveId" clId="{4DB6C473-8E57-A543-81F7-48BE109E8C13}" dt="2023-02-21T08:54:15.791" v="3593" actId="2696"/>
+        <pc:sldMasterMkLst>
+          <pc:docMk/>
+          <pc:sldMasterMk cId="1248561168" sldId="2147484998"/>
+        </pc:sldMasterMkLst>
+        <pc:sldLayoutChg chg="del">
+          <pc:chgData name="Xin Luo" userId="82312ee5779919a4" providerId="LiveId" clId="{4DB6C473-8E57-A543-81F7-48BE109E8C13}" dt="2023-02-21T08:54:15.772" v="3576" actId="2696"/>
+          <pc:sldLayoutMkLst>
+            <pc:docMk/>
+            <pc:sldMasterMk cId="1248561168" sldId="2147484998"/>
+            <pc:sldLayoutMk cId="2755518727" sldId="2147484999"/>
+          </pc:sldLayoutMkLst>
+        </pc:sldLayoutChg>
+        <pc:sldLayoutChg chg="del">
+          <pc:chgData name="Xin Luo" userId="82312ee5779919a4" providerId="LiveId" clId="{4DB6C473-8E57-A543-81F7-48BE109E8C13}" dt="2023-02-21T08:54:15.773" v="3577" actId="2696"/>
+          <pc:sldLayoutMkLst>
+            <pc:docMk/>
+            <pc:sldMasterMk cId="1248561168" sldId="2147484998"/>
+            <pc:sldLayoutMk cId="784447712" sldId="2147485000"/>
+          </pc:sldLayoutMkLst>
+        </pc:sldLayoutChg>
+        <pc:sldLayoutChg chg="del">
+          <pc:chgData name="Xin Luo" userId="82312ee5779919a4" providerId="LiveId" clId="{4DB6C473-8E57-A543-81F7-48BE109E8C13}" dt="2023-02-21T08:54:15.774" v="3578" actId="2696"/>
+          <pc:sldLayoutMkLst>
+            <pc:docMk/>
+            <pc:sldMasterMk cId="1248561168" sldId="2147484998"/>
+            <pc:sldLayoutMk cId="36404751" sldId="2147485001"/>
+          </pc:sldLayoutMkLst>
+        </pc:sldLayoutChg>
+        <pc:sldLayoutChg chg="del">
+          <pc:chgData name="Xin Luo" userId="82312ee5779919a4" providerId="LiveId" clId="{4DB6C473-8E57-A543-81F7-48BE109E8C13}" dt="2023-02-21T08:54:15.775" v="3579" actId="2696"/>
+          <pc:sldLayoutMkLst>
+            <pc:docMk/>
+            <pc:sldMasterMk cId="1248561168" sldId="2147484998"/>
+            <pc:sldLayoutMk cId="2142531553" sldId="2147485002"/>
+          </pc:sldLayoutMkLst>
+        </pc:sldLayoutChg>
+        <pc:sldLayoutChg chg="del">
+          <pc:chgData name="Xin Luo" userId="82312ee5779919a4" providerId="LiveId" clId="{4DB6C473-8E57-A543-81F7-48BE109E8C13}" dt="2023-02-21T08:54:15.776" v="3580" actId="2696"/>
+          <pc:sldLayoutMkLst>
+            <pc:docMk/>
+            <pc:sldMasterMk cId="1248561168" sldId="2147484998"/>
+            <pc:sldLayoutMk cId="646270699" sldId="2147485003"/>
+          </pc:sldLayoutMkLst>
+        </pc:sldLayoutChg>
+        <pc:sldLayoutChg chg="del">
+          <pc:chgData name="Xin Luo" userId="82312ee5779919a4" providerId="LiveId" clId="{4DB6C473-8E57-A543-81F7-48BE109E8C13}" dt="2023-02-21T08:54:15.777" v="3581" actId="2696"/>
+          <pc:sldLayoutMkLst>
+            <pc:docMk/>
+            <pc:sldMasterMk cId="1248561168" sldId="2147484998"/>
+            <pc:sldLayoutMk cId="1316154404" sldId="2147485004"/>
+          </pc:sldLayoutMkLst>
+        </pc:sldLayoutChg>
+        <pc:sldLayoutChg chg="del">
+          <pc:chgData name="Xin Luo" userId="82312ee5779919a4" providerId="LiveId" clId="{4DB6C473-8E57-A543-81F7-48BE109E8C13}" dt="2023-02-21T08:54:15.778" v="3582" actId="2696"/>
+          <pc:sldLayoutMkLst>
+            <pc:docMk/>
+            <pc:sldMasterMk cId="1248561168" sldId="2147484998"/>
+            <pc:sldLayoutMk cId="275448905" sldId="2147485005"/>
+          </pc:sldLayoutMkLst>
+        </pc:sldLayoutChg>
+        <pc:sldLayoutChg chg="del">
+          <pc:chgData name="Xin Luo" userId="82312ee5779919a4" providerId="LiveId" clId="{4DB6C473-8E57-A543-81F7-48BE109E8C13}" dt="2023-02-21T08:54:15.779" v="3583" actId="2696"/>
+          <pc:sldLayoutMkLst>
+            <pc:docMk/>
+            <pc:sldMasterMk cId="1248561168" sldId="2147484998"/>
+            <pc:sldLayoutMk cId="3173493555" sldId="2147485006"/>
+          </pc:sldLayoutMkLst>
+        </pc:sldLayoutChg>
+        <pc:sldLayoutChg chg="del">
+          <pc:chgData name="Xin Luo" userId="82312ee5779919a4" providerId="LiveId" clId="{4DB6C473-8E57-A543-81F7-48BE109E8C13}" dt="2023-02-21T08:54:15.780" v="3584" actId="2696"/>
+          <pc:sldLayoutMkLst>
+            <pc:docMk/>
+            <pc:sldMasterMk cId="1248561168" sldId="2147484998"/>
+            <pc:sldLayoutMk cId="2494408642" sldId="2147485007"/>
+          </pc:sldLayoutMkLst>
+        </pc:sldLayoutChg>
+        <pc:sldLayoutChg chg="del">
+          <pc:chgData name="Xin Luo" userId="82312ee5779919a4" providerId="LiveId" clId="{4DB6C473-8E57-A543-81F7-48BE109E8C13}" dt="2023-02-21T08:54:15.781" v="3585" actId="2696"/>
+          <pc:sldLayoutMkLst>
+            <pc:docMk/>
+            <pc:sldMasterMk cId="1248561168" sldId="2147484998"/>
+            <pc:sldLayoutMk cId="2144339703" sldId="2147485008"/>
+          </pc:sldLayoutMkLst>
+        </pc:sldLayoutChg>
+        <pc:sldLayoutChg chg="del">
+          <pc:chgData name="Xin Luo" userId="82312ee5779919a4" providerId="LiveId" clId="{4DB6C473-8E57-A543-81F7-48BE109E8C13}" dt="2023-02-21T08:54:15.781" v="3586" actId="2696"/>
+          <pc:sldLayoutMkLst>
+            <pc:docMk/>
+            <pc:sldMasterMk cId="1248561168" sldId="2147484998"/>
+            <pc:sldLayoutMk cId="3933479768" sldId="2147485009"/>
+          </pc:sldLayoutMkLst>
+        </pc:sldLayoutChg>
+        <pc:sldLayoutChg chg="del">
+          <pc:chgData name="Xin Luo" userId="82312ee5779919a4" providerId="LiveId" clId="{4DB6C473-8E57-A543-81F7-48BE109E8C13}" dt="2023-02-21T08:54:15.782" v="3587" actId="2696"/>
+          <pc:sldLayoutMkLst>
+            <pc:docMk/>
+            <pc:sldMasterMk cId="1248561168" sldId="2147484998"/>
+            <pc:sldLayoutMk cId="2569911404" sldId="2147485010"/>
+          </pc:sldLayoutMkLst>
+        </pc:sldLayoutChg>
+        <pc:sldLayoutChg chg="del">
+          <pc:chgData name="Xin Luo" userId="82312ee5779919a4" providerId="LiveId" clId="{4DB6C473-8E57-A543-81F7-48BE109E8C13}" dt="2023-02-21T08:54:15.783" v="3588" actId="2696"/>
+          <pc:sldLayoutMkLst>
+            <pc:docMk/>
+            <pc:sldMasterMk cId="1248561168" sldId="2147484998"/>
+            <pc:sldLayoutMk cId="487309151" sldId="2147485011"/>
+          </pc:sldLayoutMkLst>
+        </pc:sldLayoutChg>
+        <pc:sldLayoutChg chg="del">
+          <pc:chgData name="Xin Luo" userId="82312ee5779919a4" providerId="LiveId" clId="{4DB6C473-8E57-A543-81F7-48BE109E8C13}" dt="2023-02-21T08:54:15.784" v="3589" actId="2696"/>
+          <pc:sldLayoutMkLst>
+            <pc:docMk/>
+            <pc:sldMasterMk cId="1248561168" sldId="2147484998"/>
+            <pc:sldLayoutMk cId="940838525" sldId="2147485012"/>
+          </pc:sldLayoutMkLst>
+        </pc:sldLayoutChg>
+        <pc:sldLayoutChg chg="del">
+          <pc:chgData name="Xin Luo" userId="82312ee5779919a4" providerId="LiveId" clId="{4DB6C473-8E57-A543-81F7-48BE109E8C13}" dt="2023-02-21T08:54:15.785" v="3590" actId="2696"/>
+          <pc:sldLayoutMkLst>
+            <pc:docMk/>
+            <pc:sldMasterMk cId="1248561168" sldId="2147484998"/>
+            <pc:sldLayoutMk cId="858249230" sldId="2147485013"/>
+          </pc:sldLayoutMkLst>
+        </pc:sldLayoutChg>
+        <pc:sldLayoutChg chg="del">
+          <pc:chgData name="Xin Luo" userId="82312ee5779919a4" providerId="LiveId" clId="{4DB6C473-8E57-A543-81F7-48BE109E8C13}" dt="2023-02-21T08:54:15.786" v="3591" actId="2696"/>
+          <pc:sldLayoutMkLst>
+            <pc:docMk/>
+            <pc:sldMasterMk cId="1248561168" sldId="2147484998"/>
+            <pc:sldLayoutMk cId="1094809115" sldId="2147485014"/>
+          </pc:sldLayoutMkLst>
+        </pc:sldLayoutChg>
+        <pc:sldLayoutChg chg="del">
+          <pc:chgData name="Xin Luo" userId="82312ee5779919a4" providerId="LiveId" clId="{4DB6C473-8E57-A543-81F7-48BE109E8C13}" dt="2023-02-21T08:54:15.787" v="3592" actId="2696"/>
+          <pc:sldLayoutMkLst>
+            <pc:docMk/>
+            <pc:sldMasterMk cId="1248561168" sldId="2147484998"/>
+            <pc:sldLayoutMk cId="2452001345" sldId="2147485015"/>
+          </pc:sldLayoutMkLst>
+        </pc:sldLayoutChg>
+      </pc:sldMasterChg>
+    </pc:docChg>
+  </pc:docChgLst>
+  <pc:docChgLst>
     <pc:chgData name="Xin Luo" userId="82312ee5779919a4" providerId="LiveId" clId="{7E27DD99-4F4E-6645-BF82-FA5D4C43E465}"/>
     <pc:docChg chg="undo custSel addSld delSld modSld">
       <pc:chgData name="Xin Luo" userId="82312ee5779919a4" providerId="LiveId" clId="{7E27DD99-4F4E-6645-BF82-FA5D4C43E465}" dt="2023-02-28T08:26:10.972" v="1985" actId="113"/>
@@ -4380,1438 +6156,6 @@
             <ac:spMk id="13" creationId="{303BC878-BC57-D350-27A3-F03AE48213AC}"/>
           </ac:spMkLst>
         </pc:spChg>
-      </pc:sldChg>
-    </pc:docChg>
-  </pc:docChgLst>
-  <pc:docChgLst>
-    <pc:chgData name="Xin Luo" userId="82312ee5779919a4" providerId="LiveId" clId="{7C35D78A-E8DF-394E-816A-D2222F18F092}"/>
-    <pc:docChg chg="delSld modSld">
-      <pc:chgData name="Xin Luo" userId="82312ee5779919a4" providerId="LiveId" clId="{7C35D78A-E8DF-394E-816A-D2222F18F092}" dt="2022-11-28T03:56:42.353" v="21" actId="2696"/>
-      <pc:docMkLst>
-        <pc:docMk/>
-      </pc:docMkLst>
-      <pc:sldChg chg="del">
-        <pc:chgData name="Xin Luo" userId="82312ee5779919a4" providerId="LiveId" clId="{7C35D78A-E8DF-394E-816A-D2222F18F092}" dt="2022-11-28T03:56:38.106" v="20" actId="2696"/>
-        <pc:sldMkLst>
-          <pc:docMk/>
-          <pc:sldMk cId="0" sldId="279"/>
-        </pc:sldMkLst>
-      </pc:sldChg>
-      <pc:sldChg chg="modSp mod">
-        <pc:chgData name="Xin Luo" userId="82312ee5779919a4" providerId="LiveId" clId="{7C35D78A-E8DF-394E-816A-D2222F18F092}" dt="2022-11-28T03:56:03.446" v="17" actId="20577"/>
-        <pc:sldMkLst>
-          <pc:docMk/>
-          <pc:sldMk cId="1153920038" sldId="2206"/>
-        </pc:sldMkLst>
-        <pc:spChg chg="mod">
-          <ac:chgData name="Xin Luo" userId="82312ee5779919a4" providerId="LiveId" clId="{7C35D78A-E8DF-394E-816A-D2222F18F092}" dt="2022-11-28T03:56:03.446" v="17" actId="20577"/>
-          <ac:spMkLst>
-            <pc:docMk/>
-            <pc:sldMk cId="1153920038" sldId="2206"/>
-            <ac:spMk id="24" creationId="{00000000-0000-0000-0000-000000000000}"/>
-          </ac:spMkLst>
-        </pc:spChg>
-      </pc:sldChg>
-      <pc:sldChg chg="del">
-        <pc:chgData name="Xin Luo" userId="82312ee5779919a4" providerId="LiveId" clId="{7C35D78A-E8DF-394E-816A-D2222F18F092}" dt="2022-11-28T03:56:42.353" v="21" actId="2696"/>
-        <pc:sldMkLst>
-          <pc:docMk/>
-          <pc:sldMk cId="0" sldId="2501"/>
-        </pc:sldMkLst>
-      </pc:sldChg>
-      <pc:sldChg chg="del">
-        <pc:chgData name="Xin Luo" userId="82312ee5779919a4" providerId="LiveId" clId="{7C35D78A-E8DF-394E-816A-D2222F18F092}" dt="2022-11-28T03:56:17.803" v="18" actId="2696"/>
-        <pc:sldMkLst>
-          <pc:docMk/>
-          <pc:sldMk cId="2689840772" sldId="2604"/>
-        </pc:sldMkLst>
-      </pc:sldChg>
-      <pc:sldChg chg="del">
-        <pc:chgData name="Xin Luo" userId="82312ee5779919a4" providerId="LiveId" clId="{7C35D78A-E8DF-394E-816A-D2222F18F092}" dt="2022-11-28T03:56:33.667" v="19" actId="2696"/>
-        <pc:sldMkLst>
-          <pc:docMk/>
-          <pc:sldMk cId="1392274363" sldId="2606"/>
-        </pc:sldMkLst>
-      </pc:sldChg>
-      <pc:sldChg chg="del">
-        <pc:chgData name="Xin Luo" userId="82312ee5779919a4" providerId="LiveId" clId="{7C35D78A-E8DF-394E-816A-D2222F18F092}" dt="2022-11-28T03:56:33.667" v="19" actId="2696"/>
-        <pc:sldMkLst>
-          <pc:docMk/>
-          <pc:sldMk cId="292605530" sldId="2607"/>
-        </pc:sldMkLst>
-      </pc:sldChg>
-      <pc:sldChg chg="del">
-        <pc:chgData name="Xin Luo" userId="82312ee5779919a4" providerId="LiveId" clId="{7C35D78A-E8DF-394E-816A-D2222F18F092}" dt="2022-11-28T03:56:33.667" v="19" actId="2696"/>
-        <pc:sldMkLst>
-          <pc:docMk/>
-          <pc:sldMk cId="1432126823" sldId="2608"/>
-        </pc:sldMkLst>
-      </pc:sldChg>
-      <pc:sldChg chg="del">
-        <pc:chgData name="Xin Luo" userId="82312ee5779919a4" providerId="LiveId" clId="{7C35D78A-E8DF-394E-816A-D2222F18F092}" dt="2022-11-28T03:56:33.667" v="19" actId="2696"/>
-        <pc:sldMkLst>
-          <pc:docMk/>
-          <pc:sldMk cId="2780969545" sldId="2609"/>
-        </pc:sldMkLst>
-      </pc:sldChg>
-      <pc:sldChg chg="del">
-        <pc:chgData name="Xin Luo" userId="82312ee5779919a4" providerId="LiveId" clId="{7C35D78A-E8DF-394E-816A-D2222F18F092}" dt="2022-11-28T03:56:33.667" v="19" actId="2696"/>
-        <pc:sldMkLst>
-          <pc:docMk/>
-          <pc:sldMk cId="1351738911" sldId="2610"/>
-        </pc:sldMkLst>
-      </pc:sldChg>
-      <pc:sldChg chg="del">
-        <pc:chgData name="Xin Luo" userId="82312ee5779919a4" providerId="LiveId" clId="{7C35D78A-E8DF-394E-816A-D2222F18F092}" dt="2022-11-28T03:56:33.667" v="19" actId="2696"/>
-        <pc:sldMkLst>
-          <pc:docMk/>
-          <pc:sldMk cId="1504723508" sldId="2611"/>
-        </pc:sldMkLst>
-      </pc:sldChg>
-      <pc:sldChg chg="del">
-        <pc:chgData name="Xin Luo" userId="82312ee5779919a4" providerId="LiveId" clId="{7C35D78A-E8DF-394E-816A-D2222F18F092}" dt="2022-11-28T03:56:38.106" v="20" actId="2696"/>
-        <pc:sldMkLst>
-          <pc:docMk/>
-          <pc:sldMk cId="63705705" sldId="2612"/>
-        </pc:sldMkLst>
-      </pc:sldChg>
-      <pc:sldChg chg="del">
-        <pc:chgData name="Xin Luo" userId="82312ee5779919a4" providerId="LiveId" clId="{7C35D78A-E8DF-394E-816A-D2222F18F092}" dt="2022-11-28T03:56:42.353" v="21" actId="2696"/>
-        <pc:sldMkLst>
-          <pc:docMk/>
-          <pc:sldMk cId="3070817833" sldId="2652"/>
-        </pc:sldMkLst>
-      </pc:sldChg>
-      <pc:sldChg chg="del">
-        <pc:chgData name="Xin Luo" userId="82312ee5779919a4" providerId="LiveId" clId="{7C35D78A-E8DF-394E-816A-D2222F18F092}" dt="2022-11-28T03:56:42.353" v="21" actId="2696"/>
-        <pc:sldMkLst>
-          <pc:docMk/>
-          <pc:sldMk cId="2261973024" sldId="2686"/>
-        </pc:sldMkLst>
-      </pc:sldChg>
-      <pc:sldChg chg="del">
-        <pc:chgData name="Xin Luo" userId="82312ee5779919a4" providerId="LiveId" clId="{7C35D78A-E8DF-394E-816A-D2222F18F092}" dt="2022-11-28T03:56:38.106" v="20" actId="2696"/>
-        <pc:sldMkLst>
-          <pc:docMk/>
-          <pc:sldMk cId="1836653143" sldId="2688"/>
-        </pc:sldMkLst>
-      </pc:sldChg>
-      <pc:sldChg chg="del">
-        <pc:chgData name="Xin Luo" userId="82312ee5779919a4" providerId="LiveId" clId="{7C35D78A-E8DF-394E-816A-D2222F18F092}" dt="2022-11-28T03:56:38.106" v="20" actId="2696"/>
-        <pc:sldMkLst>
-          <pc:docMk/>
-          <pc:sldMk cId="715274259" sldId="2690"/>
-        </pc:sldMkLst>
-      </pc:sldChg>
-      <pc:sldChg chg="del">
-        <pc:chgData name="Xin Luo" userId="82312ee5779919a4" providerId="LiveId" clId="{7C35D78A-E8DF-394E-816A-D2222F18F092}" dt="2022-11-28T03:56:42.353" v="21" actId="2696"/>
-        <pc:sldMkLst>
-          <pc:docMk/>
-          <pc:sldMk cId="3906920652" sldId="2694"/>
-        </pc:sldMkLst>
-      </pc:sldChg>
-      <pc:sldChg chg="del">
-        <pc:chgData name="Xin Luo" userId="82312ee5779919a4" providerId="LiveId" clId="{7C35D78A-E8DF-394E-816A-D2222F18F092}" dt="2022-11-28T03:56:42.353" v="21" actId="2696"/>
-        <pc:sldMkLst>
-          <pc:docMk/>
-          <pc:sldMk cId="558234131" sldId="2697"/>
-        </pc:sldMkLst>
-      </pc:sldChg>
-      <pc:sldChg chg="del">
-        <pc:chgData name="Xin Luo" userId="82312ee5779919a4" providerId="LiveId" clId="{7C35D78A-E8DF-394E-816A-D2222F18F092}" dt="2022-11-28T03:56:38.106" v="20" actId="2696"/>
-        <pc:sldMkLst>
-          <pc:docMk/>
-          <pc:sldMk cId="507602036" sldId="2700"/>
-        </pc:sldMkLst>
-      </pc:sldChg>
-      <pc:sldChg chg="del">
-        <pc:chgData name="Xin Luo" userId="82312ee5779919a4" providerId="LiveId" clId="{7C35D78A-E8DF-394E-816A-D2222F18F092}" dt="2022-11-28T03:56:38.106" v="20" actId="2696"/>
-        <pc:sldMkLst>
-          <pc:docMk/>
-          <pc:sldMk cId="569668922" sldId="2703"/>
-        </pc:sldMkLst>
-      </pc:sldChg>
-      <pc:sldChg chg="del">
-        <pc:chgData name="Xin Luo" userId="82312ee5779919a4" providerId="LiveId" clId="{7C35D78A-E8DF-394E-816A-D2222F18F092}" dt="2022-11-28T03:56:38.106" v="20" actId="2696"/>
-        <pc:sldMkLst>
-          <pc:docMk/>
-          <pc:sldMk cId="693600848" sldId="2705"/>
-        </pc:sldMkLst>
-      </pc:sldChg>
-      <pc:sldChg chg="del">
-        <pc:chgData name="Xin Luo" userId="82312ee5779919a4" providerId="LiveId" clId="{7C35D78A-E8DF-394E-816A-D2222F18F092}" dt="2022-11-28T03:56:38.106" v="20" actId="2696"/>
-        <pc:sldMkLst>
-          <pc:docMk/>
-          <pc:sldMk cId="2447019445" sldId="2706"/>
-        </pc:sldMkLst>
-      </pc:sldChg>
-      <pc:sldChg chg="del">
-        <pc:chgData name="Xin Luo" userId="82312ee5779919a4" providerId="LiveId" clId="{7C35D78A-E8DF-394E-816A-D2222F18F092}" dt="2022-11-28T03:56:42.353" v="21" actId="2696"/>
-        <pc:sldMkLst>
-          <pc:docMk/>
-          <pc:sldMk cId="3037020054" sldId="2707"/>
-        </pc:sldMkLst>
-      </pc:sldChg>
-      <pc:sldChg chg="del">
-        <pc:chgData name="Xin Luo" userId="82312ee5779919a4" providerId="LiveId" clId="{7C35D78A-E8DF-394E-816A-D2222F18F092}" dt="2022-11-28T03:56:42.353" v="21" actId="2696"/>
-        <pc:sldMkLst>
-          <pc:docMk/>
-          <pc:sldMk cId="446628750" sldId="2708"/>
-        </pc:sldMkLst>
-      </pc:sldChg>
-      <pc:sldChg chg="del">
-        <pc:chgData name="Xin Luo" userId="82312ee5779919a4" providerId="LiveId" clId="{7C35D78A-E8DF-394E-816A-D2222F18F092}" dt="2022-11-28T03:56:42.353" v="21" actId="2696"/>
-        <pc:sldMkLst>
-          <pc:docMk/>
-          <pc:sldMk cId="770366385" sldId="2709"/>
-        </pc:sldMkLst>
-      </pc:sldChg>
-      <pc:sldChg chg="del">
-        <pc:chgData name="Xin Luo" userId="82312ee5779919a4" providerId="LiveId" clId="{7C35D78A-E8DF-394E-816A-D2222F18F092}" dt="2022-11-28T03:56:42.353" v="21" actId="2696"/>
-        <pc:sldMkLst>
-          <pc:docMk/>
-          <pc:sldMk cId="1259562490" sldId="2710"/>
-        </pc:sldMkLst>
-      </pc:sldChg>
-      <pc:sldChg chg="del">
-        <pc:chgData name="Xin Luo" userId="82312ee5779919a4" providerId="LiveId" clId="{7C35D78A-E8DF-394E-816A-D2222F18F092}" dt="2022-11-28T03:56:42.353" v="21" actId="2696"/>
-        <pc:sldMkLst>
-          <pc:docMk/>
-          <pc:sldMk cId="573676958" sldId="2711"/>
-        </pc:sldMkLst>
-      </pc:sldChg>
-      <pc:sldChg chg="del">
-        <pc:chgData name="Xin Luo" userId="82312ee5779919a4" providerId="LiveId" clId="{7C35D78A-E8DF-394E-816A-D2222F18F092}" dt="2022-11-28T03:56:33.667" v="19" actId="2696"/>
-        <pc:sldMkLst>
-          <pc:docMk/>
-          <pc:sldMk cId="2970267871" sldId="2712"/>
-        </pc:sldMkLst>
-      </pc:sldChg>
-      <pc:sldChg chg="del">
-        <pc:chgData name="Xin Luo" userId="82312ee5779919a4" providerId="LiveId" clId="{7C35D78A-E8DF-394E-816A-D2222F18F092}" dt="2022-11-28T03:56:42.353" v="21" actId="2696"/>
-        <pc:sldMkLst>
-          <pc:docMk/>
-          <pc:sldMk cId="4061658258" sldId="2713"/>
-        </pc:sldMkLst>
-      </pc:sldChg>
-      <pc:sldChg chg="del">
-        <pc:chgData name="Xin Luo" userId="82312ee5779919a4" providerId="LiveId" clId="{7C35D78A-E8DF-394E-816A-D2222F18F092}" dt="2022-11-28T03:56:17.803" v="18" actId="2696"/>
-        <pc:sldMkLst>
-          <pc:docMk/>
-          <pc:sldMk cId="2358282757" sldId="2714"/>
-        </pc:sldMkLst>
-      </pc:sldChg>
-    </pc:docChg>
-  </pc:docChgLst>
-  <pc:docChgLst>
-    <pc:chgData name="Xin Luo" userId="82312ee5779919a4" providerId="LiveId" clId="{0E64B162-6530-E24D-B838-3C694F61470E}"/>
-    <pc:docChg chg="undo redo custSel delSld modSld">
-      <pc:chgData name="Xin Luo" userId="82312ee5779919a4" providerId="LiveId" clId="{0E64B162-6530-E24D-B838-3C694F61470E}" dt="2023-04-17T08:59:23.581" v="1242" actId="20577"/>
-      <pc:docMkLst>
-        <pc:docMk/>
-      </pc:docMkLst>
-      <pc:sldChg chg="modSp del mod">
-        <pc:chgData name="Xin Luo" userId="82312ee5779919a4" providerId="LiveId" clId="{0E64B162-6530-E24D-B838-3C694F61470E}" dt="2023-04-17T02:14:23.768" v="508" actId="2696"/>
-        <pc:sldMkLst>
-          <pc:docMk/>
-          <pc:sldMk cId="1209572041" sldId="2722"/>
-        </pc:sldMkLst>
-        <pc:spChg chg="mod">
-          <ac:chgData name="Xin Luo" userId="82312ee5779919a4" providerId="LiveId" clId="{0E64B162-6530-E24D-B838-3C694F61470E}" dt="2023-04-17T02:12:09.570" v="507" actId="20577"/>
-          <ac:spMkLst>
-            <pc:docMk/>
-            <pc:sldMk cId="1209572041" sldId="2722"/>
-            <ac:spMk id="13" creationId="{303BC878-BC57-D350-27A3-F03AE48213AC}"/>
-          </ac:spMkLst>
-        </pc:spChg>
-      </pc:sldChg>
-      <pc:sldChg chg="modSp mod">
-        <pc:chgData name="Xin Luo" userId="82312ee5779919a4" providerId="LiveId" clId="{0E64B162-6530-E24D-B838-3C694F61470E}" dt="2023-04-17T02:14:46.844" v="527" actId="20577"/>
-        <pc:sldMkLst>
-          <pc:docMk/>
-          <pc:sldMk cId="3175231995" sldId="2743"/>
-        </pc:sldMkLst>
-        <pc:spChg chg="mod">
-          <ac:chgData name="Xin Luo" userId="82312ee5779919a4" providerId="LiveId" clId="{0E64B162-6530-E24D-B838-3C694F61470E}" dt="2023-04-17T02:14:46.844" v="527" actId="20577"/>
-          <ac:spMkLst>
-            <pc:docMk/>
-            <pc:sldMk cId="3175231995" sldId="2743"/>
-            <ac:spMk id="7" creationId="{00000000-0000-0000-0000-000000000000}"/>
-          </ac:spMkLst>
-        </pc:spChg>
-      </pc:sldChg>
-      <pc:sldChg chg="del">
-        <pc:chgData name="Xin Luo" userId="82312ee5779919a4" providerId="LiveId" clId="{0E64B162-6530-E24D-B838-3C694F61470E}" dt="2023-04-16T04:25:44.787" v="505" actId="2696"/>
-        <pc:sldMkLst>
-          <pc:docMk/>
-          <pc:sldMk cId="2861954436" sldId="2762"/>
-        </pc:sldMkLst>
-      </pc:sldChg>
-      <pc:sldChg chg="modSp mod">
-        <pc:chgData name="Xin Luo" userId="82312ee5779919a4" providerId="LiveId" clId="{0E64B162-6530-E24D-B838-3C694F61470E}" dt="2023-04-13T08:47:54.606" v="236" actId="113"/>
-        <pc:sldMkLst>
-          <pc:docMk/>
-          <pc:sldMk cId="1803588456" sldId="2767"/>
-        </pc:sldMkLst>
-        <pc:spChg chg="mod">
-          <ac:chgData name="Xin Luo" userId="82312ee5779919a4" providerId="LiveId" clId="{0E64B162-6530-E24D-B838-3C694F61470E}" dt="2023-04-13T08:47:54.606" v="236" actId="113"/>
-          <ac:spMkLst>
-            <pc:docMk/>
-            <pc:sldMk cId="1803588456" sldId="2767"/>
-            <ac:spMk id="2" creationId="{631AADB6-C88A-D817-4683-FC087E4E240F}"/>
-          </ac:spMkLst>
-        </pc:spChg>
-      </pc:sldChg>
-      <pc:sldChg chg="modSp mod">
-        <pc:chgData name="Xin Luo" userId="82312ee5779919a4" providerId="LiveId" clId="{0E64B162-6530-E24D-B838-3C694F61470E}" dt="2023-04-16T02:20:42.890" v="467" actId="20577"/>
-        <pc:sldMkLst>
-          <pc:docMk/>
-          <pc:sldMk cId="1345125462" sldId="2768"/>
-        </pc:sldMkLst>
-        <pc:spChg chg="mod">
-          <ac:chgData name="Xin Luo" userId="82312ee5779919a4" providerId="LiveId" clId="{0E64B162-6530-E24D-B838-3C694F61470E}" dt="2023-04-16T02:20:42.890" v="467" actId="20577"/>
-          <ac:spMkLst>
-            <pc:docMk/>
-            <pc:sldMk cId="1345125462" sldId="2768"/>
-            <ac:spMk id="2" creationId="{631AADB6-C88A-D817-4683-FC087E4E240F}"/>
-          </ac:spMkLst>
-        </pc:spChg>
-      </pc:sldChg>
-      <pc:sldChg chg="modSp mod">
-        <pc:chgData name="Xin Luo" userId="82312ee5779919a4" providerId="LiveId" clId="{0E64B162-6530-E24D-B838-3C694F61470E}" dt="2023-04-16T04:25:27.649" v="504" actId="2710"/>
-        <pc:sldMkLst>
-          <pc:docMk/>
-          <pc:sldMk cId="904694265" sldId="2769"/>
-        </pc:sldMkLst>
-        <pc:spChg chg="mod">
-          <ac:chgData name="Xin Luo" userId="82312ee5779919a4" providerId="LiveId" clId="{0E64B162-6530-E24D-B838-3C694F61470E}" dt="2023-04-16T04:25:27.649" v="504" actId="2710"/>
-          <ac:spMkLst>
-            <pc:docMk/>
-            <pc:sldMk cId="904694265" sldId="2769"/>
-            <ac:spMk id="2" creationId="{631AADB6-C88A-D817-4683-FC087E4E240F}"/>
-          </ac:spMkLst>
-        </pc:spChg>
-      </pc:sldChg>
-      <pc:sldChg chg="modSp del mod">
-        <pc:chgData name="Xin Luo" userId="82312ee5779919a4" providerId="LiveId" clId="{0E64B162-6530-E24D-B838-3C694F61470E}" dt="2023-04-13T14:45:01.104" v="237" actId="2696"/>
-        <pc:sldMkLst>
-          <pc:docMk/>
-          <pc:sldMk cId="660500533" sldId="2770"/>
-        </pc:sldMkLst>
-        <pc:spChg chg="mod">
-          <ac:chgData name="Xin Luo" userId="82312ee5779919a4" providerId="LiveId" clId="{0E64B162-6530-E24D-B838-3C694F61470E}" dt="2023-04-13T00:52:20.453" v="223" actId="20577"/>
-          <ac:spMkLst>
-            <pc:docMk/>
-            <pc:sldMk cId="660500533" sldId="2770"/>
-            <ac:spMk id="13" creationId="{303BC878-BC57-D350-27A3-F03AE48213AC}"/>
-          </ac:spMkLst>
-        </pc:spChg>
-      </pc:sldChg>
-      <pc:sldChg chg="del">
-        <pc:chgData name="Xin Luo" userId="82312ee5779919a4" providerId="LiveId" clId="{0E64B162-6530-E24D-B838-3C694F61470E}" dt="2023-04-16T03:01:05.703" v="468" actId="2696"/>
-        <pc:sldMkLst>
-          <pc:docMk/>
-          <pc:sldMk cId="3307103198" sldId="2771"/>
-        </pc:sldMkLst>
-      </pc:sldChg>
-      <pc:sldChg chg="addSp delSp modSp mod">
-        <pc:chgData name="Xin Luo" userId="82312ee5779919a4" providerId="LiveId" clId="{0E64B162-6530-E24D-B838-3C694F61470E}" dt="2023-04-17T08:59:23.581" v="1242" actId="20577"/>
-        <pc:sldMkLst>
-          <pc:docMk/>
-          <pc:sldMk cId="1508480209" sldId="2772"/>
-        </pc:sldMkLst>
-        <pc:spChg chg="mod">
-          <ac:chgData name="Xin Luo" userId="82312ee5779919a4" providerId="LiveId" clId="{0E64B162-6530-E24D-B838-3C694F61470E}" dt="2023-04-17T02:18:35.018" v="588" actId="20577"/>
-          <ac:spMkLst>
-            <pc:docMk/>
-            <pc:sldMk cId="1508480209" sldId="2772"/>
-            <ac:spMk id="3" creationId="{00000000-0000-0000-0000-000000000000}"/>
-          </ac:spMkLst>
-        </pc:spChg>
-        <pc:spChg chg="add del mod">
-          <ac:chgData name="Xin Luo" userId="82312ee5779919a4" providerId="LiveId" clId="{0E64B162-6530-E24D-B838-3C694F61470E}" dt="2023-04-17T08:56:51.989" v="1229"/>
-          <ac:spMkLst>
-            <pc:docMk/>
-            <pc:sldMk cId="1508480209" sldId="2772"/>
-            <ac:spMk id="4" creationId="{8AA3E622-851A-A756-F44A-375B6E1BB2CD}"/>
-          </ac:spMkLst>
-        </pc:spChg>
-        <pc:spChg chg="mod">
-          <ac:chgData name="Xin Luo" userId="82312ee5779919a4" providerId="LiveId" clId="{0E64B162-6530-E24D-B838-3C694F61470E}" dt="2023-04-17T02:15:07.548" v="545" actId="20577"/>
-          <ac:spMkLst>
-            <pc:docMk/>
-            <pc:sldMk cId="1508480209" sldId="2772"/>
-            <ac:spMk id="11" creationId="{53A7E693-8098-76C4-CD5D-47166ABEB164}"/>
-          </ac:spMkLst>
-        </pc:spChg>
-        <pc:spChg chg="mod">
-          <ac:chgData name="Xin Luo" userId="82312ee5779919a4" providerId="LiveId" clId="{0E64B162-6530-E24D-B838-3C694F61470E}" dt="2023-04-17T08:59:23.581" v="1242" actId="20577"/>
-          <ac:spMkLst>
-            <pc:docMk/>
-            <pc:sldMk cId="1508480209" sldId="2772"/>
-            <ac:spMk id="13" creationId="{303BC878-BC57-D350-27A3-F03AE48213AC}"/>
-          </ac:spMkLst>
-        </pc:spChg>
-      </pc:sldChg>
-    </pc:docChg>
-  </pc:docChgLst>
-  <pc:docChgLst>
-    <pc:chgData name="Xin Luo" userId="82312ee5779919a4" providerId="LiveId" clId="{94E43BDB-720C-FE4E-82EC-62DC7FE1B799}"/>
-    <pc:docChg chg="undo redo custSel addSld delSld modSld sldOrd">
-      <pc:chgData name="Xin Luo" userId="82312ee5779919a4" providerId="LiveId" clId="{94E43BDB-720C-FE4E-82EC-62DC7FE1B799}" dt="2023-02-26T14:47:30.207" v="5084" actId="20577"/>
-      <pc:docMkLst>
-        <pc:docMk/>
-      </pc:docMkLst>
-      <pc:sldChg chg="modSp mod">
-        <pc:chgData name="Xin Luo" userId="82312ee5779919a4" providerId="LiveId" clId="{94E43BDB-720C-FE4E-82EC-62DC7FE1B799}" dt="2023-02-25T02:07:16.068" v="248" actId="1076"/>
-        <pc:sldMkLst>
-          <pc:docMk/>
-          <pc:sldMk cId="1576120367" sldId="2387"/>
-        </pc:sldMkLst>
-        <pc:spChg chg="mod">
-          <ac:chgData name="Xin Luo" userId="82312ee5779919a4" providerId="LiveId" clId="{94E43BDB-720C-FE4E-82EC-62DC7FE1B799}" dt="2023-02-25T02:02:30.368" v="220" actId="20577"/>
-          <ac:spMkLst>
-            <pc:docMk/>
-            <pc:sldMk cId="1576120367" sldId="2387"/>
-            <ac:spMk id="5" creationId="{494DAA55-5621-28DB-D255-E0EBB6C6477B}"/>
-          </ac:spMkLst>
-        </pc:spChg>
-        <pc:spChg chg="mod">
-          <ac:chgData name="Xin Luo" userId="82312ee5779919a4" providerId="LiveId" clId="{94E43BDB-720C-FE4E-82EC-62DC7FE1B799}" dt="2023-02-25T01:52:17.256" v="153" actId="108"/>
-          <ac:spMkLst>
-            <pc:docMk/>
-            <pc:sldMk cId="1576120367" sldId="2387"/>
-            <ac:spMk id="12" creationId="{00000000-0000-0000-0000-000000000000}"/>
-          </ac:spMkLst>
-        </pc:spChg>
-        <pc:spChg chg="mod">
-          <ac:chgData name="Xin Luo" userId="82312ee5779919a4" providerId="LiveId" clId="{94E43BDB-720C-FE4E-82EC-62DC7FE1B799}" dt="2023-02-25T02:07:16.068" v="248" actId="1076"/>
-          <ac:spMkLst>
-            <pc:docMk/>
-            <pc:sldMk cId="1576120367" sldId="2387"/>
-            <ac:spMk id="14" creationId="{00000000-0000-0000-0000-000000000000}"/>
-          </ac:spMkLst>
-        </pc:spChg>
-      </pc:sldChg>
-      <pc:sldChg chg="modSp mod">
-        <pc:chgData name="Xin Luo" userId="82312ee5779919a4" providerId="LiveId" clId="{94E43BDB-720C-FE4E-82EC-62DC7FE1B799}" dt="2023-02-25T02:02:25.653" v="218" actId="20577"/>
-        <pc:sldMkLst>
-          <pc:docMk/>
-          <pc:sldMk cId="2415901206" sldId="2447"/>
-        </pc:sldMkLst>
-        <pc:spChg chg="mod">
-          <ac:chgData name="Xin Luo" userId="82312ee5779919a4" providerId="LiveId" clId="{94E43BDB-720C-FE4E-82EC-62DC7FE1B799}" dt="2023-02-25T01:52:50.946" v="183" actId="1038"/>
-          <ac:spMkLst>
-            <pc:docMk/>
-            <pc:sldMk cId="2415901206" sldId="2447"/>
-            <ac:spMk id="3" creationId="{00000000-0000-0000-0000-000000000000}"/>
-          </ac:spMkLst>
-        </pc:spChg>
-        <pc:spChg chg="mod">
-          <ac:chgData name="Xin Luo" userId="82312ee5779919a4" providerId="LiveId" clId="{94E43BDB-720C-FE4E-82EC-62DC7FE1B799}" dt="2023-02-25T02:02:25.653" v="218" actId="20577"/>
-          <ac:spMkLst>
-            <pc:docMk/>
-            <pc:sldMk cId="2415901206" sldId="2447"/>
-            <ac:spMk id="7" creationId="{00000000-0000-0000-0000-000000000000}"/>
-          </ac:spMkLst>
-        </pc:spChg>
-      </pc:sldChg>
-      <pc:sldChg chg="modSp del mod ord">
-        <pc:chgData name="Xin Luo" userId="82312ee5779919a4" providerId="LiveId" clId="{94E43BDB-720C-FE4E-82EC-62DC7FE1B799}" dt="2023-02-25T05:09:10.956" v="792" actId="2696"/>
-        <pc:sldMkLst>
-          <pc:docMk/>
-          <pc:sldMk cId="4067577602" sldId="2605"/>
-        </pc:sldMkLst>
-        <pc:spChg chg="mod">
-          <ac:chgData name="Xin Luo" userId="82312ee5779919a4" providerId="LiveId" clId="{94E43BDB-720C-FE4E-82EC-62DC7FE1B799}" dt="2023-02-25T02:12:02.097" v="304" actId="20577"/>
-          <ac:spMkLst>
-            <pc:docMk/>
-            <pc:sldMk cId="4067577602" sldId="2605"/>
-            <ac:spMk id="3" creationId="{00000000-0000-0000-0000-000000000000}"/>
-          </ac:spMkLst>
-        </pc:spChg>
-        <pc:spChg chg="mod">
-          <ac:chgData name="Xin Luo" userId="82312ee5779919a4" providerId="LiveId" clId="{94E43BDB-720C-FE4E-82EC-62DC7FE1B799}" dt="2023-02-25T02:11:03.982" v="256" actId="20577"/>
-          <ac:spMkLst>
-            <pc:docMk/>
-            <pc:sldMk cId="4067577602" sldId="2605"/>
-            <ac:spMk id="5" creationId="{78502774-B04C-634F-1396-E5815996BC36}"/>
-          </ac:spMkLst>
-        </pc:spChg>
-      </pc:sldChg>
-      <pc:sldChg chg="modSp mod">
-        <pc:chgData name="Xin Luo" userId="82312ee5779919a4" providerId="LiveId" clId="{94E43BDB-720C-FE4E-82EC-62DC7FE1B799}" dt="2023-02-25T16:05:06.530" v="4821" actId="20577"/>
-        <pc:sldMkLst>
-          <pc:docMk/>
-          <pc:sldMk cId="1658607177" sldId="2708"/>
-        </pc:sldMkLst>
-        <pc:spChg chg="mod">
-          <ac:chgData name="Xin Luo" userId="82312ee5779919a4" providerId="LiveId" clId="{94E43BDB-720C-FE4E-82EC-62DC7FE1B799}" dt="2023-02-25T16:05:06.530" v="4821" actId="20577"/>
-          <ac:spMkLst>
-            <pc:docMk/>
-            <pc:sldMk cId="1658607177" sldId="2708"/>
-            <ac:spMk id="3" creationId="{E375549C-74EF-2C8F-6432-2C52B803FB1B}"/>
-          </ac:spMkLst>
-        </pc:spChg>
-        <pc:spChg chg="mod">
-          <ac:chgData name="Xin Luo" userId="82312ee5779919a4" providerId="LiveId" clId="{94E43BDB-720C-FE4E-82EC-62DC7FE1B799}" dt="2023-02-25T01:44:52.592" v="4"/>
-          <ac:spMkLst>
-            <pc:docMk/>
-            <pc:sldMk cId="1658607177" sldId="2708"/>
-            <ac:spMk id="24" creationId="{00000000-0000-0000-0000-000000000000}"/>
-          </ac:spMkLst>
-        </pc:spChg>
-      </pc:sldChg>
-      <pc:sldChg chg="add del">
-        <pc:chgData name="Xin Luo" userId="82312ee5779919a4" providerId="LiveId" clId="{94E43BDB-720C-FE4E-82EC-62DC7FE1B799}" dt="2023-02-25T02:20:45.929" v="348" actId="2696"/>
-        <pc:sldMkLst>
-          <pc:docMk/>
-          <pc:sldMk cId="481122590" sldId="2709"/>
-        </pc:sldMkLst>
-      </pc:sldChg>
-      <pc:sldChg chg="del">
-        <pc:chgData name="Xin Luo" userId="82312ee5779919a4" providerId="LiveId" clId="{94E43BDB-720C-FE4E-82EC-62DC7FE1B799}" dt="2023-02-25T02:03:23.762" v="246" actId="2696"/>
-        <pc:sldMkLst>
-          <pc:docMk/>
-          <pc:sldMk cId="3833073590" sldId="2716"/>
-        </pc:sldMkLst>
-      </pc:sldChg>
-      <pc:sldChg chg="add del">
-        <pc:chgData name="Xin Luo" userId="82312ee5779919a4" providerId="LiveId" clId="{94E43BDB-720C-FE4E-82EC-62DC7FE1B799}" dt="2023-02-25T02:20:45.931" v="349" actId="2696"/>
-        <pc:sldMkLst>
-          <pc:docMk/>
-          <pc:sldMk cId="972163772" sldId="2720"/>
-        </pc:sldMkLst>
-      </pc:sldChg>
-      <pc:sldChg chg="add del">
-        <pc:chgData name="Xin Luo" userId="82312ee5779919a4" providerId="LiveId" clId="{94E43BDB-720C-FE4E-82EC-62DC7FE1B799}" dt="2023-02-25T02:20:45.925" v="346" actId="2696"/>
-        <pc:sldMkLst>
-          <pc:docMk/>
-          <pc:sldMk cId="2689695864" sldId="2721"/>
-        </pc:sldMkLst>
-      </pc:sldChg>
-      <pc:sldChg chg="addSp delSp modSp add del mod ord">
-        <pc:chgData name="Xin Luo" userId="82312ee5779919a4" providerId="LiveId" clId="{94E43BDB-720C-FE4E-82EC-62DC7FE1B799}" dt="2023-02-26T13:31:11.099" v="4891" actId="20577"/>
-        <pc:sldMkLst>
-          <pc:docMk/>
-          <pc:sldMk cId="1209572041" sldId="2722"/>
-        </pc:sldMkLst>
-        <pc:spChg chg="mod">
-          <ac:chgData name="Xin Luo" userId="82312ee5779919a4" providerId="LiveId" clId="{94E43BDB-720C-FE4E-82EC-62DC7FE1B799}" dt="2023-02-25T13:30:51.201" v="3348" actId="20577"/>
-          <ac:spMkLst>
-            <pc:docMk/>
-            <pc:sldMk cId="1209572041" sldId="2722"/>
-            <ac:spMk id="11" creationId="{53A7E693-8098-76C4-CD5D-47166ABEB164}"/>
-          </ac:spMkLst>
-        </pc:spChg>
-        <pc:spChg chg="add del mod">
-          <ac:chgData name="Xin Luo" userId="82312ee5779919a4" providerId="LiveId" clId="{94E43BDB-720C-FE4E-82EC-62DC7FE1B799}" dt="2023-02-26T13:31:11.099" v="4891" actId="20577"/>
-          <ac:spMkLst>
-            <pc:docMk/>
-            <pc:sldMk cId="1209572041" sldId="2722"/>
-            <ac:spMk id="13" creationId="{303BC878-BC57-D350-27A3-F03AE48213AC}"/>
-          </ac:spMkLst>
-        </pc:spChg>
-      </pc:sldChg>
-      <pc:sldChg chg="del">
-        <pc:chgData name="Xin Luo" userId="82312ee5779919a4" providerId="LiveId" clId="{94E43BDB-720C-FE4E-82EC-62DC7FE1B799}" dt="2023-02-25T02:11:00.233" v="255" actId="2696"/>
-        <pc:sldMkLst>
-          <pc:docMk/>
-          <pc:sldMk cId="655142816" sldId="2737"/>
-        </pc:sldMkLst>
-      </pc:sldChg>
-      <pc:sldChg chg="del">
-        <pc:chgData name="Xin Luo" userId="82312ee5779919a4" providerId="LiveId" clId="{94E43BDB-720C-FE4E-82EC-62DC7FE1B799}" dt="2023-02-25T02:03:23.759" v="245" actId="2696"/>
-        <pc:sldMkLst>
-          <pc:docMk/>
-          <pc:sldMk cId="4156684215" sldId="2738"/>
-        </pc:sldMkLst>
-      </pc:sldChg>
-      <pc:sldChg chg="add del">
-        <pc:chgData name="Xin Luo" userId="82312ee5779919a4" providerId="LiveId" clId="{94E43BDB-720C-FE4E-82EC-62DC7FE1B799}" dt="2023-02-25T02:20:45.927" v="347" actId="2696"/>
-        <pc:sldMkLst>
-          <pc:docMk/>
-          <pc:sldMk cId="2776132283" sldId="2739"/>
-        </pc:sldMkLst>
-      </pc:sldChg>
-      <pc:sldChg chg="del">
-        <pc:chgData name="Xin Luo" userId="82312ee5779919a4" providerId="LiveId" clId="{94E43BDB-720C-FE4E-82EC-62DC7FE1B799}" dt="2023-02-25T02:11:11.413" v="257" actId="2696"/>
-        <pc:sldMkLst>
-          <pc:docMk/>
-          <pc:sldMk cId="2510358707" sldId="2740"/>
-        </pc:sldMkLst>
-      </pc:sldChg>
-      <pc:sldChg chg="add del">
-        <pc:chgData name="Xin Luo" userId="82312ee5779919a4" providerId="LiveId" clId="{94E43BDB-720C-FE4E-82EC-62DC7FE1B799}" dt="2023-02-25T02:20:45.923" v="345" actId="2696"/>
-        <pc:sldMkLst>
-          <pc:docMk/>
-          <pc:sldMk cId="2476237792" sldId="2741"/>
-        </pc:sldMkLst>
-      </pc:sldChg>
-      <pc:sldChg chg="modSp add mod">
-        <pc:chgData name="Xin Luo" userId="82312ee5779919a4" providerId="LiveId" clId="{94E43BDB-720C-FE4E-82EC-62DC7FE1B799}" dt="2023-02-25T02:11:43.848" v="299" actId="20577"/>
-        <pc:sldMkLst>
-          <pc:docMk/>
-          <pc:sldMk cId="393940605" sldId="2742"/>
-        </pc:sldMkLst>
-        <pc:spChg chg="mod">
-          <ac:chgData name="Xin Luo" userId="82312ee5779919a4" providerId="LiveId" clId="{94E43BDB-720C-FE4E-82EC-62DC7FE1B799}" dt="2023-02-25T02:11:43.848" v="299" actId="20577"/>
-          <ac:spMkLst>
-            <pc:docMk/>
-            <pc:sldMk cId="393940605" sldId="2742"/>
-            <ac:spMk id="7" creationId="{00000000-0000-0000-0000-000000000000}"/>
-          </ac:spMkLst>
-        </pc:spChg>
-      </pc:sldChg>
-      <pc:sldChg chg="modSp add mod">
-        <pc:chgData name="Xin Luo" userId="82312ee5779919a4" providerId="LiveId" clId="{94E43BDB-720C-FE4E-82EC-62DC7FE1B799}" dt="2023-02-25T02:02:59.782" v="242" actId="20577"/>
-        <pc:sldMkLst>
-          <pc:docMk/>
-          <pc:sldMk cId="3175231995" sldId="2743"/>
-        </pc:sldMkLst>
-        <pc:spChg chg="mod">
-          <ac:chgData name="Xin Luo" userId="82312ee5779919a4" providerId="LiveId" clId="{94E43BDB-720C-FE4E-82EC-62DC7FE1B799}" dt="2023-02-25T02:02:59.782" v="242" actId="20577"/>
-          <ac:spMkLst>
-            <pc:docMk/>
-            <pc:sldMk cId="3175231995" sldId="2743"/>
-            <ac:spMk id="7" creationId="{00000000-0000-0000-0000-000000000000}"/>
-          </ac:spMkLst>
-        </pc:spChg>
-      </pc:sldChg>
-      <pc:sldChg chg="modSp add mod">
-        <pc:chgData name="Xin Luo" userId="82312ee5779919a4" providerId="LiveId" clId="{94E43BDB-720C-FE4E-82EC-62DC7FE1B799}" dt="2023-02-25T05:46:31.283" v="970" actId="20577"/>
-        <pc:sldMkLst>
-          <pc:docMk/>
-          <pc:sldMk cId="2038650065" sldId="2744"/>
-        </pc:sldMkLst>
-        <pc:spChg chg="mod">
-          <ac:chgData name="Xin Luo" userId="82312ee5779919a4" providerId="LiveId" clId="{94E43BDB-720C-FE4E-82EC-62DC7FE1B799}" dt="2023-02-25T02:11:22.527" v="272" actId="20577"/>
-          <ac:spMkLst>
-            <pc:docMk/>
-            <pc:sldMk cId="2038650065" sldId="2744"/>
-            <ac:spMk id="3" creationId="{00000000-0000-0000-0000-000000000000}"/>
-          </ac:spMkLst>
-        </pc:spChg>
-        <pc:spChg chg="mod">
-          <ac:chgData name="Xin Luo" userId="82312ee5779919a4" providerId="LiveId" clId="{94E43BDB-720C-FE4E-82EC-62DC7FE1B799}" dt="2023-02-25T05:46:31.283" v="970" actId="20577"/>
-          <ac:spMkLst>
-            <pc:docMk/>
-            <pc:sldMk cId="2038650065" sldId="2744"/>
-            <ac:spMk id="5" creationId="{78502774-B04C-634F-1396-E5815996BC36}"/>
-          </ac:spMkLst>
-        </pc:spChg>
-      </pc:sldChg>
-      <pc:sldChg chg="add del">
-        <pc:chgData name="Xin Luo" userId="82312ee5779919a4" providerId="LiveId" clId="{94E43BDB-720C-FE4E-82EC-62DC7FE1B799}" dt="2023-02-25T02:02:48.782" v="224"/>
-        <pc:sldMkLst>
-          <pc:docMk/>
-          <pc:sldMk cId="3138454287" sldId="2744"/>
-        </pc:sldMkLst>
-      </pc:sldChg>
-      <pc:sldChg chg="addSp delSp modSp add mod ord">
-        <pc:chgData name="Xin Luo" userId="82312ee5779919a4" providerId="LiveId" clId="{94E43BDB-720C-FE4E-82EC-62DC7FE1B799}" dt="2023-02-25T15:14:11.080" v="3430" actId="20577"/>
-        <pc:sldMkLst>
-          <pc:docMk/>
-          <pc:sldMk cId="2345376688" sldId="2745"/>
-        </pc:sldMkLst>
-        <pc:spChg chg="mod">
-          <ac:chgData name="Xin Luo" userId="82312ee5779919a4" providerId="LiveId" clId="{94E43BDB-720C-FE4E-82EC-62DC7FE1B799}" dt="2023-02-25T15:14:11.080" v="3430" actId="20577"/>
-          <ac:spMkLst>
-            <pc:docMk/>
-            <pc:sldMk cId="2345376688" sldId="2745"/>
-            <ac:spMk id="2" creationId="{631AADB6-C88A-D817-4683-FC087E4E240F}"/>
-          </ac:spMkLst>
-        </pc:spChg>
-        <pc:spChg chg="mod">
-          <ac:chgData name="Xin Luo" userId="82312ee5779919a4" providerId="LiveId" clId="{94E43BDB-720C-FE4E-82EC-62DC7FE1B799}" dt="2023-02-25T02:12:30.474" v="330" actId="20577"/>
-          <ac:spMkLst>
-            <pc:docMk/>
-            <pc:sldMk cId="2345376688" sldId="2745"/>
-            <ac:spMk id="3" creationId="{00000000-0000-0000-0000-000000000000}"/>
-          </ac:spMkLst>
-        </pc:spChg>
-        <pc:spChg chg="del">
-          <ac:chgData name="Xin Luo" userId="82312ee5779919a4" providerId="LiveId" clId="{94E43BDB-720C-FE4E-82EC-62DC7FE1B799}" dt="2023-02-25T02:10:49.685" v="252" actId="478"/>
-          <ac:spMkLst>
-            <pc:docMk/>
-            <pc:sldMk cId="2345376688" sldId="2745"/>
-            <ac:spMk id="5" creationId="{78502774-B04C-634F-1396-E5815996BC36}"/>
-          </ac:spMkLst>
-        </pc:spChg>
-        <pc:spChg chg="add del mod">
-          <ac:chgData name="Xin Luo" userId="82312ee5779919a4" providerId="LiveId" clId="{94E43BDB-720C-FE4E-82EC-62DC7FE1B799}" dt="2023-02-25T15:11:57.753" v="3379" actId="478"/>
-          <ac:spMkLst>
-            <pc:docMk/>
-            <pc:sldMk cId="2345376688" sldId="2745"/>
-            <ac:spMk id="6" creationId="{3843671A-98DC-4668-E8DF-F825619755A9}"/>
-          </ac:spMkLst>
-        </pc:spChg>
-        <pc:spChg chg="add mod">
-          <ac:chgData name="Xin Luo" userId="82312ee5779919a4" providerId="LiveId" clId="{94E43BDB-720C-FE4E-82EC-62DC7FE1B799}" dt="2023-02-25T15:13:18.472" v="3425"/>
-          <ac:spMkLst>
-            <pc:docMk/>
-            <pc:sldMk cId="2345376688" sldId="2745"/>
-            <ac:spMk id="7" creationId="{90728D9D-D249-EA33-6E80-8B5C8EA26F4F}"/>
-          </ac:spMkLst>
-        </pc:spChg>
-        <pc:picChg chg="del">
-          <ac:chgData name="Xin Luo" userId="82312ee5779919a4" providerId="LiveId" clId="{94E43BDB-720C-FE4E-82EC-62DC7FE1B799}" dt="2023-02-25T02:10:55.317" v="254" actId="478"/>
-          <ac:picMkLst>
-            <pc:docMk/>
-            <pc:sldMk cId="2345376688" sldId="2745"/>
-            <ac:picMk id="1026" creationId="{75908E15-58DA-73BD-95F9-CACD1B8B9D82}"/>
-          </ac:picMkLst>
-        </pc:picChg>
-        <pc:picChg chg="del">
-          <ac:chgData name="Xin Luo" userId="82312ee5779919a4" providerId="LiveId" clId="{94E43BDB-720C-FE4E-82EC-62DC7FE1B799}" dt="2023-02-25T02:10:53.306" v="253" actId="478"/>
-          <ac:picMkLst>
-            <pc:docMk/>
-            <pc:sldMk cId="2345376688" sldId="2745"/>
-            <ac:picMk id="1028" creationId="{1E2BFB6C-B7E5-CAF9-B8CC-09A5029EC264}"/>
-          </ac:picMkLst>
-        </pc:picChg>
-        <pc:picChg chg="del">
-          <ac:chgData name="Xin Luo" userId="82312ee5779919a4" providerId="LiveId" clId="{94E43BDB-720C-FE4E-82EC-62DC7FE1B799}" dt="2023-02-25T02:10:53.306" v="253" actId="478"/>
-          <ac:picMkLst>
-            <pc:docMk/>
-            <pc:sldMk cId="2345376688" sldId="2745"/>
-            <ac:picMk id="1030" creationId="{CB7EE236-3D18-EC53-3225-10EBB3B4EC77}"/>
-          </ac:picMkLst>
-        </pc:picChg>
-        <pc:picChg chg="del">
-          <ac:chgData name="Xin Luo" userId="82312ee5779919a4" providerId="LiveId" clId="{94E43BDB-720C-FE4E-82EC-62DC7FE1B799}" dt="2023-02-25T02:10:53.306" v="253" actId="478"/>
-          <ac:picMkLst>
-            <pc:docMk/>
-            <pc:sldMk cId="2345376688" sldId="2745"/>
-            <ac:picMk id="1032" creationId="{BFA8C7BD-9CEC-ADA1-21BA-0EE8338C6EA3}"/>
-          </ac:picMkLst>
-        </pc:picChg>
-      </pc:sldChg>
-      <pc:sldChg chg="delSp modSp add del mod">
-        <pc:chgData name="Xin Luo" userId="82312ee5779919a4" providerId="LiveId" clId="{94E43BDB-720C-FE4E-82EC-62DC7FE1B799}" dt="2023-02-25T06:06:58.623" v="1450" actId="2696"/>
-        <pc:sldMkLst>
-          <pc:docMk/>
-          <pc:sldMk cId="3070956263" sldId="2746"/>
-        </pc:sldMkLst>
-        <pc:spChg chg="del">
-          <ac:chgData name="Xin Luo" userId="82312ee5779919a4" providerId="LiveId" clId="{94E43BDB-720C-FE4E-82EC-62DC7FE1B799}" dt="2023-02-25T03:47:32.855" v="789" actId="478"/>
-          <ac:spMkLst>
-            <pc:docMk/>
-            <pc:sldMk cId="3070956263" sldId="2746"/>
-            <ac:spMk id="2" creationId="{631AADB6-C88A-D817-4683-FC087E4E240F}"/>
-          </ac:spMkLst>
-        </pc:spChg>
-        <pc:spChg chg="mod">
-          <ac:chgData name="Xin Luo" userId="82312ee5779919a4" providerId="LiveId" clId="{94E43BDB-720C-FE4E-82EC-62DC7FE1B799}" dt="2023-02-25T02:11:33.057" v="295" actId="20577"/>
-          <ac:spMkLst>
-            <pc:docMk/>
-            <pc:sldMk cId="3070956263" sldId="2746"/>
-            <ac:spMk id="3" creationId="{00000000-0000-0000-0000-000000000000}"/>
-          </ac:spMkLst>
-        </pc:spChg>
-        <pc:spChg chg="mod">
-          <ac:chgData name="Xin Luo" userId="82312ee5779919a4" providerId="LiveId" clId="{94E43BDB-720C-FE4E-82EC-62DC7FE1B799}" dt="2023-02-25T03:47:39.828" v="791" actId="20577"/>
-          <ac:spMkLst>
-            <pc:docMk/>
-            <pc:sldMk cId="3070956263" sldId="2746"/>
-            <ac:spMk id="6" creationId="{6741FEA2-C046-FD82-2800-2CB513792080}"/>
-          </ac:spMkLst>
-        </pc:spChg>
-      </pc:sldChg>
-      <pc:sldChg chg="addSp delSp modSp add mod ord">
-        <pc:chgData name="Xin Luo" userId="82312ee5779919a4" providerId="LiveId" clId="{94E43BDB-720C-FE4E-82EC-62DC7FE1B799}" dt="2023-02-25T13:23:26.625" v="2935" actId="1035"/>
-        <pc:sldMkLst>
-          <pc:docMk/>
-          <pc:sldMk cId="580867947" sldId="2747"/>
-        </pc:sldMkLst>
-        <pc:spChg chg="mod">
-          <ac:chgData name="Xin Luo" userId="82312ee5779919a4" providerId="LiveId" clId="{94E43BDB-720C-FE4E-82EC-62DC7FE1B799}" dt="2023-02-25T11:10:26.422" v="2162" actId="20577"/>
-          <ac:spMkLst>
-            <pc:docMk/>
-            <pc:sldMk cId="580867947" sldId="2747"/>
-            <ac:spMk id="5" creationId="{78502774-B04C-634F-1396-E5815996BC36}"/>
-          </ac:spMkLst>
-        </pc:spChg>
-        <pc:spChg chg="add del mod">
-          <ac:chgData name="Xin Luo" userId="82312ee5779919a4" providerId="LiveId" clId="{94E43BDB-720C-FE4E-82EC-62DC7FE1B799}" dt="2023-02-25T09:14:40.222" v="1788" actId="478"/>
-          <ac:spMkLst>
-            <pc:docMk/>
-            <pc:sldMk cId="580867947" sldId="2747"/>
-            <ac:spMk id="11" creationId="{3ECA3BFA-CF62-0840-2043-47AC256F4E34}"/>
-          </ac:spMkLst>
-        </pc:spChg>
-        <pc:spChg chg="add del mod">
-          <ac:chgData name="Xin Luo" userId="82312ee5779919a4" providerId="LiveId" clId="{94E43BDB-720C-FE4E-82EC-62DC7FE1B799}" dt="2023-02-25T09:14:41.345" v="1789" actId="478"/>
-          <ac:spMkLst>
-            <pc:docMk/>
-            <pc:sldMk cId="580867947" sldId="2747"/>
-            <ac:spMk id="12" creationId="{AD1ABF6E-3EE4-7D4B-6D99-578DCE85F495}"/>
-          </ac:spMkLst>
-        </pc:spChg>
-        <pc:spChg chg="add mod">
-          <ac:chgData name="Xin Luo" userId="82312ee5779919a4" providerId="LiveId" clId="{94E43BDB-720C-FE4E-82EC-62DC7FE1B799}" dt="2023-02-25T09:16:23.626" v="1890" actId="1037"/>
-          <ac:spMkLst>
-            <pc:docMk/>
-            <pc:sldMk cId="580867947" sldId="2747"/>
-            <ac:spMk id="15" creationId="{A007F455-D474-DB62-804B-9BC7A451CBE8}"/>
-          </ac:spMkLst>
-        </pc:spChg>
-        <pc:spChg chg="add mod">
-          <ac:chgData name="Xin Luo" userId="82312ee5779919a4" providerId="LiveId" clId="{94E43BDB-720C-FE4E-82EC-62DC7FE1B799}" dt="2023-02-25T09:16:19.691" v="1883" actId="1038"/>
-          <ac:spMkLst>
-            <pc:docMk/>
-            <pc:sldMk cId="580867947" sldId="2747"/>
-            <ac:spMk id="16" creationId="{D2607FE3-605B-506F-F26E-20D3EFC570B2}"/>
-          </ac:spMkLst>
-        </pc:spChg>
-        <pc:grpChg chg="add mod">
-          <ac:chgData name="Xin Luo" userId="82312ee5779919a4" providerId="LiveId" clId="{94E43BDB-720C-FE4E-82EC-62DC7FE1B799}" dt="2023-02-25T13:23:26.625" v="2935" actId="1035"/>
-          <ac:grpSpMkLst>
-            <pc:docMk/>
-            <pc:sldMk cId="580867947" sldId="2747"/>
-            <ac:grpSpMk id="17" creationId="{DEBBA376-338B-77A1-B823-6E3F8EA644A9}"/>
-          </ac:grpSpMkLst>
-        </pc:grpChg>
-        <pc:picChg chg="add mod">
-          <ac:chgData name="Xin Luo" userId="82312ee5779919a4" providerId="LiveId" clId="{94E43BDB-720C-FE4E-82EC-62DC7FE1B799}" dt="2023-02-25T13:23:26.625" v="2935" actId="1035"/>
-          <ac:picMkLst>
-            <pc:docMk/>
-            <pc:sldMk cId="580867947" sldId="2747"/>
-            <ac:picMk id="6" creationId="{B7028E15-ACC2-1C34-CBCC-DF1802A2573F}"/>
-          </ac:picMkLst>
-        </pc:picChg>
-        <pc:picChg chg="add del mod">
-          <ac:chgData name="Xin Luo" userId="82312ee5779919a4" providerId="LiveId" clId="{94E43BDB-720C-FE4E-82EC-62DC7FE1B799}" dt="2023-02-25T09:12:56.104" v="1771" actId="478"/>
-          <ac:picMkLst>
-            <pc:docMk/>
-            <pc:sldMk cId="580867947" sldId="2747"/>
-            <ac:picMk id="8" creationId="{78D05813-9EA4-EA8C-4C95-109585AE9768}"/>
-          </ac:picMkLst>
-        </pc:picChg>
-        <pc:picChg chg="add del mod">
-          <ac:chgData name="Xin Luo" userId="82312ee5779919a4" providerId="LiveId" clId="{94E43BDB-720C-FE4E-82EC-62DC7FE1B799}" dt="2023-02-25T09:14:39.160" v="1787" actId="478"/>
-          <ac:picMkLst>
-            <pc:docMk/>
-            <pc:sldMk cId="580867947" sldId="2747"/>
-            <ac:picMk id="10" creationId="{E7069A29-D46B-3705-BF2F-F461D2175816}"/>
-          </ac:picMkLst>
-        </pc:picChg>
-        <pc:picChg chg="add mod">
-          <ac:chgData name="Xin Luo" userId="82312ee5779919a4" providerId="LiveId" clId="{94E43BDB-720C-FE4E-82EC-62DC7FE1B799}" dt="2023-02-25T09:16:00.871" v="1871" actId="164"/>
-          <ac:picMkLst>
-            <pc:docMk/>
-            <pc:sldMk cId="580867947" sldId="2747"/>
-            <ac:picMk id="14" creationId="{0683883D-6346-EF5A-B5AE-9D0C983B748A}"/>
-          </ac:picMkLst>
-        </pc:picChg>
-      </pc:sldChg>
-      <pc:sldChg chg="add del">
-        <pc:chgData name="Xin Luo" userId="82312ee5779919a4" providerId="LiveId" clId="{94E43BDB-720C-FE4E-82EC-62DC7FE1B799}" dt="2023-02-25T02:11:52.150" v="301"/>
-        <pc:sldMkLst>
-          <pc:docMk/>
-          <pc:sldMk cId="2239497426" sldId="2747"/>
-        </pc:sldMkLst>
-      </pc:sldChg>
-      <pc:sldChg chg="add del">
-        <pc:chgData name="Xin Luo" userId="82312ee5779919a4" providerId="LiveId" clId="{94E43BDB-720C-FE4E-82EC-62DC7FE1B799}" dt="2023-02-25T02:12:20.540" v="308"/>
-        <pc:sldMkLst>
-          <pc:docMk/>
-          <pc:sldMk cId="3888858746" sldId="2747"/>
-        </pc:sldMkLst>
-      </pc:sldChg>
-      <pc:sldChg chg="modSp add del mod">
-        <pc:chgData name="Xin Luo" userId="82312ee5779919a4" providerId="LiveId" clId="{94E43BDB-720C-FE4E-82EC-62DC7FE1B799}" dt="2023-02-25T09:42:59.158" v="1955" actId="2696"/>
-        <pc:sldMkLst>
-          <pc:docMk/>
-          <pc:sldMk cId="3113299723" sldId="2748"/>
-        </pc:sldMkLst>
-        <pc:spChg chg="mod">
-          <ac:chgData name="Xin Luo" userId="82312ee5779919a4" providerId="LiveId" clId="{94E43BDB-720C-FE4E-82EC-62DC7FE1B799}" dt="2023-02-25T06:13:55.682" v="1551" actId="20577"/>
-          <ac:spMkLst>
-            <pc:docMk/>
-            <pc:sldMk cId="3113299723" sldId="2748"/>
-            <ac:spMk id="2" creationId="{631AADB6-C88A-D817-4683-FC087E4E240F}"/>
-          </ac:spMkLst>
-        </pc:spChg>
-        <pc:spChg chg="mod">
-          <ac:chgData name="Xin Luo" userId="82312ee5779919a4" providerId="LiveId" clId="{94E43BDB-720C-FE4E-82EC-62DC7FE1B799}" dt="2023-02-25T06:14:01.330" v="1560" actId="20577"/>
-          <ac:spMkLst>
-            <pc:docMk/>
-            <pc:sldMk cId="3113299723" sldId="2748"/>
-            <ac:spMk id="5" creationId="{78502774-B04C-634F-1396-E5815996BC36}"/>
-          </ac:spMkLst>
-        </pc:spChg>
-      </pc:sldChg>
-      <pc:sldChg chg="modSp add del mod">
-        <pc:chgData name="Xin Luo" userId="82312ee5779919a4" providerId="LiveId" clId="{94E43BDB-720C-FE4E-82EC-62DC7FE1B799}" dt="2023-02-25T06:13:25.290" v="1501" actId="2696"/>
-        <pc:sldMkLst>
-          <pc:docMk/>
-          <pc:sldMk cId="2923402977" sldId="2749"/>
-        </pc:sldMkLst>
-        <pc:spChg chg="mod">
-          <ac:chgData name="Xin Luo" userId="82312ee5779919a4" providerId="LiveId" clId="{94E43BDB-720C-FE4E-82EC-62DC7FE1B799}" dt="2023-02-25T02:23:42.660" v="467" actId="20577"/>
-          <ac:spMkLst>
-            <pc:docMk/>
-            <pc:sldMk cId="2923402977" sldId="2749"/>
-            <ac:spMk id="2" creationId="{631AADB6-C88A-D817-4683-FC087E4E240F}"/>
-          </ac:spMkLst>
-        </pc:spChg>
-        <pc:spChg chg="mod">
-          <ac:chgData name="Xin Luo" userId="82312ee5779919a4" providerId="LiveId" clId="{94E43BDB-720C-FE4E-82EC-62DC7FE1B799}" dt="2023-02-25T06:07:13.050" v="1455" actId="20577"/>
-          <ac:spMkLst>
-            <pc:docMk/>
-            <pc:sldMk cId="2923402977" sldId="2749"/>
-            <ac:spMk id="5" creationId="{78502774-B04C-634F-1396-E5815996BC36}"/>
-          </ac:spMkLst>
-        </pc:spChg>
-      </pc:sldChg>
-      <pc:sldChg chg="modSp add del mod">
-        <pc:chgData name="Xin Luo" userId="82312ee5779919a4" providerId="LiveId" clId="{94E43BDB-720C-FE4E-82EC-62DC7FE1B799}" dt="2023-02-25T06:06:37.296" v="1449" actId="2696"/>
-        <pc:sldMkLst>
-          <pc:docMk/>
-          <pc:sldMk cId="513901059" sldId="2750"/>
-        </pc:sldMkLst>
-        <pc:spChg chg="mod">
-          <ac:chgData name="Xin Luo" userId="82312ee5779919a4" providerId="LiveId" clId="{94E43BDB-720C-FE4E-82EC-62DC7FE1B799}" dt="2023-02-25T05:42:44.555" v="815" actId="20577"/>
-          <ac:spMkLst>
-            <pc:docMk/>
-            <pc:sldMk cId="513901059" sldId="2750"/>
-            <ac:spMk id="5" creationId="{78502774-B04C-634F-1396-E5815996BC36}"/>
-          </ac:spMkLst>
-        </pc:spChg>
-      </pc:sldChg>
-      <pc:sldChg chg="addSp delSp modSp add mod">
-        <pc:chgData name="Xin Luo" userId="82312ee5779919a4" providerId="LiveId" clId="{94E43BDB-720C-FE4E-82EC-62DC7FE1B799}" dt="2023-02-25T06:06:25.021" v="1448" actId="5793"/>
-        <pc:sldMkLst>
-          <pc:docMk/>
-          <pc:sldMk cId="2245643700" sldId="2751"/>
-        </pc:sldMkLst>
-        <pc:spChg chg="mod">
-          <ac:chgData name="Xin Luo" userId="82312ee5779919a4" providerId="LiveId" clId="{94E43BDB-720C-FE4E-82EC-62DC7FE1B799}" dt="2023-02-25T05:48:38.798" v="1029" actId="20577"/>
-          <ac:spMkLst>
-            <pc:docMk/>
-            <pc:sldMk cId="2245643700" sldId="2751"/>
-            <ac:spMk id="2" creationId="{631AADB6-C88A-D817-4683-FC087E4E240F}"/>
-          </ac:spMkLst>
-        </pc:spChg>
-        <pc:spChg chg="add mod">
-          <ac:chgData name="Xin Luo" userId="82312ee5779919a4" providerId="LiveId" clId="{94E43BDB-720C-FE4E-82EC-62DC7FE1B799}" dt="2023-02-25T06:05:19.091" v="1392" actId="1076"/>
-          <ac:spMkLst>
-            <pc:docMk/>
-            <pc:sldMk cId="2245643700" sldId="2751"/>
-            <ac:spMk id="4" creationId="{5890849C-B6D7-E82C-6F19-E8BC73B44DEE}"/>
-          </ac:spMkLst>
-        </pc:spChg>
-        <pc:spChg chg="del">
-          <ac:chgData name="Xin Luo" userId="82312ee5779919a4" providerId="LiveId" clId="{94E43BDB-720C-FE4E-82EC-62DC7FE1B799}" dt="2023-02-25T05:46:39.352" v="972" actId="478"/>
-          <ac:spMkLst>
-            <pc:docMk/>
-            <pc:sldMk cId="2245643700" sldId="2751"/>
-            <ac:spMk id="5" creationId="{78502774-B04C-634F-1396-E5815996BC36}"/>
-          </ac:spMkLst>
-        </pc:spChg>
-        <pc:spChg chg="add mod">
-          <ac:chgData name="Xin Luo" userId="82312ee5779919a4" providerId="LiveId" clId="{94E43BDB-720C-FE4E-82EC-62DC7FE1B799}" dt="2023-02-25T06:06:25.021" v="1448" actId="5793"/>
-          <ac:spMkLst>
-            <pc:docMk/>
-            <pc:sldMk cId="2245643700" sldId="2751"/>
-            <ac:spMk id="7" creationId="{6A0464DA-16D3-0757-416F-B5FC79C9913C}"/>
-          </ac:spMkLst>
-        </pc:spChg>
-      </pc:sldChg>
-      <pc:sldChg chg="modSp add mod ord">
-        <pc:chgData name="Xin Luo" userId="82312ee5779919a4" providerId="LiveId" clId="{94E43BDB-720C-FE4E-82EC-62DC7FE1B799}" dt="2023-02-25T12:27:43.216" v="2531" actId="20577"/>
-        <pc:sldMkLst>
-          <pc:docMk/>
-          <pc:sldMk cId="3400956243" sldId="2752"/>
-        </pc:sldMkLst>
-        <pc:spChg chg="mod">
-          <ac:chgData name="Xin Luo" userId="82312ee5779919a4" providerId="LiveId" clId="{94E43BDB-720C-FE4E-82EC-62DC7FE1B799}" dt="2023-02-25T09:43:50.290" v="1992" actId="20577"/>
-          <ac:spMkLst>
-            <pc:docMk/>
-            <pc:sldMk cId="3400956243" sldId="2752"/>
-            <ac:spMk id="2" creationId="{631AADB6-C88A-D817-4683-FC087E4E240F}"/>
-          </ac:spMkLst>
-        </pc:spChg>
-        <pc:spChg chg="mod">
-          <ac:chgData name="Xin Luo" userId="82312ee5779919a4" providerId="LiveId" clId="{94E43BDB-720C-FE4E-82EC-62DC7FE1B799}" dt="2023-02-25T12:27:43.216" v="2531" actId="20577"/>
-          <ac:spMkLst>
-            <pc:docMk/>
-            <pc:sldMk cId="3400956243" sldId="2752"/>
-            <ac:spMk id="5" creationId="{78502774-B04C-634F-1396-E5815996BC36}"/>
-          </ac:spMkLst>
-        </pc:spChg>
-      </pc:sldChg>
-      <pc:sldChg chg="addSp delSp modSp add mod">
-        <pc:chgData name="Xin Luo" userId="82312ee5779919a4" providerId="LiveId" clId="{94E43BDB-720C-FE4E-82EC-62DC7FE1B799}" dt="2023-02-26T14:34:47.550" v="4909" actId="20577"/>
-        <pc:sldMkLst>
-          <pc:docMk/>
-          <pc:sldMk cId="3929071932" sldId="2753"/>
-        </pc:sldMkLst>
-        <pc:spChg chg="mod">
-          <ac:chgData name="Xin Luo" userId="82312ee5779919a4" providerId="LiveId" clId="{94E43BDB-720C-FE4E-82EC-62DC7FE1B799}" dt="2023-02-25T13:24:58.871" v="2996" actId="20577"/>
-          <ac:spMkLst>
-            <pc:docMk/>
-            <pc:sldMk cId="3929071932" sldId="2753"/>
-            <ac:spMk id="2" creationId="{631AADB6-C88A-D817-4683-FC087E4E240F}"/>
-          </ac:spMkLst>
-        </pc:spChg>
-        <pc:spChg chg="mod">
-          <ac:chgData name="Xin Luo" userId="82312ee5779919a4" providerId="LiveId" clId="{94E43BDB-720C-FE4E-82EC-62DC7FE1B799}" dt="2023-02-26T14:34:47.550" v="4909" actId="20577"/>
-          <ac:spMkLst>
-            <pc:docMk/>
-            <pc:sldMk cId="3929071932" sldId="2753"/>
-            <ac:spMk id="5" creationId="{78502774-B04C-634F-1396-E5815996BC36}"/>
-          </ac:spMkLst>
-        </pc:spChg>
-        <pc:spChg chg="add del mod">
-          <ac:chgData name="Xin Luo" userId="82312ee5779919a4" providerId="LiveId" clId="{94E43BDB-720C-FE4E-82EC-62DC7FE1B799}" dt="2023-02-25T13:25:08.456" v="3011" actId="478"/>
-          <ac:spMkLst>
-            <pc:docMk/>
-            <pc:sldMk cId="3929071932" sldId="2753"/>
-            <ac:spMk id="6" creationId="{C9D2E8F2-74DF-74E3-6D8B-0AA575E537F5}"/>
-          </ac:spMkLst>
-        </pc:spChg>
-      </pc:sldChg>
-      <pc:sldChg chg="modSp add del mod">
-        <pc:chgData name="Xin Luo" userId="82312ee5779919a4" providerId="LiveId" clId="{94E43BDB-720C-FE4E-82EC-62DC7FE1B799}" dt="2023-02-25T09:44:09.739" v="1996" actId="2696"/>
-        <pc:sldMkLst>
-          <pc:docMk/>
-          <pc:sldMk cId="4094603289" sldId="2754"/>
-        </pc:sldMkLst>
-        <pc:spChg chg="mod">
-          <ac:chgData name="Xin Luo" userId="82312ee5779919a4" providerId="LiveId" clId="{94E43BDB-720C-FE4E-82EC-62DC7FE1B799}" dt="2023-02-25T09:42:50.885" v="1954" actId="20577"/>
-          <ac:spMkLst>
-            <pc:docMk/>
-            <pc:sldMk cId="4094603289" sldId="2754"/>
-            <ac:spMk id="2" creationId="{631AADB6-C88A-D817-4683-FC087E4E240F}"/>
-          </ac:spMkLst>
-        </pc:spChg>
-      </pc:sldChg>
-      <pc:sldChg chg="modSp add del mod">
-        <pc:chgData name="Xin Luo" userId="82312ee5779919a4" providerId="LiveId" clId="{94E43BDB-720C-FE4E-82EC-62DC7FE1B799}" dt="2023-02-25T13:17:55.904" v="2924" actId="2696"/>
-        <pc:sldMkLst>
-          <pc:docMk/>
-          <pc:sldMk cId="2537171141" sldId="2755"/>
-        </pc:sldMkLst>
-        <pc:spChg chg="mod">
-          <ac:chgData name="Xin Luo" userId="82312ee5779919a4" providerId="LiveId" clId="{94E43BDB-720C-FE4E-82EC-62DC7FE1B799}" dt="2023-02-25T09:44:24.388" v="2022" actId="20577"/>
-          <ac:spMkLst>
-            <pc:docMk/>
-            <pc:sldMk cId="2537171141" sldId="2755"/>
-            <ac:spMk id="2" creationId="{631AADB6-C88A-D817-4683-FC087E4E240F}"/>
-          </ac:spMkLst>
-        </pc:spChg>
-      </pc:sldChg>
-      <pc:sldChg chg="modSp add del mod">
-        <pc:chgData name="Xin Luo" userId="82312ee5779919a4" providerId="LiveId" clId="{94E43BDB-720C-FE4E-82EC-62DC7FE1B799}" dt="2023-02-25T13:17:55.913" v="2925" actId="2696"/>
-        <pc:sldMkLst>
-          <pc:docMk/>
-          <pc:sldMk cId="1494698131" sldId="2756"/>
-        </pc:sldMkLst>
-        <pc:spChg chg="mod">
-          <ac:chgData name="Xin Luo" userId="82312ee5779919a4" providerId="LiveId" clId="{94E43BDB-720C-FE4E-82EC-62DC7FE1B799}" dt="2023-02-25T09:44:37.236" v="2046" actId="20577"/>
-          <ac:spMkLst>
-            <pc:docMk/>
-            <pc:sldMk cId="1494698131" sldId="2756"/>
-            <ac:spMk id="2" creationId="{631AADB6-C88A-D817-4683-FC087E4E240F}"/>
-          </ac:spMkLst>
-        </pc:spChg>
-      </pc:sldChg>
-      <pc:sldChg chg="addSp delSp modSp add mod ord">
-        <pc:chgData name="Xin Luo" userId="82312ee5779919a4" providerId="LiveId" clId="{94E43BDB-720C-FE4E-82EC-62DC7FE1B799}" dt="2023-02-26T14:43:44.225" v="4913" actId="20578"/>
-        <pc:sldMkLst>
-          <pc:docMk/>
-          <pc:sldMk cId="1157508697" sldId="2757"/>
-        </pc:sldMkLst>
-        <pc:spChg chg="add del mod">
-          <ac:chgData name="Xin Luo" userId="82312ee5779919a4" providerId="LiveId" clId="{94E43BDB-720C-FE4E-82EC-62DC7FE1B799}" dt="2023-02-25T11:40:58.762" v="2259" actId="478"/>
-          <ac:spMkLst>
-            <pc:docMk/>
-            <pc:sldMk cId="1157508697" sldId="2757"/>
-            <ac:spMk id="4" creationId="{E6E19FF7-964C-AC20-F231-C470D13016F8}"/>
-          </ac:spMkLst>
-        </pc:spChg>
-        <pc:spChg chg="mod">
-          <ac:chgData name="Xin Luo" userId="82312ee5779919a4" providerId="LiveId" clId="{94E43BDB-720C-FE4E-82EC-62DC7FE1B799}" dt="2023-02-25T12:46:45.761" v="2652" actId="20577"/>
-          <ac:spMkLst>
-            <pc:docMk/>
-            <pc:sldMk cId="1157508697" sldId="2757"/>
-            <ac:spMk id="5" creationId="{78502774-B04C-634F-1396-E5815996BC36}"/>
-          </ac:spMkLst>
-        </pc:spChg>
-        <pc:spChg chg="add del mod">
-          <ac:chgData name="Xin Luo" userId="82312ee5779919a4" providerId="LiveId" clId="{94E43BDB-720C-FE4E-82EC-62DC7FE1B799}" dt="2023-02-25T11:40:58.762" v="2259" actId="478"/>
-          <ac:spMkLst>
-            <pc:docMk/>
-            <pc:sldMk cId="1157508697" sldId="2757"/>
-            <ac:spMk id="7" creationId="{FF6A9C21-82F7-8514-247B-B4F11828C95F}"/>
-          </ac:spMkLst>
-        </pc:spChg>
-        <pc:spChg chg="add del mod">
-          <ac:chgData name="Xin Luo" userId="82312ee5779919a4" providerId="LiveId" clId="{94E43BDB-720C-FE4E-82EC-62DC7FE1B799}" dt="2023-02-25T11:40:58.762" v="2259" actId="478"/>
-          <ac:spMkLst>
-            <pc:docMk/>
-            <pc:sldMk cId="1157508697" sldId="2757"/>
-            <ac:spMk id="8" creationId="{A17ECF76-7E26-1ACE-4B43-22E86158F2A1}"/>
-          </ac:spMkLst>
-        </pc:spChg>
-        <pc:spChg chg="add del mod">
-          <ac:chgData name="Xin Luo" userId="82312ee5779919a4" providerId="LiveId" clId="{94E43BDB-720C-FE4E-82EC-62DC7FE1B799}" dt="2023-02-25T11:40:58.762" v="2259" actId="478"/>
-          <ac:spMkLst>
-            <pc:docMk/>
-            <pc:sldMk cId="1157508697" sldId="2757"/>
-            <ac:spMk id="9" creationId="{5804DA9F-1EDE-D487-929D-7380DA911896}"/>
-          </ac:spMkLst>
-        </pc:spChg>
-        <pc:spChg chg="add del mod">
-          <ac:chgData name="Xin Luo" userId="82312ee5779919a4" providerId="LiveId" clId="{94E43BDB-720C-FE4E-82EC-62DC7FE1B799}" dt="2023-02-25T11:40:58.762" v="2259" actId="478"/>
-          <ac:spMkLst>
-            <pc:docMk/>
-            <pc:sldMk cId="1157508697" sldId="2757"/>
-            <ac:spMk id="10" creationId="{E0BA14F3-333B-5953-203B-420304A80077}"/>
-          </ac:spMkLst>
-        </pc:spChg>
-        <pc:spChg chg="add del mod">
-          <ac:chgData name="Xin Luo" userId="82312ee5779919a4" providerId="LiveId" clId="{94E43BDB-720C-FE4E-82EC-62DC7FE1B799}" dt="2023-02-25T11:40:58.762" v="2259" actId="478"/>
-          <ac:spMkLst>
-            <pc:docMk/>
-            <pc:sldMk cId="1157508697" sldId="2757"/>
-            <ac:spMk id="11" creationId="{549752CE-6C25-8C15-891C-7F41D618D12E}"/>
-          </ac:spMkLst>
-        </pc:spChg>
-        <pc:grpChg chg="del">
-          <ac:chgData name="Xin Luo" userId="82312ee5779919a4" providerId="LiveId" clId="{94E43BDB-720C-FE4E-82EC-62DC7FE1B799}" dt="2023-02-25T09:49:28.342" v="2069" actId="478"/>
-          <ac:grpSpMkLst>
-            <pc:docMk/>
-            <pc:sldMk cId="1157508697" sldId="2757"/>
-            <ac:grpSpMk id="17" creationId="{DEBBA376-338B-77A1-B823-6E3F8EA644A9}"/>
-          </ac:grpSpMkLst>
-        </pc:grpChg>
-        <pc:grpChg chg="add mod">
-          <ac:chgData name="Xin Luo" userId="82312ee5779919a4" providerId="LiveId" clId="{94E43BDB-720C-FE4E-82EC-62DC7FE1B799}" dt="2023-02-25T13:23:34.294" v="2941" actId="1035"/>
-          <ac:grpSpMkLst>
-            <pc:docMk/>
-            <pc:sldMk cId="1157508697" sldId="2757"/>
-            <ac:grpSpMk id="22" creationId="{BA4C2415-490B-F3C5-D5E8-A263DD477CBB}"/>
-          </ac:grpSpMkLst>
-        </pc:grpChg>
-        <pc:picChg chg="del">
-          <ac:chgData name="Xin Luo" userId="82312ee5779919a4" providerId="LiveId" clId="{94E43BDB-720C-FE4E-82EC-62DC7FE1B799}" dt="2023-02-25T09:49:27.369" v="2068" actId="478"/>
-          <ac:picMkLst>
-            <pc:docMk/>
-            <pc:sldMk cId="1157508697" sldId="2757"/>
-            <ac:picMk id="6" creationId="{B7028E15-ACC2-1C34-CBCC-DF1802A2573F}"/>
-          </ac:picMkLst>
-        </pc:picChg>
-        <pc:picChg chg="add mod">
-          <ac:chgData name="Xin Luo" userId="82312ee5779919a4" providerId="LiveId" clId="{94E43BDB-720C-FE4E-82EC-62DC7FE1B799}" dt="2023-02-25T13:23:36.969" v="2950" actId="1038"/>
-          <ac:picMkLst>
-            <pc:docMk/>
-            <pc:sldMk cId="1157508697" sldId="2757"/>
-            <ac:picMk id="13" creationId="{F0BBAA1F-56C6-D7A7-0627-A15F8B192488}"/>
-          </ac:picMkLst>
-        </pc:picChg>
-        <pc:picChg chg="add mod">
-          <ac:chgData name="Xin Luo" userId="82312ee5779919a4" providerId="LiveId" clId="{94E43BDB-720C-FE4E-82EC-62DC7FE1B799}" dt="2023-02-25T11:41:13.700" v="2271" actId="164"/>
-          <ac:picMkLst>
-            <pc:docMk/>
-            <pc:sldMk cId="1157508697" sldId="2757"/>
-            <ac:picMk id="19" creationId="{7C2B1373-2928-39A6-4B44-DA379040F193}"/>
-          </ac:picMkLst>
-        </pc:picChg>
-        <pc:picChg chg="add mod">
-          <ac:chgData name="Xin Luo" userId="82312ee5779919a4" providerId="LiveId" clId="{94E43BDB-720C-FE4E-82EC-62DC7FE1B799}" dt="2023-02-25T13:23:42.156" v="2962" actId="1038"/>
-          <ac:picMkLst>
-            <pc:docMk/>
-            <pc:sldMk cId="1157508697" sldId="2757"/>
-            <ac:picMk id="21" creationId="{23B871CC-01AE-14C3-A9C0-7C4929687223}"/>
-          </ac:picMkLst>
-        </pc:picChg>
-        <pc:picChg chg="add del mod">
-          <ac:chgData name="Xin Luo" userId="82312ee5779919a4" providerId="LiveId" clId="{94E43BDB-720C-FE4E-82EC-62DC7FE1B799}" dt="2023-02-25T11:40:56.750" v="2258" actId="478"/>
-          <ac:picMkLst>
-            <pc:docMk/>
-            <pc:sldMk cId="1157508697" sldId="2757"/>
-            <ac:picMk id="1026" creationId="{00D412F6-E9C5-6D7E-F486-B0F084726009}"/>
-          </ac:picMkLst>
-        </pc:picChg>
-      </pc:sldChg>
-      <pc:sldChg chg="delSp modSp add del mod">
-        <pc:chgData name="Xin Luo" userId="82312ee5779919a4" providerId="LiveId" clId="{94E43BDB-720C-FE4E-82EC-62DC7FE1B799}" dt="2023-02-25T11:40:46.090" v="2257" actId="2696"/>
-        <pc:sldMkLst>
-          <pc:docMk/>
-          <pc:sldMk cId="3280031918" sldId="2758"/>
-        </pc:sldMkLst>
-        <pc:spChg chg="mod">
-          <ac:chgData name="Xin Luo" userId="82312ee5779919a4" providerId="LiveId" clId="{94E43BDB-720C-FE4E-82EC-62DC7FE1B799}" dt="2023-02-25T11:38:52.484" v="2243" actId="1038"/>
-          <ac:spMkLst>
-            <pc:docMk/>
-            <pc:sldMk cId="3280031918" sldId="2758"/>
-            <ac:spMk id="4" creationId="{E6E19FF7-964C-AC20-F231-C470D13016F8}"/>
-          </ac:spMkLst>
-        </pc:spChg>
-        <pc:spChg chg="del">
-          <ac:chgData name="Xin Luo" userId="82312ee5779919a4" providerId="LiveId" clId="{94E43BDB-720C-FE4E-82EC-62DC7FE1B799}" dt="2023-02-25T11:38:42.165" v="2235" actId="478"/>
-          <ac:spMkLst>
-            <pc:docMk/>
-            <pc:sldMk cId="3280031918" sldId="2758"/>
-            <ac:spMk id="5" creationId="{78502774-B04C-634F-1396-E5815996BC36}"/>
-          </ac:spMkLst>
-        </pc:spChg>
-        <pc:spChg chg="mod">
-          <ac:chgData name="Xin Luo" userId="82312ee5779919a4" providerId="LiveId" clId="{94E43BDB-720C-FE4E-82EC-62DC7FE1B799}" dt="2023-02-25T11:38:52.484" v="2243" actId="1038"/>
-          <ac:spMkLst>
-            <pc:docMk/>
-            <pc:sldMk cId="3280031918" sldId="2758"/>
-            <ac:spMk id="7" creationId="{FF6A9C21-82F7-8514-247B-B4F11828C95F}"/>
-          </ac:spMkLst>
-        </pc:spChg>
-        <pc:spChg chg="mod">
-          <ac:chgData name="Xin Luo" userId="82312ee5779919a4" providerId="LiveId" clId="{94E43BDB-720C-FE4E-82EC-62DC7FE1B799}" dt="2023-02-25T11:39:39.978" v="2255" actId="14100"/>
-          <ac:spMkLst>
-            <pc:docMk/>
-            <pc:sldMk cId="3280031918" sldId="2758"/>
-            <ac:spMk id="8" creationId="{A17ECF76-7E26-1ACE-4B43-22E86158F2A1}"/>
-          </ac:spMkLst>
-        </pc:spChg>
-        <pc:spChg chg="mod">
-          <ac:chgData name="Xin Luo" userId="82312ee5779919a4" providerId="LiveId" clId="{94E43BDB-720C-FE4E-82EC-62DC7FE1B799}" dt="2023-02-25T11:39:47.596" v="2256" actId="14100"/>
-          <ac:spMkLst>
-            <pc:docMk/>
-            <pc:sldMk cId="3280031918" sldId="2758"/>
-            <ac:spMk id="9" creationId="{5804DA9F-1EDE-D487-929D-7380DA911896}"/>
-          </ac:spMkLst>
-        </pc:spChg>
-        <pc:spChg chg="mod">
-          <ac:chgData name="Xin Luo" userId="82312ee5779919a4" providerId="LiveId" clId="{94E43BDB-720C-FE4E-82EC-62DC7FE1B799}" dt="2023-02-25T11:39:22.131" v="2253" actId="14100"/>
-          <ac:spMkLst>
-            <pc:docMk/>
-            <pc:sldMk cId="3280031918" sldId="2758"/>
-            <ac:spMk id="10" creationId="{E0BA14F3-333B-5953-203B-420304A80077}"/>
-          </ac:spMkLst>
-        </pc:spChg>
-        <pc:spChg chg="mod">
-          <ac:chgData name="Xin Luo" userId="82312ee5779919a4" providerId="LiveId" clId="{94E43BDB-720C-FE4E-82EC-62DC7FE1B799}" dt="2023-02-25T11:39:39.978" v="2255" actId="14100"/>
-          <ac:spMkLst>
-            <pc:docMk/>
-            <pc:sldMk cId="3280031918" sldId="2758"/>
-            <ac:spMk id="11" creationId="{549752CE-6C25-8C15-891C-7F41D618D12E}"/>
-          </ac:spMkLst>
-        </pc:spChg>
-        <pc:picChg chg="mod">
-          <ac:chgData name="Xin Luo" userId="82312ee5779919a4" providerId="LiveId" clId="{94E43BDB-720C-FE4E-82EC-62DC7FE1B799}" dt="2023-02-25T11:39:33.992" v="2254" actId="14100"/>
-          <ac:picMkLst>
-            <pc:docMk/>
-            <pc:sldMk cId="3280031918" sldId="2758"/>
-            <ac:picMk id="1026" creationId="{00D412F6-E9C5-6D7E-F486-B0F084726009}"/>
-          </ac:picMkLst>
-        </pc:picChg>
-      </pc:sldChg>
-      <pc:sldChg chg="addSp delSp modSp add mod ord">
-        <pc:chgData name="Xin Luo" userId="82312ee5779919a4" providerId="LiveId" clId="{94E43BDB-720C-FE4E-82EC-62DC7FE1B799}" dt="2023-02-26T14:43:25.940" v="4910" actId="20578"/>
-        <pc:sldMkLst>
-          <pc:docMk/>
-          <pc:sldMk cId="4211155851" sldId="2758"/>
-        </pc:sldMkLst>
-        <pc:spChg chg="mod">
-          <ac:chgData name="Xin Luo" userId="82312ee5779919a4" providerId="LiveId" clId="{94E43BDB-720C-FE4E-82EC-62DC7FE1B799}" dt="2023-02-25T12:04:55.119" v="2332" actId="115"/>
-          <ac:spMkLst>
-            <pc:docMk/>
-            <pc:sldMk cId="4211155851" sldId="2758"/>
-            <ac:spMk id="2" creationId="{631AADB6-C88A-D817-4683-FC087E4E240F}"/>
-          </ac:spMkLst>
-        </pc:spChg>
-        <pc:spChg chg="del">
-          <ac:chgData name="Xin Luo" userId="82312ee5779919a4" providerId="LiveId" clId="{94E43BDB-720C-FE4E-82EC-62DC7FE1B799}" dt="2023-02-25T11:52:53.524" v="2285" actId="478"/>
-          <ac:spMkLst>
-            <pc:docMk/>
-            <pc:sldMk cId="4211155851" sldId="2758"/>
-            <ac:spMk id="5" creationId="{78502774-B04C-634F-1396-E5815996BC36}"/>
-          </ac:spMkLst>
-        </pc:spChg>
-        <pc:spChg chg="add mod">
-          <ac:chgData name="Xin Luo" userId="82312ee5779919a4" providerId="LiveId" clId="{94E43BDB-720C-FE4E-82EC-62DC7FE1B799}" dt="2023-02-25T13:23:56.031" v="2969" actId="1035"/>
-          <ac:spMkLst>
-            <pc:docMk/>
-            <pc:sldMk cId="4211155851" sldId="2758"/>
-            <ac:spMk id="6" creationId="{DA984439-1B23-1931-1979-ECF8DE9D6DCA}"/>
-          </ac:spMkLst>
-        </pc:spChg>
-        <pc:spChg chg="add mod">
-          <ac:chgData name="Xin Luo" userId="82312ee5779919a4" providerId="LiveId" clId="{94E43BDB-720C-FE4E-82EC-62DC7FE1B799}" dt="2023-02-25T13:23:51.280" v="2964"/>
-          <ac:spMkLst>
-            <pc:docMk/>
-            <pc:sldMk cId="4211155851" sldId="2758"/>
-            <ac:spMk id="7" creationId="{E179D382-9C94-C796-FB1B-3281561CA174}"/>
-          </ac:spMkLst>
-        </pc:spChg>
-      </pc:sldChg>
-      <pc:sldChg chg="add del">
-        <pc:chgData name="Xin Luo" userId="82312ee5779919a4" providerId="LiveId" clId="{94E43BDB-720C-FE4E-82EC-62DC7FE1B799}" dt="2023-02-25T13:17:31.086" v="2923" actId="2696"/>
-        <pc:sldMkLst>
-          <pc:docMk/>
-          <pc:sldMk cId="2142922385" sldId="2759"/>
-        </pc:sldMkLst>
-      </pc:sldChg>
-      <pc:sldChg chg="addSp delSp modSp add mod">
-        <pc:chgData name="Xin Luo" userId="82312ee5779919a4" providerId="LiveId" clId="{94E43BDB-720C-FE4E-82EC-62DC7FE1B799}" dt="2023-02-25T15:45:56.152" v="4310" actId="22"/>
-        <pc:sldMkLst>
-          <pc:docMk/>
-          <pc:sldMk cId="3818021166" sldId="2760"/>
-        </pc:sldMkLst>
-        <pc:spChg chg="mod">
-          <ac:chgData name="Xin Luo" userId="82312ee5779919a4" providerId="LiveId" clId="{94E43BDB-720C-FE4E-82EC-62DC7FE1B799}" dt="2023-02-25T12:28:01.681" v="2534" actId="115"/>
-          <ac:spMkLst>
-            <pc:docMk/>
-            <pc:sldMk cId="3818021166" sldId="2760"/>
-            <ac:spMk id="2" creationId="{631AADB6-C88A-D817-4683-FC087E4E240F}"/>
-          </ac:spMkLst>
-        </pc:spChg>
-        <pc:spChg chg="add mod">
-          <ac:chgData name="Xin Luo" userId="82312ee5779919a4" providerId="LiveId" clId="{94E43BDB-720C-FE4E-82EC-62DC7FE1B799}" dt="2023-02-25T13:23:48.161" v="2963"/>
-          <ac:spMkLst>
-            <pc:docMk/>
-            <pc:sldMk cId="3818021166" sldId="2760"/>
-            <ac:spMk id="4" creationId="{EC86E6A6-A798-D8AF-89B3-B9EF17A7734A}"/>
-          </ac:spMkLst>
-        </pc:spChg>
-        <pc:spChg chg="mod">
-          <ac:chgData name="Xin Luo" userId="82312ee5779919a4" providerId="LiveId" clId="{94E43BDB-720C-FE4E-82EC-62DC7FE1B799}" dt="2023-02-25T15:20:51.555" v="3439" actId="20578"/>
-          <ac:spMkLst>
-            <pc:docMk/>
-            <pc:sldMk cId="3818021166" sldId="2760"/>
-            <ac:spMk id="6" creationId="{DA984439-1B23-1931-1979-ECF8DE9D6DCA}"/>
-          </ac:spMkLst>
-        </pc:spChg>
-        <pc:spChg chg="add del">
-          <ac:chgData name="Xin Luo" userId="82312ee5779919a4" providerId="LiveId" clId="{94E43BDB-720C-FE4E-82EC-62DC7FE1B799}" dt="2023-02-25T15:45:56.152" v="4310" actId="22"/>
-          <ac:spMkLst>
-            <pc:docMk/>
-            <pc:sldMk cId="3818021166" sldId="2760"/>
-            <ac:spMk id="7" creationId="{F078E749-A451-3712-89A0-BE837B250880}"/>
-          </ac:spMkLst>
-        </pc:spChg>
-      </pc:sldChg>
-      <pc:sldChg chg="addSp modSp add mod">
-        <pc:chgData name="Xin Luo" userId="82312ee5779919a4" providerId="LiveId" clId="{94E43BDB-720C-FE4E-82EC-62DC7FE1B799}" dt="2023-02-25T15:36:58.183" v="3766"/>
-        <pc:sldMkLst>
-          <pc:docMk/>
-          <pc:sldMk cId="97719364" sldId="2761"/>
-        </pc:sldMkLst>
-        <pc:spChg chg="mod">
-          <ac:chgData name="Xin Luo" userId="82312ee5779919a4" providerId="LiveId" clId="{94E43BDB-720C-FE4E-82EC-62DC7FE1B799}" dt="2023-02-25T15:36:49.462" v="3765" actId="20577"/>
-          <ac:spMkLst>
-            <pc:docMk/>
-            <pc:sldMk cId="97719364" sldId="2761"/>
-            <ac:spMk id="2" creationId="{631AADB6-C88A-D817-4683-FC087E4E240F}"/>
-          </ac:spMkLst>
-        </pc:spChg>
-        <pc:spChg chg="add mod">
-          <ac:chgData name="Xin Luo" userId="82312ee5779919a4" providerId="LiveId" clId="{94E43BDB-720C-FE4E-82EC-62DC7FE1B799}" dt="2023-02-25T15:36:58.183" v="3766"/>
-          <ac:spMkLst>
-            <pc:docMk/>
-            <pc:sldMk cId="97719364" sldId="2761"/>
-            <ac:spMk id="4" creationId="{380B30E4-DF4C-71C4-4CC6-6F194AD696E4}"/>
-          </ac:spMkLst>
-        </pc:spChg>
-      </pc:sldChg>
-      <pc:sldChg chg="addSp modSp add mod">
-        <pc:chgData name="Xin Luo" userId="82312ee5779919a4" providerId="LiveId" clId="{94E43BDB-720C-FE4E-82EC-62DC7FE1B799}" dt="2023-02-26T13:30:20.863" v="4843"/>
-        <pc:sldMkLst>
-          <pc:docMk/>
-          <pc:sldMk cId="2861954436" sldId="2762"/>
-        </pc:sldMkLst>
-        <pc:spChg chg="mod">
-          <ac:chgData name="Xin Luo" userId="82312ee5779919a4" providerId="LiveId" clId="{94E43BDB-720C-FE4E-82EC-62DC7FE1B799}" dt="2023-02-26T13:10:59.443" v="4842" actId="115"/>
-          <ac:spMkLst>
-            <pc:docMk/>
-            <pc:sldMk cId="2861954436" sldId="2762"/>
-            <ac:spMk id="2" creationId="{631AADB6-C88A-D817-4683-FC087E4E240F}"/>
-          </ac:spMkLst>
-        </pc:spChg>
-        <pc:spChg chg="add mod">
-          <ac:chgData name="Xin Luo" userId="82312ee5779919a4" providerId="LiveId" clId="{94E43BDB-720C-FE4E-82EC-62DC7FE1B799}" dt="2023-02-26T13:30:20.863" v="4843"/>
-          <ac:spMkLst>
-            <pc:docMk/>
-            <pc:sldMk cId="2861954436" sldId="2762"/>
-            <ac:spMk id="4" creationId="{F50B4F03-6223-A391-28BB-26A56BD99911}"/>
-          </ac:spMkLst>
-        </pc:spChg>
-      </pc:sldChg>
-      <pc:sldChg chg="add del">
-        <pc:chgData name="Xin Luo" userId="82312ee5779919a4" providerId="LiveId" clId="{94E43BDB-720C-FE4E-82EC-62DC7FE1B799}" dt="2023-02-25T15:38:29.173" v="3768" actId="2696"/>
-        <pc:sldMkLst>
-          <pc:docMk/>
-          <pc:sldMk cId="3051413259" sldId="2763"/>
-        </pc:sldMkLst>
-      </pc:sldChg>
-      <pc:sldChg chg="add del">
-        <pc:chgData name="Xin Luo" userId="82312ee5779919a4" providerId="LiveId" clId="{94E43BDB-720C-FE4E-82EC-62DC7FE1B799}" dt="2023-02-25T15:38:37.442" v="3770"/>
-        <pc:sldMkLst>
-          <pc:docMk/>
-          <pc:sldMk cId="3367204121" sldId="2763"/>
-        </pc:sldMkLst>
-      </pc:sldChg>
-      <pc:sldChg chg="modSp add mod">
-        <pc:chgData name="Xin Luo" userId="82312ee5779919a4" providerId="LiveId" clId="{94E43BDB-720C-FE4E-82EC-62DC7FE1B799}" dt="2023-02-26T14:47:30.207" v="5084" actId="20577"/>
-        <pc:sldMkLst>
-          <pc:docMk/>
-          <pc:sldMk cId="3373327641" sldId="2763"/>
-        </pc:sldMkLst>
-        <pc:spChg chg="mod">
-          <ac:chgData name="Xin Luo" userId="82312ee5779919a4" providerId="LiveId" clId="{94E43BDB-720C-FE4E-82EC-62DC7FE1B799}" dt="2023-02-25T15:38:54.702" v="3813" actId="20577"/>
-          <ac:spMkLst>
-            <pc:docMk/>
-            <pc:sldMk cId="3373327641" sldId="2763"/>
-            <ac:spMk id="11" creationId="{53A7E693-8098-76C4-CD5D-47166ABEB164}"/>
-          </ac:spMkLst>
-        </pc:spChg>
-        <pc:spChg chg="mod">
-          <ac:chgData name="Xin Luo" userId="82312ee5779919a4" providerId="LiveId" clId="{94E43BDB-720C-FE4E-82EC-62DC7FE1B799}" dt="2023-02-26T14:47:30.207" v="5084" actId="20577"/>
-          <ac:spMkLst>
-            <pc:docMk/>
-            <pc:sldMk cId="3373327641" sldId="2763"/>
-            <ac:spMk id="13" creationId="{303BC878-BC57-D350-27A3-F03AE48213AC}"/>
-          </ac:spMkLst>
-        </pc:spChg>
-      </pc:sldChg>
-      <pc:sldChg chg="modSp add mod ord">
-        <pc:chgData name="Xin Luo" userId="82312ee5779919a4" providerId="LiveId" clId="{94E43BDB-720C-FE4E-82EC-62DC7FE1B799}" dt="2023-02-26T14:43:36.756" v="4912" actId="20578"/>
-        <pc:sldMkLst>
-          <pc:docMk/>
-          <pc:sldMk cId="2047512068" sldId="2764"/>
-        </pc:sldMkLst>
-        <pc:spChg chg="mod">
-          <ac:chgData name="Xin Luo" userId="82312ee5779919a4" providerId="LiveId" clId="{94E43BDB-720C-FE4E-82EC-62DC7FE1B799}" dt="2023-02-25T15:46:11.254" v="4314" actId="20577"/>
-          <ac:spMkLst>
-            <pc:docMk/>
-            <pc:sldMk cId="2047512068" sldId="2764"/>
-            <ac:spMk id="5" creationId="{78502774-B04C-634F-1396-E5815996BC36}"/>
-          </ac:spMkLst>
-        </pc:spChg>
-      </pc:sldChg>
-      <pc:sldChg chg="modSp add mod">
-        <pc:chgData name="Xin Luo" userId="82312ee5779919a4" providerId="LiveId" clId="{94E43BDB-720C-FE4E-82EC-62DC7FE1B799}" dt="2023-02-25T16:04:52.290" v="4819" actId="108"/>
-        <pc:sldMkLst>
-          <pc:docMk/>
-          <pc:sldMk cId="70654754" sldId="2765"/>
-        </pc:sldMkLst>
-        <pc:spChg chg="mod">
-          <ac:chgData name="Xin Luo" userId="82312ee5779919a4" providerId="LiveId" clId="{94E43BDB-720C-FE4E-82EC-62DC7FE1B799}" dt="2023-02-25T16:04:52.290" v="4819" actId="108"/>
-          <ac:spMkLst>
-            <pc:docMk/>
-            <pc:sldMk cId="70654754" sldId="2765"/>
-            <ac:spMk id="5" creationId="{78502774-B04C-634F-1396-E5815996BC36}"/>
-          </ac:spMkLst>
-        </pc:spChg>
-      </pc:sldChg>
-      <pc:sldChg chg="add">
-        <pc:chgData name="Xin Luo" userId="82312ee5779919a4" providerId="LiveId" clId="{94E43BDB-720C-FE4E-82EC-62DC7FE1B799}" dt="2023-02-26T14:43:54.644" v="4914"/>
-        <pc:sldMkLst>
-          <pc:docMk/>
-          <pc:sldMk cId="1482309087" sldId="2766"/>
-        </pc:sldMkLst>
       </pc:sldChg>
     </pc:docChg>
   </pc:docChgLst>
@@ -6090,350 +6434,6 @@
             <pc:docMk/>
             <pc:sldMk cId="2476237792" sldId="2741"/>
             <ac:spMk id="6" creationId="{6741FEA2-C046-FD82-2800-2CB513792080}"/>
-          </ac:spMkLst>
-        </pc:spChg>
-      </pc:sldChg>
-    </pc:docChg>
-  </pc:docChgLst>
-  <pc:docChgLst>
-    <pc:chgData name="Xin Luo" userId="82312ee5779919a4" providerId="LiveId" clId="{23920C8D-EBCE-A347-9C82-C14316D20539}"/>
-    <pc:docChg chg="undo custSel addSld modSld">
-      <pc:chgData name="Xin Luo" userId="82312ee5779919a4" providerId="LiveId" clId="{23920C8D-EBCE-A347-9C82-C14316D20539}" dt="2022-10-26T12:19:06.428" v="501" actId="767"/>
-      <pc:docMkLst>
-        <pc:docMk/>
-      </pc:docMkLst>
-      <pc:sldChg chg="modSp mod">
-        <pc:chgData name="Xin Luo" userId="82312ee5779919a4" providerId="LiveId" clId="{23920C8D-EBCE-A347-9C82-C14316D20539}" dt="2022-10-10T01:06:29.261" v="368" actId="404"/>
-        <pc:sldMkLst>
-          <pc:docMk/>
-          <pc:sldMk cId="1576120367" sldId="2387"/>
-        </pc:sldMkLst>
-        <pc:spChg chg="mod">
-          <ac:chgData name="Xin Luo" userId="82312ee5779919a4" providerId="LiveId" clId="{23920C8D-EBCE-A347-9C82-C14316D20539}" dt="2022-10-10T01:06:29.261" v="368" actId="404"/>
-          <ac:spMkLst>
-            <pc:docMk/>
-            <pc:sldMk cId="1576120367" sldId="2387"/>
-            <ac:spMk id="10" creationId="{00000000-0000-0000-0000-000000000000}"/>
-          </ac:spMkLst>
-        </pc:spChg>
-        <pc:spChg chg="mod">
-          <ac:chgData name="Xin Luo" userId="82312ee5779919a4" providerId="LiveId" clId="{23920C8D-EBCE-A347-9C82-C14316D20539}" dt="2022-10-10T01:06:13.262" v="366" actId="403"/>
-          <ac:spMkLst>
-            <pc:docMk/>
-            <pc:sldMk cId="1576120367" sldId="2387"/>
-            <ac:spMk id="12" creationId="{00000000-0000-0000-0000-000000000000}"/>
-          </ac:spMkLst>
-        </pc:spChg>
-        <pc:spChg chg="mod">
-          <ac:chgData name="Xin Luo" userId="82312ee5779919a4" providerId="LiveId" clId="{23920C8D-EBCE-A347-9C82-C14316D20539}" dt="2022-10-10T01:06:29.261" v="368" actId="404"/>
-          <ac:spMkLst>
-            <pc:docMk/>
-            <pc:sldMk cId="1576120367" sldId="2387"/>
-            <ac:spMk id="13" creationId="{00000000-0000-0000-0000-000000000000}"/>
-          </ac:spMkLst>
-        </pc:spChg>
-        <pc:spChg chg="mod">
-          <ac:chgData name="Xin Luo" userId="82312ee5779919a4" providerId="LiveId" clId="{23920C8D-EBCE-A347-9C82-C14316D20539}" dt="2022-10-10T01:06:13.262" v="366" actId="403"/>
-          <ac:spMkLst>
-            <pc:docMk/>
-            <pc:sldMk cId="1576120367" sldId="2387"/>
-            <ac:spMk id="14" creationId="{00000000-0000-0000-0000-000000000000}"/>
-          </ac:spMkLst>
-        </pc:spChg>
-        <pc:spChg chg="mod">
-          <ac:chgData name="Xin Luo" userId="82312ee5779919a4" providerId="LiveId" clId="{23920C8D-EBCE-A347-9C82-C14316D20539}" dt="2022-10-10T01:06:29.261" v="368" actId="404"/>
-          <ac:spMkLst>
-            <pc:docMk/>
-            <pc:sldMk cId="1576120367" sldId="2387"/>
-            <ac:spMk id="15" creationId="{00000000-0000-0000-0000-000000000000}"/>
-          </ac:spMkLst>
-        </pc:spChg>
-        <pc:spChg chg="mod">
-          <ac:chgData name="Xin Luo" userId="82312ee5779919a4" providerId="LiveId" clId="{23920C8D-EBCE-A347-9C82-C14316D20539}" dt="2022-10-10T01:06:19.369" v="367" actId="14100"/>
-          <ac:spMkLst>
-            <pc:docMk/>
-            <pc:sldMk cId="1576120367" sldId="2387"/>
-            <ac:spMk id="16" creationId="{00000000-0000-0000-0000-000000000000}"/>
-          </ac:spMkLst>
-        </pc:spChg>
-      </pc:sldChg>
-      <pc:sldChg chg="modSp mod">
-        <pc:chgData name="Xin Luo" userId="82312ee5779919a4" providerId="LiveId" clId="{23920C8D-EBCE-A347-9C82-C14316D20539}" dt="2022-10-10T01:06:39.449" v="369" actId="403"/>
-        <pc:sldMkLst>
-          <pc:docMk/>
-          <pc:sldMk cId="2415901206" sldId="2447"/>
-        </pc:sldMkLst>
-        <pc:spChg chg="mod">
-          <ac:chgData name="Xin Luo" userId="82312ee5779919a4" providerId="LiveId" clId="{23920C8D-EBCE-A347-9C82-C14316D20539}" dt="2022-10-10T01:06:39.449" v="369" actId="403"/>
-          <ac:spMkLst>
-            <pc:docMk/>
-            <pc:sldMk cId="2415901206" sldId="2447"/>
-            <ac:spMk id="7" creationId="{00000000-0000-0000-0000-000000000000}"/>
-          </ac:spMkLst>
-        </pc:spChg>
-      </pc:sldChg>
-      <pc:sldChg chg="addSp delSp modSp mod">
-        <pc:chgData name="Xin Luo" userId="82312ee5779919a4" providerId="LiveId" clId="{23920C8D-EBCE-A347-9C82-C14316D20539}" dt="2022-10-26T11:18:20.490" v="500"/>
-        <pc:sldMkLst>
-          <pc:docMk/>
-          <pc:sldMk cId="2689840772" sldId="2604"/>
-        </pc:sldMkLst>
-        <pc:spChg chg="mod">
-          <ac:chgData name="Xin Luo" userId="82312ee5779919a4" providerId="LiveId" clId="{23920C8D-EBCE-A347-9C82-C14316D20539}" dt="2022-10-26T11:18:14.630" v="497" actId="1038"/>
-          <ac:spMkLst>
-            <pc:docMk/>
-            <pc:sldMk cId="2689840772" sldId="2604"/>
-            <ac:spMk id="2" creationId="{DB381E7B-A050-4BE4-6756-9B64308C74D7}"/>
-          </ac:spMkLst>
-        </pc:spChg>
-        <pc:spChg chg="del mod">
-          <ac:chgData name="Xin Luo" userId="82312ee5779919a4" providerId="LiveId" clId="{23920C8D-EBCE-A347-9C82-C14316D20539}" dt="2022-10-10T00:58:26.498" v="9" actId="478"/>
-          <ac:spMkLst>
-            <pc:docMk/>
-            <pc:sldMk cId="2689840772" sldId="2604"/>
-            <ac:spMk id="3" creationId="{00000000-0000-0000-0000-000000000000}"/>
-          </ac:spMkLst>
-        </pc:spChg>
-        <pc:spChg chg="add del mod">
-          <ac:chgData name="Xin Luo" userId="82312ee5779919a4" providerId="LiveId" clId="{23920C8D-EBCE-A347-9C82-C14316D20539}" dt="2022-10-26T11:18:20.490" v="500"/>
-          <ac:spMkLst>
-            <pc:docMk/>
-            <pc:sldMk cId="2689840772" sldId="2604"/>
-            <ac:spMk id="3" creationId="{0AC6D251-AEF6-35BE-71D5-DE25EAD72977}"/>
-          </ac:spMkLst>
-        </pc:spChg>
-        <pc:spChg chg="add mod">
-          <ac:chgData name="Xin Luo" userId="82312ee5779919a4" providerId="LiveId" clId="{23920C8D-EBCE-A347-9C82-C14316D20539}" dt="2022-10-10T01:03:50.909" v="356" actId="20577"/>
-          <ac:spMkLst>
-            <pc:docMk/>
-            <pc:sldMk cId="2689840772" sldId="2604"/>
-            <ac:spMk id="4" creationId="{5B949F23-92C2-3ACE-AE9A-58F8C8D7AB52}"/>
-          </ac:spMkLst>
-        </pc:spChg>
-      </pc:sldChg>
-      <pc:sldChg chg="modSp mod">
-        <pc:chgData name="Xin Luo" userId="82312ee5779919a4" providerId="LiveId" clId="{23920C8D-EBCE-A347-9C82-C14316D20539}" dt="2022-10-25T11:53:23.523" v="402" actId="207"/>
-        <pc:sldMkLst>
-          <pc:docMk/>
-          <pc:sldMk cId="1392274363" sldId="2606"/>
-        </pc:sldMkLst>
-        <pc:spChg chg="mod">
-          <ac:chgData name="Xin Luo" userId="82312ee5779919a4" providerId="LiveId" clId="{23920C8D-EBCE-A347-9C82-C14316D20539}" dt="2022-10-10T01:08:08.448" v="392" actId="20577"/>
-          <ac:spMkLst>
-            <pc:docMk/>
-            <pc:sldMk cId="1392274363" sldId="2606"/>
-            <ac:spMk id="35" creationId="{2CBBD54C-A0C4-CFAB-2A67-F8BF299D28F5}"/>
-          </ac:spMkLst>
-        </pc:spChg>
-        <pc:spChg chg="mod">
-          <ac:chgData name="Xin Luo" userId="82312ee5779919a4" providerId="LiveId" clId="{23920C8D-EBCE-A347-9C82-C14316D20539}" dt="2022-10-25T11:53:23.523" v="402" actId="207"/>
-          <ac:spMkLst>
-            <pc:docMk/>
-            <pc:sldMk cId="1392274363" sldId="2606"/>
-            <ac:spMk id="42" creationId="{E4B07DDE-AB89-2B16-6B7A-2142621DE6F5}"/>
-          </ac:spMkLst>
-        </pc:spChg>
-      </pc:sldChg>
-      <pc:sldChg chg="modSp mod">
-        <pc:chgData name="Xin Luo" userId="82312ee5779919a4" providerId="LiveId" clId="{23920C8D-EBCE-A347-9C82-C14316D20539}" dt="2022-10-25T12:03:26.240" v="414" actId="14100"/>
-        <pc:sldMkLst>
-          <pc:docMk/>
-          <pc:sldMk cId="292605530" sldId="2607"/>
-        </pc:sldMkLst>
-        <pc:spChg chg="mod">
-          <ac:chgData name="Xin Luo" userId="82312ee5779919a4" providerId="LiveId" clId="{23920C8D-EBCE-A347-9C82-C14316D20539}" dt="2022-10-25T12:03:26.240" v="414" actId="14100"/>
-          <ac:spMkLst>
-            <pc:docMk/>
-            <pc:sldMk cId="292605530" sldId="2607"/>
-            <ac:spMk id="18" creationId="{8399C9E7-13B6-1DAF-F5BF-4471E8528C5F}"/>
-          </ac:spMkLst>
-        </pc:spChg>
-      </pc:sldChg>
-      <pc:sldChg chg="modSp mod">
-        <pc:chgData name="Xin Luo" userId="82312ee5779919a4" providerId="LiveId" clId="{23920C8D-EBCE-A347-9C82-C14316D20539}" dt="2022-10-25T12:09:03.730" v="478" actId="1036"/>
-        <pc:sldMkLst>
-          <pc:docMk/>
-          <pc:sldMk cId="2780969545" sldId="2609"/>
-        </pc:sldMkLst>
-        <pc:spChg chg="mod">
-          <ac:chgData name="Xin Luo" userId="82312ee5779919a4" providerId="LiveId" clId="{23920C8D-EBCE-A347-9C82-C14316D20539}" dt="2022-10-25T12:08:56.496" v="469" actId="115"/>
-          <ac:spMkLst>
-            <pc:docMk/>
-            <pc:sldMk cId="2780969545" sldId="2609"/>
-            <ac:spMk id="6" creationId="{2D1A6305-FF43-CF53-224A-B6D4901EAB0F}"/>
-          </ac:spMkLst>
-        </pc:spChg>
-        <pc:spChg chg="mod">
-          <ac:chgData name="Xin Luo" userId="82312ee5779919a4" providerId="LiveId" clId="{23920C8D-EBCE-A347-9C82-C14316D20539}" dt="2022-10-25T12:09:03.730" v="478" actId="1036"/>
-          <ac:spMkLst>
-            <pc:docMk/>
-            <pc:sldMk cId="2780969545" sldId="2609"/>
-            <ac:spMk id="11" creationId="{63EAC848-88D2-7A10-E878-444ADA855E23}"/>
-          </ac:spMkLst>
-        </pc:spChg>
-        <pc:spChg chg="mod">
-          <ac:chgData name="Xin Luo" userId="82312ee5779919a4" providerId="LiveId" clId="{23920C8D-EBCE-A347-9C82-C14316D20539}" dt="2022-10-25T12:09:03.730" v="478" actId="1036"/>
-          <ac:spMkLst>
-            <pc:docMk/>
-            <pc:sldMk cId="2780969545" sldId="2609"/>
-            <ac:spMk id="12" creationId="{BED7A820-9D6E-7E7E-A906-8A9424528316}"/>
-          </ac:spMkLst>
-        </pc:spChg>
-        <pc:spChg chg="mod">
-          <ac:chgData name="Xin Luo" userId="82312ee5779919a4" providerId="LiveId" clId="{23920C8D-EBCE-A347-9C82-C14316D20539}" dt="2022-10-25T12:09:03.730" v="478" actId="1036"/>
-          <ac:spMkLst>
-            <pc:docMk/>
-            <pc:sldMk cId="2780969545" sldId="2609"/>
-            <ac:spMk id="20" creationId="{87EC125B-CB98-6914-1633-6697471A2CB4}"/>
-          </ac:spMkLst>
-        </pc:spChg>
-        <pc:spChg chg="mod">
-          <ac:chgData name="Xin Luo" userId="82312ee5779919a4" providerId="LiveId" clId="{23920C8D-EBCE-A347-9C82-C14316D20539}" dt="2022-10-25T12:09:03.730" v="478" actId="1036"/>
-          <ac:spMkLst>
-            <pc:docMk/>
-            <pc:sldMk cId="2780969545" sldId="2609"/>
-            <ac:spMk id="21" creationId="{0AF67847-7DEF-CDAB-6208-0271BFB4FB06}"/>
-          </ac:spMkLst>
-        </pc:spChg>
-        <pc:spChg chg="mod">
-          <ac:chgData name="Xin Luo" userId="82312ee5779919a4" providerId="LiveId" clId="{23920C8D-EBCE-A347-9C82-C14316D20539}" dt="2022-10-25T12:09:03.730" v="478" actId="1036"/>
-          <ac:spMkLst>
-            <pc:docMk/>
-            <pc:sldMk cId="2780969545" sldId="2609"/>
-            <ac:spMk id="23" creationId="{0011846D-F543-398E-85CB-0AB0A842928A}"/>
-          </ac:spMkLst>
-        </pc:spChg>
-        <pc:spChg chg="mod">
-          <ac:chgData name="Xin Luo" userId="82312ee5779919a4" providerId="LiveId" clId="{23920C8D-EBCE-A347-9C82-C14316D20539}" dt="2022-10-25T12:09:03.730" v="478" actId="1036"/>
-          <ac:spMkLst>
-            <pc:docMk/>
-            <pc:sldMk cId="2780969545" sldId="2609"/>
-            <ac:spMk id="24" creationId="{37B5D87E-7419-7CC0-91CC-8A0807F0F999}"/>
-          </ac:spMkLst>
-        </pc:spChg>
-        <pc:spChg chg="mod">
-          <ac:chgData name="Xin Luo" userId="82312ee5779919a4" providerId="LiveId" clId="{23920C8D-EBCE-A347-9C82-C14316D20539}" dt="2022-10-25T12:09:03.730" v="478" actId="1036"/>
-          <ac:spMkLst>
-            <pc:docMk/>
-            <pc:sldMk cId="2780969545" sldId="2609"/>
-            <ac:spMk id="25" creationId="{4745244D-B431-F067-4A97-7CC4387296FB}"/>
-          </ac:spMkLst>
-        </pc:spChg>
-        <pc:spChg chg="mod">
-          <ac:chgData name="Xin Luo" userId="82312ee5779919a4" providerId="LiveId" clId="{23920C8D-EBCE-A347-9C82-C14316D20539}" dt="2022-10-25T12:09:03.730" v="478" actId="1036"/>
-          <ac:spMkLst>
-            <pc:docMk/>
-            <pc:sldMk cId="2780969545" sldId="2609"/>
-            <ac:spMk id="26" creationId="{FB9C53DE-8D1F-6DF4-8CE3-3A262A9F8737}"/>
-          </ac:spMkLst>
-        </pc:spChg>
-        <pc:picChg chg="mod">
-          <ac:chgData name="Xin Luo" userId="82312ee5779919a4" providerId="LiveId" clId="{23920C8D-EBCE-A347-9C82-C14316D20539}" dt="2022-10-25T12:09:03.730" v="478" actId="1036"/>
-          <ac:picMkLst>
-            <pc:docMk/>
-            <pc:sldMk cId="2780969545" sldId="2609"/>
-            <ac:picMk id="4" creationId="{49B7ACC6-6794-9162-52B2-E80F7E4B0442}"/>
-          </ac:picMkLst>
-        </pc:picChg>
-        <pc:picChg chg="mod">
-          <ac:chgData name="Xin Luo" userId="82312ee5779919a4" providerId="LiveId" clId="{23920C8D-EBCE-A347-9C82-C14316D20539}" dt="2022-10-25T12:09:03.730" v="478" actId="1036"/>
-          <ac:picMkLst>
-            <pc:docMk/>
-            <pc:sldMk cId="2780969545" sldId="2609"/>
-            <ac:picMk id="7" creationId="{42FD45A0-A9EA-D518-41B5-21FA7A24BA60}"/>
-          </ac:picMkLst>
-        </pc:picChg>
-        <pc:picChg chg="mod">
-          <ac:chgData name="Xin Luo" userId="82312ee5779919a4" providerId="LiveId" clId="{23920C8D-EBCE-A347-9C82-C14316D20539}" dt="2022-10-25T12:09:03.730" v="478" actId="1036"/>
-          <ac:picMkLst>
-            <pc:docMk/>
-            <pc:sldMk cId="2780969545" sldId="2609"/>
-            <ac:picMk id="10" creationId="{C2B12388-3179-41F8-2462-0C9BA14093FF}"/>
-          </ac:picMkLst>
-        </pc:picChg>
-        <pc:picChg chg="mod">
-          <ac:chgData name="Xin Luo" userId="82312ee5779919a4" providerId="LiveId" clId="{23920C8D-EBCE-A347-9C82-C14316D20539}" dt="2022-10-25T12:09:03.730" v="478" actId="1036"/>
-          <ac:picMkLst>
-            <pc:docMk/>
-            <pc:sldMk cId="2780969545" sldId="2609"/>
-            <ac:picMk id="7170" creationId="{A3C33C8C-6841-03A7-574F-E161D6BA2409}"/>
-          </ac:picMkLst>
-        </pc:picChg>
-        <pc:cxnChg chg="mod">
-          <ac:chgData name="Xin Luo" userId="82312ee5779919a4" providerId="LiveId" clId="{23920C8D-EBCE-A347-9C82-C14316D20539}" dt="2022-10-25T12:09:03.730" v="478" actId="1036"/>
-          <ac:cxnSpMkLst>
-            <pc:docMk/>
-            <pc:sldMk cId="2780969545" sldId="2609"/>
-            <ac:cxnSpMk id="9" creationId="{FD972B84-6C44-171E-8256-D2A04F01B0C9}"/>
-          </ac:cxnSpMkLst>
-        </pc:cxnChg>
-        <pc:cxnChg chg="mod">
-          <ac:chgData name="Xin Luo" userId="82312ee5779919a4" providerId="LiveId" clId="{23920C8D-EBCE-A347-9C82-C14316D20539}" dt="2022-10-25T12:09:03.730" v="478" actId="1036"/>
-          <ac:cxnSpMkLst>
-            <pc:docMk/>
-            <pc:sldMk cId="2780969545" sldId="2609"/>
-            <ac:cxnSpMk id="16" creationId="{612BCBDC-DECE-5090-7C5B-6492FF4CE722}"/>
-          </ac:cxnSpMkLst>
-        </pc:cxnChg>
-        <pc:cxnChg chg="mod">
-          <ac:chgData name="Xin Luo" userId="82312ee5779919a4" providerId="LiveId" clId="{23920C8D-EBCE-A347-9C82-C14316D20539}" dt="2022-10-25T12:09:03.730" v="478" actId="1036"/>
-          <ac:cxnSpMkLst>
-            <pc:docMk/>
-            <pc:sldMk cId="2780969545" sldId="2609"/>
-            <ac:cxnSpMk id="17" creationId="{AF045F09-2718-C456-D477-E816A43885FF}"/>
-          </ac:cxnSpMkLst>
-        </pc:cxnChg>
-        <pc:cxnChg chg="mod">
-          <ac:chgData name="Xin Luo" userId="82312ee5779919a4" providerId="LiveId" clId="{23920C8D-EBCE-A347-9C82-C14316D20539}" dt="2022-10-25T12:09:03.730" v="478" actId="1036"/>
-          <ac:cxnSpMkLst>
-            <pc:docMk/>
-            <pc:sldMk cId="2780969545" sldId="2609"/>
-            <ac:cxnSpMk id="28" creationId="{6C11ADF7-6234-2989-2798-F5AAD5EDE3BF}"/>
-          </ac:cxnSpMkLst>
-        </pc:cxnChg>
-      </pc:sldChg>
-      <pc:sldChg chg="modSp mod">
-        <pc:chgData name="Xin Luo" userId="82312ee5779919a4" providerId="LiveId" clId="{23920C8D-EBCE-A347-9C82-C14316D20539}" dt="2022-10-26T02:56:58.658" v="480" actId="207"/>
-        <pc:sldMkLst>
-          <pc:docMk/>
-          <pc:sldMk cId="63705705" sldId="2612"/>
-        </pc:sldMkLst>
-        <pc:spChg chg="mod">
-          <ac:chgData name="Xin Luo" userId="82312ee5779919a4" providerId="LiveId" clId="{23920C8D-EBCE-A347-9C82-C14316D20539}" dt="2022-10-26T02:56:58.658" v="480" actId="207"/>
-          <ac:spMkLst>
-            <pc:docMk/>
-            <pc:sldMk cId="63705705" sldId="2612"/>
-            <ac:spMk id="63" creationId="{6400CC45-5050-7ACD-CE08-CC6D7000A1DA}"/>
-          </ac:spMkLst>
-        </pc:spChg>
-      </pc:sldChg>
-      <pc:sldChg chg="addSp modSp">
-        <pc:chgData name="Xin Luo" userId="82312ee5779919a4" providerId="LiveId" clId="{23920C8D-EBCE-A347-9C82-C14316D20539}" dt="2022-10-26T12:19:06.428" v="501" actId="767"/>
-        <pc:sldMkLst>
-          <pc:docMk/>
-          <pc:sldMk cId="963926578" sldId="2613"/>
-        </pc:sldMkLst>
-        <pc:spChg chg="add mod">
-          <ac:chgData name="Xin Luo" userId="82312ee5779919a4" providerId="LiveId" clId="{23920C8D-EBCE-A347-9C82-C14316D20539}" dt="2022-10-26T12:19:06.428" v="501" actId="767"/>
-          <ac:spMkLst>
-            <pc:docMk/>
-            <pc:sldMk cId="963926578" sldId="2613"/>
-            <ac:spMk id="2" creationId="{5F7683B3-77E0-69A9-94AE-FF04E7249325}"/>
-          </ac:spMkLst>
-        </pc:spChg>
-      </pc:sldChg>
-      <pc:sldChg chg="modSp add mod">
-        <pc:chgData name="Xin Luo" userId="82312ee5779919a4" providerId="LiveId" clId="{23920C8D-EBCE-A347-9C82-C14316D20539}" dt="2022-10-10T01:06:02.902" v="365" actId="403"/>
-        <pc:sldMkLst>
-          <pc:docMk/>
-          <pc:sldMk cId="2358282757" sldId="2714"/>
-        </pc:sldMkLst>
-        <pc:spChg chg="mod">
-          <ac:chgData name="Xin Luo" userId="82312ee5779919a4" providerId="LiveId" clId="{23920C8D-EBCE-A347-9C82-C14316D20539}" dt="2022-10-10T01:06:02.902" v="365" actId="403"/>
-          <ac:spMkLst>
-            <pc:docMk/>
-            <pc:sldMk cId="2358282757" sldId="2714"/>
-            <ac:spMk id="2" creationId="{DB381E7B-A050-4BE4-6756-9B64308C74D7}"/>
           </ac:spMkLst>
         </pc:spChg>
       </pc:sldChg>
@@ -15561,7 +15561,7 @@
         </p:nvSpPr>
         <p:spPr>
           <a:xfrm>
-            <a:off x="0" y="283461"/>
+            <a:off x="0" y="1"/>
             <a:ext cx="1835696" cy="6858000"/>
           </a:xfrm>
           <a:prstGeom prst="rect">
@@ -17129,7 +17129,7 @@
         <p:spPr>
           <a:xfrm>
             <a:off x="317665" y="1016082"/>
-            <a:ext cx="8381492" cy="5362430"/>
+            <a:ext cx="8381492" cy="4746941"/>
           </a:xfrm>
           <a:prstGeom prst="rect">
             <a:avLst/>
@@ -17528,20 +17528,6 @@
               </a:rPr>
               <a:t>数据处理能力。</a:t>
             </a:r>
-            <a:endParaRPr lang="en-US" altLang="zh-CN" sz="2000" dirty="0">
-              <a:solidFill>
-                <a:srgbClr val="262626"/>
-              </a:solidFill>
-              <a:latin typeface="+mn-ea"/>
-              <a:ea typeface="+mn-ea"/>
-            </a:endParaRPr>
-          </a:p>
-          <a:p>
-            <a:pPr algn="just">
-              <a:lnSpc>
-                <a:spcPct val="150000"/>
-              </a:lnSpc>
-            </a:pPr>
             <a:endParaRPr lang="en-US" altLang="zh-CN" sz="2000" dirty="0">
               <a:solidFill>
                 <a:srgbClr val="262626"/>
@@ -18406,7 +18392,7 @@
         <p:spPr>
           <a:xfrm>
             <a:off x="463695" y="2053629"/>
-            <a:ext cx="8085979" cy="2196883"/>
+            <a:ext cx="8085979" cy="2935547"/>
           </a:xfrm>
           <a:prstGeom prst="rect">
             <a:avLst/>
@@ -18452,7 +18438,7 @@
                 <a:latin typeface="+mn-ea"/>
                 <a:ea typeface="+mn-ea"/>
               </a:rPr>
-              <a:t>开源库制作云南大学地标区域（如图书馆、玫瑰园等）线上地图。要求地标区域不得少于</a:t>
+              <a:t>开源库制作云南大学地标区域（如图书馆、玫瑰园等）线上地图。要求标注云大呈贡校区范围，地标区域不得少于</a:t>
             </a:r>
             <a:r>
               <a:rPr lang="en-US" altLang="zh-CN" dirty="0">
@@ -18462,7 +18448,7 @@
                 <a:latin typeface="+mn-ea"/>
                 <a:ea typeface="+mn-ea"/>
               </a:rPr>
-              <a:t>10</a:t>
+              <a:t>5</a:t>
             </a:r>
             <a:r>
               <a:rPr lang="zh-CN" altLang="en-US" dirty="0">
@@ -18472,17 +18458,7 @@
                 <a:latin typeface="+mn-ea"/>
                 <a:ea typeface="+mn-ea"/>
               </a:rPr>
-              <a:t>处，线上地图简洁规范、包含信息充分，用户操作</a:t>
-            </a:r>
-            <a:r>
-              <a:rPr lang="zh-CN" altLang="en-US">
-                <a:solidFill>
-                  <a:srgbClr val="333333"/>
-                </a:solidFill>
-                <a:latin typeface="+mn-ea"/>
-                <a:ea typeface="+mn-ea"/>
-              </a:rPr>
-              <a:t>体验良好。</a:t>
+              <a:t>处，线上地图简洁规范、包含信息充分，用户操作体验良好。</a:t>
             </a:r>
             <a:endParaRPr lang="en-US" altLang="zh-CN" dirty="0">
               <a:solidFill>
